--- a/Poster/NSDI Poster.pptx
+++ b/Poster/NSDI Poster.pptx
@@ -203,7 +203,7 @@
           <a:p>
             <a:fld id="{F1C0B079-A316-4C9B-B165-DF9EA8325D2C}" type="datetimeFigureOut">
               <a:rPr lang="en-US" smtClean="0"/>
-              <a:t>3/26/18</a:t>
+              <a:t>4/1/18</a:t>
             </a:fld>
             <a:endParaRPr lang="en-US"/>
           </a:p>
@@ -368,7 +368,7 @@
           <a:p>
             <a:fld id="{38F28AB8-57D1-494F-9851-055AD867E790}" type="datetimeFigureOut">
               <a:rPr lang="en-US" smtClean="0"/>
-              <a:t>3/26/18</a:t>
+              <a:t>4/1/18</a:t>
             </a:fld>
             <a:endParaRPr lang="en-US"/>
           </a:p>
@@ -1876,7 +1876,7 @@
             <a:fld id="{ECAA57DF-1C19-4726-AB84-014692BAD8F5}" type="datetimeFigureOut">
               <a:rPr lang="en-US" smtClean="0"/>
               <a:pPr/>
-              <a:t>3/26/18</a:t>
+              <a:t>4/1/18</a:t>
             </a:fld>
             <a:endParaRPr lang="en-US"/>
           </a:p>
@@ -3284,7 +3284,7 @@
             <a:fld id="{ECAA57DF-1C19-4726-AB84-014692BAD8F5}" type="datetimeFigureOut">
               <a:rPr lang="en-US" smtClean="0"/>
               <a:pPr/>
-              <a:t>3/26/18</a:t>
+              <a:t>4/1/18</a:t>
             </a:fld>
             <a:endParaRPr lang="en-US"/>
           </a:p>
@@ -4686,7 +4686,7 @@
             <a:fld id="{ECAA57DF-1C19-4726-AB84-014692BAD8F5}" type="datetimeFigureOut">
               <a:rPr lang="en-US" smtClean="0"/>
               <a:pPr/>
-              <a:t>3/26/18</a:t>
+              <a:t>4/1/18</a:t>
             </a:fld>
             <a:endParaRPr lang="en-US"/>
           </a:p>
@@ -4949,7 +4949,7 @@
           <a:p>
             <a:fld id="{ECAA57DF-1C19-4726-AB84-014692BAD8F5}" type="datetimeFigureOut">
               <a:rPr lang="en-US" smtClean="0"/>
-              <a:t>3/26/18</a:t>
+              <a:t>4/1/18</a:t>
             </a:fld>
             <a:endParaRPr lang="en-US"/>
           </a:p>
@@ -8736,7 +8736,7 @@
             <a:fld id="{ECAA57DF-1C19-4726-AB84-014692BAD8F5}" type="datetimeFigureOut">
               <a:rPr lang="en-US" smtClean="0"/>
               <a:pPr/>
-              <a:t>3/26/18</a:t>
+              <a:t>4/1/18</a:t>
             </a:fld>
             <a:endParaRPr lang="en-US"/>
           </a:p>
@@ -10072,7 +10072,7 @@
             <a:fld id="{ECAA57DF-1C19-4726-AB84-014692BAD8F5}" type="datetimeFigureOut">
               <a:rPr lang="en-US" smtClean="0"/>
               <a:pPr/>
-              <a:t>3/26/18</a:t>
+              <a:t>4/1/18</a:t>
             </a:fld>
             <a:endParaRPr lang="en-US"/>
           </a:p>
@@ -11542,7 +11542,7 @@
             <a:fld id="{ECAA57DF-1C19-4726-AB84-014692BAD8F5}" type="datetimeFigureOut">
               <a:rPr lang="en-US" smtClean="0"/>
               <a:pPr/>
-              <a:t>3/26/18</a:t>
+              <a:t>4/1/18</a:t>
             </a:fld>
             <a:endParaRPr lang="en-US"/>
           </a:p>
@@ -13156,7 +13156,7 @@
             <a:fld id="{ECAA57DF-1C19-4726-AB84-014692BAD8F5}" type="datetimeFigureOut">
               <a:rPr lang="en-US" smtClean="0"/>
               <a:pPr/>
-              <a:t>3/26/18</a:t>
+              <a:t>4/1/18</a:t>
             </a:fld>
             <a:endParaRPr lang="en-US"/>
           </a:p>
@@ -14503,7 +14503,7 @@
             <a:fld id="{ECAA57DF-1C19-4726-AB84-014692BAD8F5}" type="datetimeFigureOut">
               <a:rPr lang="en-US" smtClean="0"/>
               <a:pPr/>
-              <a:t>3/26/18</a:t>
+              <a:t>4/1/18</a:t>
             </a:fld>
             <a:endParaRPr lang="en-US"/>
           </a:p>
@@ -14610,7 +14610,7 @@
             <a:fld id="{ECAA57DF-1C19-4726-AB84-014692BAD8F5}" type="datetimeFigureOut">
               <a:rPr lang="en-US" smtClean="0"/>
               <a:pPr/>
-              <a:t>3/26/18</a:t>
+              <a:t>4/1/18</a:t>
             </a:fld>
             <a:endParaRPr lang="en-US"/>
           </a:p>
@@ -16087,7 +16087,7 @@
             <a:fld id="{ECAA57DF-1C19-4726-AB84-014692BAD8F5}" type="datetimeFigureOut">
               <a:rPr lang="en-US" smtClean="0"/>
               <a:pPr/>
-              <a:t>3/26/18</a:t>
+              <a:t>4/1/18</a:t>
             </a:fld>
             <a:endParaRPr lang="en-US"/>
           </a:p>
@@ -17451,7 +17451,7 @@
             <a:fld id="{ECAA57DF-1C19-4726-AB84-014692BAD8F5}" type="datetimeFigureOut">
               <a:rPr lang="en-US" smtClean="0"/>
               <a:pPr/>
-              <a:t>3/26/18</a:t>
+              <a:t>4/1/18</a:t>
             </a:fld>
             <a:endParaRPr lang="en-US"/>
           </a:p>
@@ -17703,7 +17703,7 @@
             <a:fld id="{ECAA57DF-1C19-4726-AB84-014692BAD8F5}" type="datetimeFigureOut">
               <a:rPr lang="en-US" smtClean="0"/>
               <a:pPr/>
-              <a:t>3/26/18</a:t>
+              <a:t>4/1/18</a:t>
             </a:fld>
             <a:endParaRPr lang="en-US"/>
           </a:p>
@@ -18288,10 +18288,9 @@
           <a:lstStyle/>
           <a:p>
             <a:r>
-              <a:rPr lang="en-US" dirty="0" err="1"/>
-              <a:t>INtroduction</a:t>
+              <a:rPr lang="en-US" dirty="0"/>
+              <a:t>Introduction</a:t>
             </a:r>
-            <a:endParaRPr lang="en-US" dirty="0"/>
           </a:p>
         </p:txBody>
       </p:sp>
@@ -18307,8 +18306,8 @@
         </p:nvSpPr>
         <p:spPr>
           <a:xfrm>
-            <a:off x="1283494" y="7320915"/>
-            <a:ext cx="6710132" cy="7531552"/>
+            <a:off x="1261309" y="12273074"/>
+            <a:ext cx="12107781" cy="2674369"/>
           </a:xfrm>
         </p:spPr>
         <p:txBody>
@@ -18319,37 +18318,19 @@
           <a:p>
             <a:r>
               <a:rPr lang="en-US" sz="2800" dirty="0"/>
-              <a:t>Configurations are often complex, consisting of thousands of lines of low-level directives and dozens of symbolic references</a:t>
+              <a:t>State of the art tools offer simple tab-completion and preset templates</a:t>
             </a:r>
           </a:p>
           <a:p>
             <a:r>
               <a:rPr lang="en-US" sz="2800" dirty="0"/>
-              <a:t>Configuration errors are common and the leading cause of network outages</a:t>
+              <a:t>We predict a code completion engine would offer better resilience to human errors</a:t>
             </a:r>
           </a:p>
           <a:p>
-            <a:r>
-              <a:rPr lang="en-US" sz="2800" dirty="0"/>
-              <a:t>We propose a simple, yet powerful model inspired by code completion techniques and NLP research.</a:t>
-            </a:r>
-          </a:p>
-          <a:p>
-            <a:pPr marL="0" indent="0">
-              <a:buNone/>
-            </a:pPr>
             <a:endParaRPr lang="en-US" sz="2800" dirty="0"/>
           </a:p>
           <a:p>
-            <a:pPr marL="0" indent="0">
-              <a:buNone/>
-            </a:pPr>
-            <a:endParaRPr lang="en-US" sz="2800" dirty="0"/>
-          </a:p>
-          <a:p>
-            <a:pPr marL="0" indent="0">
-              <a:buNone/>
-            </a:pPr>
             <a:endParaRPr lang="en-US" sz="2800" dirty="0"/>
           </a:p>
         </p:txBody>
@@ -18364,14 +18345,19 @@
             <p:ph type="body" sz="quarter" idx="17"/>
           </p:nvPr>
         </p:nvSpPr>
-        <p:spPr/>
+        <p:spPr>
+          <a:xfrm>
+            <a:off x="1435894" y="15464320"/>
+            <a:ext cx="12801600" cy="1219200"/>
+          </a:xfrm>
+        </p:spPr>
         <p:txBody>
           <a:bodyPr/>
           <a:lstStyle/>
           <a:p>
             <a:r>
               <a:rPr lang="en-US" dirty="0"/>
-              <a:t>background</a:t>
+              <a:t>Feasibility analysis</a:t>
             </a:r>
           </a:p>
         </p:txBody>
@@ -18392,7 +18378,12 @@
             <p:ph sz="quarter" idx="25"/>
           </p:nvPr>
         </p:nvSpPr>
-        <p:spPr/>
+        <p:spPr>
+          <a:xfrm>
+            <a:off x="1143000" y="17314801"/>
+            <a:ext cx="12801600" cy="4936178"/>
+          </a:xfrm>
+        </p:spPr>
         <p:txBody>
           <a:bodyPr>
             <a:normAutofit/>
@@ -18401,23 +18392,20 @@
           <a:p>
             <a:r>
               <a:rPr lang="en-US" sz="2800" dirty="0"/>
-              <a:t>Previous measurement students have found extensive use of templates in configurations from actual networks</a:t>
+              <a:t>Previous measurement studies have revealed extensive use of templates in network configurations</a:t>
             </a:r>
           </a:p>
           <a:p>
             <a:r>
               <a:rPr lang="en-US" sz="2800" dirty="0"/>
-              <a:t>We expect a network’s configurations to share a common set of tokens and statements</a:t>
+              <a:t>Our observations indicate that most of a device’s configuration could be constructed from existing configurations</a:t>
             </a:r>
           </a:p>
           <a:p>
             <a:r>
               <a:rPr lang="en-US" sz="2800" dirty="0"/>
-              <a:t>Our observations indicate that most of a device’s configuration could be constructed from existing configurations </a:t>
+              <a:t>Our prediction engine thus constructs a model from histories of configurations</a:t>
             </a:r>
-          </a:p>
-          <a:p>
-            <a:endParaRPr lang="en-US" sz="2800" dirty="0"/>
           </a:p>
           <a:p>
             <a:pPr marL="0" indent="0">
@@ -18447,7 +18435,7 @@
             </p:nvSpPr>
             <p:spPr>
               <a:xfrm>
-                <a:off x="15544800" y="7759946"/>
+                <a:off x="15890528" y="15896176"/>
                 <a:ext cx="12801600" cy="4104191"/>
               </a:xfrm>
             </p:spPr>
@@ -18458,86 +18446,64 @@
               <a:lstStyle/>
               <a:p>
                 <a:r>
-                  <a:rPr lang="en-US" sz="2800" dirty="0">
-                    <a:latin typeface="Cambria Math" panose="02040503050406030204" pitchFamily="18" charset="0"/>
-                  </a:rPr>
+                  <a:rPr lang="en-US" sz="2800" dirty="0"/>
                   <a:t>N-grams are simple techniques that allow us to model how likely one token is to follow another one</a:t>
                 </a:r>
               </a:p>
               <a:p>
                 <a:r>
-                  <a:rPr lang="en-US" sz="2800" dirty="0">
-                    <a:latin typeface="Cambria Math" panose="02040503050406030204" pitchFamily="18" charset="0"/>
-                  </a:rPr>
+                  <a:rPr lang="en-US" sz="2800" dirty="0"/>
                   <a:t>Using previous </a:t>
                 </a:r>
                 <a14:m>
                   <m:oMath xmlns:m="http://schemas.openxmlformats.org/officeDocument/2006/math">
                     <m:r>
-                      <a:rPr lang="en-US" sz="2800" b="0" i="1" smtClean="0">
-                        <a:latin typeface="Cambria Math" panose="02040503050406030204" pitchFamily="18" charset="0"/>
-                      </a:rPr>
+                      <a:rPr lang="en-US" sz="2800" b="0" i="1" smtClean="0"/>
                       <m:t>𝑛</m:t>
                     </m:r>
                     <m:r>
-                      <a:rPr lang="en-US" sz="2800" b="0" i="1" smtClean="0">
-                        <a:latin typeface="Cambria Math" panose="02040503050406030204" pitchFamily="18" charset="0"/>
-                      </a:rPr>
+                      <a:rPr lang="en-US" sz="2800" b="0" i="1" smtClean="0"/>
                       <m:t>−1</m:t>
                     </m:r>
                   </m:oMath>
                 </a14:m>
                 <a:r>
-                  <a:rPr lang="en-US" sz="2800" dirty="0">
-                    <a:latin typeface="Cambria Math" panose="02040503050406030204" pitchFamily="18" charset="0"/>
-                  </a:rPr>
+                  <a:rPr lang="en-US" sz="2800" dirty="0"/>
                   <a:t> tokens, we predict the probability of the next one</a:t>
                 </a:r>
-                <a:endParaRPr lang="en-US" sz="2800" i="1" dirty="0">
-                  <a:latin typeface="Cambria Math" panose="02040503050406030204" pitchFamily="18" charset="0"/>
-                </a:endParaRPr>
+                <a:endParaRPr lang="en-US" sz="2800" i="1" dirty="0"/>
               </a:p>
               <a:p>
                 <a:pPr lvl="1"/>
                 <a14:m>
                   <m:oMath xmlns:m="http://schemas.openxmlformats.org/officeDocument/2006/math">
                     <m:r>
-                      <a:rPr lang="en-US" sz="1840" b="0" i="1" smtClean="0">
-                        <a:latin typeface="Cambria Math" panose="02040503050406030204" pitchFamily="18" charset="0"/>
-                      </a:rPr>
+                      <a:rPr lang="en-US" sz="2800" b="0" i="1" smtClean="0"/>
                       <m:t>𝑃</m:t>
                     </m:r>
                     <m:d>
                       <m:dPr>
                         <m:endChr m:val="|"/>
                         <m:ctrlPr>
-                          <a:rPr lang="en-US" sz="1840" b="0" i="1" smtClean="0">
-                            <a:latin typeface="Cambria Math" panose="02040503050406030204" pitchFamily="18" charset="0"/>
-                          </a:rPr>
+                          <a:rPr lang="en-US" sz="2800" b="0" i="1" smtClean="0"/>
                         </m:ctrlPr>
                       </m:dPr>
                       <m:e>
                         <m:sSub>
                           <m:sSubPr>
                             <m:ctrlPr>
-                              <a:rPr lang="en-US" sz="1840" b="0" i="1" smtClean="0">
-                                <a:latin typeface="Cambria Math" panose="02040503050406030204" pitchFamily="18" charset="0"/>
-                              </a:rPr>
+                              <a:rPr lang="en-US" sz="2800" b="0" i="1" smtClean="0"/>
                             </m:ctrlPr>
                           </m:sSubPr>
                           <m:e>
                             <m:r>
-                              <a:rPr lang="en-US" sz="1840" b="0" i="1" smtClean="0">
-                                <a:latin typeface="Cambria Math" panose="02040503050406030204" pitchFamily="18" charset="0"/>
-                              </a:rPr>
+                              <a:rPr lang="en-US" sz="2800" b="0" i="1" smtClean="0"/>
                               <m:t>𝑤</m:t>
                             </m:r>
                           </m:e>
                           <m:sub>
                             <m:r>
-                              <a:rPr lang="en-US" sz="1840" b="0" i="1" smtClean="0">
-                                <a:latin typeface="Cambria Math" panose="02040503050406030204" pitchFamily="18" charset="0"/>
-                              </a:rPr>
+                              <a:rPr lang="en-US" sz="2800" b="0" i="1" smtClean="0"/>
                               <m:t>𝑛</m:t>
                             </m:r>
                           </m:sub>
@@ -18545,163 +18511,121 @@
                       </m:e>
                     </m:d>
                     <m:r>
-                      <a:rPr lang="en-US" sz="1840" b="0" i="1" smtClean="0">
-                        <a:latin typeface="Cambria Math" panose="02040503050406030204" pitchFamily="18" charset="0"/>
-                      </a:rPr>
+                      <a:rPr lang="en-US" sz="2800" b="0" i="1" smtClean="0"/>
                       <m:t> </m:t>
                     </m:r>
                     <m:sSub>
                       <m:sSubPr>
                         <m:ctrlPr>
-                          <a:rPr lang="en-US" sz="1840" b="0" i="1" smtClean="0">
-                            <a:latin typeface="Cambria Math" panose="02040503050406030204" pitchFamily="18" charset="0"/>
-                          </a:rPr>
+                          <a:rPr lang="en-US" sz="2800" b="0" i="1" smtClean="0"/>
                         </m:ctrlPr>
                       </m:sSubPr>
                       <m:e>
                         <m:r>
-                          <a:rPr lang="en-US" sz="1840" b="0" i="1" smtClean="0">
-                            <a:latin typeface="Cambria Math" panose="02040503050406030204" pitchFamily="18" charset="0"/>
-                          </a:rPr>
+                          <a:rPr lang="en-US" sz="2800" b="0" i="1" smtClean="0"/>
                           <m:t>𝑤</m:t>
                         </m:r>
                       </m:e>
                       <m:sub>
                         <m:r>
-                          <a:rPr lang="en-US" sz="1840" b="0" i="1" smtClean="0">
-                            <a:latin typeface="Cambria Math" panose="02040503050406030204" pitchFamily="18" charset="0"/>
-                          </a:rPr>
+                          <a:rPr lang="en-US" sz="2800" b="0" i="1" smtClean="0"/>
                           <m:t>𝑛</m:t>
                         </m:r>
                         <m:r>
-                          <a:rPr lang="en-US" sz="1840" b="0" i="1" smtClean="0">
-                            <a:latin typeface="Cambria Math" panose="02040503050406030204" pitchFamily="18" charset="0"/>
-                          </a:rPr>
+                          <a:rPr lang="en-US" sz="2800" b="0" i="1" smtClean="0"/>
                           <m:t>−1</m:t>
                         </m:r>
                       </m:sub>
                     </m:sSub>
                     <m:r>
-                      <a:rPr lang="en-US" sz="1840" b="0" i="1" smtClean="0">
-                        <a:latin typeface="Cambria Math" panose="02040503050406030204" pitchFamily="18" charset="0"/>
-                      </a:rPr>
+                      <a:rPr lang="en-US" sz="2800" b="0" i="1" smtClean="0"/>
                       <m:t>,</m:t>
                     </m:r>
                     <m:sSub>
                       <m:sSubPr>
                         <m:ctrlPr>
-                          <a:rPr lang="en-US" sz="1840" i="1" smtClean="0">
-                            <a:latin typeface="Cambria Math" panose="02040503050406030204" pitchFamily="18" charset="0"/>
-                          </a:rPr>
+                          <a:rPr lang="en-US" sz="2800" i="1" smtClean="0"/>
                         </m:ctrlPr>
                       </m:sSubPr>
                       <m:e>
                         <m:r>
-                          <a:rPr lang="en-US" sz="1840" i="1">
-                            <a:latin typeface="Cambria Math" panose="02040503050406030204" pitchFamily="18" charset="0"/>
-                          </a:rPr>
+                          <a:rPr lang="en-US" sz="2800" i="1"/>
                           <m:t>𝑤</m:t>
                         </m:r>
                       </m:e>
                       <m:sub>
                         <m:r>
-                          <a:rPr lang="en-US" sz="1840" i="1">
-                            <a:latin typeface="Cambria Math" panose="02040503050406030204" pitchFamily="18" charset="0"/>
-                          </a:rPr>
+                          <a:rPr lang="en-US" sz="2800" i="1"/>
                           <m:t>𝑛</m:t>
                         </m:r>
                         <m:r>
-                          <a:rPr lang="en-US" sz="1840" i="1">
-                            <a:latin typeface="Cambria Math" panose="02040503050406030204" pitchFamily="18" charset="0"/>
-                          </a:rPr>
+                          <a:rPr lang="en-US" sz="2800" i="1"/>
                           <m:t>−2</m:t>
                         </m:r>
                       </m:sub>
                     </m:sSub>
                     <m:r>
-                      <a:rPr lang="en-US" sz="1840" b="0" i="1" smtClean="0">
-                        <a:latin typeface="Cambria Math" panose="02040503050406030204" pitchFamily="18" charset="0"/>
-                      </a:rPr>
+                      <a:rPr lang="en-US" sz="2800" b="0" i="1" smtClean="0"/>
                       <m:t>,</m:t>
                     </m:r>
                     <m:sSub>
                       <m:sSubPr>
                         <m:ctrlPr>
-                          <a:rPr lang="en-US" sz="1840" i="1">
-                            <a:latin typeface="Cambria Math" panose="02040503050406030204" pitchFamily="18" charset="0"/>
-                          </a:rPr>
+                          <a:rPr lang="en-US" sz="2800" i="1"/>
                         </m:ctrlPr>
                       </m:sSubPr>
                       <m:e>
                         <m:r>
-                          <a:rPr lang="en-US" sz="1840" i="1">
-                            <a:latin typeface="Cambria Math" panose="02040503050406030204" pitchFamily="18" charset="0"/>
-                          </a:rPr>
+                          <a:rPr lang="en-US" sz="2800" i="1"/>
                           <m:t>𝑤</m:t>
                         </m:r>
                       </m:e>
                       <m:sub>
                         <m:r>
-                          <a:rPr lang="en-US" sz="1840" i="1">
-                            <a:latin typeface="Cambria Math" panose="02040503050406030204" pitchFamily="18" charset="0"/>
-                          </a:rPr>
+                          <a:rPr lang="en-US" sz="2800" i="1"/>
                           <m:t>𝑛</m:t>
                         </m:r>
                         <m:r>
-                          <a:rPr lang="en-US" sz="1840" i="1">
-                            <a:latin typeface="Cambria Math" panose="02040503050406030204" pitchFamily="18" charset="0"/>
-                          </a:rPr>
+                          <a:rPr lang="en-US" sz="2800" i="1"/>
                           <m:t>−3</m:t>
                         </m:r>
                       </m:sub>
                     </m:sSub>
                     <m:r>
-                      <a:rPr lang="en-US" sz="1840" b="0" i="1" smtClean="0">
-                        <a:latin typeface="Cambria Math" panose="02040503050406030204" pitchFamily="18" charset="0"/>
-                      </a:rPr>
+                      <a:rPr lang="en-US" sz="2800" b="0" i="1" smtClean="0"/>
                       <m:t>, …,</m:t>
                     </m:r>
                     <m:sSub>
                       <m:sSubPr>
                         <m:ctrlPr>
-                          <a:rPr lang="en-US" sz="1840" i="1">
-                            <a:latin typeface="Cambria Math" panose="02040503050406030204" pitchFamily="18" charset="0"/>
-                          </a:rPr>
+                          <a:rPr lang="en-US" sz="2800" i="1"/>
                         </m:ctrlPr>
                       </m:sSubPr>
                       <m:e>
                         <m:r>
-                          <a:rPr lang="en-US" sz="1840" i="1">
-                            <a:latin typeface="Cambria Math" panose="02040503050406030204" pitchFamily="18" charset="0"/>
-                          </a:rPr>
+                          <a:rPr lang="en-US" sz="2800" i="1"/>
                           <m:t>𝑤</m:t>
                         </m:r>
                       </m:e>
                       <m:sub>
                         <m:r>
-                          <a:rPr lang="en-US" sz="1840" i="1">
-                            <a:latin typeface="Cambria Math" panose="02040503050406030204" pitchFamily="18" charset="0"/>
-                          </a:rPr>
+                          <a:rPr lang="en-US" sz="2800" i="1"/>
                           <m:t>1</m:t>
                         </m:r>
                       </m:sub>
                     </m:sSub>
                     <m:r>
-                      <a:rPr lang="en-US" sz="1840" b="0" i="1" smtClean="0">
-                        <a:latin typeface="Cambria Math" panose="02040503050406030204" pitchFamily="18" charset="0"/>
-                      </a:rPr>
+                      <a:rPr lang="en-US" sz="2800" b="0" i="1" smtClean="0"/>
                       <m:t>) </m:t>
                     </m:r>
                     <m:r>
-                      <a:rPr lang="en-US" sz="1840" b="0" i="1" smtClean="0">
-                        <a:latin typeface="Cambria Math" panose="02040503050406030204" pitchFamily="18" charset="0"/>
+                      <a:rPr lang="en-US" sz="2800" b="0" i="1" smtClean="0">
                         <a:ea typeface="Cambria Math" panose="02040503050406030204" pitchFamily="18" charset="0"/>
                       </a:rPr>
                       <m:t>≈</m:t>
                     </m:r>
                     <m:r>
-                      <a:rPr lang="en-US" sz="1840" b="0" i="1" smtClean="0">
-                        <a:latin typeface="Cambria Math" panose="02040503050406030204" pitchFamily="18" charset="0"/>
+                      <a:rPr lang="en-US" sz="2800" b="0" i="1" smtClean="0">
                         <a:ea typeface="Cambria Math" panose="02040503050406030204" pitchFamily="18" charset="0"/>
                       </a:rPr>
                       <m:t>𝑃</m:t>
@@ -18710,33 +18634,25 @@
                       <m:dPr>
                         <m:endChr m:val="|"/>
                         <m:ctrlPr>
-                          <a:rPr lang="en-US" sz="1840" i="1">
-                            <a:latin typeface="Cambria Math" panose="02040503050406030204" pitchFamily="18" charset="0"/>
-                          </a:rPr>
+                          <a:rPr lang="en-US" sz="2800" i="1"/>
                         </m:ctrlPr>
                       </m:dPr>
                       <m:e>
                         <m:sSub>
                           <m:sSubPr>
                             <m:ctrlPr>
-                              <a:rPr lang="en-US" sz="1840" i="1">
-                                <a:latin typeface="Cambria Math" panose="02040503050406030204" pitchFamily="18" charset="0"/>
-                              </a:rPr>
+                              <a:rPr lang="en-US" sz="2800" i="1"/>
                             </m:ctrlPr>
                           </m:sSubPr>
                           <m:e>
                             <m:r>
-                              <a:rPr lang="en-US" sz="1840" i="1">
-                                <a:latin typeface="Cambria Math" panose="02040503050406030204" pitchFamily="18" charset="0"/>
-                              </a:rPr>
+                              <a:rPr lang="en-US" sz="2800" i="1"/>
                               <m:t>𝑤</m:t>
                             </m:r>
                           </m:e>
                           <m:sub>
                             <m:r>
-                              <a:rPr lang="en-US" sz="1840" i="1">
-                                <a:latin typeface="Cambria Math" panose="02040503050406030204" pitchFamily="18" charset="0"/>
-                              </a:rPr>
+                              <a:rPr lang="en-US" sz="2800" i="1"/>
                               <m:t>𝑛</m:t>
                             </m:r>
                           </m:sub>
@@ -18744,94 +18660,69 @@
                       </m:e>
                     </m:d>
                     <m:r>
-                      <a:rPr lang="en-US" sz="1840" i="1">
-                        <a:latin typeface="Cambria Math" panose="02040503050406030204" pitchFamily="18" charset="0"/>
-                      </a:rPr>
+                      <a:rPr lang="en-US" sz="2800" i="1"/>
                       <m:t> </m:t>
                     </m:r>
                     <m:sSub>
                       <m:sSubPr>
                         <m:ctrlPr>
-                          <a:rPr lang="en-US" sz="1840" i="1">
-                            <a:latin typeface="Cambria Math" panose="02040503050406030204" pitchFamily="18" charset="0"/>
-                          </a:rPr>
+                          <a:rPr lang="en-US" sz="2800" i="1"/>
                         </m:ctrlPr>
                       </m:sSubPr>
                       <m:e>
                         <m:r>
-                          <a:rPr lang="en-US" sz="1840" i="1">
-                            <a:latin typeface="Cambria Math" panose="02040503050406030204" pitchFamily="18" charset="0"/>
-                          </a:rPr>
+                          <a:rPr lang="en-US" sz="2800" i="1"/>
                           <m:t>𝑤</m:t>
                         </m:r>
                       </m:e>
                       <m:sub>
                         <m:r>
-                          <a:rPr lang="en-US" sz="1840" i="1">
-                            <a:latin typeface="Cambria Math" panose="02040503050406030204" pitchFamily="18" charset="0"/>
-                          </a:rPr>
+                          <a:rPr lang="en-US" sz="2800" i="1"/>
                           <m:t>𝑛</m:t>
                         </m:r>
                         <m:r>
-                          <a:rPr lang="en-US" sz="1840" i="1">
-                            <a:latin typeface="Cambria Math" panose="02040503050406030204" pitchFamily="18" charset="0"/>
-                          </a:rPr>
+                          <a:rPr lang="en-US" sz="2800" i="1"/>
                           <m:t>−1</m:t>
                         </m:r>
                       </m:sub>
                     </m:sSub>
                     <m:r>
-                      <a:rPr lang="en-US" sz="1840" i="1">
-                        <a:latin typeface="Cambria Math" panose="02040503050406030204" pitchFamily="18" charset="0"/>
-                      </a:rPr>
+                      <a:rPr lang="en-US" sz="2800" i="1"/>
                       <m:t>, …,</m:t>
                     </m:r>
                     <m:sSub>
                       <m:sSubPr>
                         <m:ctrlPr>
-                          <a:rPr lang="en-US" sz="1840" i="1">
-                            <a:latin typeface="Cambria Math" panose="02040503050406030204" pitchFamily="18" charset="0"/>
-                          </a:rPr>
+                          <a:rPr lang="en-US" sz="2800" i="1"/>
                         </m:ctrlPr>
                       </m:sSubPr>
                       <m:e>
                         <m:r>
-                          <a:rPr lang="en-US" sz="1840" i="1">
-                            <a:latin typeface="Cambria Math" panose="02040503050406030204" pitchFamily="18" charset="0"/>
-                          </a:rPr>
+                          <a:rPr lang="en-US" sz="2800" i="1"/>
                           <m:t>𝑤</m:t>
                         </m:r>
                       </m:e>
                       <m:sub>
                         <m:r>
-                          <a:rPr lang="en-US" sz="1840" b="0" i="1" smtClean="0">
-                            <a:latin typeface="Cambria Math" panose="02040503050406030204" pitchFamily="18" charset="0"/>
-                          </a:rPr>
+                          <a:rPr lang="en-US" sz="2800" b="0" i="1" smtClean="0"/>
                           <m:t>𝑛</m:t>
                         </m:r>
                         <m:r>
-                          <a:rPr lang="en-US" sz="1840" b="0" i="1" smtClean="0">
-                            <a:latin typeface="Cambria Math" panose="02040503050406030204" pitchFamily="18" charset="0"/>
-                          </a:rPr>
+                          <a:rPr lang="en-US" sz="2800" b="0" i="1" smtClean="0"/>
                           <m:t>−</m:t>
                         </m:r>
                         <m:r>
-                          <a:rPr lang="en-US" sz="1840" b="0" i="1" smtClean="0">
-                            <a:latin typeface="Cambria Math" panose="02040503050406030204" pitchFamily="18" charset="0"/>
-                          </a:rPr>
+                          <a:rPr lang="en-US" sz="2800" b="0" i="1" smtClean="0"/>
                           <m:t>𝑁</m:t>
                         </m:r>
                         <m:r>
-                          <a:rPr lang="en-US" sz="1840" b="0" i="1" smtClean="0">
-                            <a:latin typeface="Cambria Math" panose="02040503050406030204" pitchFamily="18" charset="0"/>
-                          </a:rPr>
+                          <a:rPr lang="en-US" sz="2800" b="0" i="1" smtClean="0"/>
                           <m:t>+1</m:t>
                         </m:r>
                       </m:sub>
                     </m:sSub>
                     <m:r>
-                      <a:rPr lang="en-US" sz="1840" b="0" i="1" smtClean="0">
-                        <a:latin typeface="Cambria Math" panose="02040503050406030204" pitchFamily="18" charset="0"/>
+                      <a:rPr lang="en-US" sz="2800" b="0" i="1" smtClean="0">
                         <a:ea typeface="Cambria Math" panose="02040503050406030204" pitchFamily="18" charset="0"/>
                       </a:rPr>
                       <m:t>)</m:t>
@@ -18839,15 +18730,13 @@
                   </m:oMath>
                 </a14:m>
                 <a:r>
-                  <a:rPr lang="en-US" sz="1840" dirty="0"/>
+                  <a:rPr lang="en-US" sz="2800" dirty="0"/>
                   <a:t> </a:t>
                 </a:r>
               </a:p>
               <a:p>
                 <a:r>
-                  <a:rPr lang="en-US" sz="2800" dirty="0">
-                    <a:latin typeface="Cambria Math" panose="02040503050406030204" pitchFamily="18" charset="0"/>
-                  </a:rPr>
+                  <a:rPr lang="en-US" sz="2800" dirty="0"/>
                   <a:t>We use likelihood estimators to score our N-grams</a:t>
                 </a:r>
               </a:p>
@@ -18879,13 +18768,13 @@
             </p:nvSpPr>
             <p:spPr>
               <a:xfrm>
-                <a:off x="15544800" y="7759946"/>
+                <a:off x="15890528" y="15896176"/>
                 <a:ext cx="12801600" cy="4104191"/>
               </a:xfrm>
               <a:blipFill>
                 <a:blip r:embed="rId3"/>
                 <a:stretch>
-                  <a:fillRect l="-1091" r="-496"/>
+                  <a:fillRect l="-892"/>
                 </a:stretch>
               </a:blipFill>
             </p:spPr>
@@ -18914,14 +18803,19 @@
             <p:ph type="body" sz="quarter" idx="29"/>
           </p:nvPr>
         </p:nvSpPr>
-        <p:spPr/>
+        <p:spPr>
+          <a:xfrm>
+            <a:off x="15890528" y="5852160"/>
+            <a:ext cx="12801600" cy="1219200"/>
+          </a:xfrm>
+        </p:spPr>
         <p:txBody>
           <a:bodyPr/>
           <a:lstStyle/>
           <a:p>
             <a:r>
               <a:rPr lang="en-US" dirty="0"/>
-              <a:t>Another section</a:t>
+              <a:t>placeholders</a:t>
             </a:r>
           </a:p>
         </p:txBody>
@@ -19251,7 +19145,7 @@
         </p:nvSpPr>
         <p:spPr>
           <a:xfrm>
-            <a:off x="1213247" y="27443097"/>
+            <a:off x="1263527" y="28458094"/>
             <a:ext cx="12661106" cy="1303867"/>
           </a:xfrm>
           <a:prstGeom prst="rect">
@@ -19497,7 +19391,7 @@
         </p:blipFill>
         <p:spPr>
           <a:xfrm>
-            <a:off x="2467719" y="21188115"/>
+            <a:off x="2517999" y="22203112"/>
             <a:ext cx="10125122" cy="6254982"/>
           </a:xfrm>
           <a:prstGeom prst="rect">
@@ -19521,7 +19415,7 @@
         </p:nvSpPr>
         <p:spPr>
           <a:xfrm>
-            <a:off x="15521940" y="5987264"/>
+            <a:off x="15867668" y="14123494"/>
             <a:ext cx="12801600" cy="1219200"/>
           </a:xfrm>
           <a:prstGeom prst="round1Rect">
@@ -19729,7 +19623,7 @@
           <a:p>
             <a:r>
               <a:rPr lang="en-US" dirty="0"/>
-              <a:t>N-gram Models</a:t>
+              <a:t>N-gram Model</a:t>
             </a:r>
           </a:p>
         </p:txBody>
@@ -19763,7 +19657,7 @@
         </p:blipFill>
         <p:spPr bwMode="auto">
           <a:xfrm>
-            <a:off x="7993627" y="8836862"/>
+            <a:off x="8146026" y="7473315"/>
             <a:ext cx="6061910" cy="4068150"/>
           </a:xfrm>
           <a:prstGeom prst="rect">
@@ -21300,7 +21194,7 @@
         </p:nvSpPr>
         <p:spPr>
           <a:xfrm>
-            <a:off x="15517514" y="12295412"/>
+            <a:off x="15863242" y="20431642"/>
             <a:ext cx="12801600" cy="1219200"/>
           </a:xfrm>
           <a:prstGeom prst="round1Rect">
@@ -21525,10 +21419,9 @@
           </a:lstStyle>
           <a:p>
             <a:r>
-              <a:rPr lang="en-US"/>
-              <a:t>methods</a:t>
+              <a:rPr lang="en-US" dirty="0"/>
+              <a:t>Testing methodology</a:t>
             </a:r>
-            <a:endParaRPr lang="en-US" dirty="0"/>
           </a:p>
         </p:txBody>
       </p:sp>
@@ -21548,8 +21441,8 @@
         </p:nvSpPr>
         <p:spPr>
           <a:xfrm>
-            <a:off x="15297027" y="13883300"/>
-            <a:ext cx="12801600" cy="5029225"/>
+            <a:off x="15642755" y="22019531"/>
+            <a:ext cx="12801600" cy="5423566"/>
           </a:xfrm>
           <a:prstGeom prst="rect">
             <a:avLst/>
@@ -21774,10 +21667,9 @@
               <a:buNone/>
             </a:pPr>
             <a:r>
-              <a:rPr lang="en-US" sz="2800"/>
+              <a:rPr lang="en-US" sz="2800" dirty="0"/>
               <a:t>We applied our framework to Cisco configurations of core, border, and distribution routers from three large university networks. To test the accuracy of our model, we perform leave-one- out cross validation: one (set of) configuration(s) is used for testing and the remainder are used for training. We “rebuild” the test configuration(s) token-by-token by using our n-gram model to predict the next token based on the prior n-1 tokens; we do not predict across lines. A prediction is marked as successful when the actual next token in the configuration is within the top three results generated by the model. </a:t>
             </a:r>
-            <a:endParaRPr lang="en-US" sz="2800" dirty="0"/>
           </a:p>
         </p:txBody>
       </p:sp>
@@ -21796,13 +21688,13 @@
           <p:nvPr>
             <p:extLst>
               <p:ext uri="{D42A27DB-BD31-4B8C-83A1-F6EECF244321}">
-                <p14:modId xmlns:p14="http://schemas.microsoft.com/office/powerpoint/2010/main" val="2697361229"/>
+                <p14:modId xmlns:p14="http://schemas.microsoft.com/office/powerpoint/2010/main" val="2068573792"/>
               </p:ext>
             </p:extLst>
           </p:nvPr>
         </p:nvGraphicFramePr>
         <p:xfrm>
-          <a:off x="15297027" y="19298280"/>
+          <a:off x="15642755" y="27434510"/>
           <a:ext cx="12801600" cy="3531573"/>
         </p:xfrm>
         <a:graphic>
@@ -22111,7 +22003,7 @@
         </p:nvSpPr>
         <p:spPr>
           <a:xfrm>
-            <a:off x="15199072" y="23262557"/>
+            <a:off x="15544800" y="31398787"/>
             <a:ext cx="12801600" cy="954107"/>
           </a:xfrm>
           <a:prstGeom prst="rect">
@@ -22206,6 +22098,521 @@
             <a:r>
               <a:rPr lang="en-US" sz="7200" dirty="0"/>
               <a:t>Colgate University</a:t>
+            </a:r>
+          </a:p>
+        </p:txBody>
+      </p:sp>
+      <p:sp>
+        <p:nvSpPr>
+          <p:cNvPr id="37" name="Content Placeholder 10">
+            <a:extLst>
+              <a:ext uri="{FF2B5EF4-FFF2-40B4-BE49-F238E27FC236}">
+                <a16:creationId xmlns:a16="http://schemas.microsoft.com/office/drawing/2014/main" id="{82BA6058-3987-3A4F-98AC-2803CB04620E}"/>
+              </a:ext>
+            </a:extLst>
+          </p:cNvPr>
+          <p:cNvSpPr txBox="1">
+            <a:spLocks/>
+          </p:cNvSpPr>
+          <p:nvPr/>
+        </p:nvSpPr>
+        <p:spPr>
+          <a:xfrm>
+            <a:off x="1258705" y="7473315"/>
+            <a:ext cx="6710132" cy="5090775"/>
+          </a:xfrm>
+          <a:prstGeom prst="rect">
+            <a:avLst/>
+          </a:prstGeom>
+        </p:spPr>
+        <p:txBody>
+          <a:bodyPr vert="horz" lIns="365760" tIns="182880" rIns="91440" bIns="45720" rtlCol="0">
+            <a:noAutofit/>
+          </a:bodyPr>
+          <a:lstStyle>
+            <a:lvl1pPr marL="822960" indent="-822960" algn="l" defTabSz="3291840" rtl="0" eaLnBrk="1" latinLnBrk="0" hangingPunct="1">
+              <a:lnSpc>
+                <a:spcPct val="120000"/>
+              </a:lnSpc>
+              <a:spcBef>
+                <a:spcPts val="3600"/>
+              </a:spcBef>
+              <a:buClr>
+                <a:schemeClr val="accent1"/>
+              </a:buClr>
+              <a:buSzPct val="110000"/>
+              <a:buFont typeface="Wingdings" panose="05000000000000000000" pitchFamily="2" charset="2"/>
+              <a:buChar char="§"/>
+              <a:defRPr sz="7680" kern="1200" baseline="0">
+                <a:solidFill>
+                  <a:schemeClr val="tx1"/>
+                </a:solidFill>
+                <a:effectLst/>
+                <a:latin typeface="+mn-lt"/>
+                <a:ea typeface="+mn-ea"/>
+                <a:cs typeface="+mn-cs"/>
+              </a:defRPr>
+            </a:lvl1pPr>
+            <a:lvl2pPr marL="2468880" indent="-822960" algn="l" defTabSz="3291840" rtl="0" eaLnBrk="1" latinLnBrk="0" hangingPunct="1">
+              <a:lnSpc>
+                <a:spcPct val="120000"/>
+              </a:lnSpc>
+              <a:spcBef>
+                <a:spcPts val="1800"/>
+              </a:spcBef>
+              <a:buClr>
+                <a:schemeClr val="accent1"/>
+              </a:buClr>
+              <a:buSzPct val="110000"/>
+              <a:buFont typeface="Wingdings" panose="05000000000000000000" pitchFamily="2" charset="2"/>
+              <a:buChar char="§"/>
+              <a:defRPr sz="6720" kern="1200">
+                <a:solidFill>
+                  <a:schemeClr val="tx1"/>
+                </a:solidFill>
+                <a:effectLst/>
+                <a:latin typeface="+mn-lt"/>
+                <a:ea typeface="+mn-ea"/>
+                <a:cs typeface="+mn-cs"/>
+              </a:defRPr>
+            </a:lvl2pPr>
+            <a:lvl3pPr marL="4114800" indent="-822960" algn="l" defTabSz="3291840" rtl="0" eaLnBrk="1" latinLnBrk="0" hangingPunct="1">
+              <a:lnSpc>
+                <a:spcPct val="120000"/>
+              </a:lnSpc>
+              <a:spcBef>
+                <a:spcPts val="1800"/>
+              </a:spcBef>
+              <a:buClr>
+                <a:schemeClr val="accent1"/>
+              </a:buClr>
+              <a:buSzPct val="110000"/>
+              <a:buFont typeface="Wingdings" panose="05000000000000000000" pitchFamily="2" charset="2"/>
+              <a:buChar char="§"/>
+              <a:defRPr sz="5760" kern="1200">
+                <a:solidFill>
+                  <a:schemeClr val="tx1"/>
+                </a:solidFill>
+                <a:effectLst/>
+                <a:latin typeface="+mn-lt"/>
+                <a:ea typeface="+mn-ea"/>
+                <a:cs typeface="+mn-cs"/>
+              </a:defRPr>
+            </a:lvl3pPr>
+            <a:lvl4pPr marL="5760720" indent="-822960" algn="l" defTabSz="3291840" rtl="0" eaLnBrk="1" latinLnBrk="0" hangingPunct="1">
+              <a:lnSpc>
+                <a:spcPct val="120000"/>
+              </a:lnSpc>
+              <a:spcBef>
+                <a:spcPts val="1800"/>
+              </a:spcBef>
+              <a:buClr>
+                <a:schemeClr val="accent1"/>
+              </a:buClr>
+              <a:buSzPct val="110000"/>
+              <a:buFont typeface="Wingdings" panose="05000000000000000000" pitchFamily="2" charset="2"/>
+              <a:buChar char="§"/>
+              <a:defRPr sz="5760" kern="1200">
+                <a:solidFill>
+                  <a:schemeClr val="tx1"/>
+                </a:solidFill>
+                <a:effectLst/>
+                <a:latin typeface="+mn-lt"/>
+                <a:ea typeface="+mn-ea"/>
+                <a:cs typeface="+mn-cs"/>
+              </a:defRPr>
+            </a:lvl4pPr>
+            <a:lvl5pPr marL="7406640" indent="-822960" algn="l" defTabSz="3291840" rtl="0" eaLnBrk="1" latinLnBrk="0" hangingPunct="1">
+              <a:lnSpc>
+                <a:spcPct val="120000"/>
+              </a:lnSpc>
+              <a:spcBef>
+                <a:spcPts val="1800"/>
+              </a:spcBef>
+              <a:buClr>
+                <a:schemeClr val="accent1"/>
+              </a:buClr>
+              <a:buSzPct val="110000"/>
+              <a:buFont typeface="Wingdings" panose="05000000000000000000" pitchFamily="2" charset="2"/>
+              <a:buChar char="§"/>
+              <a:defRPr sz="5760" kern="1200">
+                <a:solidFill>
+                  <a:schemeClr val="tx1"/>
+                </a:solidFill>
+                <a:effectLst/>
+                <a:latin typeface="+mn-lt"/>
+                <a:ea typeface="+mn-ea"/>
+                <a:cs typeface="+mn-cs"/>
+              </a:defRPr>
+            </a:lvl5pPr>
+            <a:lvl6pPr marL="9052560" indent="-822960" algn="l" defTabSz="3291840" rtl="0" eaLnBrk="1" latinLnBrk="0" hangingPunct="1">
+              <a:lnSpc>
+                <a:spcPct val="120000"/>
+              </a:lnSpc>
+              <a:spcBef>
+                <a:spcPts val="1800"/>
+              </a:spcBef>
+              <a:buClr>
+                <a:schemeClr val="accent1"/>
+              </a:buClr>
+              <a:buSzPct val="110000"/>
+              <a:buFont typeface="Wingdings" panose="05000000000000000000" pitchFamily="2" charset="2"/>
+              <a:buChar char="§"/>
+              <a:defRPr sz="4320" kern="1200">
+                <a:solidFill>
+                  <a:schemeClr val="tx1"/>
+                </a:solidFill>
+                <a:effectLst/>
+                <a:latin typeface="+mn-lt"/>
+                <a:ea typeface="+mn-ea"/>
+                <a:cs typeface="+mn-cs"/>
+              </a:defRPr>
+            </a:lvl6pPr>
+            <a:lvl7pPr marL="10698480" indent="-822960" algn="l" defTabSz="3291840" rtl="0" eaLnBrk="1" latinLnBrk="0" hangingPunct="1">
+              <a:lnSpc>
+                <a:spcPct val="120000"/>
+              </a:lnSpc>
+              <a:spcBef>
+                <a:spcPts val="1800"/>
+              </a:spcBef>
+              <a:buClr>
+                <a:schemeClr val="accent1"/>
+              </a:buClr>
+              <a:buSzPct val="110000"/>
+              <a:buFont typeface="Wingdings" panose="05000000000000000000" pitchFamily="2" charset="2"/>
+              <a:buChar char="§"/>
+              <a:defRPr sz="4320" kern="1200">
+                <a:solidFill>
+                  <a:schemeClr val="tx1"/>
+                </a:solidFill>
+                <a:effectLst/>
+                <a:latin typeface="+mn-lt"/>
+                <a:ea typeface="+mn-ea"/>
+                <a:cs typeface="+mn-cs"/>
+              </a:defRPr>
+            </a:lvl7pPr>
+            <a:lvl8pPr marL="12344400" indent="-822960" algn="l" defTabSz="3291840" rtl="0" eaLnBrk="1" latinLnBrk="0" hangingPunct="1">
+              <a:lnSpc>
+                <a:spcPct val="120000"/>
+              </a:lnSpc>
+              <a:spcBef>
+                <a:spcPts val="1800"/>
+              </a:spcBef>
+              <a:buClr>
+                <a:schemeClr val="accent1"/>
+              </a:buClr>
+              <a:buSzPct val="110000"/>
+              <a:buFont typeface="Wingdings" panose="05000000000000000000" pitchFamily="2" charset="2"/>
+              <a:buChar char="§"/>
+              <a:defRPr sz="4320" kern="1200">
+                <a:solidFill>
+                  <a:schemeClr val="tx1"/>
+                </a:solidFill>
+                <a:effectLst/>
+                <a:latin typeface="+mn-lt"/>
+                <a:ea typeface="+mn-ea"/>
+                <a:cs typeface="+mn-cs"/>
+              </a:defRPr>
+            </a:lvl8pPr>
+            <a:lvl9pPr marL="13990320" indent="-822960" algn="l" defTabSz="3291840" rtl="0" eaLnBrk="1" latinLnBrk="0" hangingPunct="1">
+              <a:lnSpc>
+                <a:spcPct val="120000"/>
+              </a:lnSpc>
+              <a:spcBef>
+                <a:spcPts val="1800"/>
+              </a:spcBef>
+              <a:buClr>
+                <a:schemeClr val="accent1"/>
+              </a:buClr>
+              <a:buSzPct val="110000"/>
+              <a:buFont typeface="Wingdings" panose="05000000000000000000" pitchFamily="2" charset="2"/>
+              <a:buChar char="§"/>
+              <a:defRPr sz="4320" kern="1200">
+                <a:solidFill>
+                  <a:schemeClr val="tx1"/>
+                </a:solidFill>
+                <a:effectLst/>
+                <a:latin typeface="+mn-lt"/>
+                <a:ea typeface="+mn-ea"/>
+                <a:cs typeface="+mn-cs"/>
+              </a:defRPr>
+            </a:lvl9pPr>
+          </a:lstStyle>
+          <a:p>
+            <a:r>
+              <a:rPr lang="en-US" sz="2800" dirty="0"/>
+              <a:t>Configurations are often complex, consisting of thousands of lines of low-level directives and dozens of symbolic references</a:t>
+            </a:r>
+          </a:p>
+          <a:p>
+            <a:r>
+              <a:rPr lang="en-US" sz="2800" dirty="0"/>
+              <a:t>Configuration errors are common and the leading cause of network outages</a:t>
+            </a:r>
+          </a:p>
+        </p:txBody>
+      </p:sp>
+      <p:sp>
+        <p:nvSpPr>
+          <p:cNvPr id="38" name="Content Placeholder 10">
+            <a:extLst>
+              <a:ext uri="{FF2B5EF4-FFF2-40B4-BE49-F238E27FC236}">
+                <a16:creationId xmlns:a16="http://schemas.microsoft.com/office/drawing/2014/main" id="{B2EF5C78-F466-1E40-BA54-F0A9BEACCBEA}"/>
+              </a:ext>
+            </a:extLst>
+          </p:cNvPr>
+          <p:cNvSpPr txBox="1">
+            <a:spLocks/>
+          </p:cNvSpPr>
+          <p:nvPr/>
+        </p:nvSpPr>
+        <p:spPr>
+          <a:xfrm>
+            <a:off x="15891709" y="7440050"/>
+            <a:ext cx="12107781" cy="4101415"/>
+          </a:xfrm>
+          <a:prstGeom prst="rect">
+            <a:avLst/>
+          </a:prstGeom>
+        </p:spPr>
+        <p:txBody>
+          <a:bodyPr vert="horz" lIns="365760" tIns="182880" rIns="91440" bIns="45720" rtlCol="0">
+            <a:noAutofit/>
+          </a:bodyPr>
+          <a:lstStyle>
+            <a:lvl1pPr marL="822960" indent="-822960" algn="l" defTabSz="3291840" rtl="0" eaLnBrk="1" latinLnBrk="0" hangingPunct="1">
+              <a:lnSpc>
+                <a:spcPct val="120000"/>
+              </a:lnSpc>
+              <a:spcBef>
+                <a:spcPts val="3600"/>
+              </a:spcBef>
+              <a:buClr>
+                <a:schemeClr val="accent1"/>
+              </a:buClr>
+              <a:buSzPct val="110000"/>
+              <a:buFont typeface="Wingdings" panose="05000000000000000000" pitchFamily="2" charset="2"/>
+              <a:buChar char="§"/>
+              <a:defRPr sz="7680" kern="1200" baseline="0">
+                <a:solidFill>
+                  <a:schemeClr val="tx1"/>
+                </a:solidFill>
+                <a:effectLst/>
+                <a:latin typeface="+mn-lt"/>
+                <a:ea typeface="+mn-ea"/>
+                <a:cs typeface="+mn-cs"/>
+              </a:defRPr>
+            </a:lvl1pPr>
+            <a:lvl2pPr marL="2468880" indent="-822960" algn="l" defTabSz="3291840" rtl="0" eaLnBrk="1" latinLnBrk="0" hangingPunct="1">
+              <a:lnSpc>
+                <a:spcPct val="120000"/>
+              </a:lnSpc>
+              <a:spcBef>
+                <a:spcPts val="1800"/>
+              </a:spcBef>
+              <a:buClr>
+                <a:schemeClr val="accent1"/>
+              </a:buClr>
+              <a:buSzPct val="110000"/>
+              <a:buFont typeface="Wingdings" panose="05000000000000000000" pitchFamily="2" charset="2"/>
+              <a:buChar char="§"/>
+              <a:defRPr sz="6720" kern="1200">
+                <a:solidFill>
+                  <a:schemeClr val="tx1"/>
+                </a:solidFill>
+                <a:effectLst/>
+                <a:latin typeface="+mn-lt"/>
+                <a:ea typeface="+mn-ea"/>
+                <a:cs typeface="+mn-cs"/>
+              </a:defRPr>
+            </a:lvl2pPr>
+            <a:lvl3pPr marL="4114800" indent="-822960" algn="l" defTabSz="3291840" rtl="0" eaLnBrk="1" latinLnBrk="0" hangingPunct="1">
+              <a:lnSpc>
+                <a:spcPct val="120000"/>
+              </a:lnSpc>
+              <a:spcBef>
+                <a:spcPts val="1800"/>
+              </a:spcBef>
+              <a:buClr>
+                <a:schemeClr val="accent1"/>
+              </a:buClr>
+              <a:buSzPct val="110000"/>
+              <a:buFont typeface="Wingdings" panose="05000000000000000000" pitchFamily="2" charset="2"/>
+              <a:buChar char="§"/>
+              <a:defRPr sz="5760" kern="1200">
+                <a:solidFill>
+                  <a:schemeClr val="tx1"/>
+                </a:solidFill>
+                <a:effectLst/>
+                <a:latin typeface="+mn-lt"/>
+                <a:ea typeface="+mn-ea"/>
+                <a:cs typeface="+mn-cs"/>
+              </a:defRPr>
+            </a:lvl3pPr>
+            <a:lvl4pPr marL="5760720" indent="-822960" algn="l" defTabSz="3291840" rtl="0" eaLnBrk="1" latinLnBrk="0" hangingPunct="1">
+              <a:lnSpc>
+                <a:spcPct val="120000"/>
+              </a:lnSpc>
+              <a:spcBef>
+                <a:spcPts val="1800"/>
+              </a:spcBef>
+              <a:buClr>
+                <a:schemeClr val="accent1"/>
+              </a:buClr>
+              <a:buSzPct val="110000"/>
+              <a:buFont typeface="Wingdings" panose="05000000000000000000" pitchFamily="2" charset="2"/>
+              <a:buChar char="§"/>
+              <a:defRPr sz="5760" kern="1200">
+                <a:solidFill>
+                  <a:schemeClr val="tx1"/>
+                </a:solidFill>
+                <a:effectLst/>
+                <a:latin typeface="+mn-lt"/>
+                <a:ea typeface="+mn-ea"/>
+                <a:cs typeface="+mn-cs"/>
+              </a:defRPr>
+            </a:lvl4pPr>
+            <a:lvl5pPr marL="7406640" indent="-822960" algn="l" defTabSz="3291840" rtl="0" eaLnBrk="1" latinLnBrk="0" hangingPunct="1">
+              <a:lnSpc>
+                <a:spcPct val="120000"/>
+              </a:lnSpc>
+              <a:spcBef>
+                <a:spcPts val="1800"/>
+              </a:spcBef>
+              <a:buClr>
+                <a:schemeClr val="accent1"/>
+              </a:buClr>
+              <a:buSzPct val="110000"/>
+              <a:buFont typeface="Wingdings" panose="05000000000000000000" pitchFamily="2" charset="2"/>
+              <a:buChar char="§"/>
+              <a:defRPr sz="5760" kern="1200">
+                <a:solidFill>
+                  <a:schemeClr val="tx1"/>
+                </a:solidFill>
+                <a:effectLst/>
+                <a:latin typeface="+mn-lt"/>
+                <a:ea typeface="+mn-ea"/>
+                <a:cs typeface="+mn-cs"/>
+              </a:defRPr>
+            </a:lvl5pPr>
+            <a:lvl6pPr marL="9052560" indent="-822960" algn="l" defTabSz="3291840" rtl="0" eaLnBrk="1" latinLnBrk="0" hangingPunct="1">
+              <a:lnSpc>
+                <a:spcPct val="120000"/>
+              </a:lnSpc>
+              <a:spcBef>
+                <a:spcPts val="1800"/>
+              </a:spcBef>
+              <a:buClr>
+                <a:schemeClr val="accent1"/>
+              </a:buClr>
+              <a:buSzPct val="110000"/>
+              <a:buFont typeface="Wingdings" panose="05000000000000000000" pitchFamily="2" charset="2"/>
+              <a:buChar char="§"/>
+              <a:defRPr sz="4320" kern="1200">
+                <a:solidFill>
+                  <a:schemeClr val="tx1"/>
+                </a:solidFill>
+                <a:effectLst/>
+                <a:latin typeface="+mn-lt"/>
+                <a:ea typeface="+mn-ea"/>
+                <a:cs typeface="+mn-cs"/>
+              </a:defRPr>
+            </a:lvl6pPr>
+            <a:lvl7pPr marL="10698480" indent="-822960" algn="l" defTabSz="3291840" rtl="0" eaLnBrk="1" latinLnBrk="0" hangingPunct="1">
+              <a:lnSpc>
+                <a:spcPct val="120000"/>
+              </a:lnSpc>
+              <a:spcBef>
+                <a:spcPts val="1800"/>
+              </a:spcBef>
+              <a:buClr>
+                <a:schemeClr val="accent1"/>
+              </a:buClr>
+              <a:buSzPct val="110000"/>
+              <a:buFont typeface="Wingdings" panose="05000000000000000000" pitchFamily="2" charset="2"/>
+              <a:buChar char="§"/>
+              <a:defRPr sz="4320" kern="1200">
+                <a:solidFill>
+                  <a:schemeClr val="tx1"/>
+                </a:solidFill>
+                <a:effectLst/>
+                <a:latin typeface="+mn-lt"/>
+                <a:ea typeface="+mn-ea"/>
+                <a:cs typeface="+mn-cs"/>
+              </a:defRPr>
+            </a:lvl7pPr>
+            <a:lvl8pPr marL="12344400" indent="-822960" algn="l" defTabSz="3291840" rtl="0" eaLnBrk="1" latinLnBrk="0" hangingPunct="1">
+              <a:lnSpc>
+                <a:spcPct val="120000"/>
+              </a:lnSpc>
+              <a:spcBef>
+                <a:spcPts val="1800"/>
+              </a:spcBef>
+              <a:buClr>
+                <a:schemeClr val="accent1"/>
+              </a:buClr>
+              <a:buSzPct val="110000"/>
+              <a:buFont typeface="Wingdings" panose="05000000000000000000" pitchFamily="2" charset="2"/>
+              <a:buChar char="§"/>
+              <a:defRPr sz="4320" kern="1200">
+                <a:solidFill>
+                  <a:schemeClr val="tx1"/>
+                </a:solidFill>
+                <a:effectLst/>
+                <a:latin typeface="+mn-lt"/>
+                <a:ea typeface="+mn-ea"/>
+                <a:cs typeface="+mn-cs"/>
+              </a:defRPr>
+            </a:lvl8pPr>
+            <a:lvl9pPr marL="13990320" indent="-822960" algn="l" defTabSz="3291840" rtl="0" eaLnBrk="1" latinLnBrk="0" hangingPunct="1">
+              <a:lnSpc>
+                <a:spcPct val="120000"/>
+              </a:lnSpc>
+              <a:spcBef>
+                <a:spcPts val="1800"/>
+              </a:spcBef>
+              <a:buClr>
+                <a:schemeClr val="accent1"/>
+              </a:buClr>
+              <a:buSzPct val="110000"/>
+              <a:buFont typeface="Wingdings" panose="05000000000000000000" pitchFamily="2" charset="2"/>
+              <a:buChar char="§"/>
+              <a:defRPr sz="4320" kern="1200">
+                <a:solidFill>
+                  <a:schemeClr val="tx1"/>
+                </a:solidFill>
+                <a:effectLst/>
+                <a:latin typeface="+mn-lt"/>
+                <a:ea typeface="+mn-ea"/>
+                <a:cs typeface="+mn-cs"/>
+              </a:defRPr>
+            </a:lvl9pPr>
+          </a:lstStyle>
+          <a:p>
+            <a:r>
+              <a:rPr lang="en-US" sz="2800" dirty="0"/>
+              <a:t>We employ a networking- specific optimization predicated by our observation that IP prefixes are often unique to devices </a:t>
+            </a:r>
+          </a:p>
+          <a:p>
+            <a:r>
+              <a:rPr lang="en-US" sz="2800" dirty="0"/>
+              <a:t>We replace these prefixes and certain other tokens with generic PREFIX tokens</a:t>
+            </a:r>
+          </a:p>
+          <a:p>
+            <a:r>
+              <a:rPr lang="en-US" sz="2800" dirty="0"/>
+              <a:t>With placeholder optimization, our accuracy increases by 5%</a:t>
+            </a:r>
+          </a:p>
+          <a:p>
+            <a:endParaRPr lang="en-US" sz="2800" dirty="0"/>
+          </a:p>
+          <a:p>
+            <a:r>
+              <a:rPr lang="en-US" sz="2800" dirty="0"/>
+              <a:t>IMAGE?</a:t>
             </a:r>
           </a:p>
         </p:txBody>
@@ -23003,142 +23410,6 @@
 </file>
 
 <file path=customXml/item1.xml><?xml version="1.0" encoding="utf-8"?>
-<p:properties xmlns:p="http://schemas.microsoft.com/office/2006/metadata/properties" xmlns:xsi="http://www.w3.org/2001/XMLSchema-instance" xmlns:pc="http://schemas.microsoft.com/office/infopath/2007/PartnerControls">
-  <documentManagement>
-    <DirectSourceMarket xmlns="4873beb7-5857-4685-be1f-d57550cc96cc" xsi:nil="true"/>
-    <ApprovalStatus xmlns="4873beb7-5857-4685-be1f-d57550cc96cc">InProgress</ApprovalStatus>
-    <MarketSpecific xmlns="4873beb7-5857-4685-be1f-d57550cc96cc">false</MarketSpecific>
-    <LocComments xmlns="4873beb7-5857-4685-be1f-d57550cc96cc" xsi:nil="true"/>
-    <ThumbnailAssetId xmlns="4873beb7-5857-4685-be1f-d57550cc96cc" xsi:nil="true"/>
-    <PrimaryImageGen xmlns="4873beb7-5857-4685-be1f-d57550cc96cc">true</PrimaryImageGen>
-    <LegacyData xmlns="4873beb7-5857-4685-be1f-d57550cc96cc" xsi:nil="true"/>
-    <LocRecommendedHandoff xmlns="4873beb7-5857-4685-be1f-d57550cc96cc" xsi:nil="true"/>
-    <BusinessGroup xmlns="4873beb7-5857-4685-be1f-d57550cc96cc" xsi:nil="true"/>
-    <BlockPublish xmlns="4873beb7-5857-4685-be1f-d57550cc96cc">false</BlockPublish>
-    <TPFriendlyName xmlns="4873beb7-5857-4685-be1f-d57550cc96cc" xsi:nil="true"/>
-    <NumericId xmlns="4873beb7-5857-4685-be1f-d57550cc96cc" xsi:nil="true"/>
-    <APEditor xmlns="4873beb7-5857-4685-be1f-d57550cc96cc">
-      <UserInfo>
-        <DisplayName/>
-        <AccountId xsi:nil="true"/>
-        <AccountType/>
-      </UserInfo>
-    </APEditor>
-    <SourceTitle xmlns="4873beb7-5857-4685-be1f-d57550cc96cc" xsi:nil="true"/>
-    <OpenTemplate xmlns="4873beb7-5857-4685-be1f-d57550cc96cc">true</OpenTemplate>
-    <UALocComments xmlns="4873beb7-5857-4685-be1f-d57550cc96cc" xsi:nil="true"/>
-    <ParentAssetId xmlns="4873beb7-5857-4685-be1f-d57550cc96cc" xsi:nil="true"/>
-    <IntlLangReviewDate xmlns="4873beb7-5857-4685-be1f-d57550cc96cc" xsi:nil="true"/>
-    <FeatureTagsTaxHTField0 xmlns="4873beb7-5857-4685-be1f-d57550cc96cc">
-      <Terms xmlns="http://schemas.microsoft.com/office/infopath/2007/PartnerControls"/>
-    </FeatureTagsTaxHTField0>
-    <PublishStatusLookup xmlns="4873beb7-5857-4685-be1f-d57550cc96cc">
-      <Value>1669414</Value>
-      <Value>1669470</Value>
-    </PublishStatusLookup>
-    <Providers xmlns="4873beb7-5857-4685-be1f-d57550cc96cc" xsi:nil="true"/>
-    <MachineTranslated xmlns="4873beb7-5857-4685-be1f-d57550cc96cc">false</MachineTranslated>
-    <OriginalSourceMarket xmlns="4873beb7-5857-4685-be1f-d57550cc96cc" xsi:nil="true"/>
-    <APDescription xmlns="4873beb7-5857-4685-be1f-d57550cc96cc" xsi:nil="true"/>
-    <ClipArtFilename xmlns="4873beb7-5857-4685-be1f-d57550cc96cc" xsi:nil="true"/>
-    <ContentItem xmlns="4873beb7-5857-4685-be1f-d57550cc96cc" xsi:nil="true"/>
-    <TPInstallLocation xmlns="4873beb7-5857-4685-be1f-d57550cc96cc" xsi:nil="true"/>
-    <PublishTargets xmlns="4873beb7-5857-4685-be1f-d57550cc96cc">OfficeOnlineVNext</PublishTargets>
-    <TimesCloned xmlns="4873beb7-5857-4685-be1f-d57550cc96cc" xsi:nil="true"/>
-    <AssetStart xmlns="4873beb7-5857-4685-be1f-d57550cc96cc">2013-01-21T12:05:00+00:00</AssetStart>
-    <Provider xmlns="4873beb7-5857-4685-be1f-d57550cc96cc" xsi:nil="true"/>
-    <AcquiredFrom xmlns="4873beb7-5857-4685-be1f-d57550cc96cc">Internal MS</AcquiredFrom>
-    <FriendlyTitle xmlns="4873beb7-5857-4685-be1f-d57550cc96cc" xsi:nil="true"/>
-    <LastHandOff xmlns="4873beb7-5857-4685-be1f-d57550cc96cc" xsi:nil="true"/>
-    <TPClientViewer xmlns="4873beb7-5857-4685-be1f-d57550cc96cc" xsi:nil="true"/>
-    <UACurrentWords xmlns="4873beb7-5857-4685-be1f-d57550cc96cc" xsi:nil="true"/>
-    <ArtSampleDocs xmlns="4873beb7-5857-4685-be1f-d57550cc96cc" xsi:nil="true"/>
-    <UALocRecommendation xmlns="4873beb7-5857-4685-be1f-d57550cc96cc">Localize</UALocRecommendation>
-    <Manager xmlns="4873beb7-5857-4685-be1f-d57550cc96cc" xsi:nil="true"/>
-    <ShowIn xmlns="4873beb7-5857-4685-be1f-d57550cc96cc">Show everywhere</ShowIn>
-    <UANotes xmlns="4873beb7-5857-4685-be1f-d57550cc96cc" xsi:nil="true"/>
-    <TemplateStatus xmlns="4873beb7-5857-4685-be1f-d57550cc96cc">Complete</TemplateStatus>
-    <InternalTagsTaxHTField0 xmlns="4873beb7-5857-4685-be1f-d57550cc96cc">
-      <Terms xmlns="http://schemas.microsoft.com/office/infopath/2007/PartnerControls"/>
-    </InternalTagsTaxHTField0>
-    <CSXHash xmlns="4873beb7-5857-4685-be1f-d57550cc96cc" xsi:nil="true"/>
-    <Downloads xmlns="4873beb7-5857-4685-be1f-d57550cc96cc">0</Downloads>
-    <VoteCount xmlns="4873beb7-5857-4685-be1f-d57550cc96cc" xsi:nil="true"/>
-    <OOCacheId xmlns="4873beb7-5857-4685-be1f-d57550cc96cc" xsi:nil="true"/>
-    <IsDeleted xmlns="4873beb7-5857-4685-be1f-d57550cc96cc">false</IsDeleted>
-    <AssetExpire xmlns="4873beb7-5857-4685-be1f-d57550cc96cc">2029-01-01T08:00:00+00:00</AssetExpire>
-    <DSATActionTaken xmlns="4873beb7-5857-4685-be1f-d57550cc96cc" xsi:nil="true"/>
-    <CSXSubmissionMarket xmlns="4873beb7-5857-4685-be1f-d57550cc96cc" xsi:nil="true"/>
-    <TPExecutable xmlns="4873beb7-5857-4685-be1f-d57550cc96cc" xsi:nil="true"/>
-    <SubmitterId xmlns="4873beb7-5857-4685-be1f-d57550cc96cc" xsi:nil="true"/>
-    <EditorialTags xmlns="4873beb7-5857-4685-be1f-d57550cc96cc" xsi:nil="true"/>
-    <AssetType xmlns="4873beb7-5857-4685-be1f-d57550cc96cc">TP</AssetType>
-    <BugNumber xmlns="4873beb7-5857-4685-be1f-d57550cc96cc" xsi:nil="true"/>
-    <CSXSubmissionDate xmlns="4873beb7-5857-4685-be1f-d57550cc96cc" xsi:nil="true"/>
-    <CSXUpdate xmlns="4873beb7-5857-4685-be1f-d57550cc96cc">false</CSXUpdate>
-    <ApprovalLog xmlns="4873beb7-5857-4685-be1f-d57550cc96cc" xsi:nil="true"/>
-    <Milestone xmlns="4873beb7-5857-4685-be1f-d57550cc96cc" xsi:nil="true"/>
-    <RecommendationsModifier xmlns="4873beb7-5857-4685-be1f-d57550cc96cc" xsi:nil="true"/>
-    <OriginAsset xmlns="4873beb7-5857-4685-be1f-d57550cc96cc" xsi:nil="true"/>
-    <TPComponent xmlns="4873beb7-5857-4685-be1f-d57550cc96cc" xsi:nil="true"/>
-    <AssetId xmlns="4873beb7-5857-4685-be1f-d57550cc96cc">TP104001550</AssetId>
-    <IntlLocPriority xmlns="4873beb7-5857-4685-be1f-d57550cc96cc" xsi:nil="true"/>
-    <PolicheckWords xmlns="4873beb7-5857-4685-be1f-d57550cc96cc" xsi:nil="true"/>
-    <TPLaunchHelpLink xmlns="4873beb7-5857-4685-be1f-d57550cc96cc" xsi:nil="true"/>
-    <TPApplication xmlns="4873beb7-5857-4685-be1f-d57550cc96cc" xsi:nil="true"/>
-    <CrawlForDependencies xmlns="4873beb7-5857-4685-be1f-d57550cc96cc">false</CrawlForDependencies>
-    <HandoffToMSDN xmlns="4873beb7-5857-4685-be1f-d57550cc96cc" xsi:nil="true"/>
-    <PlannedPubDate xmlns="4873beb7-5857-4685-be1f-d57550cc96cc" xsi:nil="true"/>
-    <IntlLangReviewer xmlns="4873beb7-5857-4685-be1f-d57550cc96cc" xsi:nil="true"/>
-    <TrustLevel xmlns="4873beb7-5857-4685-be1f-d57550cc96cc">1 Microsoft Managed Content</TrustLevel>
-    <LocLastLocAttemptVersionLookup xmlns="4873beb7-5857-4685-be1f-d57550cc96cc">875987</LocLastLocAttemptVersionLookup>
-    <IsSearchable xmlns="4873beb7-5857-4685-be1f-d57550cc96cc">true</IsSearchable>
-    <TemplateTemplateType xmlns="4873beb7-5857-4685-be1f-d57550cc96cc">PowerPoint Presentation Template</TemplateTemplateType>
-    <CampaignTagsTaxHTField0 xmlns="4873beb7-5857-4685-be1f-d57550cc96cc">
-      <Terms xmlns="http://schemas.microsoft.com/office/infopath/2007/PartnerControls"/>
-    </CampaignTagsTaxHTField0>
-    <TPNamespace xmlns="4873beb7-5857-4685-be1f-d57550cc96cc" xsi:nil="true"/>
-    <TaxCatchAll xmlns="4873beb7-5857-4685-be1f-d57550cc96cc"/>
-    <Markets xmlns="4873beb7-5857-4685-be1f-d57550cc96cc"/>
-    <UAProjectedTotalWords xmlns="4873beb7-5857-4685-be1f-d57550cc96cc" xsi:nil="true"/>
-    <LocMarketGroupTiers2 xmlns="4873beb7-5857-4685-be1f-d57550cc96cc" xsi:nil="true"/>
-    <IntlLangReview xmlns="4873beb7-5857-4685-be1f-d57550cc96cc">false</IntlLangReview>
-    <OutputCachingOn xmlns="4873beb7-5857-4685-be1f-d57550cc96cc">false</OutputCachingOn>
-    <AverageRating xmlns="4873beb7-5857-4685-be1f-d57550cc96cc" xsi:nil="true"/>
-    <APAuthor xmlns="4873beb7-5857-4685-be1f-d57550cc96cc">
-      <UserInfo>
-        <DisplayName>REDMOND\kristaa</DisplayName>
-        <AccountId>136</AccountId>
-        <AccountType/>
-      </UserInfo>
-    </APAuthor>
-    <LocManualTestRequired xmlns="4873beb7-5857-4685-be1f-d57550cc96cc">false</LocManualTestRequired>
-    <TPCommandLine xmlns="4873beb7-5857-4685-be1f-d57550cc96cc" xsi:nil="true"/>
-    <TPAppVersion xmlns="4873beb7-5857-4685-be1f-d57550cc96cc" xsi:nil="true"/>
-    <EditorialStatus xmlns="4873beb7-5857-4685-be1f-d57550cc96cc">Complete</EditorialStatus>
-    <LastModifiedDateTime xmlns="4873beb7-5857-4685-be1f-d57550cc96cc" xsi:nil="true"/>
-    <ScenarioTagsTaxHTField0 xmlns="4873beb7-5857-4685-be1f-d57550cc96cc">
-      <Terms xmlns="http://schemas.microsoft.com/office/infopath/2007/PartnerControls"/>
-    </ScenarioTagsTaxHTField0>
-    <OriginalRelease xmlns="4873beb7-5857-4685-be1f-d57550cc96cc">15</OriginalRelease>
-    <TPLaunchHelpLinkType xmlns="4873beb7-5857-4685-be1f-d57550cc96cc">Template</TPLaunchHelpLinkType>
-    <LocalizationTagsTaxHTField0 xmlns="4873beb7-5857-4685-be1f-d57550cc96cc">
-      <Terms xmlns="http://schemas.microsoft.com/office/infopath/2007/PartnerControls"/>
-    </LocalizationTagsTaxHTField0>
-  </documentManagement>
-</p:properties>
-</file>
-
-<file path=customXml/item2.xml><?xml version="1.0" encoding="utf-8"?>
-<?mso-contentType ?>
-<FormTemplates xmlns="http://schemas.microsoft.com/sharepoint/v3/contenttype/forms">
-  <Display>DocumentLibraryForm</Display>
-  <Edit>AssetEditForm</Edit>
-  <New>DocumentLibraryForm</New>
-</FormTemplates>
-</file>
-
-<file path=customXml/item3.xml><?xml version="1.0" encoding="utf-8"?>
 <ct:contentTypeSchema xmlns:ct="http://schemas.microsoft.com/office/2006/metadata/contentType" xmlns:ma="http://schemas.microsoft.com/office/2006/metadata/properties/metaAttributes" ct:_="" ma:_="" ma:contentTypeName="TemplateFile" ma:contentTypeID="0x0101006EDDDB5EE6D98C44930B742096920B300400F5B6D36B3EF94B4E9A635CDF2A18F5B8" ma:contentTypeVersion="72" ma:contentTypeDescription="Create a new document." ma:contentTypeScope="" ma:versionID="a23e56308344d904b51738559c3d67c9">
   <xsd:schema xmlns:xsd="http://www.w3.org/2001/XMLSchema" xmlns:xs="http://www.w3.org/2001/XMLSchema" xmlns:p="http://schemas.microsoft.com/office/2006/metadata/properties" xmlns:ns2="4873beb7-5857-4685-be1f-d57550cc96cc" targetNamespace="http://schemas.microsoft.com/office/2006/metadata/properties" ma:root="true" ma:fieldsID="cd0908cc4600e77bf5da051303e00c8d" ns2:_="">
     <xsd:import namespace="4873beb7-5857-4685-be1f-d57550cc96cc"/>
@@ -24178,25 +24449,143 @@
 </ct:contentTypeSchema>
 </file>
 
-<file path=customXml/itemProps1.xml><?xml version="1.0" encoding="utf-8"?>
-<ds:datastoreItem xmlns:ds="http://schemas.openxmlformats.org/officeDocument/2006/customXml" ds:itemID="{A9F945EE-6400-432A-A9B1-179A0A2A37CE}">
-  <ds:schemaRefs>
-    <ds:schemaRef ds:uri="http://schemas.microsoft.com/office/2006/metadata/properties"/>
-    <ds:schemaRef ds:uri="http://schemas.microsoft.com/office/infopath/2007/PartnerControls"/>
-    <ds:schemaRef ds:uri="4873beb7-5857-4685-be1f-d57550cc96cc"/>
-  </ds:schemaRefs>
-</ds:datastoreItem>
+<file path=customXml/item2.xml><?xml version="1.0" encoding="utf-8"?>
+<?mso-contentType ?>
+<FormTemplates xmlns="http://schemas.microsoft.com/sharepoint/v3/contenttype/forms">
+  <Display>DocumentLibraryForm</Display>
+  <Edit>AssetEditForm</Edit>
+  <New>DocumentLibraryForm</New>
+</FormTemplates>
 </file>
 
-<file path=customXml/itemProps2.xml><?xml version="1.0" encoding="utf-8"?>
-<ds:datastoreItem xmlns:ds="http://schemas.openxmlformats.org/officeDocument/2006/customXml" ds:itemID="{A1110015-E380-4C53-980C-698226C61CAC}">
-  <ds:schemaRefs>
-    <ds:schemaRef ds:uri="http://schemas.microsoft.com/sharepoint/v3/contenttype/forms"/>
-  </ds:schemaRefs>
-</ds:datastoreItem>
+<file path=customXml/item3.xml><?xml version="1.0" encoding="utf-8"?>
+<p:properties xmlns:p="http://schemas.microsoft.com/office/2006/metadata/properties" xmlns:xsi="http://www.w3.org/2001/XMLSchema-instance" xmlns:pc="http://schemas.microsoft.com/office/infopath/2007/PartnerControls">
+  <documentManagement>
+    <DirectSourceMarket xmlns="4873beb7-5857-4685-be1f-d57550cc96cc" xsi:nil="true"/>
+    <ApprovalStatus xmlns="4873beb7-5857-4685-be1f-d57550cc96cc">InProgress</ApprovalStatus>
+    <MarketSpecific xmlns="4873beb7-5857-4685-be1f-d57550cc96cc">false</MarketSpecific>
+    <LocComments xmlns="4873beb7-5857-4685-be1f-d57550cc96cc" xsi:nil="true"/>
+    <ThumbnailAssetId xmlns="4873beb7-5857-4685-be1f-d57550cc96cc" xsi:nil="true"/>
+    <PrimaryImageGen xmlns="4873beb7-5857-4685-be1f-d57550cc96cc">true</PrimaryImageGen>
+    <LegacyData xmlns="4873beb7-5857-4685-be1f-d57550cc96cc" xsi:nil="true"/>
+    <LocRecommendedHandoff xmlns="4873beb7-5857-4685-be1f-d57550cc96cc" xsi:nil="true"/>
+    <BusinessGroup xmlns="4873beb7-5857-4685-be1f-d57550cc96cc" xsi:nil="true"/>
+    <BlockPublish xmlns="4873beb7-5857-4685-be1f-d57550cc96cc">false</BlockPublish>
+    <TPFriendlyName xmlns="4873beb7-5857-4685-be1f-d57550cc96cc" xsi:nil="true"/>
+    <NumericId xmlns="4873beb7-5857-4685-be1f-d57550cc96cc" xsi:nil="true"/>
+    <APEditor xmlns="4873beb7-5857-4685-be1f-d57550cc96cc">
+      <UserInfo>
+        <DisplayName/>
+        <AccountId xsi:nil="true"/>
+        <AccountType/>
+      </UserInfo>
+    </APEditor>
+    <SourceTitle xmlns="4873beb7-5857-4685-be1f-d57550cc96cc" xsi:nil="true"/>
+    <OpenTemplate xmlns="4873beb7-5857-4685-be1f-d57550cc96cc">true</OpenTemplate>
+    <UALocComments xmlns="4873beb7-5857-4685-be1f-d57550cc96cc" xsi:nil="true"/>
+    <ParentAssetId xmlns="4873beb7-5857-4685-be1f-d57550cc96cc" xsi:nil="true"/>
+    <IntlLangReviewDate xmlns="4873beb7-5857-4685-be1f-d57550cc96cc" xsi:nil="true"/>
+    <FeatureTagsTaxHTField0 xmlns="4873beb7-5857-4685-be1f-d57550cc96cc">
+      <Terms xmlns="http://schemas.microsoft.com/office/infopath/2007/PartnerControls"/>
+    </FeatureTagsTaxHTField0>
+    <PublishStatusLookup xmlns="4873beb7-5857-4685-be1f-d57550cc96cc">
+      <Value>1669414</Value>
+      <Value>1669470</Value>
+    </PublishStatusLookup>
+    <Providers xmlns="4873beb7-5857-4685-be1f-d57550cc96cc" xsi:nil="true"/>
+    <MachineTranslated xmlns="4873beb7-5857-4685-be1f-d57550cc96cc">false</MachineTranslated>
+    <OriginalSourceMarket xmlns="4873beb7-5857-4685-be1f-d57550cc96cc" xsi:nil="true"/>
+    <APDescription xmlns="4873beb7-5857-4685-be1f-d57550cc96cc" xsi:nil="true"/>
+    <ClipArtFilename xmlns="4873beb7-5857-4685-be1f-d57550cc96cc" xsi:nil="true"/>
+    <ContentItem xmlns="4873beb7-5857-4685-be1f-d57550cc96cc" xsi:nil="true"/>
+    <TPInstallLocation xmlns="4873beb7-5857-4685-be1f-d57550cc96cc" xsi:nil="true"/>
+    <PublishTargets xmlns="4873beb7-5857-4685-be1f-d57550cc96cc">OfficeOnlineVNext</PublishTargets>
+    <TimesCloned xmlns="4873beb7-5857-4685-be1f-d57550cc96cc" xsi:nil="true"/>
+    <AssetStart xmlns="4873beb7-5857-4685-be1f-d57550cc96cc">2013-01-21T12:05:00+00:00</AssetStart>
+    <Provider xmlns="4873beb7-5857-4685-be1f-d57550cc96cc" xsi:nil="true"/>
+    <AcquiredFrom xmlns="4873beb7-5857-4685-be1f-d57550cc96cc">Internal MS</AcquiredFrom>
+    <FriendlyTitle xmlns="4873beb7-5857-4685-be1f-d57550cc96cc" xsi:nil="true"/>
+    <LastHandOff xmlns="4873beb7-5857-4685-be1f-d57550cc96cc" xsi:nil="true"/>
+    <TPClientViewer xmlns="4873beb7-5857-4685-be1f-d57550cc96cc" xsi:nil="true"/>
+    <UACurrentWords xmlns="4873beb7-5857-4685-be1f-d57550cc96cc" xsi:nil="true"/>
+    <ArtSampleDocs xmlns="4873beb7-5857-4685-be1f-d57550cc96cc" xsi:nil="true"/>
+    <UALocRecommendation xmlns="4873beb7-5857-4685-be1f-d57550cc96cc">Localize</UALocRecommendation>
+    <Manager xmlns="4873beb7-5857-4685-be1f-d57550cc96cc" xsi:nil="true"/>
+    <ShowIn xmlns="4873beb7-5857-4685-be1f-d57550cc96cc">Show everywhere</ShowIn>
+    <UANotes xmlns="4873beb7-5857-4685-be1f-d57550cc96cc" xsi:nil="true"/>
+    <TemplateStatus xmlns="4873beb7-5857-4685-be1f-d57550cc96cc">Complete</TemplateStatus>
+    <InternalTagsTaxHTField0 xmlns="4873beb7-5857-4685-be1f-d57550cc96cc">
+      <Terms xmlns="http://schemas.microsoft.com/office/infopath/2007/PartnerControls"/>
+    </InternalTagsTaxHTField0>
+    <CSXHash xmlns="4873beb7-5857-4685-be1f-d57550cc96cc" xsi:nil="true"/>
+    <Downloads xmlns="4873beb7-5857-4685-be1f-d57550cc96cc">0</Downloads>
+    <VoteCount xmlns="4873beb7-5857-4685-be1f-d57550cc96cc" xsi:nil="true"/>
+    <OOCacheId xmlns="4873beb7-5857-4685-be1f-d57550cc96cc" xsi:nil="true"/>
+    <IsDeleted xmlns="4873beb7-5857-4685-be1f-d57550cc96cc">false</IsDeleted>
+    <AssetExpire xmlns="4873beb7-5857-4685-be1f-d57550cc96cc">2029-01-01T08:00:00+00:00</AssetExpire>
+    <DSATActionTaken xmlns="4873beb7-5857-4685-be1f-d57550cc96cc" xsi:nil="true"/>
+    <CSXSubmissionMarket xmlns="4873beb7-5857-4685-be1f-d57550cc96cc" xsi:nil="true"/>
+    <TPExecutable xmlns="4873beb7-5857-4685-be1f-d57550cc96cc" xsi:nil="true"/>
+    <SubmitterId xmlns="4873beb7-5857-4685-be1f-d57550cc96cc" xsi:nil="true"/>
+    <EditorialTags xmlns="4873beb7-5857-4685-be1f-d57550cc96cc" xsi:nil="true"/>
+    <AssetType xmlns="4873beb7-5857-4685-be1f-d57550cc96cc">TP</AssetType>
+    <BugNumber xmlns="4873beb7-5857-4685-be1f-d57550cc96cc" xsi:nil="true"/>
+    <CSXSubmissionDate xmlns="4873beb7-5857-4685-be1f-d57550cc96cc" xsi:nil="true"/>
+    <CSXUpdate xmlns="4873beb7-5857-4685-be1f-d57550cc96cc">false</CSXUpdate>
+    <ApprovalLog xmlns="4873beb7-5857-4685-be1f-d57550cc96cc" xsi:nil="true"/>
+    <Milestone xmlns="4873beb7-5857-4685-be1f-d57550cc96cc" xsi:nil="true"/>
+    <RecommendationsModifier xmlns="4873beb7-5857-4685-be1f-d57550cc96cc" xsi:nil="true"/>
+    <OriginAsset xmlns="4873beb7-5857-4685-be1f-d57550cc96cc" xsi:nil="true"/>
+    <TPComponent xmlns="4873beb7-5857-4685-be1f-d57550cc96cc" xsi:nil="true"/>
+    <AssetId xmlns="4873beb7-5857-4685-be1f-d57550cc96cc">TP104001550</AssetId>
+    <IntlLocPriority xmlns="4873beb7-5857-4685-be1f-d57550cc96cc" xsi:nil="true"/>
+    <PolicheckWords xmlns="4873beb7-5857-4685-be1f-d57550cc96cc" xsi:nil="true"/>
+    <TPLaunchHelpLink xmlns="4873beb7-5857-4685-be1f-d57550cc96cc" xsi:nil="true"/>
+    <TPApplication xmlns="4873beb7-5857-4685-be1f-d57550cc96cc" xsi:nil="true"/>
+    <CrawlForDependencies xmlns="4873beb7-5857-4685-be1f-d57550cc96cc">false</CrawlForDependencies>
+    <HandoffToMSDN xmlns="4873beb7-5857-4685-be1f-d57550cc96cc" xsi:nil="true"/>
+    <PlannedPubDate xmlns="4873beb7-5857-4685-be1f-d57550cc96cc" xsi:nil="true"/>
+    <IntlLangReviewer xmlns="4873beb7-5857-4685-be1f-d57550cc96cc" xsi:nil="true"/>
+    <TrustLevel xmlns="4873beb7-5857-4685-be1f-d57550cc96cc">1 Microsoft Managed Content</TrustLevel>
+    <LocLastLocAttemptVersionLookup xmlns="4873beb7-5857-4685-be1f-d57550cc96cc">875987</LocLastLocAttemptVersionLookup>
+    <IsSearchable xmlns="4873beb7-5857-4685-be1f-d57550cc96cc">true</IsSearchable>
+    <TemplateTemplateType xmlns="4873beb7-5857-4685-be1f-d57550cc96cc">PowerPoint Presentation Template</TemplateTemplateType>
+    <CampaignTagsTaxHTField0 xmlns="4873beb7-5857-4685-be1f-d57550cc96cc">
+      <Terms xmlns="http://schemas.microsoft.com/office/infopath/2007/PartnerControls"/>
+    </CampaignTagsTaxHTField0>
+    <TPNamespace xmlns="4873beb7-5857-4685-be1f-d57550cc96cc" xsi:nil="true"/>
+    <TaxCatchAll xmlns="4873beb7-5857-4685-be1f-d57550cc96cc"/>
+    <Markets xmlns="4873beb7-5857-4685-be1f-d57550cc96cc"/>
+    <UAProjectedTotalWords xmlns="4873beb7-5857-4685-be1f-d57550cc96cc" xsi:nil="true"/>
+    <LocMarketGroupTiers2 xmlns="4873beb7-5857-4685-be1f-d57550cc96cc" xsi:nil="true"/>
+    <IntlLangReview xmlns="4873beb7-5857-4685-be1f-d57550cc96cc">false</IntlLangReview>
+    <OutputCachingOn xmlns="4873beb7-5857-4685-be1f-d57550cc96cc">false</OutputCachingOn>
+    <AverageRating xmlns="4873beb7-5857-4685-be1f-d57550cc96cc" xsi:nil="true"/>
+    <APAuthor xmlns="4873beb7-5857-4685-be1f-d57550cc96cc">
+      <UserInfo>
+        <DisplayName>REDMOND\kristaa</DisplayName>
+        <AccountId>136</AccountId>
+        <AccountType/>
+      </UserInfo>
+    </APAuthor>
+    <LocManualTestRequired xmlns="4873beb7-5857-4685-be1f-d57550cc96cc">false</LocManualTestRequired>
+    <TPCommandLine xmlns="4873beb7-5857-4685-be1f-d57550cc96cc" xsi:nil="true"/>
+    <TPAppVersion xmlns="4873beb7-5857-4685-be1f-d57550cc96cc" xsi:nil="true"/>
+    <EditorialStatus xmlns="4873beb7-5857-4685-be1f-d57550cc96cc">Complete</EditorialStatus>
+    <LastModifiedDateTime xmlns="4873beb7-5857-4685-be1f-d57550cc96cc" xsi:nil="true"/>
+    <ScenarioTagsTaxHTField0 xmlns="4873beb7-5857-4685-be1f-d57550cc96cc">
+      <Terms xmlns="http://schemas.microsoft.com/office/infopath/2007/PartnerControls"/>
+    </ScenarioTagsTaxHTField0>
+    <OriginalRelease xmlns="4873beb7-5857-4685-be1f-d57550cc96cc">15</OriginalRelease>
+    <TPLaunchHelpLinkType xmlns="4873beb7-5857-4685-be1f-d57550cc96cc">Template</TPLaunchHelpLinkType>
+    <LocalizationTagsTaxHTField0 xmlns="4873beb7-5857-4685-be1f-d57550cc96cc">
+      <Terms xmlns="http://schemas.microsoft.com/office/infopath/2007/PartnerControls"/>
+    </LocalizationTagsTaxHTField0>
+  </documentManagement>
+</p:properties>
 </file>
 
-<file path=customXml/itemProps3.xml><?xml version="1.0" encoding="utf-8"?>
+<file path=customXml/itemProps1.xml><?xml version="1.0" encoding="utf-8"?>
 <ds:datastoreItem xmlns:ds="http://schemas.openxmlformats.org/officeDocument/2006/customXml" ds:itemID="{AF7E4019-AE58-4CAA-B67D-559F9FEEB202}">
   <ds:schemaRefs>
     <ds:schemaRef ds:uri="http://schemas.microsoft.com/office/2006/metadata/contentType"/>
@@ -24212,4 +24601,22 @@
     <ds:schemaRef ds:uri="http://schemas.microsoft.com/internal/obd"/>
   </ds:schemaRefs>
 </ds:datastoreItem>
+</file>
+
+<file path=customXml/itemProps2.xml><?xml version="1.0" encoding="utf-8"?>
+<ds:datastoreItem xmlns:ds="http://schemas.openxmlformats.org/officeDocument/2006/customXml" ds:itemID="{A1110015-E380-4C53-980C-698226C61CAC}">
+  <ds:schemaRefs>
+    <ds:schemaRef ds:uri="http://schemas.microsoft.com/sharepoint/v3/contenttype/forms"/>
+  </ds:schemaRefs>
+</ds:datastoreItem>
+</file>
+
+<file path=customXml/itemProps3.xml><?xml version="1.0" encoding="utf-8"?>
+<ds:datastoreItem xmlns:ds="http://schemas.openxmlformats.org/officeDocument/2006/customXml" ds:itemID="{A9F945EE-6400-432A-A9B1-179A0A2A37CE}">
+  <ds:schemaRefs>
+    <ds:schemaRef ds:uri="http://schemas.microsoft.com/office/2006/metadata/properties"/>
+    <ds:schemaRef ds:uri="http://schemas.microsoft.com/office/infopath/2007/PartnerControls"/>
+    <ds:schemaRef ds:uri="4873beb7-5857-4685-be1f-d57550cc96cc"/>
+  </ds:schemaRefs>
+</ds:datastoreItem>
 </file>
--- a/Poster/NSDI Poster.pptx
+++ b/Poster/NSDI Poster.pptx
@@ -203,7 +203,7 @@
           <a:p>
             <a:fld id="{F1C0B079-A316-4C9B-B165-DF9EA8325D2C}" type="datetimeFigureOut">
               <a:rPr lang="en-US" smtClean="0"/>
-              <a:t>4/1/18</a:t>
+              <a:t>4/3/18</a:t>
             </a:fld>
             <a:endParaRPr lang="en-US"/>
           </a:p>
@@ -368,7 +368,7 @@
           <a:p>
             <a:fld id="{38F28AB8-57D1-494F-9851-055AD867E790}" type="datetimeFigureOut">
               <a:rPr lang="en-US" smtClean="0"/>
-              <a:t>4/1/18</a:t>
+              <a:t>4/3/18</a:t>
             </a:fld>
             <a:endParaRPr lang="en-US"/>
           </a:p>
@@ -1876,7 +1876,7 @@
             <a:fld id="{ECAA57DF-1C19-4726-AB84-014692BAD8F5}" type="datetimeFigureOut">
               <a:rPr lang="en-US" smtClean="0"/>
               <a:pPr/>
-              <a:t>4/1/18</a:t>
+              <a:t>4/3/18</a:t>
             </a:fld>
             <a:endParaRPr lang="en-US"/>
           </a:p>
@@ -3284,7 +3284,7 @@
             <a:fld id="{ECAA57DF-1C19-4726-AB84-014692BAD8F5}" type="datetimeFigureOut">
               <a:rPr lang="en-US" smtClean="0"/>
               <a:pPr/>
-              <a:t>4/1/18</a:t>
+              <a:t>4/3/18</a:t>
             </a:fld>
             <a:endParaRPr lang="en-US"/>
           </a:p>
@@ -4686,7 +4686,7 @@
             <a:fld id="{ECAA57DF-1C19-4726-AB84-014692BAD8F5}" type="datetimeFigureOut">
               <a:rPr lang="en-US" smtClean="0"/>
               <a:pPr/>
-              <a:t>4/1/18</a:t>
+              <a:t>4/3/18</a:t>
             </a:fld>
             <a:endParaRPr lang="en-US"/>
           </a:p>
@@ -4949,7 +4949,7 @@
           <a:p>
             <a:fld id="{ECAA57DF-1C19-4726-AB84-014692BAD8F5}" type="datetimeFigureOut">
               <a:rPr lang="en-US" smtClean="0"/>
-              <a:t>4/1/18</a:t>
+              <a:t>4/3/18</a:t>
             </a:fld>
             <a:endParaRPr lang="en-US"/>
           </a:p>
@@ -8736,7 +8736,7 @@
             <a:fld id="{ECAA57DF-1C19-4726-AB84-014692BAD8F5}" type="datetimeFigureOut">
               <a:rPr lang="en-US" smtClean="0"/>
               <a:pPr/>
-              <a:t>4/1/18</a:t>
+              <a:t>4/3/18</a:t>
             </a:fld>
             <a:endParaRPr lang="en-US"/>
           </a:p>
@@ -10072,7 +10072,7 @@
             <a:fld id="{ECAA57DF-1C19-4726-AB84-014692BAD8F5}" type="datetimeFigureOut">
               <a:rPr lang="en-US" smtClean="0"/>
               <a:pPr/>
-              <a:t>4/1/18</a:t>
+              <a:t>4/3/18</a:t>
             </a:fld>
             <a:endParaRPr lang="en-US"/>
           </a:p>
@@ -11542,7 +11542,7 @@
             <a:fld id="{ECAA57DF-1C19-4726-AB84-014692BAD8F5}" type="datetimeFigureOut">
               <a:rPr lang="en-US" smtClean="0"/>
               <a:pPr/>
-              <a:t>4/1/18</a:t>
+              <a:t>4/3/18</a:t>
             </a:fld>
             <a:endParaRPr lang="en-US"/>
           </a:p>
@@ -13156,7 +13156,7 @@
             <a:fld id="{ECAA57DF-1C19-4726-AB84-014692BAD8F5}" type="datetimeFigureOut">
               <a:rPr lang="en-US" smtClean="0"/>
               <a:pPr/>
-              <a:t>4/1/18</a:t>
+              <a:t>4/3/18</a:t>
             </a:fld>
             <a:endParaRPr lang="en-US"/>
           </a:p>
@@ -14503,7 +14503,7 @@
             <a:fld id="{ECAA57DF-1C19-4726-AB84-014692BAD8F5}" type="datetimeFigureOut">
               <a:rPr lang="en-US" smtClean="0"/>
               <a:pPr/>
-              <a:t>4/1/18</a:t>
+              <a:t>4/3/18</a:t>
             </a:fld>
             <a:endParaRPr lang="en-US"/>
           </a:p>
@@ -14610,7 +14610,7 @@
             <a:fld id="{ECAA57DF-1C19-4726-AB84-014692BAD8F5}" type="datetimeFigureOut">
               <a:rPr lang="en-US" smtClean="0"/>
               <a:pPr/>
-              <a:t>4/1/18</a:t>
+              <a:t>4/3/18</a:t>
             </a:fld>
             <a:endParaRPr lang="en-US"/>
           </a:p>
@@ -16087,7 +16087,7 @@
             <a:fld id="{ECAA57DF-1C19-4726-AB84-014692BAD8F5}" type="datetimeFigureOut">
               <a:rPr lang="en-US" smtClean="0"/>
               <a:pPr/>
-              <a:t>4/1/18</a:t>
+              <a:t>4/3/18</a:t>
             </a:fld>
             <a:endParaRPr lang="en-US"/>
           </a:p>
@@ -17451,7 +17451,7 @@
             <a:fld id="{ECAA57DF-1C19-4726-AB84-014692BAD8F5}" type="datetimeFigureOut">
               <a:rPr lang="en-US" smtClean="0"/>
               <a:pPr/>
-              <a:t>4/1/18</a:t>
+              <a:t>4/3/18</a:t>
             </a:fld>
             <a:endParaRPr lang="en-US"/>
           </a:p>
@@ -17703,7 +17703,7 @@
             <a:fld id="{ECAA57DF-1C19-4726-AB84-014692BAD8F5}" type="datetimeFigureOut">
               <a:rPr lang="en-US" smtClean="0"/>
               <a:pPr/>
-              <a:t>4/1/18</a:t>
+              <a:t>4/3/18</a:t>
             </a:fld>
             <a:endParaRPr lang="en-US"/>
           </a:p>
@@ -18435,8 +18435,8 @@
             </p:nvSpPr>
             <p:spPr>
               <a:xfrm>
-                <a:off x="15890528" y="15896176"/>
-                <a:ext cx="12801600" cy="4104191"/>
+                <a:off x="15890528" y="15775398"/>
+                <a:ext cx="12801600" cy="4287555"/>
               </a:xfrm>
             </p:spPr>
             <p:txBody>
@@ -18458,11 +18458,15 @@
                 <a14:m>
                   <m:oMath xmlns:m="http://schemas.openxmlformats.org/officeDocument/2006/math">
                     <m:r>
-                      <a:rPr lang="en-US" sz="2800" b="0" i="1" smtClean="0"/>
+                      <a:rPr lang="en-US" sz="2800" b="0" i="1" smtClean="0">
+                        <a:latin typeface="Cambria Math" panose="02040503050406030204" pitchFamily="18" charset="0"/>
+                      </a:rPr>
                       <m:t>𝑛</m:t>
                     </m:r>
                     <m:r>
-                      <a:rPr lang="en-US" sz="2800" b="0" i="1" smtClean="0"/>
+                      <a:rPr lang="en-US" sz="2800" b="0" i="1" smtClean="0">
+                        <a:latin typeface="Cambria Math" panose="02040503050406030204" pitchFamily="18" charset="0"/>
+                      </a:rPr>
                       <m:t>−1</m:t>
                     </m:r>
                   </m:oMath>
@@ -18478,32 +18482,42 @@
                 <a14:m>
                   <m:oMath xmlns:m="http://schemas.openxmlformats.org/officeDocument/2006/math">
                     <m:r>
-                      <a:rPr lang="en-US" sz="2800" b="0" i="1" smtClean="0"/>
+                      <a:rPr lang="en-US" sz="2800" b="0" i="1" smtClean="0">
+                        <a:latin typeface="Cambria Math" panose="02040503050406030204" pitchFamily="18" charset="0"/>
+                      </a:rPr>
                       <m:t>𝑃</m:t>
                     </m:r>
                     <m:d>
                       <m:dPr>
                         <m:endChr m:val="|"/>
                         <m:ctrlPr>
-                          <a:rPr lang="en-US" sz="2800" b="0" i="1" smtClean="0"/>
+                          <a:rPr lang="en-US" sz="2800" b="0" i="1" smtClean="0">
+                            <a:latin typeface="Cambria Math" panose="02040503050406030204" pitchFamily="18" charset="0"/>
+                          </a:rPr>
                         </m:ctrlPr>
                       </m:dPr>
                       <m:e>
                         <m:sSub>
                           <m:sSubPr>
                             <m:ctrlPr>
-                              <a:rPr lang="en-US" sz="2800" b="0" i="1" smtClean="0"/>
+                              <a:rPr lang="en-US" sz="2800" b="0" i="1" smtClean="0">
+                                <a:latin typeface="Cambria Math" panose="02040503050406030204" pitchFamily="18" charset="0"/>
+                              </a:rPr>
                             </m:ctrlPr>
                           </m:sSubPr>
                           <m:e>
                             <m:r>
-                              <a:rPr lang="en-US" sz="2800" b="0" i="1" smtClean="0"/>
+                              <a:rPr lang="en-US" sz="2800" b="0" i="1" smtClean="0">
+                                <a:latin typeface="Cambria Math" panose="02040503050406030204" pitchFamily="18" charset="0"/>
+                              </a:rPr>
                               <m:t>𝑤</m:t>
                             </m:r>
                           </m:e>
                           <m:sub>
                             <m:r>
-                              <a:rPr lang="en-US" sz="2800" b="0" i="1" smtClean="0"/>
+                              <a:rPr lang="en-US" sz="2800" b="0" i="1" smtClean="0">
+                                <a:latin typeface="Cambria Math" panose="02040503050406030204" pitchFamily="18" charset="0"/>
+                              </a:rPr>
                               <m:t>𝑛</m:t>
                             </m:r>
                           </m:sub>
@@ -18511,121 +18525,163 @@
                       </m:e>
                     </m:d>
                     <m:r>
-                      <a:rPr lang="en-US" sz="2800" b="0" i="1" smtClean="0"/>
+                      <a:rPr lang="en-US" sz="2800" b="0" i="1" smtClean="0">
+                        <a:latin typeface="Cambria Math" panose="02040503050406030204" pitchFamily="18" charset="0"/>
+                      </a:rPr>
                       <m:t> </m:t>
                     </m:r>
                     <m:sSub>
                       <m:sSubPr>
                         <m:ctrlPr>
-                          <a:rPr lang="en-US" sz="2800" b="0" i="1" smtClean="0"/>
+                          <a:rPr lang="en-US" sz="2800" b="0" i="1" smtClean="0">
+                            <a:latin typeface="Cambria Math" panose="02040503050406030204" pitchFamily="18" charset="0"/>
+                          </a:rPr>
                         </m:ctrlPr>
                       </m:sSubPr>
                       <m:e>
                         <m:r>
-                          <a:rPr lang="en-US" sz="2800" b="0" i="1" smtClean="0"/>
+                          <a:rPr lang="en-US" sz="2800" b="0" i="1" smtClean="0">
+                            <a:latin typeface="Cambria Math" panose="02040503050406030204" pitchFamily="18" charset="0"/>
+                          </a:rPr>
                           <m:t>𝑤</m:t>
                         </m:r>
                       </m:e>
                       <m:sub>
                         <m:r>
-                          <a:rPr lang="en-US" sz="2800" b="0" i="1" smtClean="0"/>
+                          <a:rPr lang="en-US" sz="2800" b="0" i="1" smtClean="0">
+                            <a:latin typeface="Cambria Math" panose="02040503050406030204" pitchFamily="18" charset="0"/>
+                          </a:rPr>
                           <m:t>𝑛</m:t>
                         </m:r>
                         <m:r>
-                          <a:rPr lang="en-US" sz="2800" b="0" i="1" smtClean="0"/>
+                          <a:rPr lang="en-US" sz="2800" b="0" i="1" smtClean="0">
+                            <a:latin typeface="Cambria Math" panose="02040503050406030204" pitchFamily="18" charset="0"/>
+                          </a:rPr>
                           <m:t>−1</m:t>
                         </m:r>
                       </m:sub>
                     </m:sSub>
                     <m:r>
-                      <a:rPr lang="en-US" sz="2800" b="0" i="1" smtClean="0"/>
+                      <a:rPr lang="en-US" sz="2800" b="0" i="1" smtClean="0">
+                        <a:latin typeface="Cambria Math" panose="02040503050406030204" pitchFamily="18" charset="0"/>
+                      </a:rPr>
                       <m:t>,</m:t>
                     </m:r>
                     <m:sSub>
                       <m:sSubPr>
                         <m:ctrlPr>
-                          <a:rPr lang="en-US" sz="2800" i="1" smtClean="0"/>
+                          <a:rPr lang="en-US" sz="2800" i="1" smtClean="0">
+                            <a:latin typeface="Cambria Math" panose="02040503050406030204" pitchFamily="18" charset="0"/>
+                          </a:rPr>
                         </m:ctrlPr>
                       </m:sSubPr>
                       <m:e>
                         <m:r>
-                          <a:rPr lang="en-US" sz="2800" i="1"/>
+                          <a:rPr lang="en-US" sz="2800" i="1">
+                            <a:latin typeface="Cambria Math" panose="02040503050406030204" pitchFamily="18" charset="0"/>
+                          </a:rPr>
                           <m:t>𝑤</m:t>
                         </m:r>
                       </m:e>
                       <m:sub>
                         <m:r>
-                          <a:rPr lang="en-US" sz="2800" i="1"/>
+                          <a:rPr lang="en-US" sz="2800" i="1">
+                            <a:latin typeface="Cambria Math" panose="02040503050406030204" pitchFamily="18" charset="0"/>
+                          </a:rPr>
                           <m:t>𝑛</m:t>
                         </m:r>
                         <m:r>
-                          <a:rPr lang="en-US" sz="2800" i="1"/>
+                          <a:rPr lang="en-US" sz="2800" i="1">
+                            <a:latin typeface="Cambria Math" panose="02040503050406030204" pitchFamily="18" charset="0"/>
+                          </a:rPr>
                           <m:t>−2</m:t>
                         </m:r>
                       </m:sub>
                     </m:sSub>
                     <m:r>
-                      <a:rPr lang="en-US" sz="2800" b="0" i="1" smtClean="0"/>
+                      <a:rPr lang="en-US" sz="2800" b="0" i="1" smtClean="0">
+                        <a:latin typeface="Cambria Math" panose="02040503050406030204" pitchFamily="18" charset="0"/>
+                      </a:rPr>
                       <m:t>,</m:t>
                     </m:r>
                     <m:sSub>
                       <m:sSubPr>
                         <m:ctrlPr>
-                          <a:rPr lang="en-US" sz="2800" i="1"/>
+                          <a:rPr lang="en-US" sz="2800" i="1">
+                            <a:latin typeface="Cambria Math" panose="02040503050406030204" pitchFamily="18" charset="0"/>
+                          </a:rPr>
                         </m:ctrlPr>
                       </m:sSubPr>
                       <m:e>
                         <m:r>
-                          <a:rPr lang="en-US" sz="2800" i="1"/>
+                          <a:rPr lang="en-US" sz="2800" i="1">
+                            <a:latin typeface="Cambria Math" panose="02040503050406030204" pitchFamily="18" charset="0"/>
+                          </a:rPr>
                           <m:t>𝑤</m:t>
                         </m:r>
                       </m:e>
                       <m:sub>
                         <m:r>
-                          <a:rPr lang="en-US" sz="2800" i="1"/>
+                          <a:rPr lang="en-US" sz="2800" i="1">
+                            <a:latin typeface="Cambria Math" panose="02040503050406030204" pitchFamily="18" charset="0"/>
+                          </a:rPr>
                           <m:t>𝑛</m:t>
                         </m:r>
                         <m:r>
-                          <a:rPr lang="en-US" sz="2800" i="1"/>
+                          <a:rPr lang="en-US" sz="2800" i="1">
+                            <a:latin typeface="Cambria Math" panose="02040503050406030204" pitchFamily="18" charset="0"/>
+                          </a:rPr>
                           <m:t>−3</m:t>
                         </m:r>
                       </m:sub>
                     </m:sSub>
                     <m:r>
-                      <a:rPr lang="en-US" sz="2800" b="0" i="1" smtClean="0"/>
+                      <a:rPr lang="en-US" sz="2800" b="0" i="1" smtClean="0">
+                        <a:latin typeface="Cambria Math" panose="02040503050406030204" pitchFamily="18" charset="0"/>
+                      </a:rPr>
                       <m:t>, …,</m:t>
                     </m:r>
                     <m:sSub>
                       <m:sSubPr>
                         <m:ctrlPr>
-                          <a:rPr lang="en-US" sz="2800" i="1"/>
+                          <a:rPr lang="en-US" sz="2800" i="1">
+                            <a:latin typeface="Cambria Math" panose="02040503050406030204" pitchFamily="18" charset="0"/>
+                          </a:rPr>
                         </m:ctrlPr>
                       </m:sSubPr>
                       <m:e>
                         <m:r>
-                          <a:rPr lang="en-US" sz="2800" i="1"/>
+                          <a:rPr lang="en-US" sz="2800" i="1">
+                            <a:latin typeface="Cambria Math" panose="02040503050406030204" pitchFamily="18" charset="0"/>
+                          </a:rPr>
                           <m:t>𝑤</m:t>
                         </m:r>
                       </m:e>
                       <m:sub>
                         <m:r>
-                          <a:rPr lang="en-US" sz="2800" i="1"/>
+                          <a:rPr lang="en-US" sz="2800" i="1">
+                            <a:latin typeface="Cambria Math" panose="02040503050406030204" pitchFamily="18" charset="0"/>
+                          </a:rPr>
                           <m:t>1</m:t>
                         </m:r>
                       </m:sub>
                     </m:sSub>
                     <m:r>
-                      <a:rPr lang="en-US" sz="2800" b="0" i="1" smtClean="0"/>
+                      <a:rPr lang="en-US" sz="2800" b="0" i="1" smtClean="0">
+                        <a:latin typeface="Cambria Math" panose="02040503050406030204" pitchFamily="18" charset="0"/>
+                      </a:rPr>
                       <m:t>) </m:t>
                     </m:r>
                     <m:r>
                       <a:rPr lang="en-US" sz="2800" b="0" i="1" smtClean="0">
+                        <a:latin typeface="Cambria Math" panose="02040503050406030204" pitchFamily="18" charset="0"/>
                         <a:ea typeface="Cambria Math" panose="02040503050406030204" pitchFamily="18" charset="0"/>
                       </a:rPr>
                       <m:t>≈</m:t>
                     </m:r>
                     <m:r>
                       <a:rPr lang="en-US" sz="2800" b="0" i="1" smtClean="0">
+                        <a:latin typeface="Cambria Math" panose="02040503050406030204" pitchFamily="18" charset="0"/>
                         <a:ea typeface="Cambria Math" panose="02040503050406030204" pitchFamily="18" charset="0"/>
                       </a:rPr>
                       <m:t>𝑃</m:t>
@@ -18634,25 +18690,33 @@
                       <m:dPr>
                         <m:endChr m:val="|"/>
                         <m:ctrlPr>
-                          <a:rPr lang="en-US" sz="2800" i="1"/>
+                          <a:rPr lang="en-US" sz="2800" i="1">
+                            <a:latin typeface="Cambria Math" panose="02040503050406030204" pitchFamily="18" charset="0"/>
+                          </a:rPr>
                         </m:ctrlPr>
                       </m:dPr>
                       <m:e>
                         <m:sSub>
                           <m:sSubPr>
                             <m:ctrlPr>
-                              <a:rPr lang="en-US" sz="2800" i="1"/>
+                              <a:rPr lang="en-US" sz="2800" i="1">
+                                <a:latin typeface="Cambria Math" panose="02040503050406030204" pitchFamily="18" charset="0"/>
+                              </a:rPr>
                             </m:ctrlPr>
                           </m:sSubPr>
                           <m:e>
                             <m:r>
-                              <a:rPr lang="en-US" sz="2800" i="1"/>
+                              <a:rPr lang="en-US" sz="2800" i="1">
+                                <a:latin typeface="Cambria Math" panose="02040503050406030204" pitchFamily="18" charset="0"/>
+                              </a:rPr>
                               <m:t>𝑤</m:t>
                             </m:r>
                           </m:e>
                           <m:sub>
                             <m:r>
-                              <a:rPr lang="en-US" sz="2800" i="1"/>
+                              <a:rPr lang="en-US" sz="2800" i="1">
+                                <a:latin typeface="Cambria Math" panose="02040503050406030204" pitchFamily="18" charset="0"/>
+                              </a:rPr>
                               <m:t>𝑛</m:t>
                             </m:r>
                           </m:sub>
@@ -18660,69 +18724,94 @@
                       </m:e>
                     </m:d>
                     <m:r>
-                      <a:rPr lang="en-US" sz="2800" i="1"/>
+                      <a:rPr lang="en-US" sz="2800" i="1">
+                        <a:latin typeface="Cambria Math" panose="02040503050406030204" pitchFamily="18" charset="0"/>
+                      </a:rPr>
                       <m:t> </m:t>
                     </m:r>
                     <m:sSub>
                       <m:sSubPr>
                         <m:ctrlPr>
-                          <a:rPr lang="en-US" sz="2800" i="1"/>
+                          <a:rPr lang="en-US" sz="2800" i="1">
+                            <a:latin typeface="Cambria Math" panose="02040503050406030204" pitchFamily="18" charset="0"/>
+                          </a:rPr>
                         </m:ctrlPr>
                       </m:sSubPr>
                       <m:e>
                         <m:r>
-                          <a:rPr lang="en-US" sz="2800" i="1"/>
+                          <a:rPr lang="en-US" sz="2800" i="1">
+                            <a:latin typeface="Cambria Math" panose="02040503050406030204" pitchFamily="18" charset="0"/>
+                          </a:rPr>
                           <m:t>𝑤</m:t>
                         </m:r>
                       </m:e>
                       <m:sub>
                         <m:r>
-                          <a:rPr lang="en-US" sz="2800" i="1"/>
+                          <a:rPr lang="en-US" sz="2800" i="1">
+                            <a:latin typeface="Cambria Math" panose="02040503050406030204" pitchFamily="18" charset="0"/>
+                          </a:rPr>
                           <m:t>𝑛</m:t>
                         </m:r>
                         <m:r>
-                          <a:rPr lang="en-US" sz="2800" i="1"/>
+                          <a:rPr lang="en-US" sz="2800" i="1">
+                            <a:latin typeface="Cambria Math" panose="02040503050406030204" pitchFamily="18" charset="0"/>
+                          </a:rPr>
                           <m:t>−1</m:t>
                         </m:r>
                       </m:sub>
                     </m:sSub>
                     <m:r>
-                      <a:rPr lang="en-US" sz="2800" i="1"/>
+                      <a:rPr lang="en-US" sz="2800" i="1">
+                        <a:latin typeface="Cambria Math" panose="02040503050406030204" pitchFamily="18" charset="0"/>
+                      </a:rPr>
                       <m:t>, …,</m:t>
                     </m:r>
                     <m:sSub>
                       <m:sSubPr>
                         <m:ctrlPr>
-                          <a:rPr lang="en-US" sz="2800" i="1"/>
+                          <a:rPr lang="en-US" sz="2800" i="1">
+                            <a:latin typeface="Cambria Math" panose="02040503050406030204" pitchFamily="18" charset="0"/>
+                          </a:rPr>
                         </m:ctrlPr>
                       </m:sSubPr>
                       <m:e>
                         <m:r>
-                          <a:rPr lang="en-US" sz="2800" i="1"/>
+                          <a:rPr lang="en-US" sz="2800" i="1">
+                            <a:latin typeface="Cambria Math" panose="02040503050406030204" pitchFamily="18" charset="0"/>
+                          </a:rPr>
                           <m:t>𝑤</m:t>
                         </m:r>
                       </m:e>
                       <m:sub>
                         <m:r>
-                          <a:rPr lang="en-US" sz="2800" b="0" i="1" smtClean="0"/>
+                          <a:rPr lang="en-US" sz="2800" b="0" i="1" smtClean="0">
+                            <a:latin typeface="Cambria Math" panose="02040503050406030204" pitchFamily="18" charset="0"/>
+                          </a:rPr>
                           <m:t>𝑛</m:t>
                         </m:r>
                         <m:r>
-                          <a:rPr lang="en-US" sz="2800" b="0" i="1" smtClean="0"/>
+                          <a:rPr lang="en-US" sz="2800" b="0" i="1" smtClean="0">
+                            <a:latin typeface="Cambria Math" panose="02040503050406030204" pitchFamily="18" charset="0"/>
+                          </a:rPr>
                           <m:t>−</m:t>
                         </m:r>
                         <m:r>
-                          <a:rPr lang="en-US" sz="2800" b="0" i="1" smtClean="0"/>
+                          <a:rPr lang="en-US" sz="2800" b="0" i="1" smtClean="0">
+                            <a:latin typeface="Cambria Math" panose="02040503050406030204" pitchFamily="18" charset="0"/>
+                          </a:rPr>
                           <m:t>𝑁</m:t>
                         </m:r>
                         <m:r>
-                          <a:rPr lang="en-US" sz="2800" b="0" i="1" smtClean="0"/>
+                          <a:rPr lang="en-US" sz="2800" b="0" i="1" smtClean="0">
+                            <a:latin typeface="Cambria Math" panose="02040503050406030204" pitchFamily="18" charset="0"/>
+                          </a:rPr>
                           <m:t>+1</m:t>
                         </m:r>
                       </m:sub>
                     </m:sSub>
                     <m:r>
                       <a:rPr lang="en-US" sz="2800" b="0" i="1" smtClean="0">
+                        <a:latin typeface="Cambria Math" panose="02040503050406030204" pitchFamily="18" charset="0"/>
                         <a:ea typeface="Cambria Math" panose="02040503050406030204" pitchFamily="18" charset="0"/>
                       </a:rPr>
                       <m:t>)</m:t>
@@ -18768,13 +18857,13 @@
             </p:nvSpPr>
             <p:spPr>
               <a:xfrm>
-                <a:off x="15890528" y="15896176"/>
-                <a:ext cx="12801600" cy="4104191"/>
+                <a:off x="15890528" y="15775398"/>
+                <a:ext cx="12801600" cy="4287555"/>
               </a:xfrm>
               <a:blipFill>
                 <a:blip r:embed="rId3"/>
                 <a:stretch>
-                  <a:fillRect l="-892"/>
+                  <a:fillRect l="-892" r="-991" b="-6490"/>
                 </a:stretch>
               </a:blipFill>
             </p:spPr>
@@ -18962,7 +19051,7 @@
         </p:blipFill>
         <p:spPr>
           <a:xfrm>
-            <a:off x="37154363" y="15342694"/>
+            <a:off x="37262423" y="15105011"/>
             <a:ext cx="5281031" cy="6044184"/>
           </a:xfrm>
           <a:prstGeom prst="rect">
@@ -19026,8 +19115,8 @@
         </p:nvSpPr>
         <p:spPr>
           <a:xfrm>
-            <a:off x="30941580" y="17285263"/>
-            <a:ext cx="4768014" cy="4339650"/>
+            <a:off x="30941580" y="17465818"/>
+            <a:ext cx="5958885" cy="3908762"/>
           </a:xfrm>
           <a:prstGeom prst="rect">
             <a:avLst/>
@@ -19104,8 +19193,8 @@
         </p:nvSpPr>
         <p:spPr>
           <a:xfrm>
-            <a:off x="37683187" y="12964680"/>
-            <a:ext cx="4939780" cy="2246769"/>
+            <a:off x="36900465" y="12917762"/>
+            <a:ext cx="5722502" cy="1815882"/>
           </a:xfrm>
           <a:prstGeom prst="rect">
             <a:avLst/>
@@ -20188,7 +20277,7 @@
         </p:spPr>
         <p:txBody>
           <a:bodyPr vert="horz" lIns="365760" tIns="182880" rIns="91440" bIns="45720" rtlCol="0">
-            <a:normAutofit fontScale="62500" lnSpcReduction="20000"/>
+            <a:normAutofit fontScale="55000" lnSpcReduction="20000"/>
           </a:bodyPr>
           <a:lstStyle>
             <a:lvl1pPr marL="822960" indent="-822960" algn="l" defTabSz="3291840" rtl="0" eaLnBrk="1" latinLnBrk="0" hangingPunct="1">
@@ -21441,8 +21530,8 @@
         </p:nvSpPr>
         <p:spPr>
           <a:xfrm>
-            <a:off x="15642755" y="22019531"/>
-            <a:ext cx="12801600" cy="5423566"/>
+            <a:off x="15642754" y="21958571"/>
+            <a:ext cx="12877133" cy="5405395"/>
           </a:xfrm>
           <a:prstGeom prst="rect">
             <a:avLst/>
@@ -21688,13 +21777,13 @@
           <p:nvPr>
             <p:extLst>
               <p:ext uri="{D42A27DB-BD31-4B8C-83A1-F6EECF244321}">
-                <p14:modId xmlns:p14="http://schemas.microsoft.com/office/powerpoint/2010/main" val="2068573792"/>
+                <p14:modId xmlns:p14="http://schemas.microsoft.com/office/powerpoint/2010/main" val="3990051460"/>
               </p:ext>
             </p:extLst>
           </p:nvPr>
         </p:nvGraphicFramePr>
         <p:xfrm>
-          <a:off x="15642755" y="27434510"/>
+          <a:off x="15642755" y="27556430"/>
           <a:ext cx="12801600" cy="3531573"/>
         </p:xfrm>
         <a:graphic>
@@ -22003,7 +22092,7 @@
         </p:nvSpPr>
         <p:spPr>
           <a:xfrm>
-            <a:off x="15544800" y="31398787"/>
+            <a:off x="15544800" y="31520707"/>
             <a:ext cx="12801600" cy="954107"/>
           </a:xfrm>
           <a:prstGeom prst="rect">
@@ -22368,8 +22457,8 @@
         </p:nvSpPr>
         <p:spPr>
           <a:xfrm>
-            <a:off x="15891709" y="7440050"/>
-            <a:ext cx="12107781" cy="4101415"/>
+            <a:off x="15891710" y="7440050"/>
+            <a:ext cx="7270546" cy="5403516"/>
           </a:xfrm>
           <a:prstGeom prst="rect">
             <a:avLst/>
@@ -22600,23 +22689,88 @@
               <a:t>We replace these prefixes and certain other tokens with generic PREFIX tokens</a:t>
             </a:r>
           </a:p>
-          <a:p>
+        </p:txBody>
+      </p:sp>
+      <p:sp>
+        <p:nvSpPr>
+          <p:cNvPr id="39" name="TextBox 38">
+            <a:extLst>
+              <a:ext uri="{FF2B5EF4-FFF2-40B4-BE49-F238E27FC236}">
+                <a16:creationId xmlns:a16="http://schemas.microsoft.com/office/drawing/2014/main" id="{3899E836-95A6-654B-B458-89E376F123DA}"/>
+              </a:ext>
+            </a:extLst>
+          </p:cNvPr>
+          <p:cNvSpPr txBox="1"/>
+          <p:nvPr/>
+        </p:nvSpPr>
+        <p:spPr>
+          <a:xfrm>
+            <a:off x="16606098" y="12917761"/>
+            <a:ext cx="12086029" cy="1384995"/>
+          </a:xfrm>
+          <a:prstGeom prst="rect">
+            <a:avLst/>
+          </a:prstGeom>
+          <a:noFill/>
+        </p:spPr>
+        <p:txBody>
+          <a:bodyPr wrap="square" rtlCol="0">
+            <a:spAutoFit/>
+          </a:bodyPr>
+          <a:lstStyle/>
+          <a:p>
+            <a:pPr algn="ctr"/>
+            <a:r>
+              <a:rPr lang="en-US" sz="2800" b="1" dirty="0"/>
+              <a:t>Figure 1</a:t>
+            </a:r>
             <a:r>
               <a:rPr lang="en-US" sz="2800" dirty="0"/>
-              <a:t>With placeholder optimization, our accuracy increases by 5%</a:t>
+              <a:t>: With our placeholders optimization, this accuracy is 5% higher. </a:t>
             </a:r>
           </a:p>
           <a:p>
-            <a:endParaRPr lang="en-US" sz="2800" dirty="0"/>
-          </a:p>
-          <a:p>
-            <a:r>
-              <a:rPr lang="en-US" sz="2800" dirty="0"/>
-              <a:t>IMAGE?</a:t>
-            </a:r>
+            <a:pPr algn="ctr"/>
+            <a:endParaRPr lang="en-US" sz="2800" b="1" dirty="0"/>
           </a:p>
         </p:txBody>
       </p:sp>
+      <p:pic>
+        <p:nvPicPr>
+          <p:cNvPr id="8" name="Picture 7">
+            <a:extLst>
+              <a:ext uri="{FF2B5EF4-FFF2-40B4-BE49-F238E27FC236}">
+                <a16:creationId xmlns:a16="http://schemas.microsoft.com/office/drawing/2014/main" id="{9160B5DA-DBD2-144E-B049-03FEC23B2C0B}"/>
+              </a:ext>
+            </a:extLst>
+          </p:cNvPr>
+          <p:cNvPicPr>
+            <a:picLocks noChangeAspect="1"/>
+          </p:cNvPicPr>
+          <p:nvPr/>
+        </p:nvPicPr>
+        <p:blipFill>
+          <a:blip r:embed="rId9">
+            <a:extLst>
+              <a:ext uri="{28A0092B-C50C-407E-A947-70E740481C1C}">
+                <a14:useLocalDpi xmlns:a14="http://schemas.microsoft.com/office/drawing/2010/main" val="0"/>
+              </a:ext>
+            </a:extLst>
+          </a:blip>
+          <a:stretch>
+            <a:fillRect/>
+          </a:stretch>
+        </p:blipFill>
+        <p:spPr>
+          <a:xfrm>
+            <a:off x="23340253" y="7498916"/>
+            <a:ext cx="5351874" cy="5281980"/>
+          </a:xfrm>
+          <a:prstGeom prst="rect">
+            <a:avLst/>
+          </a:prstGeom>
+        </p:spPr>
+      </p:pic>
     </p:spTree>
     <p:extLst>
       <p:ext uri="{BB962C8B-B14F-4D97-AF65-F5344CB8AC3E}">
@@ -23410,6 +23564,142 @@
 </file>
 
 <file path=customXml/item1.xml><?xml version="1.0" encoding="utf-8"?>
+<p:properties xmlns:p="http://schemas.microsoft.com/office/2006/metadata/properties" xmlns:xsi="http://www.w3.org/2001/XMLSchema-instance" xmlns:pc="http://schemas.microsoft.com/office/infopath/2007/PartnerControls">
+  <documentManagement>
+    <DirectSourceMarket xmlns="4873beb7-5857-4685-be1f-d57550cc96cc" xsi:nil="true"/>
+    <ApprovalStatus xmlns="4873beb7-5857-4685-be1f-d57550cc96cc">InProgress</ApprovalStatus>
+    <MarketSpecific xmlns="4873beb7-5857-4685-be1f-d57550cc96cc">false</MarketSpecific>
+    <LocComments xmlns="4873beb7-5857-4685-be1f-d57550cc96cc" xsi:nil="true"/>
+    <ThumbnailAssetId xmlns="4873beb7-5857-4685-be1f-d57550cc96cc" xsi:nil="true"/>
+    <PrimaryImageGen xmlns="4873beb7-5857-4685-be1f-d57550cc96cc">true</PrimaryImageGen>
+    <LegacyData xmlns="4873beb7-5857-4685-be1f-d57550cc96cc" xsi:nil="true"/>
+    <LocRecommendedHandoff xmlns="4873beb7-5857-4685-be1f-d57550cc96cc" xsi:nil="true"/>
+    <BusinessGroup xmlns="4873beb7-5857-4685-be1f-d57550cc96cc" xsi:nil="true"/>
+    <BlockPublish xmlns="4873beb7-5857-4685-be1f-d57550cc96cc">false</BlockPublish>
+    <TPFriendlyName xmlns="4873beb7-5857-4685-be1f-d57550cc96cc" xsi:nil="true"/>
+    <NumericId xmlns="4873beb7-5857-4685-be1f-d57550cc96cc" xsi:nil="true"/>
+    <APEditor xmlns="4873beb7-5857-4685-be1f-d57550cc96cc">
+      <UserInfo>
+        <DisplayName/>
+        <AccountId xsi:nil="true"/>
+        <AccountType/>
+      </UserInfo>
+    </APEditor>
+    <SourceTitle xmlns="4873beb7-5857-4685-be1f-d57550cc96cc" xsi:nil="true"/>
+    <OpenTemplate xmlns="4873beb7-5857-4685-be1f-d57550cc96cc">true</OpenTemplate>
+    <UALocComments xmlns="4873beb7-5857-4685-be1f-d57550cc96cc" xsi:nil="true"/>
+    <ParentAssetId xmlns="4873beb7-5857-4685-be1f-d57550cc96cc" xsi:nil="true"/>
+    <IntlLangReviewDate xmlns="4873beb7-5857-4685-be1f-d57550cc96cc" xsi:nil="true"/>
+    <FeatureTagsTaxHTField0 xmlns="4873beb7-5857-4685-be1f-d57550cc96cc">
+      <Terms xmlns="http://schemas.microsoft.com/office/infopath/2007/PartnerControls"/>
+    </FeatureTagsTaxHTField0>
+    <PublishStatusLookup xmlns="4873beb7-5857-4685-be1f-d57550cc96cc">
+      <Value>1669414</Value>
+      <Value>1669470</Value>
+    </PublishStatusLookup>
+    <Providers xmlns="4873beb7-5857-4685-be1f-d57550cc96cc" xsi:nil="true"/>
+    <MachineTranslated xmlns="4873beb7-5857-4685-be1f-d57550cc96cc">false</MachineTranslated>
+    <OriginalSourceMarket xmlns="4873beb7-5857-4685-be1f-d57550cc96cc" xsi:nil="true"/>
+    <APDescription xmlns="4873beb7-5857-4685-be1f-d57550cc96cc" xsi:nil="true"/>
+    <ClipArtFilename xmlns="4873beb7-5857-4685-be1f-d57550cc96cc" xsi:nil="true"/>
+    <ContentItem xmlns="4873beb7-5857-4685-be1f-d57550cc96cc" xsi:nil="true"/>
+    <TPInstallLocation xmlns="4873beb7-5857-4685-be1f-d57550cc96cc" xsi:nil="true"/>
+    <PublishTargets xmlns="4873beb7-5857-4685-be1f-d57550cc96cc">OfficeOnlineVNext</PublishTargets>
+    <TimesCloned xmlns="4873beb7-5857-4685-be1f-d57550cc96cc" xsi:nil="true"/>
+    <AssetStart xmlns="4873beb7-5857-4685-be1f-d57550cc96cc">2013-01-21T12:05:00+00:00</AssetStart>
+    <Provider xmlns="4873beb7-5857-4685-be1f-d57550cc96cc" xsi:nil="true"/>
+    <AcquiredFrom xmlns="4873beb7-5857-4685-be1f-d57550cc96cc">Internal MS</AcquiredFrom>
+    <FriendlyTitle xmlns="4873beb7-5857-4685-be1f-d57550cc96cc" xsi:nil="true"/>
+    <LastHandOff xmlns="4873beb7-5857-4685-be1f-d57550cc96cc" xsi:nil="true"/>
+    <TPClientViewer xmlns="4873beb7-5857-4685-be1f-d57550cc96cc" xsi:nil="true"/>
+    <UACurrentWords xmlns="4873beb7-5857-4685-be1f-d57550cc96cc" xsi:nil="true"/>
+    <ArtSampleDocs xmlns="4873beb7-5857-4685-be1f-d57550cc96cc" xsi:nil="true"/>
+    <UALocRecommendation xmlns="4873beb7-5857-4685-be1f-d57550cc96cc">Localize</UALocRecommendation>
+    <Manager xmlns="4873beb7-5857-4685-be1f-d57550cc96cc" xsi:nil="true"/>
+    <ShowIn xmlns="4873beb7-5857-4685-be1f-d57550cc96cc">Show everywhere</ShowIn>
+    <UANotes xmlns="4873beb7-5857-4685-be1f-d57550cc96cc" xsi:nil="true"/>
+    <TemplateStatus xmlns="4873beb7-5857-4685-be1f-d57550cc96cc">Complete</TemplateStatus>
+    <InternalTagsTaxHTField0 xmlns="4873beb7-5857-4685-be1f-d57550cc96cc">
+      <Terms xmlns="http://schemas.microsoft.com/office/infopath/2007/PartnerControls"/>
+    </InternalTagsTaxHTField0>
+    <CSXHash xmlns="4873beb7-5857-4685-be1f-d57550cc96cc" xsi:nil="true"/>
+    <Downloads xmlns="4873beb7-5857-4685-be1f-d57550cc96cc">0</Downloads>
+    <VoteCount xmlns="4873beb7-5857-4685-be1f-d57550cc96cc" xsi:nil="true"/>
+    <OOCacheId xmlns="4873beb7-5857-4685-be1f-d57550cc96cc" xsi:nil="true"/>
+    <IsDeleted xmlns="4873beb7-5857-4685-be1f-d57550cc96cc">false</IsDeleted>
+    <AssetExpire xmlns="4873beb7-5857-4685-be1f-d57550cc96cc">2029-01-01T08:00:00+00:00</AssetExpire>
+    <DSATActionTaken xmlns="4873beb7-5857-4685-be1f-d57550cc96cc" xsi:nil="true"/>
+    <CSXSubmissionMarket xmlns="4873beb7-5857-4685-be1f-d57550cc96cc" xsi:nil="true"/>
+    <TPExecutable xmlns="4873beb7-5857-4685-be1f-d57550cc96cc" xsi:nil="true"/>
+    <SubmitterId xmlns="4873beb7-5857-4685-be1f-d57550cc96cc" xsi:nil="true"/>
+    <EditorialTags xmlns="4873beb7-5857-4685-be1f-d57550cc96cc" xsi:nil="true"/>
+    <AssetType xmlns="4873beb7-5857-4685-be1f-d57550cc96cc">TP</AssetType>
+    <BugNumber xmlns="4873beb7-5857-4685-be1f-d57550cc96cc" xsi:nil="true"/>
+    <CSXSubmissionDate xmlns="4873beb7-5857-4685-be1f-d57550cc96cc" xsi:nil="true"/>
+    <CSXUpdate xmlns="4873beb7-5857-4685-be1f-d57550cc96cc">false</CSXUpdate>
+    <ApprovalLog xmlns="4873beb7-5857-4685-be1f-d57550cc96cc" xsi:nil="true"/>
+    <Milestone xmlns="4873beb7-5857-4685-be1f-d57550cc96cc" xsi:nil="true"/>
+    <RecommendationsModifier xmlns="4873beb7-5857-4685-be1f-d57550cc96cc" xsi:nil="true"/>
+    <OriginAsset xmlns="4873beb7-5857-4685-be1f-d57550cc96cc" xsi:nil="true"/>
+    <TPComponent xmlns="4873beb7-5857-4685-be1f-d57550cc96cc" xsi:nil="true"/>
+    <AssetId xmlns="4873beb7-5857-4685-be1f-d57550cc96cc">TP104001550</AssetId>
+    <IntlLocPriority xmlns="4873beb7-5857-4685-be1f-d57550cc96cc" xsi:nil="true"/>
+    <PolicheckWords xmlns="4873beb7-5857-4685-be1f-d57550cc96cc" xsi:nil="true"/>
+    <TPLaunchHelpLink xmlns="4873beb7-5857-4685-be1f-d57550cc96cc" xsi:nil="true"/>
+    <TPApplication xmlns="4873beb7-5857-4685-be1f-d57550cc96cc" xsi:nil="true"/>
+    <CrawlForDependencies xmlns="4873beb7-5857-4685-be1f-d57550cc96cc">false</CrawlForDependencies>
+    <HandoffToMSDN xmlns="4873beb7-5857-4685-be1f-d57550cc96cc" xsi:nil="true"/>
+    <PlannedPubDate xmlns="4873beb7-5857-4685-be1f-d57550cc96cc" xsi:nil="true"/>
+    <IntlLangReviewer xmlns="4873beb7-5857-4685-be1f-d57550cc96cc" xsi:nil="true"/>
+    <TrustLevel xmlns="4873beb7-5857-4685-be1f-d57550cc96cc">1 Microsoft Managed Content</TrustLevel>
+    <LocLastLocAttemptVersionLookup xmlns="4873beb7-5857-4685-be1f-d57550cc96cc">875987</LocLastLocAttemptVersionLookup>
+    <IsSearchable xmlns="4873beb7-5857-4685-be1f-d57550cc96cc">true</IsSearchable>
+    <TemplateTemplateType xmlns="4873beb7-5857-4685-be1f-d57550cc96cc">PowerPoint Presentation Template</TemplateTemplateType>
+    <CampaignTagsTaxHTField0 xmlns="4873beb7-5857-4685-be1f-d57550cc96cc">
+      <Terms xmlns="http://schemas.microsoft.com/office/infopath/2007/PartnerControls"/>
+    </CampaignTagsTaxHTField0>
+    <TPNamespace xmlns="4873beb7-5857-4685-be1f-d57550cc96cc" xsi:nil="true"/>
+    <TaxCatchAll xmlns="4873beb7-5857-4685-be1f-d57550cc96cc"/>
+    <Markets xmlns="4873beb7-5857-4685-be1f-d57550cc96cc"/>
+    <UAProjectedTotalWords xmlns="4873beb7-5857-4685-be1f-d57550cc96cc" xsi:nil="true"/>
+    <LocMarketGroupTiers2 xmlns="4873beb7-5857-4685-be1f-d57550cc96cc" xsi:nil="true"/>
+    <IntlLangReview xmlns="4873beb7-5857-4685-be1f-d57550cc96cc">false</IntlLangReview>
+    <OutputCachingOn xmlns="4873beb7-5857-4685-be1f-d57550cc96cc">false</OutputCachingOn>
+    <AverageRating xmlns="4873beb7-5857-4685-be1f-d57550cc96cc" xsi:nil="true"/>
+    <APAuthor xmlns="4873beb7-5857-4685-be1f-d57550cc96cc">
+      <UserInfo>
+        <DisplayName>REDMOND\kristaa</DisplayName>
+        <AccountId>136</AccountId>
+        <AccountType/>
+      </UserInfo>
+    </APAuthor>
+    <LocManualTestRequired xmlns="4873beb7-5857-4685-be1f-d57550cc96cc">false</LocManualTestRequired>
+    <TPCommandLine xmlns="4873beb7-5857-4685-be1f-d57550cc96cc" xsi:nil="true"/>
+    <TPAppVersion xmlns="4873beb7-5857-4685-be1f-d57550cc96cc" xsi:nil="true"/>
+    <EditorialStatus xmlns="4873beb7-5857-4685-be1f-d57550cc96cc">Complete</EditorialStatus>
+    <LastModifiedDateTime xmlns="4873beb7-5857-4685-be1f-d57550cc96cc" xsi:nil="true"/>
+    <ScenarioTagsTaxHTField0 xmlns="4873beb7-5857-4685-be1f-d57550cc96cc">
+      <Terms xmlns="http://schemas.microsoft.com/office/infopath/2007/PartnerControls"/>
+    </ScenarioTagsTaxHTField0>
+    <OriginalRelease xmlns="4873beb7-5857-4685-be1f-d57550cc96cc">15</OriginalRelease>
+    <TPLaunchHelpLinkType xmlns="4873beb7-5857-4685-be1f-d57550cc96cc">Template</TPLaunchHelpLinkType>
+    <LocalizationTagsTaxHTField0 xmlns="4873beb7-5857-4685-be1f-d57550cc96cc">
+      <Terms xmlns="http://schemas.microsoft.com/office/infopath/2007/PartnerControls"/>
+    </LocalizationTagsTaxHTField0>
+  </documentManagement>
+</p:properties>
+</file>
+
+<file path=customXml/item2.xml><?xml version="1.0" encoding="utf-8"?>
+<?mso-contentType ?>
+<FormTemplates xmlns="http://schemas.microsoft.com/sharepoint/v3/contenttype/forms">
+  <Display>DocumentLibraryForm</Display>
+  <Edit>AssetEditForm</Edit>
+  <New>DocumentLibraryForm</New>
+</FormTemplates>
+</file>
+
+<file path=customXml/item3.xml><?xml version="1.0" encoding="utf-8"?>
 <ct:contentTypeSchema xmlns:ct="http://schemas.microsoft.com/office/2006/metadata/contentType" xmlns:ma="http://schemas.microsoft.com/office/2006/metadata/properties/metaAttributes" ct:_="" ma:_="" ma:contentTypeName="TemplateFile" ma:contentTypeID="0x0101006EDDDB5EE6D98C44930B742096920B300400F5B6D36B3EF94B4E9A635CDF2A18F5B8" ma:contentTypeVersion="72" ma:contentTypeDescription="Create a new document." ma:contentTypeScope="" ma:versionID="a23e56308344d904b51738559c3d67c9">
   <xsd:schema xmlns:xsd="http://www.w3.org/2001/XMLSchema" xmlns:xs="http://www.w3.org/2001/XMLSchema" xmlns:p="http://schemas.microsoft.com/office/2006/metadata/properties" xmlns:ns2="4873beb7-5857-4685-be1f-d57550cc96cc" targetNamespace="http://schemas.microsoft.com/office/2006/metadata/properties" ma:root="true" ma:fieldsID="cd0908cc4600e77bf5da051303e00c8d" ns2:_="">
     <xsd:import namespace="4873beb7-5857-4685-be1f-d57550cc96cc"/>
@@ -24449,143 +24739,25 @@
 </ct:contentTypeSchema>
 </file>
 
-<file path=customXml/item2.xml><?xml version="1.0" encoding="utf-8"?>
-<?mso-contentType ?>
-<FormTemplates xmlns="http://schemas.microsoft.com/sharepoint/v3/contenttype/forms">
-  <Display>DocumentLibraryForm</Display>
-  <Edit>AssetEditForm</Edit>
-  <New>DocumentLibraryForm</New>
-</FormTemplates>
+<file path=customXml/itemProps1.xml><?xml version="1.0" encoding="utf-8"?>
+<ds:datastoreItem xmlns:ds="http://schemas.openxmlformats.org/officeDocument/2006/customXml" ds:itemID="{A9F945EE-6400-432A-A9B1-179A0A2A37CE}">
+  <ds:schemaRefs>
+    <ds:schemaRef ds:uri="http://schemas.microsoft.com/office/2006/metadata/properties"/>
+    <ds:schemaRef ds:uri="http://schemas.microsoft.com/office/infopath/2007/PartnerControls"/>
+    <ds:schemaRef ds:uri="4873beb7-5857-4685-be1f-d57550cc96cc"/>
+  </ds:schemaRefs>
+</ds:datastoreItem>
 </file>
 
-<file path=customXml/item3.xml><?xml version="1.0" encoding="utf-8"?>
-<p:properties xmlns:p="http://schemas.microsoft.com/office/2006/metadata/properties" xmlns:xsi="http://www.w3.org/2001/XMLSchema-instance" xmlns:pc="http://schemas.microsoft.com/office/infopath/2007/PartnerControls">
-  <documentManagement>
-    <DirectSourceMarket xmlns="4873beb7-5857-4685-be1f-d57550cc96cc" xsi:nil="true"/>
-    <ApprovalStatus xmlns="4873beb7-5857-4685-be1f-d57550cc96cc">InProgress</ApprovalStatus>
-    <MarketSpecific xmlns="4873beb7-5857-4685-be1f-d57550cc96cc">false</MarketSpecific>
-    <LocComments xmlns="4873beb7-5857-4685-be1f-d57550cc96cc" xsi:nil="true"/>
-    <ThumbnailAssetId xmlns="4873beb7-5857-4685-be1f-d57550cc96cc" xsi:nil="true"/>
-    <PrimaryImageGen xmlns="4873beb7-5857-4685-be1f-d57550cc96cc">true</PrimaryImageGen>
-    <LegacyData xmlns="4873beb7-5857-4685-be1f-d57550cc96cc" xsi:nil="true"/>
-    <LocRecommendedHandoff xmlns="4873beb7-5857-4685-be1f-d57550cc96cc" xsi:nil="true"/>
-    <BusinessGroup xmlns="4873beb7-5857-4685-be1f-d57550cc96cc" xsi:nil="true"/>
-    <BlockPublish xmlns="4873beb7-5857-4685-be1f-d57550cc96cc">false</BlockPublish>
-    <TPFriendlyName xmlns="4873beb7-5857-4685-be1f-d57550cc96cc" xsi:nil="true"/>
-    <NumericId xmlns="4873beb7-5857-4685-be1f-d57550cc96cc" xsi:nil="true"/>
-    <APEditor xmlns="4873beb7-5857-4685-be1f-d57550cc96cc">
-      <UserInfo>
-        <DisplayName/>
-        <AccountId xsi:nil="true"/>
-        <AccountType/>
-      </UserInfo>
-    </APEditor>
-    <SourceTitle xmlns="4873beb7-5857-4685-be1f-d57550cc96cc" xsi:nil="true"/>
-    <OpenTemplate xmlns="4873beb7-5857-4685-be1f-d57550cc96cc">true</OpenTemplate>
-    <UALocComments xmlns="4873beb7-5857-4685-be1f-d57550cc96cc" xsi:nil="true"/>
-    <ParentAssetId xmlns="4873beb7-5857-4685-be1f-d57550cc96cc" xsi:nil="true"/>
-    <IntlLangReviewDate xmlns="4873beb7-5857-4685-be1f-d57550cc96cc" xsi:nil="true"/>
-    <FeatureTagsTaxHTField0 xmlns="4873beb7-5857-4685-be1f-d57550cc96cc">
-      <Terms xmlns="http://schemas.microsoft.com/office/infopath/2007/PartnerControls"/>
-    </FeatureTagsTaxHTField0>
-    <PublishStatusLookup xmlns="4873beb7-5857-4685-be1f-d57550cc96cc">
-      <Value>1669414</Value>
-      <Value>1669470</Value>
-    </PublishStatusLookup>
-    <Providers xmlns="4873beb7-5857-4685-be1f-d57550cc96cc" xsi:nil="true"/>
-    <MachineTranslated xmlns="4873beb7-5857-4685-be1f-d57550cc96cc">false</MachineTranslated>
-    <OriginalSourceMarket xmlns="4873beb7-5857-4685-be1f-d57550cc96cc" xsi:nil="true"/>
-    <APDescription xmlns="4873beb7-5857-4685-be1f-d57550cc96cc" xsi:nil="true"/>
-    <ClipArtFilename xmlns="4873beb7-5857-4685-be1f-d57550cc96cc" xsi:nil="true"/>
-    <ContentItem xmlns="4873beb7-5857-4685-be1f-d57550cc96cc" xsi:nil="true"/>
-    <TPInstallLocation xmlns="4873beb7-5857-4685-be1f-d57550cc96cc" xsi:nil="true"/>
-    <PublishTargets xmlns="4873beb7-5857-4685-be1f-d57550cc96cc">OfficeOnlineVNext</PublishTargets>
-    <TimesCloned xmlns="4873beb7-5857-4685-be1f-d57550cc96cc" xsi:nil="true"/>
-    <AssetStart xmlns="4873beb7-5857-4685-be1f-d57550cc96cc">2013-01-21T12:05:00+00:00</AssetStart>
-    <Provider xmlns="4873beb7-5857-4685-be1f-d57550cc96cc" xsi:nil="true"/>
-    <AcquiredFrom xmlns="4873beb7-5857-4685-be1f-d57550cc96cc">Internal MS</AcquiredFrom>
-    <FriendlyTitle xmlns="4873beb7-5857-4685-be1f-d57550cc96cc" xsi:nil="true"/>
-    <LastHandOff xmlns="4873beb7-5857-4685-be1f-d57550cc96cc" xsi:nil="true"/>
-    <TPClientViewer xmlns="4873beb7-5857-4685-be1f-d57550cc96cc" xsi:nil="true"/>
-    <UACurrentWords xmlns="4873beb7-5857-4685-be1f-d57550cc96cc" xsi:nil="true"/>
-    <ArtSampleDocs xmlns="4873beb7-5857-4685-be1f-d57550cc96cc" xsi:nil="true"/>
-    <UALocRecommendation xmlns="4873beb7-5857-4685-be1f-d57550cc96cc">Localize</UALocRecommendation>
-    <Manager xmlns="4873beb7-5857-4685-be1f-d57550cc96cc" xsi:nil="true"/>
-    <ShowIn xmlns="4873beb7-5857-4685-be1f-d57550cc96cc">Show everywhere</ShowIn>
-    <UANotes xmlns="4873beb7-5857-4685-be1f-d57550cc96cc" xsi:nil="true"/>
-    <TemplateStatus xmlns="4873beb7-5857-4685-be1f-d57550cc96cc">Complete</TemplateStatus>
-    <InternalTagsTaxHTField0 xmlns="4873beb7-5857-4685-be1f-d57550cc96cc">
-      <Terms xmlns="http://schemas.microsoft.com/office/infopath/2007/PartnerControls"/>
-    </InternalTagsTaxHTField0>
-    <CSXHash xmlns="4873beb7-5857-4685-be1f-d57550cc96cc" xsi:nil="true"/>
-    <Downloads xmlns="4873beb7-5857-4685-be1f-d57550cc96cc">0</Downloads>
-    <VoteCount xmlns="4873beb7-5857-4685-be1f-d57550cc96cc" xsi:nil="true"/>
-    <OOCacheId xmlns="4873beb7-5857-4685-be1f-d57550cc96cc" xsi:nil="true"/>
-    <IsDeleted xmlns="4873beb7-5857-4685-be1f-d57550cc96cc">false</IsDeleted>
-    <AssetExpire xmlns="4873beb7-5857-4685-be1f-d57550cc96cc">2029-01-01T08:00:00+00:00</AssetExpire>
-    <DSATActionTaken xmlns="4873beb7-5857-4685-be1f-d57550cc96cc" xsi:nil="true"/>
-    <CSXSubmissionMarket xmlns="4873beb7-5857-4685-be1f-d57550cc96cc" xsi:nil="true"/>
-    <TPExecutable xmlns="4873beb7-5857-4685-be1f-d57550cc96cc" xsi:nil="true"/>
-    <SubmitterId xmlns="4873beb7-5857-4685-be1f-d57550cc96cc" xsi:nil="true"/>
-    <EditorialTags xmlns="4873beb7-5857-4685-be1f-d57550cc96cc" xsi:nil="true"/>
-    <AssetType xmlns="4873beb7-5857-4685-be1f-d57550cc96cc">TP</AssetType>
-    <BugNumber xmlns="4873beb7-5857-4685-be1f-d57550cc96cc" xsi:nil="true"/>
-    <CSXSubmissionDate xmlns="4873beb7-5857-4685-be1f-d57550cc96cc" xsi:nil="true"/>
-    <CSXUpdate xmlns="4873beb7-5857-4685-be1f-d57550cc96cc">false</CSXUpdate>
-    <ApprovalLog xmlns="4873beb7-5857-4685-be1f-d57550cc96cc" xsi:nil="true"/>
-    <Milestone xmlns="4873beb7-5857-4685-be1f-d57550cc96cc" xsi:nil="true"/>
-    <RecommendationsModifier xmlns="4873beb7-5857-4685-be1f-d57550cc96cc" xsi:nil="true"/>
-    <OriginAsset xmlns="4873beb7-5857-4685-be1f-d57550cc96cc" xsi:nil="true"/>
-    <TPComponent xmlns="4873beb7-5857-4685-be1f-d57550cc96cc" xsi:nil="true"/>
-    <AssetId xmlns="4873beb7-5857-4685-be1f-d57550cc96cc">TP104001550</AssetId>
-    <IntlLocPriority xmlns="4873beb7-5857-4685-be1f-d57550cc96cc" xsi:nil="true"/>
-    <PolicheckWords xmlns="4873beb7-5857-4685-be1f-d57550cc96cc" xsi:nil="true"/>
-    <TPLaunchHelpLink xmlns="4873beb7-5857-4685-be1f-d57550cc96cc" xsi:nil="true"/>
-    <TPApplication xmlns="4873beb7-5857-4685-be1f-d57550cc96cc" xsi:nil="true"/>
-    <CrawlForDependencies xmlns="4873beb7-5857-4685-be1f-d57550cc96cc">false</CrawlForDependencies>
-    <HandoffToMSDN xmlns="4873beb7-5857-4685-be1f-d57550cc96cc" xsi:nil="true"/>
-    <PlannedPubDate xmlns="4873beb7-5857-4685-be1f-d57550cc96cc" xsi:nil="true"/>
-    <IntlLangReviewer xmlns="4873beb7-5857-4685-be1f-d57550cc96cc" xsi:nil="true"/>
-    <TrustLevel xmlns="4873beb7-5857-4685-be1f-d57550cc96cc">1 Microsoft Managed Content</TrustLevel>
-    <LocLastLocAttemptVersionLookup xmlns="4873beb7-5857-4685-be1f-d57550cc96cc">875987</LocLastLocAttemptVersionLookup>
-    <IsSearchable xmlns="4873beb7-5857-4685-be1f-d57550cc96cc">true</IsSearchable>
-    <TemplateTemplateType xmlns="4873beb7-5857-4685-be1f-d57550cc96cc">PowerPoint Presentation Template</TemplateTemplateType>
-    <CampaignTagsTaxHTField0 xmlns="4873beb7-5857-4685-be1f-d57550cc96cc">
-      <Terms xmlns="http://schemas.microsoft.com/office/infopath/2007/PartnerControls"/>
-    </CampaignTagsTaxHTField0>
-    <TPNamespace xmlns="4873beb7-5857-4685-be1f-d57550cc96cc" xsi:nil="true"/>
-    <TaxCatchAll xmlns="4873beb7-5857-4685-be1f-d57550cc96cc"/>
-    <Markets xmlns="4873beb7-5857-4685-be1f-d57550cc96cc"/>
-    <UAProjectedTotalWords xmlns="4873beb7-5857-4685-be1f-d57550cc96cc" xsi:nil="true"/>
-    <LocMarketGroupTiers2 xmlns="4873beb7-5857-4685-be1f-d57550cc96cc" xsi:nil="true"/>
-    <IntlLangReview xmlns="4873beb7-5857-4685-be1f-d57550cc96cc">false</IntlLangReview>
-    <OutputCachingOn xmlns="4873beb7-5857-4685-be1f-d57550cc96cc">false</OutputCachingOn>
-    <AverageRating xmlns="4873beb7-5857-4685-be1f-d57550cc96cc" xsi:nil="true"/>
-    <APAuthor xmlns="4873beb7-5857-4685-be1f-d57550cc96cc">
-      <UserInfo>
-        <DisplayName>REDMOND\kristaa</DisplayName>
-        <AccountId>136</AccountId>
-        <AccountType/>
-      </UserInfo>
-    </APAuthor>
-    <LocManualTestRequired xmlns="4873beb7-5857-4685-be1f-d57550cc96cc">false</LocManualTestRequired>
-    <TPCommandLine xmlns="4873beb7-5857-4685-be1f-d57550cc96cc" xsi:nil="true"/>
-    <TPAppVersion xmlns="4873beb7-5857-4685-be1f-d57550cc96cc" xsi:nil="true"/>
-    <EditorialStatus xmlns="4873beb7-5857-4685-be1f-d57550cc96cc">Complete</EditorialStatus>
-    <LastModifiedDateTime xmlns="4873beb7-5857-4685-be1f-d57550cc96cc" xsi:nil="true"/>
-    <ScenarioTagsTaxHTField0 xmlns="4873beb7-5857-4685-be1f-d57550cc96cc">
-      <Terms xmlns="http://schemas.microsoft.com/office/infopath/2007/PartnerControls"/>
-    </ScenarioTagsTaxHTField0>
-    <OriginalRelease xmlns="4873beb7-5857-4685-be1f-d57550cc96cc">15</OriginalRelease>
-    <TPLaunchHelpLinkType xmlns="4873beb7-5857-4685-be1f-d57550cc96cc">Template</TPLaunchHelpLinkType>
-    <LocalizationTagsTaxHTField0 xmlns="4873beb7-5857-4685-be1f-d57550cc96cc">
-      <Terms xmlns="http://schemas.microsoft.com/office/infopath/2007/PartnerControls"/>
-    </LocalizationTagsTaxHTField0>
-  </documentManagement>
-</p:properties>
+<file path=customXml/itemProps2.xml><?xml version="1.0" encoding="utf-8"?>
+<ds:datastoreItem xmlns:ds="http://schemas.openxmlformats.org/officeDocument/2006/customXml" ds:itemID="{A1110015-E380-4C53-980C-698226C61CAC}">
+  <ds:schemaRefs>
+    <ds:schemaRef ds:uri="http://schemas.microsoft.com/sharepoint/v3/contenttype/forms"/>
+  </ds:schemaRefs>
+</ds:datastoreItem>
 </file>
 
-<file path=customXml/itemProps1.xml><?xml version="1.0" encoding="utf-8"?>
+<file path=customXml/itemProps3.xml><?xml version="1.0" encoding="utf-8"?>
 <ds:datastoreItem xmlns:ds="http://schemas.openxmlformats.org/officeDocument/2006/customXml" ds:itemID="{AF7E4019-AE58-4CAA-B67D-559F9FEEB202}">
   <ds:schemaRefs>
     <ds:schemaRef ds:uri="http://schemas.microsoft.com/office/2006/metadata/contentType"/>
@@ -24601,22 +24773,4 @@
     <ds:schemaRef ds:uri="http://schemas.microsoft.com/internal/obd"/>
   </ds:schemaRefs>
 </ds:datastoreItem>
-</file>
-
-<file path=customXml/itemProps2.xml><?xml version="1.0" encoding="utf-8"?>
-<ds:datastoreItem xmlns:ds="http://schemas.openxmlformats.org/officeDocument/2006/customXml" ds:itemID="{A1110015-E380-4C53-980C-698226C61CAC}">
-  <ds:schemaRefs>
-    <ds:schemaRef ds:uri="http://schemas.microsoft.com/sharepoint/v3/contenttype/forms"/>
-  </ds:schemaRefs>
-</ds:datastoreItem>
-</file>
-
-<file path=customXml/itemProps3.xml><?xml version="1.0" encoding="utf-8"?>
-<ds:datastoreItem xmlns:ds="http://schemas.openxmlformats.org/officeDocument/2006/customXml" ds:itemID="{A9F945EE-6400-432A-A9B1-179A0A2A37CE}">
-  <ds:schemaRefs>
-    <ds:schemaRef ds:uri="http://schemas.microsoft.com/office/2006/metadata/properties"/>
-    <ds:schemaRef ds:uri="http://schemas.microsoft.com/office/infopath/2007/PartnerControls"/>
-    <ds:schemaRef ds:uri="4873beb7-5857-4685-be1f-d57550cc96cc"/>
-  </ds:schemaRefs>
-</ds:datastoreItem>
 </file>
--- a/Poster/NSDI Poster.pptx
+++ b/Poster/NSDI Poster.pptx
@@ -203,7 +203,7 @@
           <a:p>
             <a:fld id="{F1C0B079-A316-4C9B-B165-DF9EA8325D2C}" type="datetimeFigureOut">
               <a:rPr lang="en-US" smtClean="0"/>
-              <a:t>4/3/18</a:t>
+              <a:t>4/4/18</a:t>
             </a:fld>
             <a:endParaRPr lang="en-US"/>
           </a:p>
@@ -368,7 +368,7 @@
           <a:p>
             <a:fld id="{38F28AB8-57D1-494F-9851-055AD867E790}" type="datetimeFigureOut">
               <a:rPr lang="en-US" smtClean="0"/>
-              <a:t>4/3/18</a:t>
+              <a:t>4/4/18</a:t>
             </a:fld>
             <a:endParaRPr lang="en-US"/>
           </a:p>
@@ -1876,7 +1876,7 @@
             <a:fld id="{ECAA57DF-1C19-4726-AB84-014692BAD8F5}" type="datetimeFigureOut">
               <a:rPr lang="en-US" smtClean="0"/>
               <a:pPr/>
-              <a:t>4/3/18</a:t>
+              <a:t>4/4/18</a:t>
             </a:fld>
             <a:endParaRPr lang="en-US"/>
           </a:p>
@@ -3284,7 +3284,7 @@
             <a:fld id="{ECAA57DF-1C19-4726-AB84-014692BAD8F5}" type="datetimeFigureOut">
               <a:rPr lang="en-US" smtClean="0"/>
               <a:pPr/>
-              <a:t>4/3/18</a:t>
+              <a:t>4/4/18</a:t>
             </a:fld>
             <a:endParaRPr lang="en-US"/>
           </a:p>
@@ -4686,7 +4686,7 @@
             <a:fld id="{ECAA57DF-1C19-4726-AB84-014692BAD8F5}" type="datetimeFigureOut">
               <a:rPr lang="en-US" smtClean="0"/>
               <a:pPr/>
-              <a:t>4/3/18</a:t>
+              <a:t>4/4/18</a:t>
             </a:fld>
             <a:endParaRPr lang="en-US"/>
           </a:p>
@@ -4949,7 +4949,7 @@
           <a:p>
             <a:fld id="{ECAA57DF-1C19-4726-AB84-014692BAD8F5}" type="datetimeFigureOut">
               <a:rPr lang="en-US" smtClean="0"/>
-              <a:t>4/3/18</a:t>
+              <a:t>4/4/18</a:t>
             </a:fld>
             <a:endParaRPr lang="en-US"/>
           </a:p>
@@ -8736,7 +8736,7 @@
             <a:fld id="{ECAA57DF-1C19-4726-AB84-014692BAD8F5}" type="datetimeFigureOut">
               <a:rPr lang="en-US" smtClean="0"/>
               <a:pPr/>
-              <a:t>4/3/18</a:t>
+              <a:t>4/4/18</a:t>
             </a:fld>
             <a:endParaRPr lang="en-US"/>
           </a:p>
@@ -10072,7 +10072,7 @@
             <a:fld id="{ECAA57DF-1C19-4726-AB84-014692BAD8F5}" type="datetimeFigureOut">
               <a:rPr lang="en-US" smtClean="0"/>
               <a:pPr/>
-              <a:t>4/3/18</a:t>
+              <a:t>4/4/18</a:t>
             </a:fld>
             <a:endParaRPr lang="en-US"/>
           </a:p>
@@ -11542,7 +11542,7 @@
             <a:fld id="{ECAA57DF-1C19-4726-AB84-014692BAD8F5}" type="datetimeFigureOut">
               <a:rPr lang="en-US" smtClean="0"/>
               <a:pPr/>
-              <a:t>4/3/18</a:t>
+              <a:t>4/4/18</a:t>
             </a:fld>
             <a:endParaRPr lang="en-US"/>
           </a:p>
@@ -13156,7 +13156,7 @@
             <a:fld id="{ECAA57DF-1C19-4726-AB84-014692BAD8F5}" type="datetimeFigureOut">
               <a:rPr lang="en-US" smtClean="0"/>
               <a:pPr/>
-              <a:t>4/3/18</a:t>
+              <a:t>4/4/18</a:t>
             </a:fld>
             <a:endParaRPr lang="en-US"/>
           </a:p>
@@ -14503,7 +14503,7 @@
             <a:fld id="{ECAA57DF-1C19-4726-AB84-014692BAD8F5}" type="datetimeFigureOut">
               <a:rPr lang="en-US" smtClean="0"/>
               <a:pPr/>
-              <a:t>4/3/18</a:t>
+              <a:t>4/4/18</a:t>
             </a:fld>
             <a:endParaRPr lang="en-US"/>
           </a:p>
@@ -14610,7 +14610,7 @@
             <a:fld id="{ECAA57DF-1C19-4726-AB84-014692BAD8F5}" type="datetimeFigureOut">
               <a:rPr lang="en-US" smtClean="0"/>
               <a:pPr/>
-              <a:t>4/3/18</a:t>
+              <a:t>4/4/18</a:t>
             </a:fld>
             <a:endParaRPr lang="en-US"/>
           </a:p>
@@ -16087,7 +16087,7 @@
             <a:fld id="{ECAA57DF-1C19-4726-AB84-014692BAD8F5}" type="datetimeFigureOut">
               <a:rPr lang="en-US" smtClean="0"/>
               <a:pPr/>
-              <a:t>4/3/18</a:t>
+              <a:t>4/4/18</a:t>
             </a:fld>
             <a:endParaRPr lang="en-US"/>
           </a:p>
@@ -17451,7 +17451,7 @@
             <a:fld id="{ECAA57DF-1C19-4726-AB84-014692BAD8F5}" type="datetimeFigureOut">
               <a:rPr lang="en-US" smtClean="0"/>
               <a:pPr/>
-              <a:t>4/3/18</a:t>
+              <a:t>4/4/18</a:t>
             </a:fld>
             <a:endParaRPr lang="en-US"/>
           </a:p>
@@ -17703,7 +17703,7 @@
             <a:fld id="{ECAA57DF-1C19-4726-AB84-014692BAD8F5}" type="datetimeFigureOut">
               <a:rPr lang="en-US" smtClean="0"/>
               <a:pPr/>
-              <a:t>4/3/18</a:t>
+              <a:t>4/4/18</a:t>
             </a:fld>
             <a:endParaRPr lang="en-US"/>
           </a:p>
@@ -17793,7 +17793,7 @@
           <p:cNvPr id="7" name="Rectangle 6">
             <a:extLst>
               <a:ext uri="{FF2B5EF4-FFF2-40B4-BE49-F238E27FC236}">
-                <a16:creationId xmlns:a16="http://schemas.microsoft.com/office/drawing/2014/main" id="{10425D32-5EA9-FA4D-AD60-05185483A142}"/>
+                <a16:creationId xmlns:a16="http://schemas.microsoft.com/office/drawing/2014/main" xmlns="" id="{10425D32-5EA9-FA4D-AD60-05185483A142}"/>
               </a:ext>
             </a:extLst>
           </p:cNvPr>
@@ -18215,7 +18215,13 @@
       </p:grpSpPr>
       <p:pic>
         <p:nvPicPr>
-          <p:cNvPr id="35" name="Picture 34" descr="Logo" title="Sample Picture"/>
+          <p:cNvPr id="40" name="Picture 39">
+            <a:extLst>
+              <a:ext uri="{FF2B5EF4-FFF2-40B4-BE49-F238E27FC236}">
+                <a16:creationId xmlns:a16="http://schemas.microsoft.com/office/drawing/2014/main" xmlns="" id="{9B1335D0-5878-784C-81A4-5AE957B163F9}"/>
+              </a:ext>
+            </a:extLst>
+          </p:cNvPr>
           <p:cNvPicPr>
             <a:picLocks noChangeAspect="1"/>
           </p:cNvPicPr>
@@ -18235,186 +18241,50 @@
         </p:blipFill>
         <p:spPr>
           <a:xfrm>
-            <a:off x="1097280" y="1463040"/>
-            <a:ext cx="3365284" cy="2200847"/>
+            <a:off x="36127509" y="14740663"/>
+            <a:ext cx="7323830" cy="8382185"/>
           </a:xfrm>
           <a:prstGeom prst="rect">
             <a:avLst/>
           </a:prstGeom>
         </p:spPr>
       </p:pic>
-      <p:sp>
-        <p:nvSpPr>
-          <p:cNvPr id="4" name="Title 3"/>
-          <p:cNvSpPr>
-            <a:spLocks noGrp="1"/>
-          </p:cNvSpPr>
-          <p:nvPr>
-            <p:ph type="title"/>
-          </p:nvPr>
-        </p:nvSpPr>
-        <p:spPr>
-          <a:xfrm>
-            <a:off x="6400800" y="328630"/>
-            <a:ext cx="31089600" cy="2514540"/>
-          </a:xfrm>
-        </p:spPr>
-        <p:txBody>
-          <a:bodyPr>
-            <a:noAutofit/>
-          </a:bodyPr>
-          <a:lstStyle/>
-          <a:p>
-            <a:r>
-              <a:rPr lang="en-US" sz="9600" dirty="0"/>
-              <a:t>Auto-completion for Network Configurations</a:t>
-            </a:r>
-          </a:p>
-        </p:txBody>
-      </p:sp>
-      <p:sp>
-        <p:nvSpPr>
-          <p:cNvPr id="5" name="Text Placeholder 4"/>
-          <p:cNvSpPr>
-            <a:spLocks noGrp="1"/>
-          </p:cNvSpPr>
-          <p:nvPr>
-            <p:ph type="body" sz="quarter" idx="13"/>
-          </p:nvPr>
-        </p:nvSpPr>
-        <p:spPr/>
-        <p:txBody>
-          <a:bodyPr/>
-          <a:lstStyle/>
-          <a:p>
-            <a:r>
-              <a:rPr lang="en-US" dirty="0"/>
-              <a:t>Introduction</a:t>
-            </a:r>
-          </a:p>
-        </p:txBody>
-      </p:sp>
-      <p:sp>
-        <p:nvSpPr>
-          <p:cNvPr id="11" name="Content Placeholder 10"/>
-          <p:cNvSpPr>
-            <a:spLocks noGrp="1"/>
-          </p:cNvSpPr>
-          <p:nvPr>
-            <p:ph sz="quarter" idx="24"/>
-          </p:nvPr>
-        </p:nvSpPr>
-        <p:spPr>
-          <a:xfrm>
-            <a:off x="1261309" y="12273074"/>
-            <a:ext cx="12107781" cy="2674369"/>
-          </a:xfrm>
-        </p:spPr>
-        <p:txBody>
-          <a:bodyPr>
-            <a:noAutofit/>
-          </a:bodyPr>
-          <a:lstStyle/>
-          <a:p>
-            <a:r>
-              <a:rPr lang="en-US" sz="2800" dirty="0"/>
-              <a:t>State of the art tools offer simple tab-completion and preset templates</a:t>
-            </a:r>
-          </a:p>
-          <a:p>
-            <a:r>
-              <a:rPr lang="en-US" sz="2800" dirty="0"/>
-              <a:t>We predict a code completion engine would offer better resilience to human errors</a:t>
-            </a:r>
-          </a:p>
-          <a:p>
-            <a:endParaRPr lang="en-US" sz="2800" dirty="0"/>
-          </a:p>
-          <a:p>
-            <a:endParaRPr lang="en-US" sz="2800" dirty="0"/>
-          </a:p>
-        </p:txBody>
-      </p:sp>
-      <p:sp>
-        <p:nvSpPr>
-          <p:cNvPr id="7" name="Text Placeholder 6"/>
-          <p:cNvSpPr>
-            <a:spLocks noGrp="1"/>
-          </p:cNvSpPr>
-          <p:nvPr>
-            <p:ph type="body" sz="quarter" idx="17"/>
-          </p:nvPr>
-        </p:nvSpPr>
-        <p:spPr>
-          <a:xfrm>
-            <a:off x="1435894" y="15464320"/>
-            <a:ext cx="12801600" cy="1219200"/>
-          </a:xfrm>
-        </p:spPr>
-        <p:txBody>
-          <a:bodyPr/>
-          <a:lstStyle/>
-          <a:p>
-            <a:r>
-              <a:rPr lang="en-US" dirty="0"/>
-              <a:t>Feasibility analysis</a:t>
-            </a:r>
-          </a:p>
-        </p:txBody>
-      </p:sp>
-      <p:sp>
-        <p:nvSpPr>
-          <p:cNvPr id="56" name="Content Placeholder 55">
+      <p:pic>
+        <p:nvPicPr>
+          <p:cNvPr id="8" name="Picture 7">
             <a:extLst>
               <a:ext uri="{FF2B5EF4-FFF2-40B4-BE49-F238E27FC236}">
-                <a16:creationId xmlns:a16="http://schemas.microsoft.com/office/drawing/2014/main" id="{D2B8C290-3994-9B4E-A1E5-40D781DA7147}"/>
+                <a16:creationId xmlns:a16="http://schemas.microsoft.com/office/drawing/2014/main" xmlns="" id="{9160B5DA-DBD2-144E-B049-03FEC23B2C0B}"/>
               </a:ext>
             </a:extLst>
           </p:cNvPr>
-          <p:cNvSpPr>
-            <a:spLocks noGrp="1"/>
-          </p:cNvSpPr>
-          <p:nvPr>
-            <p:ph sz="quarter" idx="25"/>
-          </p:nvPr>
-        </p:nvSpPr>
+          <p:cNvPicPr>
+            <a:picLocks noChangeAspect="1"/>
+          </p:cNvPicPr>
+          <p:nvPr/>
+        </p:nvPicPr>
+        <p:blipFill>
+          <a:blip r:embed="rId3">
+            <a:extLst>
+              <a:ext uri="{28A0092B-C50C-407E-A947-70E740481C1C}">
+                <a14:useLocalDpi xmlns:a14="http://schemas.microsoft.com/office/drawing/2010/main" val="0"/>
+              </a:ext>
+            </a:extLst>
+          </a:blip>
+          <a:stretch>
+            <a:fillRect/>
+          </a:stretch>
+        </p:blipFill>
         <p:spPr>
           <a:xfrm>
-            <a:off x="1143000" y="17314801"/>
-            <a:ext cx="12801600" cy="4936178"/>
+            <a:off x="22444256" y="12830693"/>
+            <a:ext cx="6848233" cy="6758797"/>
           </a:xfrm>
+          <a:prstGeom prst="rect">
+            <a:avLst/>
+          </a:prstGeom>
         </p:spPr>
-        <p:txBody>
-          <a:bodyPr>
-            <a:normAutofit/>
-          </a:bodyPr>
-          <a:lstStyle/>
-          <a:p>
-            <a:r>
-              <a:rPr lang="en-US" sz="2800" dirty="0"/>
-              <a:t>Previous measurement studies have revealed extensive use of templates in network configurations</a:t>
-            </a:r>
-          </a:p>
-          <a:p>
-            <a:r>
-              <a:rPr lang="en-US" sz="2800" dirty="0"/>
-              <a:t>Our observations indicate that most of a device’s configuration could be constructed from existing configurations</a:t>
-            </a:r>
-          </a:p>
-          <a:p>
-            <a:r>
-              <a:rPr lang="en-US" sz="2800" dirty="0"/>
-              <a:t>Our prediction engine thus constructs a model from histories of configurations</a:t>
-            </a:r>
-          </a:p>
-          <a:p>
-            <a:pPr marL="0" indent="0">
-              <a:buNone/>
-            </a:pPr>
-            <a:endParaRPr lang="en-US" sz="2800" dirty="0"/>
-          </a:p>
-        </p:txBody>
-      </p:sp>
+      </p:pic>
       <mc:AlternateContent xmlns:mc="http://schemas.openxmlformats.org/markup-compatibility/2006">
         <mc:Choice xmlns:a14="http://schemas.microsoft.com/office/drawing/2010/main" Requires="a14">
           <p:sp>
@@ -18422,7 +18292,7 @@
               <p:cNvPr id="57" name="Content Placeholder 56">
                 <a:extLst>
                   <a:ext uri="{FF2B5EF4-FFF2-40B4-BE49-F238E27FC236}">
-                    <a16:creationId xmlns:a16="http://schemas.microsoft.com/office/drawing/2014/main" id="{E7959293-CA99-FE45-92D9-50699C172924}"/>
+                    <a16:creationId xmlns:a16="http://schemas.microsoft.com/office/drawing/2014/main" xmlns="" id="{E7959293-CA99-FE45-92D9-50699C172924}"/>
                   </a:ext>
                 </a:extLst>
               </p:cNvPr>
@@ -18435,7 +18305,7 @@
             </p:nvSpPr>
             <p:spPr>
               <a:xfrm>
-                <a:off x="15890528" y="15775398"/>
+                <a:off x="15931164" y="7504064"/>
                 <a:ext cx="12801600" cy="4287555"/>
               </a:xfrm>
             </p:spPr>
@@ -18492,7 +18362,7 @@
                         <m:endChr m:val="|"/>
                         <m:ctrlPr>
                           <a:rPr lang="en-US" sz="2800" b="0" i="1" smtClean="0">
-                            <a:latin typeface="Cambria Math" panose="02040503050406030204" pitchFamily="18" charset="0"/>
+                            <a:latin typeface="Cambria Math" charset="0"/>
                           </a:rPr>
                         </m:ctrlPr>
                       </m:dPr>
@@ -18501,7 +18371,7 @@
                           <m:sSubPr>
                             <m:ctrlPr>
                               <a:rPr lang="en-US" sz="2800" b="0" i="1" smtClean="0">
-                                <a:latin typeface="Cambria Math" panose="02040503050406030204" pitchFamily="18" charset="0"/>
+                                <a:latin typeface="Cambria Math" charset="0"/>
                               </a:rPr>
                             </m:ctrlPr>
                           </m:sSubPr>
@@ -18534,7 +18404,7 @@
                       <m:sSubPr>
                         <m:ctrlPr>
                           <a:rPr lang="en-US" sz="2800" b="0" i="1" smtClean="0">
-                            <a:latin typeface="Cambria Math" panose="02040503050406030204" pitchFamily="18" charset="0"/>
+                            <a:latin typeface="Cambria Math" charset="0"/>
                           </a:rPr>
                         </m:ctrlPr>
                       </m:sSubPr>
@@ -18571,7 +18441,7 @@
                       <m:sSubPr>
                         <m:ctrlPr>
                           <a:rPr lang="en-US" sz="2800" i="1" smtClean="0">
-                            <a:latin typeface="Cambria Math" panose="02040503050406030204" pitchFamily="18" charset="0"/>
+                            <a:latin typeface="Cambria Math" charset="0"/>
                           </a:rPr>
                         </m:ctrlPr>
                       </m:sSubPr>
@@ -18608,7 +18478,7 @@
                       <m:sSubPr>
                         <m:ctrlPr>
                           <a:rPr lang="en-US" sz="2800" i="1">
-                            <a:latin typeface="Cambria Math" panose="02040503050406030204" pitchFamily="18" charset="0"/>
+                            <a:latin typeface="Cambria Math" charset="0"/>
                           </a:rPr>
                         </m:ctrlPr>
                       </m:sSubPr>
@@ -18645,7 +18515,7 @@
                       <m:sSubPr>
                         <m:ctrlPr>
                           <a:rPr lang="en-US" sz="2800" i="1">
-                            <a:latin typeface="Cambria Math" panose="02040503050406030204" pitchFamily="18" charset="0"/>
+                            <a:latin typeface="Cambria Math" charset="0"/>
                           </a:rPr>
                         </m:ctrlPr>
                       </m:sSubPr>
@@ -18691,7 +18561,7 @@
                         <m:endChr m:val="|"/>
                         <m:ctrlPr>
                           <a:rPr lang="en-US" sz="2800" i="1">
-                            <a:latin typeface="Cambria Math" panose="02040503050406030204" pitchFamily="18" charset="0"/>
+                            <a:latin typeface="Cambria Math" charset="0"/>
                           </a:rPr>
                         </m:ctrlPr>
                       </m:dPr>
@@ -18700,7 +18570,7 @@
                           <m:sSubPr>
                             <m:ctrlPr>
                               <a:rPr lang="en-US" sz="2800" i="1">
-                                <a:latin typeface="Cambria Math" panose="02040503050406030204" pitchFamily="18" charset="0"/>
+                                <a:latin typeface="Cambria Math" charset="0"/>
                               </a:rPr>
                             </m:ctrlPr>
                           </m:sSubPr>
@@ -18733,7 +18603,7 @@
                       <m:sSubPr>
                         <m:ctrlPr>
                           <a:rPr lang="en-US" sz="2800" i="1">
-                            <a:latin typeface="Cambria Math" panose="02040503050406030204" pitchFamily="18" charset="0"/>
+                            <a:latin typeface="Cambria Math" charset="0"/>
                           </a:rPr>
                         </m:ctrlPr>
                       </m:sSubPr>
@@ -18770,7 +18640,7 @@
                       <m:sSubPr>
                         <m:ctrlPr>
                           <a:rPr lang="en-US" sz="2800" i="1">
-                            <a:latin typeface="Cambria Math" panose="02040503050406030204" pitchFamily="18" charset="0"/>
+                            <a:latin typeface="Cambria Math" charset="0"/>
                           </a:rPr>
                         </m:ctrlPr>
                       </m:sSubPr>
@@ -18844,7 +18714,7 @@
               <p:cNvPr id="57" name="Content Placeholder 56">
                 <a:extLst>
                   <a:ext uri="{FF2B5EF4-FFF2-40B4-BE49-F238E27FC236}">
-                    <a16:creationId xmlns:a16="http://schemas.microsoft.com/office/drawing/2014/main" id="{E7959293-CA99-FE45-92D9-50699C172924}"/>
+                    <a16:creationId xmlns:a16="http://schemas.microsoft.com/office/drawing/2014/main" xmlns:a14="http://schemas.microsoft.com/office/drawing/2010/main" xmlns="" id="{E7959293-CA99-FE45-92D9-50699C172924}"/>
                   </a:ext>
                 </a:extLst>
               </p:cNvPr>
@@ -18857,13 +18727,13 @@
             </p:nvSpPr>
             <p:spPr>
               <a:xfrm>
-                <a:off x="15890528" y="15775398"/>
+                <a:off x="15931164" y="7504064"/>
                 <a:ext cx="12801600" cy="4287555"/>
               </a:xfrm>
-              <a:blipFill>
-                <a:blip r:embed="rId3"/>
+              <a:blipFill rotWithShape="0">
+                <a:blip r:embed="rId4"/>
                 <a:stretch>
-                  <a:fillRect l="-892" r="-991" b="-6490"/>
+                  <a:fillRect l="-1000"/>
                 </a:stretch>
               </a:blipFill>
             </p:spPr>
@@ -18884,616 +18754,10 @@
       </mc:AlternateContent>
       <p:sp>
         <p:nvSpPr>
-          <p:cNvPr id="18" name="Text Placeholder 17"/>
-          <p:cNvSpPr>
-            <a:spLocks noGrp="1"/>
-          </p:cNvSpPr>
-          <p:nvPr>
-            <p:ph type="body" sz="quarter" idx="29"/>
-          </p:nvPr>
-        </p:nvSpPr>
-        <p:spPr>
-          <a:xfrm>
-            <a:off x="15890528" y="5852160"/>
-            <a:ext cx="12801600" cy="1219200"/>
-          </a:xfrm>
-        </p:spPr>
-        <p:txBody>
-          <a:bodyPr/>
-          <a:lstStyle/>
-          <a:p>
-            <a:r>
-              <a:rPr lang="en-US" dirty="0"/>
-              <a:t>placeholders</a:t>
-            </a:r>
-          </a:p>
-        </p:txBody>
-      </p:sp>
-      <p:pic>
-        <p:nvPicPr>
-          <p:cNvPr id="26" name="Content Placeholder 25">
-            <a:extLst>
-              <a:ext uri="{FF2B5EF4-FFF2-40B4-BE49-F238E27FC236}">
-                <a16:creationId xmlns:a16="http://schemas.microsoft.com/office/drawing/2014/main" id="{B4AADA20-9EC6-694F-BFAC-033242EDA257}"/>
-              </a:ext>
-            </a:extLst>
-          </p:cNvPr>
-          <p:cNvPicPr>
-            <a:picLocks noGrp="1" noChangeAspect="1"/>
-          </p:cNvPicPr>
-          <p:nvPr>
-            <p:ph sz="quarter" idx="30"/>
-          </p:nvPr>
-        </p:nvPicPr>
-        <p:blipFill>
-          <a:blip r:embed="rId4">
-            <a:extLst>
-              <a:ext uri="{28A0092B-C50C-407E-A947-70E740481C1C}">
-                <a14:useLocalDpi xmlns:a14="http://schemas.microsoft.com/office/drawing/2010/main" val="0"/>
-              </a:ext>
-            </a:extLst>
-          </a:blip>
-          <a:stretch>
-            <a:fillRect/>
-          </a:stretch>
-        </p:blipFill>
-        <p:spPr>
-          <a:xfrm>
-            <a:off x="30814963" y="7839690"/>
-            <a:ext cx="5715000" cy="4572000"/>
-          </a:xfrm>
-        </p:spPr>
-      </p:pic>
-      <p:sp>
-        <p:nvSpPr>
-          <p:cNvPr id="21" name="Text Placeholder 20"/>
-          <p:cNvSpPr>
-            <a:spLocks noGrp="1"/>
-          </p:cNvSpPr>
-          <p:nvPr>
-            <p:ph type="body" sz="quarter" idx="31"/>
-          </p:nvPr>
-        </p:nvSpPr>
-        <p:spPr/>
-        <p:txBody>
-          <a:bodyPr/>
-          <a:lstStyle/>
-          <a:p>
-            <a:r>
-              <a:rPr lang="en-US" dirty="0"/>
-              <a:t>Results</a:t>
-            </a:r>
-          </a:p>
-        </p:txBody>
-      </p:sp>
-      <p:sp>
-        <p:nvSpPr>
-          <p:cNvPr id="23" name="Text Placeholder 22"/>
-          <p:cNvSpPr>
-            <a:spLocks noGrp="1"/>
-          </p:cNvSpPr>
-          <p:nvPr>
-            <p:ph type="body" sz="quarter" idx="34"/>
-          </p:nvPr>
-        </p:nvSpPr>
-        <p:spPr>
-          <a:xfrm>
-            <a:off x="29821367" y="21806175"/>
-            <a:ext cx="12801600" cy="1219200"/>
-          </a:xfrm>
-        </p:spPr>
-        <p:txBody>
-          <a:bodyPr/>
-          <a:lstStyle/>
-          <a:p>
-            <a:r>
-              <a:rPr lang="en-US" dirty="0"/>
-              <a:t>Future work</a:t>
-            </a:r>
-          </a:p>
-        </p:txBody>
-      </p:sp>
-      <p:pic>
-        <p:nvPicPr>
-          <p:cNvPr id="36" name="Picture 35" descr="Logo" title="Sample Picture"/>
-          <p:cNvPicPr>
-            <a:picLocks noChangeAspect="1"/>
-          </p:cNvPicPr>
-          <p:nvPr/>
-        </p:nvPicPr>
-        <p:blipFill>
-          <a:blip r:embed="rId2">
-            <a:extLst>
-              <a:ext uri="{28A0092B-C50C-407E-A947-70E740481C1C}">
-                <a14:useLocalDpi xmlns:a14="http://schemas.microsoft.com/office/drawing/2010/main" val="0"/>
-              </a:ext>
-            </a:extLst>
-          </a:blip>
-          <a:stretch>
-            <a:fillRect/>
-          </a:stretch>
-        </p:blipFill>
-        <p:spPr>
-          <a:xfrm>
-            <a:off x="39428636" y="1463040"/>
-            <a:ext cx="3365284" cy="2200847"/>
-          </a:xfrm>
-          <a:prstGeom prst="rect">
-            <a:avLst/>
-          </a:prstGeom>
-        </p:spPr>
-      </p:pic>
-      <p:pic>
-        <p:nvPicPr>
-          <p:cNvPr id="40" name="Picture 39">
-            <a:extLst>
-              <a:ext uri="{FF2B5EF4-FFF2-40B4-BE49-F238E27FC236}">
-                <a16:creationId xmlns:a16="http://schemas.microsoft.com/office/drawing/2014/main" id="{9B1335D0-5878-784C-81A4-5AE957B163F9}"/>
-              </a:ext>
-            </a:extLst>
-          </p:cNvPr>
-          <p:cNvPicPr>
-            <a:picLocks noChangeAspect="1"/>
-          </p:cNvPicPr>
-          <p:nvPr/>
-        </p:nvPicPr>
-        <p:blipFill>
-          <a:blip r:embed="rId5">
-            <a:extLst>
-              <a:ext uri="{28A0092B-C50C-407E-A947-70E740481C1C}">
-                <a14:useLocalDpi xmlns:a14="http://schemas.microsoft.com/office/drawing/2010/main" val="0"/>
-              </a:ext>
-            </a:extLst>
-          </a:blip>
-          <a:stretch>
-            <a:fillRect/>
-          </a:stretch>
-        </p:blipFill>
-        <p:spPr>
-          <a:xfrm>
-            <a:off x="37262423" y="15105011"/>
-            <a:ext cx="5281031" cy="6044184"/>
-          </a:xfrm>
-          <a:prstGeom prst="rect">
-            <a:avLst/>
-          </a:prstGeom>
-        </p:spPr>
-      </p:pic>
-      <p:sp>
-        <p:nvSpPr>
-          <p:cNvPr id="43" name="TextBox 42">
-            <a:extLst>
-              <a:ext uri="{FF2B5EF4-FFF2-40B4-BE49-F238E27FC236}">
-                <a16:creationId xmlns:a16="http://schemas.microsoft.com/office/drawing/2014/main" id="{5DAC9B42-A965-2E4B-9E51-395D6D01FD7B}"/>
-              </a:ext>
-            </a:extLst>
-          </p:cNvPr>
-          <p:cNvSpPr txBox="1"/>
-          <p:nvPr/>
-        </p:nvSpPr>
-        <p:spPr>
-          <a:xfrm>
-            <a:off x="30941580" y="12962284"/>
-            <a:ext cx="5360100" cy="3970318"/>
-          </a:xfrm>
-          <a:prstGeom prst="rect">
-            <a:avLst/>
-          </a:prstGeom>
-          <a:noFill/>
-        </p:spPr>
-        <p:txBody>
-          <a:bodyPr wrap="square" rtlCol="0">
-            <a:spAutoFit/>
-          </a:bodyPr>
-          <a:lstStyle/>
-          <a:p>
-            <a:r>
-              <a:rPr lang="en-US" sz="2800" b="1" dirty="0"/>
-              <a:t>Figure 1</a:t>
-            </a:r>
-            <a:r>
-              <a:rPr lang="en-US" sz="2800" dirty="0"/>
-              <a:t>: The prediction accuracy for the routers in each network. Our approach achieves a high prediction accuracy (&gt;85%) for the majority of routers. Without our placeholders optimization, this accuracy is 5% lower. </a:t>
-            </a:r>
-          </a:p>
-          <a:p>
-            <a:endParaRPr lang="en-US" sz="2800" b="1" dirty="0"/>
-          </a:p>
-        </p:txBody>
-      </p:sp>
-      <p:sp>
-        <p:nvSpPr>
-          <p:cNvPr id="44" name="TextBox 43">
-            <a:extLst>
-              <a:ext uri="{FF2B5EF4-FFF2-40B4-BE49-F238E27FC236}">
-                <a16:creationId xmlns:a16="http://schemas.microsoft.com/office/drawing/2014/main" id="{1BC94FAF-F442-FA46-AD71-53749FA6AB04}"/>
-              </a:ext>
-            </a:extLst>
-          </p:cNvPr>
-          <p:cNvSpPr txBox="1"/>
-          <p:nvPr/>
-        </p:nvSpPr>
-        <p:spPr>
-          <a:xfrm>
-            <a:off x="30941580" y="17465818"/>
-            <a:ext cx="5958885" cy="3908762"/>
-          </a:xfrm>
-          <a:prstGeom prst="rect">
-            <a:avLst/>
-          </a:prstGeom>
-          <a:noFill/>
-        </p:spPr>
-        <p:txBody>
-          <a:bodyPr wrap="square" rtlCol="0">
-            <a:spAutoFit/>
-          </a:bodyPr>
-          <a:lstStyle/>
-          <a:p>
-            <a:r>
-              <a:rPr lang="en-US" sz="2800" b="1" dirty="0"/>
-              <a:t>Figure 3 (Right)</a:t>
-            </a:r>
-            <a:r>
-              <a:rPr lang="en-US" sz="2800" dirty="0"/>
-              <a:t>:  Training on more devices results in higher accuracies. However, training on more devices has diminishing re- turns, because additional devices play the same role as existing devices, and hence are very similar.</a:t>
-            </a:r>
-          </a:p>
-          <a:p>
-            <a:endParaRPr lang="en-US" sz="2400" b="1" dirty="0"/>
-          </a:p>
-        </p:txBody>
-      </p:sp>
-      <p:pic>
-        <p:nvPicPr>
-          <p:cNvPr id="46" name="Picture 45">
-            <a:extLst>
-              <a:ext uri="{FF2B5EF4-FFF2-40B4-BE49-F238E27FC236}">
-                <a16:creationId xmlns:a16="http://schemas.microsoft.com/office/drawing/2014/main" id="{B367DB67-8216-AF48-98CF-E9D59512777D}"/>
-              </a:ext>
-            </a:extLst>
-          </p:cNvPr>
-          <p:cNvPicPr>
-            <a:picLocks noChangeAspect="1"/>
-          </p:cNvPicPr>
-          <p:nvPr/>
-        </p:nvPicPr>
-        <p:blipFill>
-          <a:blip r:embed="rId6">
-            <a:extLst>
-              <a:ext uri="{28A0092B-C50C-407E-A947-70E740481C1C}">
-                <a14:useLocalDpi xmlns:a14="http://schemas.microsoft.com/office/drawing/2010/main" val="0"/>
-              </a:ext>
-            </a:extLst>
-          </a:blip>
-          <a:stretch>
-            <a:fillRect/>
-          </a:stretch>
-        </p:blipFill>
-        <p:spPr>
-          <a:xfrm>
-            <a:off x="36532567" y="7972613"/>
-            <a:ext cx="6524625" cy="4572000"/>
-          </a:xfrm>
-          <a:prstGeom prst="rect">
-            <a:avLst/>
-          </a:prstGeom>
-        </p:spPr>
-      </p:pic>
-      <p:sp>
-        <p:nvSpPr>
-          <p:cNvPr id="47" name="TextBox 46">
-            <a:extLst>
-              <a:ext uri="{FF2B5EF4-FFF2-40B4-BE49-F238E27FC236}">
-                <a16:creationId xmlns:a16="http://schemas.microsoft.com/office/drawing/2014/main" id="{D10EC450-98A6-A14B-A4F9-F634878E3EFE}"/>
-              </a:ext>
-            </a:extLst>
-          </p:cNvPr>
-          <p:cNvSpPr txBox="1"/>
-          <p:nvPr/>
-        </p:nvSpPr>
-        <p:spPr>
-          <a:xfrm>
-            <a:off x="36900465" y="12917762"/>
-            <a:ext cx="5722502" cy="1815882"/>
-          </a:xfrm>
-          <a:prstGeom prst="rect">
-            <a:avLst/>
-          </a:prstGeom>
-          <a:noFill/>
-        </p:spPr>
-        <p:txBody>
-          <a:bodyPr wrap="square" rtlCol="0">
-            <a:spAutoFit/>
-          </a:bodyPr>
-          <a:lstStyle/>
-          <a:p>
-            <a:r>
-              <a:rPr lang="en-US" sz="2800" b="1" dirty="0"/>
-              <a:t>Figure 2</a:t>
-            </a:r>
-            <a:r>
-              <a:rPr lang="en-US" sz="2800" dirty="0"/>
-              <a:t>: Our framework does not require a long history of configurations to achieve reasonable accuracy. </a:t>
-            </a:r>
-          </a:p>
-        </p:txBody>
-      </p:sp>
-      <p:sp>
-        <p:nvSpPr>
-          <p:cNvPr id="58" name="Content Placeholder 14">
-            <a:extLst>
-              <a:ext uri="{FF2B5EF4-FFF2-40B4-BE49-F238E27FC236}">
-                <a16:creationId xmlns:a16="http://schemas.microsoft.com/office/drawing/2014/main" id="{53153977-76FF-3649-9E56-5A02CD01D677}"/>
-              </a:ext>
-            </a:extLst>
-          </p:cNvPr>
-          <p:cNvSpPr txBox="1">
-            <a:spLocks/>
-          </p:cNvSpPr>
-          <p:nvPr/>
-        </p:nvSpPr>
-        <p:spPr>
-          <a:xfrm>
-            <a:off x="1263527" y="28458094"/>
-            <a:ext cx="12661106" cy="1303867"/>
-          </a:xfrm>
-          <a:prstGeom prst="rect">
-            <a:avLst/>
-          </a:prstGeom>
-        </p:spPr>
-        <p:txBody>
-          <a:bodyPr vert="horz" lIns="91440" tIns="182880" rIns="91440" bIns="45720" rtlCol="0">
-            <a:noAutofit/>
-          </a:bodyPr>
-          <a:lstStyle>
-            <a:lvl1pPr marL="457200" indent="-457200" algn="l" defTabSz="4389120" rtl="0" eaLnBrk="1" latinLnBrk="0" hangingPunct="1">
-              <a:lnSpc>
-                <a:spcPct val="100000"/>
-              </a:lnSpc>
-              <a:spcBef>
-                <a:spcPts val="1200"/>
-              </a:spcBef>
-              <a:buClr>
-                <a:schemeClr val="accent2"/>
-              </a:buClr>
-              <a:buFont typeface="Arial" panose="020B0604020202020204" pitchFamily="34" charset="0"/>
-              <a:buChar char="•"/>
-              <a:defRPr sz="2800" kern="1200" baseline="0">
-                <a:solidFill>
-                  <a:schemeClr val="tx1"/>
-                </a:solidFill>
-                <a:latin typeface="+mn-lt"/>
-                <a:ea typeface="+mn-ea"/>
-                <a:cs typeface="+mn-cs"/>
-              </a:defRPr>
-            </a:lvl1pPr>
-            <a:lvl2pPr marL="1097280" indent="-457200" algn="l" defTabSz="4389120" rtl="0" eaLnBrk="1" latinLnBrk="0" hangingPunct="1">
-              <a:lnSpc>
-                <a:spcPct val="100000"/>
-              </a:lnSpc>
-              <a:spcBef>
-                <a:spcPts val="1200"/>
-              </a:spcBef>
-              <a:buClr>
-                <a:schemeClr val="accent2"/>
-              </a:buClr>
-              <a:buFont typeface="Arial" panose="020B0604020202020204" pitchFamily="34" charset="0"/>
-              <a:buChar char="•"/>
-              <a:defRPr sz="2400" kern="1200">
-                <a:solidFill>
-                  <a:schemeClr val="tx1"/>
-                </a:solidFill>
-                <a:latin typeface="+mn-lt"/>
-                <a:ea typeface="+mn-ea"/>
-                <a:cs typeface="+mn-cs"/>
-              </a:defRPr>
-            </a:lvl2pPr>
-            <a:lvl3pPr marL="1097280" indent="-457200" algn="l" defTabSz="4389120" rtl="0" eaLnBrk="1" latinLnBrk="0" hangingPunct="1">
-              <a:lnSpc>
-                <a:spcPct val="100000"/>
-              </a:lnSpc>
-              <a:spcBef>
-                <a:spcPts val="1200"/>
-              </a:spcBef>
-              <a:buClr>
-                <a:schemeClr val="accent2"/>
-              </a:buClr>
-              <a:buFont typeface="Arial" panose="020B0604020202020204" pitchFamily="34" charset="0"/>
-              <a:buChar char="•"/>
-              <a:defRPr sz="2400" kern="1200">
-                <a:solidFill>
-                  <a:schemeClr val="tx1"/>
-                </a:solidFill>
-                <a:latin typeface="+mn-lt"/>
-                <a:ea typeface="+mn-ea"/>
-                <a:cs typeface="+mn-cs"/>
-              </a:defRPr>
-            </a:lvl3pPr>
-            <a:lvl4pPr marL="1097280" indent="-457200" algn="l" defTabSz="4389120" rtl="0" eaLnBrk="1" latinLnBrk="0" hangingPunct="1">
-              <a:lnSpc>
-                <a:spcPct val="100000"/>
-              </a:lnSpc>
-              <a:spcBef>
-                <a:spcPts val="1200"/>
-              </a:spcBef>
-              <a:buClr>
-                <a:schemeClr val="accent2"/>
-              </a:buClr>
-              <a:buFont typeface="Arial" panose="020B0604020202020204" pitchFamily="34" charset="0"/>
-              <a:buChar char="•"/>
-              <a:defRPr sz="2400" kern="1200">
-                <a:solidFill>
-                  <a:schemeClr val="tx1"/>
-                </a:solidFill>
-                <a:latin typeface="+mn-lt"/>
-                <a:ea typeface="+mn-ea"/>
-                <a:cs typeface="+mn-cs"/>
-              </a:defRPr>
-            </a:lvl4pPr>
-            <a:lvl5pPr marL="1097280" indent="-457200" algn="l" defTabSz="4389120" rtl="0" eaLnBrk="1" latinLnBrk="0" hangingPunct="1">
-              <a:lnSpc>
-                <a:spcPct val="100000"/>
-              </a:lnSpc>
-              <a:spcBef>
-                <a:spcPts val="1200"/>
-              </a:spcBef>
-              <a:buClr>
-                <a:schemeClr val="accent2"/>
-              </a:buClr>
-              <a:buFont typeface="Arial" panose="020B0604020202020204" pitchFamily="34" charset="0"/>
-              <a:buChar char="•"/>
-              <a:defRPr sz="2400" kern="1200">
-                <a:solidFill>
-                  <a:schemeClr val="tx1"/>
-                </a:solidFill>
-                <a:latin typeface="+mn-lt"/>
-                <a:ea typeface="+mn-ea"/>
-                <a:cs typeface="+mn-cs"/>
-              </a:defRPr>
-            </a:lvl5pPr>
-            <a:lvl6pPr marL="1097280" indent="-457200" algn="l" defTabSz="4389120" rtl="0" eaLnBrk="1" latinLnBrk="0" hangingPunct="1">
-              <a:lnSpc>
-                <a:spcPct val="100000"/>
-              </a:lnSpc>
-              <a:spcBef>
-                <a:spcPts val="1200"/>
-              </a:spcBef>
-              <a:buClr>
-                <a:schemeClr val="accent2"/>
-              </a:buClr>
-              <a:buFont typeface="Arial" panose="020B0604020202020204" pitchFamily="34" charset="0"/>
-              <a:buChar char="•"/>
-              <a:defRPr sz="2400" kern="1200">
-                <a:solidFill>
-                  <a:schemeClr val="tx1"/>
-                </a:solidFill>
-                <a:latin typeface="+mn-lt"/>
-                <a:ea typeface="+mn-ea"/>
-                <a:cs typeface="+mn-cs"/>
-              </a:defRPr>
-            </a:lvl6pPr>
-            <a:lvl7pPr marL="1097280" indent="-457200" algn="l" defTabSz="4389120" rtl="0" eaLnBrk="1" latinLnBrk="0" hangingPunct="1">
-              <a:lnSpc>
-                <a:spcPct val="100000"/>
-              </a:lnSpc>
-              <a:spcBef>
-                <a:spcPts val="1200"/>
-              </a:spcBef>
-              <a:buClr>
-                <a:schemeClr val="accent2"/>
-              </a:buClr>
-              <a:buFont typeface="Arial" panose="020B0604020202020204" pitchFamily="34" charset="0"/>
-              <a:buChar char="•"/>
-              <a:defRPr sz="2400" kern="1200">
-                <a:solidFill>
-                  <a:schemeClr val="tx1"/>
-                </a:solidFill>
-                <a:latin typeface="+mn-lt"/>
-                <a:ea typeface="+mn-ea"/>
-                <a:cs typeface="+mn-cs"/>
-              </a:defRPr>
-            </a:lvl7pPr>
-            <a:lvl8pPr marL="1097280" indent="-457200" algn="l" defTabSz="4389120" rtl="0" eaLnBrk="1" latinLnBrk="0" hangingPunct="1">
-              <a:lnSpc>
-                <a:spcPct val="100000"/>
-              </a:lnSpc>
-              <a:spcBef>
-                <a:spcPts val="1200"/>
-              </a:spcBef>
-              <a:buClr>
-                <a:schemeClr val="accent2"/>
-              </a:buClr>
-              <a:buFont typeface="Arial" panose="020B0604020202020204" pitchFamily="34" charset="0"/>
-              <a:buChar char="•"/>
-              <a:defRPr sz="2400" kern="1200">
-                <a:solidFill>
-                  <a:schemeClr val="tx1"/>
-                </a:solidFill>
-                <a:latin typeface="+mn-lt"/>
-                <a:ea typeface="+mn-ea"/>
-                <a:cs typeface="+mn-cs"/>
-              </a:defRPr>
-            </a:lvl8pPr>
-            <a:lvl9pPr marL="1097280" indent="-457200" algn="l" defTabSz="4389120" rtl="0" eaLnBrk="1" latinLnBrk="0" hangingPunct="1">
-              <a:lnSpc>
-                <a:spcPct val="100000"/>
-              </a:lnSpc>
-              <a:spcBef>
-                <a:spcPts val="1200"/>
-              </a:spcBef>
-              <a:buClr>
-                <a:schemeClr val="accent2"/>
-              </a:buClr>
-              <a:buFont typeface="Arial" panose="020B0604020202020204" pitchFamily="34" charset="0"/>
-              <a:buChar char="•"/>
-              <a:defRPr sz="2400" kern="1200">
-                <a:solidFill>
-                  <a:schemeClr val="tx1"/>
-                </a:solidFill>
-                <a:latin typeface="+mn-lt"/>
-                <a:ea typeface="+mn-ea"/>
-                <a:cs typeface="+mn-cs"/>
-              </a:defRPr>
-            </a:lvl9pPr>
-          </a:lstStyle>
-          <a:p>
-            <a:pPr marL="0" indent="0" algn="ctr">
-              <a:buFont typeface="Arial" panose="020B0604020202020204" pitchFamily="34" charset="0"/>
-              <a:buNone/>
-            </a:pPr>
-            <a:r>
-              <a:rPr lang="en-US" b="1" dirty="0"/>
-              <a:t>Figure 1</a:t>
-            </a:r>
-            <a:r>
-              <a:rPr lang="en-US" dirty="0"/>
-              <a:t>: Token and statement similarity for University-A. Almost all configurations were composed of the same set of unique tokens.</a:t>
-            </a:r>
-          </a:p>
-        </p:txBody>
-      </p:sp>
-      <p:pic>
-        <p:nvPicPr>
-          <p:cNvPr id="59" name="Picture 58">
-            <a:extLst>
-              <a:ext uri="{FF2B5EF4-FFF2-40B4-BE49-F238E27FC236}">
-                <a16:creationId xmlns:a16="http://schemas.microsoft.com/office/drawing/2014/main" id="{57E7F990-BAF4-6E41-B55F-E8BC8D4051AB}"/>
-              </a:ext>
-            </a:extLst>
-          </p:cNvPr>
-          <p:cNvPicPr>
-            <a:picLocks noChangeAspect="1"/>
-          </p:cNvPicPr>
-          <p:nvPr/>
-        </p:nvPicPr>
-        <p:blipFill>
-          <a:blip r:embed="rId7">
-            <a:extLst>
-              <a:ext uri="{28A0092B-C50C-407E-A947-70E740481C1C}">
-                <a14:useLocalDpi xmlns:a14="http://schemas.microsoft.com/office/drawing/2010/main" val="0"/>
-              </a:ext>
-            </a:extLst>
-          </a:blip>
-          <a:stretch>
-            <a:fillRect/>
-          </a:stretch>
-        </p:blipFill>
-        <p:spPr>
-          <a:xfrm>
-            <a:off x="2517999" y="22203112"/>
-            <a:ext cx="10125122" cy="6254982"/>
-          </a:xfrm>
-          <a:prstGeom prst="rect">
-            <a:avLst/>
-          </a:prstGeom>
-        </p:spPr>
-      </p:pic>
-      <p:sp>
-        <p:nvSpPr>
           <p:cNvPr id="69" name="Text Placeholder 6">
             <a:extLst>
               <a:ext uri="{FF2B5EF4-FFF2-40B4-BE49-F238E27FC236}">
-                <a16:creationId xmlns:a16="http://schemas.microsoft.com/office/drawing/2014/main" id="{EFEEF982-C20F-A048-899C-76DBDEFC8475}"/>
+                <a16:creationId xmlns:a16="http://schemas.microsoft.com/office/drawing/2014/main" xmlns="" id="{EFEEF982-C20F-A048-899C-76DBDEFC8475}"/>
               </a:ext>
             </a:extLst>
           </p:cNvPr>
@@ -19504,7 +18768,7 @@
         </p:nvSpPr>
         <p:spPr>
           <a:xfrm>
-            <a:off x="15867668" y="14123494"/>
+            <a:off x="15908304" y="5852160"/>
             <a:ext cx="12801600" cy="1219200"/>
           </a:xfrm>
           <a:prstGeom prst="round1Rect">
@@ -19717,12 +18981,757 @@
           </a:p>
         </p:txBody>
       </p:sp>
+      <p:sp>
+        <p:nvSpPr>
+          <p:cNvPr id="4" name="Title 3"/>
+          <p:cNvSpPr>
+            <a:spLocks noGrp="1"/>
+          </p:cNvSpPr>
+          <p:nvPr>
+            <p:ph type="title"/>
+          </p:nvPr>
+        </p:nvSpPr>
+        <p:spPr>
+          <a:xfrm>
+            <a:off x="6400800" y="328630"/>
+            <a:ext cx="31089600" cy="2514540"/>
+          </a:xfrm>
+        </p:spPr>
+        <p:txBody>
+          <a:bodyPr>
+            <a:noAutofit/>
+          </a:bodyPr>
+          <a:lstStyle/>
+          <a:p>
+            <a:r>
+              <a:rPr lang="en-US" sz="9600" dirty="0"/>
+              <a:t>Auto-completion for Network Configurations</a:t>
+            </a:r>
+          </a:p>
+        </p:txBody>
+      </p:sp>
+      <p:sp>
+        <p:nvSpPr>
+          <p:cNvPr id="5" name="Text Placeholder 4"/>
+          <p:cNvSpPr>
+            <a:spLocks noGrp="1"/>
+          </p:cNvSpPr>
+          <p:nvPr>
+            <p:ph type="body" sz="quarter" idx="13"/>
+          </p:nvPr>
+        </p:nvSpPr>
+        <p:spPr/>
+        <p:txBody>
+          <a:bodyPr/>
+          <a:lstStyle/>
+          <a:p>
+            <a:r>
+              <a:rPr lang="en-US" dirty="0"/>
+              <a:t>Introduction</a:t>
+            </a:r>
+          </a:p>
+        </p:txBody>
+      </p:sp>
+      <p:sp>
+        <p:nvSpPr>
+          <p:cNvPr id="11" name="Content Placeholder 10"/>
+          <p:cNvSpPr>
+            <a:spLocks noGrp="1"/>
+          </p:cNvSpPr>
+          <p:nvPr>
+            <p:ph sz="quarter" idx="24"/>
+          </p:nvPr>
+        </p:nvSpPr>
+        <p:spPr>
+          <a:xfrm>
+            <a:off x="1261309" y="12273074"/>
+            <a:ext cx="12107781" cy="2674369"/>
+          </a:xfrm>
+        </p:spPr>
+        <p:txBody>
+          <a:bodyPr>
+            <a:noAutofit/>
+          </a:bodyPr>
+          <a:lstStyle/>
+          <a:p>
+            <a:r>
+              <a:rPr lang="en-US" sz="2800" dirty="0"/>
+              <a:t>State of the art tools offer simple tab-completion and preset templates</a:t>
+            </a:r>
+          </a:p>
+          <a:p>
+            <a:r>
+              <a:rPr lang="en-US" sz="2800" dirty="0"/>
+              <a:t>We predict a code completion engine would offer better resilience to human errors</a:t>
+            </a:r>
+          </a:p>
+          <a:p>
+            <a:endParaRPr lang="en-US" sz="2800" dirty="0"/>
+          </a:p>
+          <a:p>
+            <a:endParaRPr lang="en-US" sz="2800" dirty="0"/>
+          </a:p>
+        </p:txBody>
+      </p:sp>
+      <p:sp>
+        <p:nvSpPr>
+          <p:cNvPr id="7" name="Text Placeholder 6"/>
+          <p:cNvSpPr>
+            <a:spLocks noGrp="1"/>
+          </p:cNvSpPr>
+          <p:nvPr>
+            <p:ph type="body" sz="quarter" idx="17"/>
+          </p:nvPr>
+        </p:nvSpPr>
+        <p:spPr>
+          <a:xfrm>
+            <a:off x="1435894" y="15551406"/>
+            <a:ext cx="12801600" cy="1219200"/>
+          </a:xfrm>
+        </p:spPr>
+        <p:txBody>
+          <a:bodyPr/>
+          <a:lstStyle/>
+          <a:p>
+            <a:r>
+              <a:rPr lang="en-US" dirty="0"/>
+              <a:t>Feasibility analysis</a:t>
+            </a:r>
+          </a:p>
+        </p:txBody>
+      </p:sp>
+      <p:sp>
+        <p:nvSpPr>
+          <p:cNvPr id="56" name="Content Placeholder 55">
+            <a:extLst>
+              <a:ext uri="{FF2B5EF4-FFF2-40B4-BE49-F238E27FC236}">
+                <a16:creationId xmlns:a16="http://schemas.microsoft.com/office/drawing/2014/main" xmlns="" id="{D2B8C290-3994-9B4E-A1E5-40D781DA7147}"/>
+              </a:ext>
+            </a:extLst>
+          </p:cNvPr>
+          <p:cNvSpPr>
+            <a:spLocks noGrp="1"/>
+          </p:cNvSpPr>
+          <p:nvPr>
+            <p:ph sz="quarter" idx="25"/>
+          </p:nvPr>
+        </p:nvSpPr>
+        <p:spPr>
+          <a:xfrm>
+            <a:off x="1143000" y="17314801"/>
+            <a:ext cx="12801600" cy="4936178"/>
+          </a:xfrm>
+        </p:spPr>
+        <p:txBody>
+          <a:bodyPr>
+            <a:normAutofit/>
+          </a:bodyPr>
+          <a:lstStyle/>
+          <a:p>
+            <a:r>
+              <a:rPr lang="en-US" sz="2800" dirty="0"/>
+              <a:t>Previous measurement studies have revealed extensive use of templates in network </a:t>
+            </a:r>
+            <a:r>
+              <a:rPr lang="en-US" sz="2800" dirty="0" smtClean="0"/>
+              <a:t>configurations [1]</a:t>
+            </a:r>
+            <a:endParaRPr lang="en-US" sz="2800" dirty="0"/>
+          </a:p>
+          <a:p>
+            <a:r>
+              <a:rPr lang="en-US" sz="2800" dirty="0"/>
+              <a:t>Our observations indicate that most of a device’s configuration could be constructed from existing configurations</a:t>
+            </a:r>
+          </a:p>
+          <a:p>
+            <a:r>
+              <a:rPr lang="en-US" sz="2800" dirty="0"/>
+              <a:t>Our prediction engine thus constructs a model from histories of configurations</a:t>
+            </a:r>
+          </a:p>
+          <a:p>
+            <a:pPr marL="0" indent="0">
+              <a:buNone/>
+            </a:pPr>
+            <a:endParaRPr lang="en-US" sz="2800" dirty="0"/>
+          </a:p>
+        </p:txBody>
+      </p:sp>
+      <p:sp>
+        <p:nvSpPr>
+          <p:cNvPr id="18" name="Text Placeholder 17"/>
+          <p:cNvSpPr>
+            <a:spLocks noGrp="1"/>
+          </p:cNvSpPr>
+          <p:nvPr>
+            <p:ph type="body" sz="quarter" idx="29"/>
+          </p:nvPr>
+        </p:nvSpPr>
+        <p:spPr>
+          <a:xfrm>
+            <a:off x="15892103" y="11925176"/>
+            <a:ext cx="12801600" cy="1219200"/>
+          </a:xfrm>
+        </p:spPr>
+        <p:txBody>
+          <a:bodyPr/>
+          <a:lstStyle/>
+          <a:p>
+            <a:r>
+              <a:rPr lang="en-US" dirty="0"/>
+              <a:t>placeholders</a:t>
+            </a:r>
+          </a:p>
+        </p:txBody>
+      </p:sp>
+      <p:pic>
+        <p:nvPicPr>
+          <p:cNvPr id="26" name="Content Placeholder 25">
+            <a:extLst>
+              <a:ext uri="{FF2B5EF4-FFF2-40B4-BE49-F238E27FC236}">
+                <a16:creationId xmlns:a16="http://schemas.microsoft.com/office/drawing/2014/main" xmlns="" id="{B4AADA20-9EC6-694F-BFAC-033242EDA257}"/>
+              </a:ext>
+            </a:extLst>
+          </p:cNvPr>
+          <p:cNvPicPr>
+            <a:picLocks noGrp="1" noChangeAspect="1"/>
+          </p:cNvPicPr>
+          <p:nvPr>
+            <p:ph sz="quarter" idx="30"/>
+          </p:nvPr>
+        </p:nvPicPr>
+        <p:blipFill>
+          <a:blip r:embed="rId5">
+            <a:extLst>
+              <a:ext uri="{28A0092B-C50C-407E-A947-70E740481C1C}">
+                <a14:useLocalDpi xmlns:a14="http://schemas.microsoft.com/office/drawing/2010/main" val="0"/>
+              </a:ext>
+            </a:extLst>
+          </a:blip>
+          <a:stretch>
+            <a:fillRect/>
+          </a:stretch>
+        </p:blipFill>
+        <p:spPr>
+          <a:xfrm>
+            <a:off x="29900880" y="7344462"/>
+            <a:ext cx="6629083" cy="5303266"/>
+          </a:xfrm>
+        </p:spPr>
+      </p:pic>
+      <p:sp>
+        <p:nvSpPr>
+          <p:cNvPr id="21" name="Text Placeholder 20"/>
+          <p:cNvSpPr>
+            <a:spLocks noGrp="1"/>
+          </p:cNvSpPr>
+          <p:nvPr>
+            <p:ph type="body" sz="quarter" idx="31"/>
+          </p:nvPr>
+        </p:nvSpPr>
+        <p:spPr/>
+        <p:txBody>
+          <a:bodyPr/>
+          <a:lstStyle/>
+          <a:p>
+            <a:r>
+              <a:rPr lang="en-US" dirty="0"/>
+              <a:t>Results</a:t>
+            </a:r>
+          </a:p>
+        </p:txBody>
+      </p:sp>
+      <p:sp>
+        <p:nvSpPr>
+          <p:cNvPr id="23" name="Text Placeholder 22"/>
+          <p:cNvSpPr>
+            <a:spLocks noGrp="1"/>
+          </p:cNvSpPr>
+          <p:nvPr>
+            <p:ph type="body" sz="quarter" idx="34"/>
+          </p:nvPr>
+        </p:nvSpPr>
+        <p:spPr>
+          <a:xfrm>
+            <a:off x="29821367" y="23765604"/>
+            <a:ext cx="12801600" cy="1219200"/>
+          </a:xfrm>
+        </p:spPr>
+        <p:txBody>
+          <a:bodyPr/>
+          <a:lstStyle/>
+          <a:p>
+            <a:r>
+              <a:rPr lang="en-US" dirty="0"/>
+              <a:t>Future work</a:t>
+            </a:r>
+          </a:p>
+        </p:txBody>
+      </p:sp>
+      <p:sp>
+        <p:nvSpPr>
+          <p:cNvPr id="43" name="TextBox 42">
+            <a:extLst>
+              <a:ext uri="{FF2B5EF4-FFF2-40B4-BE49-F238E27FC236}">
+                <a16:creationId xmlns:a16="http://schemas.microsoft.com/office/drawing/2014/main" xmlns="" id="{5DAC9B42-A965-2E4B-9E51-395D6D01FD7B}"/>
+              </a:ext>
+            </a:extLst>
+          </p:cNvPr>
+          <p:cNvSpPr txBox="1"/>
+          <p:nvPr/>
+        </p:nvSpPr>
+        <p:spPr>
+          <a:xfrm>
+            <a:off x="30549693" y="12744569"/>
+            <a:ext cx="5360100" cy="3108543"/>
+          </a:xfrm>
+          <a:prstGeom prst="rect">
+            <a:avLst/>
+          </a:prstGeom>
+          <a:noFill/>
+        </p:spPr>
+        <p:txBody>
+          <a:bodyPr wrap="square" rtlCol="0">
+            <a:spAutoFit/>
+          </a:bodyPr>
+          <a:lstStyle/>
+          <a:p>
+            <a:r>
+              <a:rPr lang="en-US" sz="2800" b="1" dirty="0"/>
+              <a:t>Figure </a:t>
+            </a:r>
+            <a:r>
+              <a:rPr lang="en-US" sz="2800" b="1" dirty="0" smtClean="0"/>
+              <a:t>3</a:t>
+            </a:r>
+            <a:r>
+              <a:rPr lang="en-US" sz="2800" dirty="0" smtClean="0"/>
+              <a:t>: Our </a:t>
+            </a:r>
+            <a:r>
+              <a:rPr lang="en-US" sz="2800" dirty="0"/>
+              <a:t>approach achieves a high prediction accuracy (&gt;85%) for the majority of routers. Without our placeholders optimization, this accuracy is 5% lower. </a:t>
+            </a:r>
+          </a:p>
+          <a:p>
+            <a:endParaRPr lang="en-US" sz="2800" b="1" dirty="0"/>
+          </a:p>
+        </p:txBody>
+      </p:sp>
+      <p:sp>
+        <p:nvSpPr>
+          <p:cNvPr id="44" name="TextBox 43">
+            <a:extLst>
+              <a:ext uri="{FF2B5EF4-FFF2-40B4-BE49-F238E27FC236}">
+                <a16:creationId xmlns:a16="http://schemas.microsoft.com/office/drawing/2014/main" xmlns="" id="{1BC94FAF-F442-FA46-AD71-53749FA6AB04}"/>
+              </a:ext>
+            </a:extLst>
+          </p:cNvPr>
+          <p:cNvSpPr txBox="1"/>
+          <p:nvPr/>
+        </p:nvSpPr>
+        <p:spPr>
+          <a:xfrm>
+            <a:off x="30549694" y="17639990"/>
+            <a:ext cx="5548956" cy="3908762"/>
+          </a:xfrm>
+          <a:prstGeom prst="rect">
+            <a:avLst/>
+          </a:prstGeom>
+          <a:noFill/>
+        </p:spPr>
+        <p:txBody>
+          <a:bodyPr wrap="square" rtlCol="0">
+            <a:spAutoFit/>
+          </a:bodyPr>
+          <a:lstStyle/>
+          <a:p>
+            <a:r>
+              <a:rPr lang="en-US" sz="2800" b="1" dirty="0"/>
+              <a:t>Figure </a:t>
+            </a:r>
+            <a:r>
+              <a:rPr lang="en-US" sz="2800" b="1" dirty="0" smtClean="0"/>
+              <a:t>5 </a:t>
+            </a:r>
+            <a:r>
+              <a:rPr lang="en-US" sz="2800" b="1" dirty="0" smtClean="0"/>
+              <a:t>(Right</a:t>
+            </a:r>
+            <a:r>
+              <a:rPr lang="en-US" sz="2800" b="1" dirty="0"/>
+              <a:t>)</a:t>
+            </a:r>
+            <a:r>
+              <a:rPr lang="en-US" sz="2800" dirty="0"/>
+              <a:t>:  Training on more devices results in higher accuracies. However, training on more devices has diminishing re- turns, because additional devices play the same role as existing devices, and hence are very similar.</a:t>
+            </a:r>
+          </a:p>
+          <a:p>
+            <a:endParaRPr lang="en-US" sz="2400" b="1" dirty="0"/>
+          </a:p>
+        </p:txBody>
+      </p:sp>
+      <p:pic>
+        <p:nvPicPr>
+          <p:cNvPr id="46" name="Picture 45">
+            <a:extLst>
+              <a:ext uri="{FF2B5EF4-FFF2-40B4-BE49-F238E27FC236}">
+                <a16:creationId xmlns:a16="http://schemas.microsoft.com/office/drawing/2014/main" xmlns="" id="{B367DB67-8216-AF48-98CF-E9D59512777D}"/>
+              </a:ext>
+            </a:extLst>
+          </p:cNvPr>
+          <p:cNvPicPr>
+            <a:picLocks noChangeAspect="1"/>
+          </p:cNvPicPr>
+          <p:nvPr/>
+        </p:nvPicPr>
+        <p:blipFill>
+          <a:blip r:embed="rId6">
+            <a:extLst>
+              <a:ext uri="{28A0092B-C50C-407E-A947-70E740481C1C}">
+                <a14:useLocalDpi xmlns:a14="http://schemas.microsoft.com/office/drawing/2010/main" val="0"/>
+              </a:ext>
+            </a:extLst>
+          </a:blip>
+          <a:stretch>
+            <a:fillRect/>
+          </a:stretch>
+        </p:blipFill>
+        <p:spPr>
+          <a:xfrm>
+            <a:off x="36088240" y="7487088"/>
+            <a:ext cx="7314169" cy="5125257"/>
+          </a:xfrm>
+          <a:prstGeom prst="rect">
+            <a:avLst/>
+          </a:prstGeom>
+        </p:spPr>
+      </p:pic>
+      <p:sp>
+        <p:nvSpPr>
+          <p:cNvPr id="47" name="TextBox 46">
+            <a:extLst>
+              <a:ext uri="{FF2B5EF4-FFF2-40B4-BE49-F238E27FC236}">
+                <a16:creationId xmlns:a16="http://schemas.microsoft.com/office/drawing/2014/main" xmlns="" id="{D10EC450-98A6-A14B-A4F9-F634878E3EFE}"/>
+              </a:ext>
+            </a:extLst>
+          </p:cNvPr>
+          <p:cNvSpPr txBox="1"/>
+          <p:nvPr/>
+        </p:nvSpPr>
+        <p:spPr>
+          <a:xfrm>
+            <a:off x="36900465" y="12743590"/>
+            <a:ext cx="5722502" cy="1815882"/>
+          </a:xfrm>
+          <a:prstGeom prst="rect">
+            <a:avLst/>
+          </a:prstGeom>
+          <a:noFill/>
+        </p:spPr>
+        <p:txBody>
+          <a:bodyPr wrap="square" rtlCol="0">
+            <a:spAutoFit/>
+          </a:bodyPr>
+          <a:lstStyle/>
+          <a:p>
+            <a:r>
+              <a:rPr lang="en-US" sz="2800" b="1" dirty="0"/>
+              <a:t>Figure </a:t>
+            </a:r>
+            <a:r>
+              <a:rPr lang="en-US" sz="2800" b="1" dirty="0" smtClean="0"/>
+              <a:t>4</a:t>
+            </a:r>
+            <a:r>
+              <a:rPr lang="en-US" sz="2800" dirty="0" smtClean="0"/>
+              <a:t>: </a:t>
+            </a:r>
+            <a:r>
+              <a:rPr lang="en-US" sz="2800" dirty="0"/>
+              <a:t>Our framework does not require a long history of configurations to achieve reasonable accuracy. </a:t>
+            </a:r>
+          </a:p>
+        </p:txBody>
+      </p:sp>
+      <p:sp>
+        <p:nvSpPr>
+          <p:cNvPr id="58" name="Content Placeholder 14">
+            <a:extLst>
+              <a:ext uri="{FF2B5EF4-FFF2-40B4-BE49-F238E27FC236}">
+                <a16:creationId xmlns:a16="http://schemas.microsoft.com/office/drawing/2014/main" xmlns="" id="{53153977-76FF-3649-9E56-5A02CD01D677}"/>
+              </a:ext>
+            </a:extLst>
+          </p:cNvPr>
+          <p:cNvSpPr txBox="1">
+            <a:spLocks/>
+          </p:cNvSpPr>
+          <p:nvPr/>
+        </p:nvSpPr>
+        <p:spPr>
+          <a:xfrm>
+            <a:off x="1258705" y="29784136"/>
+            <a:ext cx="12661106" cy="1303867"/>
+          </a:xfrm>
+          <a:prstGeom prst="rect">
+            <a:avLst/>
+          </a:prstGeom>
+        </p:spPr>
+        <p:txBody>
+          <a:bodyPr vert="horz" lIns="91440" tIns="182880" rIns="91440" bIns="45720" rtlCol="0">
+            <a:noAutofit/>
+          </a:bodyPr>
+          <a:lstStyle>
+            <a:lvl1pPr marL="457200" indent="-457200" algn="l" defTabSz="4389120" rtl="0" eaLnBrk="1" latinLnBrk="0" hangingPunct="1">
+              <a:lnSpc>
+                <a:spcPct val="100000"/>
+              </a:lnSpc>
+              <a:spcBef>
+                <a:spcPts val="1200"/>
+              </a:spcBef>
+              <a:buClr>
+                <a:schemeClr val="accent2"/>
+              </a:buClr>
+              <a:buFont typeface="Arial" panose="020B0604020202020204" pitchFamily="34" charset="0"/>
+              <a:buChar char="•"/>
+              <a:defRPr sz="2800" kern="1200" baseline="0">
+                <a:solidFill>
+                  <a:schemeClr val="tx1"/>
+                </a:solidFill>
+                <a:latin typeface="+mn-lt"/>
+                <a:ea typeface="+mn-ea"/>
+                <a:cs typeface="+mn-cs"/>
+              </a:defRPr>
+            </a:lvl1pPr>
+            <a:lvl2pPr marL="1097280" indent="-457200" algn="l" defTabSz="4389120" rtl="0" eaLnBrk="1" latinLnBrk="0" hangingPunct="1">
+              <a:lnSpc>
+                <a:spcPct val="100000"/>
+              </a:lnSpc>
+              <a:spcBef>
+                <a:spcPts val="1200"/>
+              </a:spcBef>
+              <a:buClr>
+                <a:schemeClr val="accent2"/>
+              </a:buClr>
+              <a:buFont typeface="Arial" panose="020B0604020202020204" pitchFamily="34" charset="0"/>
+              <a:buChar char="•"/>
+              <a:defRPr sz="2400" kern="1200">
+                <a:solidFill>
+                  <a:schemeClr val="tx1"/>
+                </a:solidFill>
+                <a:latin typeface="+mn-lt"/>
+                <a:ea typeface="+mn-ea"/>
+                <a:cs typeface="+mn-cs"/>
+              </a:defRPr>
+            </a:lvl2pPr>
+            <a:lvl3pPr marL="1097280" indent="-457200" algn="l" defTabSz="4389120" rtl="0" eaLnBrk="1" latinLnBrk="0" hangingPunct="1">
+              <a:lnSpc>
+                <a:spcPct val="100000"/>
+              </a:lnSpc>
+              <a:spcBef>
+                <a:spcPts val="1200"/>
+              </a:spcBef>
+              <a:buClr>
+                <a:schemeClr val="accent2"/>
+              </a:buClr>
+              <a:buFont typeface="Arial" panose="020B0604020202020204" pitchFamily="34" charset="0"/>
+              <a:buChar char="•"/>
+              <a:defRPr sz="2400" kern="1200">
+                <a:solidFill>
+                  <a:schemeClr val="tx1"/>
+                </a:solidFill>
+                <a:latin typeface="+mn-lt"/>
+                <a:ea typeface="+mn-ea"/>
+                <a:cs typeface="+mn-cs"/>
+              </a:defRPr>
+            </a:lvl3pPr>
+            <a:lvl4pPr marL="1097280" indent="-457200" algn="l" defTabSz="4389120" rtl="0" eaLnBrk="1" latinLnBrk="0" hangingPunct="1">
+              <a:lnSpc>
+                <a:spcPct val="100000"/>
+              </a:lnSpc>
+              <a:spcBef>
+                <a:spcPts val="1200"/>
+              </a:spcBef>
+              <a:buClr>
+                <a:schemeClr val="accent2"/>
+              </a:buClr>
+              <a:buFont typeface="Arial" panose="020B0604020202020204" pitchFamily="34" charset="0"/>
+              <a:buChar char="•"/>
+              <a:defRPr sz="2400" kern="1200">
+                <a:solidFill>
+                  <a:schemeClr val="tx1"/>
+                </a:solidFill>
+                <a:latin typeface="+mn-lt"/>
+                <a:ea typeface="+mn-ea"/>
+                <a:cs typeface="+mn-cs"/>
+              </a:defRPr>
+            </a:lvl4pPr>
+            <a:lvl5pPr marL="1097280" indent="-457200" algn="l" defTabSz="4389120" rtl="0" eaLnBrk="1" latinLnBrk="0" hangingPunct="1">
+              <a:lnSpc>
+                <a:spcPct val="100000"/>
+              </a:lnSpc>
+              <a:spcBef>
+                <a:spcPts val="1200"/>
+              </a:spcBef>
+              <a:buClr>
+                <a:schemeClr val="accent2"/>
+              </a:buClr>
+              <a:buFont typeface="Arial" panose="020B0604020202020204" pitchFamily="34" charset="0"/>
+              <a:buChar char="•"/>
+              <a:defRPr sz="2400" kern="1200">
+                <a:solidFill>
+                  <a:schemeClr val="tx1"/>
+                </a:solidFill>
+                <a:latin typeface="+mn-lt"/>
+                <a:ea typeface="+mn-ea"/>
+                <a:cs typeface="+mn-cs"/>
+              </a:defRPr>
+            </a:lvl5pPr>
+            <a:lvl6pPr marL="1097280" indent="-457200" algn="l" defTabSz="4389120" rtl="0" eaLnBrk="1" latinLnBrk="0" hangingPunct="1">
+              <a:lnSpc>
+                <a:spcPct val="100000"/>
+              </a:lnSpc>
+              <a:spcBef>
+                <a:spcPts val="1200"/>
+              </a:spcBef>
+              <a:buClr>
+                <a:schemeClr val="accent2"/>
+              </a:buClr>
+              <a:buFont typeface="Arial" panose="020B0604020202020204" pitchFamily="34" charset="0"/>
+              <a:buChar char="•"/>
+              <a:defRPr sz="2400" kern="1200">
+                <a:solidFill>
+                  <a:schemeClr val="tx1"/>
+                </a:solidFill>
+                <a:latin typeface="+mn-lt"/>
+                <a:ea typeface="+mn-ea"/>
+                <a:cs typeface="+mn-cs"/>
+              </a:defRPr>
+            </a:lvl6pPr>
+            <a:lvl7pPr marL="1097280" indent="-457200" algn="l" defTabSz="4389120" rtl="0" eaLnBrk="1" latinLnBrk="0" hangingPunct="1">
+              <a:lnSpc>
+                <a:spcPct val="100000"/>
+              </a:lnSpc>
+              <a:spcBef>
+                <a:spcPts val="1200"/>
+              </a:spcBef>
+              <a:buClr>
+                <a:schemeClr val="accent2"/>
+              </a:buClr>
+              <a:buFont typeface="Arial" panose="020B0604020202020204" pitchFamily="34" charset="0"/>
+              <a:buChar char="•"/>
+              <a:defRPr sz="2400" kern="1200">
+                <a:solidFill>
+                  <a:schemeClr val="tx1"/>
+                </a:solidFill>
+                <a:latin typeface="+mn-lt"/>
+                <a:ea typeface="+mn-ea"/>
+                <a:cs typeface="+mn-cs"/>
+              </a:defRPr>
+            </a:lvl7pPr>
+            <a:lvl8pPr marL="1097280" indent="-457200" algn="l" defTabSz="4389120" rtl="0" eaLnBrk="1" latinLnBrk="0" hangingPunct="1">
+              <a:lnSpc>
+                <a:spcPct val="100000"/>
+              </a:lnSpc>
+              <a:spcBef>
+                <a:spcPts val="1200"/>
+              </a:spcBef>
+              <a:buClr>
+                <a:schemeClr val="accent2"/>
+              </a:buClr>
+              <a:buFont typeface="Arial" panose="020B0604020202020204" pitchFamily="34" charset="0"/>
+              <a:buChar char="•"/>
+              <a:defRPr sz="2400" kern="1200">
+                <a:solidFill>
+                  <a:schemeClr val="tx1"/>
+                </a:solidFill>
+                <a:latin typeface="+mn-lt"/>
+                <a:ea typeface="+mn-ea"/>
+                <a:cs typeface="+mn-cs"/>
+              </a:defRPr>
+            </a:lvl8pPr>
+            <a:lvl9pPr marL="1097280" indent="-457200" algn="l" defTabSz="4389120" rtl="0" eaLnBrk="1" latinLnBrk="0" hangingPunct="1">
+              <a:lnSpc>
+                <a:spcPct val="100000"/>
+              </a:lnSpc>
+              <a:spcBef>
+                <a:spcPts val="1200"/>
+              </a:spcBef>
+              <a:buClr>
+                <a:schemeClr val="accent2"/>
+              </a:buClr>
+              <a:buFont typeface="Arial" panose="020B0604020202020204" pitchFamily="34" charset="0"/>
+              <a:buChar char="•"/>
+              <a:defRPr sz="2400" kern="1200">
+                <a:solidFill>
+                  <a:schemeClr val="tx1"/>
+                </a:solidFill>
+                <a:latin typeface="+mn-lt"/>
+                <a:ea typeface="+mn-ea"/>
+                <a:cs typeface="+mn-cs"/>
+              </a:defRPr>
+            </a:lvl9pPr>
+          </a:lstStyle>
+          <a:p>
+            <a:pPr marL="0" indent="0" algn="ctr">
+              <a:buFont typeface="Arial" panose="020B0604020202020204" pitchFamily="34" charset="0"/>
+              <a:buNone/>
+            </a:pPr>
+            <a:r>
+              <a:rPr lang="en-US" b="1" dirty="0"/>
+              <a:t>Figure 1</a:t>
+            </a:r>
+            <a:r>
+              <a:rPr lang="en-US" dirty="0"/>
+              <a:t>: Token and statement similarity for University-A. Almost all configurations were composed of the same set of unique tokens.</a:t>
+            </a:r>
+          </a:p>
+        </p:txBody>
+      </p:sp>
+      <p:pic>
+        <p:nvPicPr>
+          <p:cNvPr id="59" name="Picture 58">
+            <a:extLst>
+              <a:ext uri="{FF2B5EF4-FFF2-40B4-BE49-F238E27FC236}">
+                <a16:creationId xmlns:a16="http://schemas.microsoft.com/office/drawing/2014/main" xmlns="" id="{57E7F990-BAF4-6E41-B55F-E8BC8D4051AB}"/>
+              </a:ext>
+            </a:extLst>
+          </p:cNvPr>
+          <p:cNvPicPr>
+            <a:picLocks noChangeAspect="1"/>
+          </p:cNvPicPr>
+          <p:nvPr/>
+        </p:nvPicPr>
+        <p:blipFill>
+          <a:blip r:embed="rId7">
+            <a:extLst>
+              <a:ext uri="{28A0092B-C50C-407E-A947-70E740481C1C}">
+                <a14:useLocalDpi xmlns:a14="http://schemas.microsoft.com/office/drawing/2010/main" val="0"/>
+              </a:ext>
+            </a:extLst>
+          </a:blip>
+          <a:stretch>
+            <a:fillRect/>
+          </a:stretch>
+        </p:blipFill>
+        <p:spPr>
+          <a:xfrm>
+            <a:off x="1622990" y="21635837"/>
+            <a:ext cx="12419563" cy="7672415"/>
+          </a:xfrm>
+          <a:prstGeom prst="rect">
+            <a:avLst/>
+          </a:prstGeom>
+        </p:spPr>
+      </p:pic>
       <p:pic>
         <p:nvPicPr>
           <p:cNvPr id="1030" name="Picture 6" descr="https://lh6.googleusercontent.com/U8DiTENPHbhVFyljAq94uRFV2j_REAqu-mIH0c0-MYVDIvBDCEIL8TCDJgtjl8u-SPEsg4R4YjqmELxpy1sqkNuNnOprJt1SvQIrwvLKUaMoHlaPlNuAe7I4Rumgo1CvRQAxWIkQF3g">
             <a:extLst>
               <a:ext uri="{FF2B5EF4-FFF2-40B4-BE49-F238E27FC236}">
-                <a16:creationId xmlns:a16="http://schemas.microsoft.com/office/drawing/2014/main" id="{52829317-A65C-6044-ABD0-629F473F888F}"/>
+                <a16:creationId xmlns:a16="http://schemas.microsoft.com/office/drawing/2014/main" xmlns="" id="{52829317-A65C-6044-ABD0-629F473F888F}"/>
               </a:ext>
             </a:extLst>
           </p:cNvPr>
@@ -19769,7 +19778,7 @@
           <p:cNvPr id="77" name="Content Placeholder 56">
             <a:extLst>
               <a:ext uri="{FF2B5EF4-FFF2-40B4-BE49-F238E27FC236}">
-                <a16:creationId xmlns:a16="http://schemas.microsoft.com/office/drawing/2014/main" id="{F5F3CF78-8A37-9548-A29E-F036213E6CF7}"/>
+                <a16:creationId xmlns:a16="http://schemas.microsoft.com/office/drawing/2014/main" xmlns="" id="{F5F3CF78-8A37-9548-A29E-F036213E6CF7}"/>
               </a:ext>
             </a:extLst>
           </p:cNvPr>
@@ -20012,7 +20021,7 @@
           <p:cNvPr id="79" name="Content Placeholder 13">
             <a:extLst>
               <a:ext uri="{FF2B5EF4-FFF2-40B4-BE49-F238E27FC236}">
-                <a16:creationId xmlns:a16="http://schemas.microsoft.com/office/drawing/2014/main" id="{EC38745C-C0DE-7840-89DF-612A966119CD}"/>
+                <a16:creationId xmlns:a16="http://schemas.microsoft.com/office/drawing/2014/main" xmlns="" id="{EC38745C-C0DE-7840-89DF-612A966119CD}"/>
               </a:ext>
             </a:extLst>
           </p:cNvPr>
@@ -20257,7 +20266,7 @@
           <p:cNvPr id="81" name="Content Placeholder 13">
             <a:extLst>
               <a:ext uri="{FF2B5EF4-FFF2-40B4-BE49-F238E27FC236}">
-                <a16:creationId xmlns:a16="http://schemas.microsoft.com/office/drawing/2014/main" id="{F9C7211B-A912-9D4B-8494-8500543AE140}"/>
+                <a16:creationId xmlns:a16="http://schemas.microsoft.com/office/drawing/2014/main" xmlns="" id="{F9C7211B-A912-9D4B-8494-8500543AE140}"/>
               </a:ext>
             </a:extLst>
           </p:cNvPr>
@@ -20268,7 +20277,7 @@
         </p:nvSpPr>
         <p:spPr>
           <a:xfrm>
-            <a:off x="29741854" y="23156620"/>
+            <a:off x="29741854" y="25116049"/>
             <a:ext cx="12642574" cy="3603845"/>
           </a:xfrm>
           <a:prstGeom prst="rect">
@@ -20277,7 +20286,7 @@
         </p:spPr>
         <p:txBody>
           <a:bodyPr vert="horz" lIns="365760" tIns="182880" rIns="91440" bIns="45720" rtlCol="0">
-            <a:normAutofit fontScale="55000" lnSpcReduction="20000"/>
+            <a:normAutofit fontScale="62500" lnSpcReduction="20000"/>
           </a:bodyPr>
           <a:lstStyle>
             <a:lvl1pPr marL="822960" indent="-822960" algn="l" defTabSz="3291840" rtl="0" eaLnBrk="1" latinLnBrk="0" hangingPunct="1">
@@ -20494,7 +20503,15 @@
             </a:pPr>
             <a:r>
               <a:rPr lang="en-US" sz="4500" dirty="0"/>
-              <a:t>Our analyses help direct our attention towards areas of improvements for the model. The variance seen in our device analysis suggests that having different models for router of different ”roles” could help improve prediction accuracies. Additionally, we plan on exploring the possibility of using larger n-grams to suggest complete statements. Lastly, we hope to evaluate our model against the current state of the art: tab-completion in CLIs on modern routers. </a:t>
+              <a:t>Our analyses help direct our attention towards areas of improvements for the model. The variance seen in our device analysis suggests that having different models for </a:t>
+            </a:r>
+            <a:r>
+              <a:rPr lang="en-US" sz="4500" dirty="0" smtClean="0"/>
+              <a:t>routers </a:t>
+            </a:r>
+            <a:r>
+              <a:rPr lang="en-US" sz="4500" dirty="0"/>
+              <a:t>of different ”roles” could help improve prediction accuracies. Additionally, we plan on exploring the possibility of using larger n-grams to suggest complete statements. Lastly, we hope to evaluate our model against the current state of the art: tab-completion in CLIs on modern routers. </a:t>
             </a:r>
           </a:p>
           <a:p>
@@ -20511,7 +20528,7 @@
           <p:cNvPr id="82" name="Text Placeholder 17">
             <a:extLst>
               <a:ext uri="{FF2B5EF4-FFF2-40B4-BE49-F238E27FC236}">
-                <a16:creationId xmlns:a16="http://schemas.microsoft.com/office/drawing/2014/main" id="{A9836733-F244-9C4D-9048-D9A701BF1770}"/>
+                <a16:creationId xmlns:a16="http://schemas.microsoft.com/office/drawing/2014/main" xmlns="" id="{A9836733-F244-9C4D-9048-D9A701BF1770}"/>
               </a:ext>
             </a:extLst>
           </p:cNvPr>
@@ -20522,7 +20539,7 @@
         </p:nvSpPr>
         <p:spPr>
           <a:xfrm>
-            <a:off x="29821367" y="26891710"/>
+            <a:off x="29821367" y="28981768"/>
             <a:ext cx="12801600" cy="1219200"/>
           </a:xfrm>
           <a:prstGeom prst="round1Rect">
@@ -20760,18 +20777,19 @@
           </a:lstStyle>
           <a:p>
             <a:r>
-              <a:rPr lang="en-US" sz="5400" dirty="0"/>
-              <a:t>Acknowledgments and references</a:t>
+              <a:rPr lang="en-US" sz="5400" dirty="0" smtClean="0"/>
+              <a:t>references</a:t>
             </a:r>
+            <a:endParaRPr lang="en-US" sz="5400" dirty="0"/>
           </a:p>
         </p:txBody>
       </p:sp>
       <p:sp>
         <p:nvSpPr>
-          <p:cNvPr id="83" name="Content Placeholder 13">
+          <p:cNvPr id="86" name="Content Placeholder 13">
             <a:extLst>
               <a:ext uri="{FF2B5EF4-FFF2-40B4-BE49-F238E27FC236}">
-                <a16:creationId xmlns:a16="http://schemas.microsoft.com/office/drawing/2014/main" id="{801749A7-2409-6A4A-AE38-7774B64CD1D2}"/>
+                <a16:creationId xmlns:a16="http://schemas.microsoft.com/office/drawing/2014/main" xmlns="" id="{E0C6E218-0CAC-B048-9ABB-7DD7AA143352}"/>
               </a:ext>
             </a:extLst>
           </p:cNvPr>
@@ -20782,253 +20800,8 @@
         </p:nvSpPr>
         <p:spPr>
           <a:xfrm>
-            <a:off x="29690916" y="29320863"/>
-            <a:ext cx="12642574" cy="3095224"/>
-          </a:xfrm>
-          <a:prstGeom prst="rect">
-            <a:avLst/>
-          </a:prstGeom>
-        </p:spPr>
-        <p:txBody>
-          <a:bodyPr vert="horz" lIns="365760" tIns="182880" rIns="91440" bIns="45720" rtlCol="0">
-            <a:normAutofit/>
-          </a:bodyPr>
-          <a:lstStyle>
-            <a:lvl1pPr marL="822960" indent="-822960" algn="l" defTabSz="3291840" rtl="0" eaLnBrk="1" latinLnBrk="0" hangingPunct="1">
-              <a:lnSpc>
-                <a:spcPct val="120000"/>
-              </a:lnSpc>
-              <a:spcBef>
-                <a:spcPts val="3600"/>
-              </a:spcBef>
-              <a:buClr>
-                <a:schemeClr val="accent1"/>
-              </a:buClr>
-              <a:buSzPct val="110000"/>
-              <a:buFont typeface="Wingdings" panose="05000000000000000000" pitchFamily="2" charset="2"/>
-              <a:buChar char="§"/>
-              <a:defRPr sz="7680" kern="1200" baseline="0">
-                <a:solidFill>
-                  <a:schemeClr val="tx1"/>
-                </a:solidFill>
-                <a:effectLst/>
-                <a:latin typeface="+mn-lt"/>
-                <a:ea typeface="+mn-ea"/>
-                <a:cs typeface="+mn-cs"/>
-              </a:defRPr>
-            </a:lvl1pPr>
-            <a:lvl2pPr marL="2468880" indent="-822960" algn="l" defTabSz="3291840" rtl="0" eaLnBrk="1" latinLnBrk="0" hangingPunct="1">
-              <a:lnSpc>
-                <a:spcPct val="120000"/>
-              </a:lnSpc>
-              <a:spcBef>
-                <a:spcPts val="1800"/>
-              </a:spcBef>
-              <a:buClr>
-                <a:schemeClr val="accent1"/>
-              </a:buClr>
-              <a:buSzPct val="110000"/>
-              <a:buFont typeface="Wingdings" panose="05000000000000000000" pitchFamily="2" charset="2"/>
-              <a:buChar char="§"/>
-              <a:defRPr sz="6720" kern="1200">
-                <a:solidFill>
-                  <a:schemeClr val="tx1"/>
-                </a:solidFill>
-                <a:effectLst/>
-                <a:latin typeface="+mn-lt"/>
-                <a:ea typeface="+mn-ea"/>
-                <a:cs typeface="+mn-cs"/>
-              </a:defRPr>
-            </a:lvl2pPr>
-            <a:lvl3pPr marL="4114800" indent="-822960" algn="l" defTabSz="3291840" rtl="0" eaLnBrk="1" latinLnBrk="0" hangingPunct="1">
-              <a:lnSpc>
-                <a:spcPct val="120000"/>
-              </a:lnSpc>
-              <a:spcBef>
-                <a:spcPts val="1800"/>
-              </a:spcBef>
-              <a:buClr>
-                <a:schemeClr val="accent1"/>
-              </a:buClr>
-              <a:buSzPct val="110000"/>
-              <a:buFont typeface="Wingdings" panose="05000000000000000000" pitchFamily="2" charset="2"/>
-              <a:buChar char="§"/>
-              <a:defRPr sz="5760" kern="1200">
-                <a:solidFill>
-                  <a:schemeClr val="tx1"/>
-                </a:solidFill>
-                <a:effectLst/>
-                <a:latin typeface="+mn-lt"/>
-                <a:ea typeface="+mn-ea"/>
-                <a:cs typeface="+mn-cs"/>
-              </a:defRPr>
-            </a:lvl3pPr>
-            <a:lvl4pPr marL="5760720" indent="-822960" algn="l" defTabSz="3291840" rtl="0" eaLnBrk="1" latinLnBrk="0" hangingPunct="1">
-              <a:lnSpc>
-                <a:spcPct val="120000"/>
-              </a:lnSpc>
-              <a:spcBef>
-                <a:spcPts val="1800"/>
-              </a:spcBef>
-              <a:buClr>
-                <a:schemeClr val="accent1"/>
-              </a:buClr>
-              <a:buSzPct val="110000"/>
-              <a:buFont typeface="Wingdings" panose="05000000000000000000" pitchFamily="2" charset="2"/>
-              <a:buChar char="§"/>
-              <a:defRPr sz="5760" kern="1200">
-                <a:solidFill>
-                  <a:schemeClr val="tx1"/>
-                </a:solidFill>
-                <a:effectLst/>
-                <a:latin typeface="+mn-lt"/>
-                <a:ea typeface="+mn-ea"/>
-                <a:cs typeface="+mn-cs"/>
-              </a:defRPr>
-            </a:lvl4pPr>
-            <a:lvl5pPr marL="7406640" indent="-822960" algn="l" defTabSz="3291840" rtl="0" eaLnBrk="1" latinLnBrk="0" hangingPunct="1">
-              <a:lnSpc>
-                <a:spcPct val="120000"/>
-              </a:lnSpc>
-              <a:spcBef>
-                <a:spcPts val="1800"/>
-              </a:spcBef>
-              <a:buClr>
-                <a:schemeClr val="accent1"/>
-              </a:buClr>
-              <a:buSzPct val="110000"/>
-              <a:buFont typeface="Wingdings" panose="05000000000000000000" pitchFamily="2" charset="2"/>
-              <a:buChar char="§"/>
-              <a:defRPr sz="5760" kern="1200">
-                <a:solidFill>
-                  <a:schemeClr val="tx1"/>
-                </a:solidFill>
-                <a:effectLst/>
-                <a:latin typeface="+mn-lt"/>
-                <a:ea typeface="+mn-ea"/>
-                <a:cs typeface="+mn-cs"/>
-              </a:defRPr>
-            </a:lvl5pPr>
-            <a:lvl6pPr marL="9052560" indent="-822960" algn="l" defTabSz="3291840" rtl="0" eaLnBrk="1" latinLnBrk="0" hangingPunct="1">
-              <a:lnSpc>
-                <a:spcPct val="120000"/>
-              </a:lnSpc>
-              <a:spcBef>
-                <a:spcPts val="1800"/>
-              </a:spcBef>
-              <a:buClr>
-                <a:schemeClr val="accent1"/>
-              </a:buClr>
-              <a:buSzPct val="110000"/>
-              <a:buFont typeface="Wingdings" panose="05000000000000000000" pitchFamily="2" charset="2"/>
-              <a:buChar char="§"/>
-              <a:defRPr sz="4320" kern="1200">
-                <a:solidFill>
-                  <a:schemeClr val="tx1"/>
-                </a:solidFill>
-                <a:effectLst/>
-                <a:latin typeface="+mn-lt"/>
-                <a:ea typeface="+mn-ea"/>
-                <a:cs typeface="+mn-cs"/>
-              </a:defRPr>
-            </a:lvl6pPr>
-            <a:lvl7pPr marL="10698480" indent="-822960" algn="l" defTabSz="3291840" rtl="0" eaLnBrk="1" latinLnBrk="0" hangingPunct="1">
-              <a:lnSpc>
-                <a:spcPct val="120000"/>
-              </a:lnSpc>
-              <a:spcBef>
-                <a:spcPts val="1800"/>
-              </a:spcBef>
-              <a:buClr>
-                <a:schemeClr val="accent1"/>
-              </a:buClr>
-              <a:buSzPct val="110000"/>
-              <a:buFont typeface="Wingdings" panose="05000000000000000000" pitchFamily="2" charset="2"/>
-              <a:buChar char="§"/>
-              <a:defRPr sz="4320" kern="1200">
-                <a:solidFill>
-                  <a:schemeClr val="tx1"/>
-                </a:solidFill>
-                <a:effectLst/>
-                <a:latin typeface="+mn-lt"/>
-                <a:ea typeface="+mn-ea"/>
-                <a:cs typeface="+mn-cs"/>
-              </a:defRPr>
-            </a:lvl7pPr>
-            <a:lvl8pPr marL="12344400" indent="-822960" algn="l" defTabSz="3291840" rtl="0" eaLnBrk="1" latinLnBrk="0" hangingPunct="1">
-              <a:lnSpc>
-                <a:spcPct val="120000"/>
-              </a:lnSpc>
-              <a:spcBef>
-                <a:spcPts val="1800"/>
-              </a:spcBef>
-              <a:buClr>
-                <a:schemeClr val="accent1"/>
-              </a:buClr>
-              <a:buSzPct val="110000"/>
-              <a:buFont typeface="Wingdings" panose="05000000000000000000" pitchFamily="2" charset="2"/>
-              <a:buChar char="§"/>
-              <a:defRPr sz="4320" kern="1200">
-                <a:solidFill>
-                  <a:schemeClr val="tx1"/>
-                </a:solidFill>
-                <a:effectLst/>
-                <a:latin typeface="+mn-lt"/>
-                <a:ea typeface="+mn-ea"/>
-                <a:cs typeface="+mn-cs"/>
-              </a:defRPr>
-            </a:lvl8pPr>
-            <a:lvl9pPr marL="13990320" indent="-822960" algn="l" defTabSz="3291840" rtl="0" eaLnBrk="1" latinLnBrk="0" hangingPunct="1">
-              <a:lnSpc>
-                <a:spcPct val="120000"/>
-              </a:lnSpc>
-              <a:spcBef>
-                <a:spcPts val="1800"/>
-              </a:spcBef>
-              <a:buClr>
-                <a:schemeClr val="accent1"/>
-              </a:buClr>
-              <a:buSzPct val="110000"/>
-              <a:buFont typeface="Wingdings" panose="05000000000000000000" pitchFamily="2" charset="2"/>
-              <a:buChar char="§"/>
-              <a:defRPr sz="4320" kern="1200">
-                <a:solidFill>
-                  <a:schemeClr val="tx1"/>
-                </a:solidFill>
-                <a:effectLst/>
-                <a:latin typeface="+mn-lt"/>
-                <a:ea typeface="+mn-ea"/>
-                <a:cs typeface="+mn-cs"/>
-              </a:defRPr>
-            </a:lvl9pPr>
-          </a:lstStyle>
-          <a:p>
-            <a:pPr marL="0" indent="0">
-              <a:buFont typeface="Wingdings" panose="05000000000000000000" pitchFamily="2" charset="2"/>
-              <a:buNone/>
-            </a:pPr>
-            <a:endParaRPr lang="en-US" dirty="0"/>
-          </a:p>
-        </p:txBody>
-      </p:sp>
-      <p:sp>
-        <p:nvSpPr>
-          <p:cNvPr id="86" name="Content Placeholder 13">
-            <a:extLst>
-              <a:ext uri="{FF2B5EF4-FFF2-40B4-BE49-F238E27FC236}">
-                <a16:creationId xmlns:a16="http://schemas.microsoft.com/office/drawing/2014/main" id="{E0C6E218-0CAC-B048-9ABB-7DD7AA143352}"/>
-              </a:ext>
-            </a:extLst>
-          </p:cNvPr>
-          <p:cNvSpPr txBox="1">
-            <a:spLocks/>
-          </p:cNvSpPr>
-          <p:nvPr/>
-        </p:nvSpPr>
-        <p:spPr>
-          <a:xfrm>
-            <a:off x="29821367" y="28095031"/>
-            <a:ext cx="12801600" cy="4823370"/>
+            <a:off x="29821367" y="30185089"/>
+            <a:ext cx="12801600" cy="1666930"/>
           </a:xfrm>
           <a:prstGeom prst="rect">
             <a:avLst/>
@@ -21252,18 +21025,50 @@
               <a:buNone/>
             </a:pPr>
             <a:r>
-              <a:rPr lang="en-US" sz="2800" dirty="0"/>
-              <a:t>I would also like to thank the Colgate Computer Science department for allowing this senior thesis project to be carried out.</a:t>
+              <a:rPr lang="en-US" sz="2800" dirty="0" smtClean="0"/>
+              <a:t>[1] </a:t>
             </a:r>
-          </a:p>
-          <a:p>
-            <a:pPr marL="0" indent="0">
-              <a:buNone/>
-            </a:pPr>
             <a:r>
               <a:rPr lang="en-US" sz="2800" dirty="0"/>
-              <a:t>(References)</a:t>
+              <a:t>T</a:t>
             </a:r>
+            <a:r>
+              <a:rPr lang="en-US" sz="2800" dirty="0" smtClean="0"/>
+              <a:t>. Benson, A. </a:t>
+            </a:r>
+            <a:r>
+              <a:rPr lang="en-US" sz="2800" dirty="0" err="1" smtClean="0"/>
+              <a:t>Akella</a:t>
+            </a:r>
+            <a:r>
+              <a:rPr lang="en-US" sz="2800" dirty="0" smtClean="0"/>
+              <a:t>, and D. </a:t>
+            </a:r>
+            <a:r>
+              <a:rPr lang="en-US" sz="2800" dirty="0" err="1" smtClean="0"/>
+              <a:t>Maltz</a:t>
+            </a:r>
+            <a:r>
+              <a:rPr lang="en-US" sz="2800" dirty="0" smtClean="0"/>
+              <a:t>. Unraveling the complexity of </a:t>
+            </a:r>
+            <a:r>
+              <a:rPr lang="en-US" sz="2800" dirty="0"/>
+              <a:t>network management. In </a:t>
+            </a:r>
+            <a:r>
+              <a:rPr lang="en-US" sz="2800" i="1" dirty="0"/>
+              <a:t>NSDI</a:t>
+            </a:r>
+            <a:r>
+              <a:rPr lang="en-US" sz="2800" dirty="0"/>
+              <a:t>, 2009</a:t>
+            </a:r>
+            <a:r>
+              <a:rPr lang="en-US" sz="2800" dirty="0" smtClean="0"/>
+              <a:t>.</a:t>
+            </a:r>
+            <a:endParaRPr lang="en-US" sz="2800" dirty="0"/>
           </a:p>
         </p:txBody>
       </p:sp>
@@ -21272,7 +21077,7 @@
           <p:cNvPr id="90" name="Text Placeholder 8">
             <a:extLst>
               <a:ext uri="{FF2B5EF4-FFF2-40B4-BE49-F238E27FC236}">
-                <a16:creationId xmlns:a16="http://schemas.microsoft.com/office/drawing/2014/main" id="{7FB84BF3-F5C6-5E4D-AB27-2FC63ECCE6A2}"/>
+                <a16:creationId xmlns:a16="http://schemas.microsoft.com/office/drawing/2014/main" xmlns="" id="{7FB84BF3-F5C6-5E4D-AB27-2FC63ECCE6A2}"/>
               </a:ext>
             </a:extLst>
           </p:cNvPr>
@@ -21519,7 +21324,7 @@
           <p:cNvPr id="91" name="Content Placeholder 13">
             <a:extLst>
               <a:ext uri="{FF2B5EF4-FFF2-40B4-BE49-F238E27FC236}">
-                <a16:creationId xmlns:a16="http://schemas.microsoft.com/office/drawing/2014/main" id="{041FB989-17D6-7A44-BAB5-968922090A2A}"/>
+                <a16:creationId xmlns:a16="http://schemas.microsoft.com/office/drawing/2014/main" xmlns="" id="{041FB989-17D6-7A44-BAB5-968922090A2A}"/>
               </a:ext>
             </a:extLst>
           </p:cNvPr>
@@ -21757,7 +21562,15 @@
             </a:pPr>
             <a:r>
               <a:rPr lang="en-US" sz="2800" dirty="0"/>
-              <a:t>We applied our framework to Cisco configurations of core, border, and distribution routers from three large university networks. To test the accuracy of our model, we perform leave-one- out cross validation: one (set of) configuration(s) is used for testing and the remainder are used for training. We “rebuild” the test configuration(s) token-by-token by using our n-gram model to predict the next token based on the prior n-1 tokens; we do not predict across lines. A prediction is marked as successful when the actual next token in the configuration is within the top three results generated by the model. </a:t>
+              <a:t>We applied our framework to Cisco configurations of core, border, and distribution routers from three large university networks. To test the accuracy of our model, we perform </a:t>
+            </a:r>
+            <a:r>
+              <a:rPr lang="en-US" sz="2800" dirty="0" smtClean="0"/>
+              <a:t>leave-one-out </a:t>
+            </a:r>
+            <a:r>
+              <a:rPr lang="en-US" sz="2800" dirty="0"/>
+              <a:t>cross validation: one (set of) configuration(s) is used for testing and the remainder are used for training. We “rebuild” the test configuration(s) token-by-token by using our n-gram model to predict the next token based on the prior n-1 tokens; we do not predict across lines. A prediction is marked as successful when the actual next token in the configuration is within the top three results generated by the model. </a:t>
             </a:r>
           </a:p>
         </p:txBody>
@@ -21767,7 +21580,7 @@
           <p:cNvPr id="92" name="Content Placeholder 24" descr="Sample table with 4 columns, 7 rows." title="Sample table">
             <a:extLst>
               <a:ext uri="{FF2B5EF4-FFF2-40B4-BE49-F238E27FC236}">
-                <a16:creationId xmlns:a16="http://schemas.microsoft.com/office/drawing/2014/main" id="{09635FAE-6F41-104A-80A4-5FC0E6B8F242}"/>
+                <a16:creationId xmlns:a16="http://schemas.microsoft.com/office/drawing/2014/main" xmlns="" id="{09635FAE-6F41-104A-80A4-5FC0E6B8F242}"/>
               </a:ext>
             </a:extLst>
           </p:cNvPr>
@@ -21796,28 +21609,28 @@
                 <a:gridCol w="3200400">
                   <a:extLst>
                     <a:ext uri="{9D8B030D-6E8A-4147-A177-3AD203B41FA5}">
-                      <a16:colId xmlns:a16="http://schemas.microsoft.com/office/drawing/2014/main" val="20000"/>
+                      <a16:colId xmlns:a16="http://schemas.microsoft.com/office/drawing/2014/main" xmlns="" val="20000"/>
                     </a:ext>
                   </a:extLst>
                 </a:gridCol>
                 <a:gridCol w="3200400">
                   <a:extLst>
                     <a:ext uri="{9D8B030D-6E8A-4147-A177-3AD203B41FA5}">
-                      <a16:colId xmlns:a16="http://schemas.microsoft.com/office/drawing/2014/main" val="20001"/>
+                      <a16:colId xmlns:a16="http://schemas.microsoft.com/office/drawing/2014/main" xmlns="" val="20001"/>
                     </a:ext>
                   </a:extLst>
                 </a:gridCol>
                 <a:gridCol w="3200400">
                   <a:extLst>
                     <a:ext uri="{9D8B030D-6E8A-4147-A177-3AD203B41FA5}">
-                      <a16:colId xmlns:a16="http://schemas.microsoft.com/office/drawing/2014/main" val="20002"/>
+                      <a16:colId xmlns:a16="http://schemas.microsoft.com/office/drawing/2014/main" xmlns="" val="20002"/>
                     </a:ext>
                   </a:extLst>
                 </a:gridCol>
                 <a:gridCol w="3200400">
                   <a:extLst>
                     <a:ext uri="{9D8B030D-6E8A-4147-A177-3AD203B41FA5}">
-                      <a16:colId xmlns:a16="http://schemas.microsoft.com/office/drawing/2014/main" val="20003"/>
+                      <a16:colId xmlns:a16="http://schemas.microsoft.com/office/drawing/2014/main" xmlns="" val="20003"/>
                     </a:ext>
                   </a:extLst>
                 </a:gridCol>
@@ -21881,7 +21694,7 @@
                 </a:tc>
                 <a:extLst>
                   <a:ext uri="{0D108BD9-81ED-4DB2-BD59-A6C34878D82A}">
-                    <a16:rowId xmlns:a16="http://schemas.microsoft.com/office/drawing/2014/main" val="10000"/>
+                    <a16:rowId xmlns:a16="http://schemas.microsoft.com/office/drawing/2014/main" xmlns="" val="10000"/>
                   </a:ext>
                 </a:extLst>
               </a:tr>
@@ -21944,7 +21757,7 @@
                 </a:tc>
                 <a:extLst>
                   <a:ext uri="{0D108BD9-81ED-4DB2-BD59-A6C34878D82A}">
-                    <a16:rowId xmlns:a16="http://schemas.microsoft.com/office/drawing/2014/main" val="10001"/>
+                    <a16:rowId xmlns:a16="http://schemas.microsoft.com/office/drawing/2014/main" xmlns="" val="10001"/>
                   </a:ext>
                 </a:extLst>
               </a:tr>
@@ -22007,7 +21820,7 @@
                 </a:tc>
                 <a:extLst>
                   <a:ext uri="{0D108BD9-81ED-4DB2-BD59-A6C34878D82A}">
-                    <a16:rowId xmlns:a16="http://schemas.microsoft.com/office/drawing/2014/main" val="10002"/>
+                    <a16:rowId xmlns:a16="http://schemas.microsoft.com/office/drawing/2014/main" xmlns="" val="10002"/>
                   </a:ext>
                 </a:extLst>
               </a:tr>
@@ -22070,7 +21883,7 @@
                 </a:tc>
                 <a:extLst>
                   <a:ext uri="{0D108BD9-81ED-4DB2-BD59-A6C34878D82A}">
-                    <a16:rowId xmlns:a16="http://schemas.microsoft.com/office/drawing/2014/main" val="10003"/>
+                    <a16:rowId xmlns:a16="http://schemas.microsoft.com/office/drawing/2014/main" xmlns="" val="10003"/>
                   </a:ext>
                 </a:extLst>
               </a:tr>
@@ -22083,7 +21896,7 @@
           <p:cNvPr id="93" name="TextBox 92">
             <a:extLst>
               <a:ext uri="{FF2B5EF4-FFF2-40B4-BE49-F238E27FC236}">
-                <a16:creationId xmlns:a16="http://schemas.microsoft.com/office/drawing/2014/main" id="{70233E98-8150-6F4E-94D2-A97E42848D85}"/>
+                <a16:creationId xmlns:a16="http://schemas.microsoft.com/office/drawing/2014/main" xmlns="" id="{70233E98-8150-6F4E-94D2-A97E42848D85}"/>
               </a:ext>
             </a:extLst>
           </p:cNvPr>
@@ -22127,7 +21940,7 @@
           <p:cNvPr id="94" name="Title 3">
             <a:extLst>
               <a:ext uri="{FF2B5EF4-FFF2-40B4-BE49-F238E27FC236}">
-                <a16:creationId xmlns:a16="http://schemas.microsoft.com/office/drawing/2014/main" id="{0583BC46-5678-B741-BED6-272E6991E988}"/>
+                <a16:creationId xmlns:a16="http://schemas.microsoft.com/office/drawing/2014/main" xmlns="" id="{0583BC46-5678-B741-BED6-272E6991E988}"/>
               </a:ext>
             </a:extLst>
           </p:cNvPr>
@@ -22196,7 +22009,7 @@
           <p:cNvPr id="37" name="Content Placeholder 10">
             <a:extLst>
               <a:ext uri="{FF2B5EF4-FFF2-40B4-BE49-F238E27FC236}">
-                <a16:creationId xmlns:a16="http://schemas.microsoft.com/office/drawing/2014/main" id="{82BA6058-3987-3A4F-98AC-2803CB04620E}"/>
+                <a16:creationId xmlns:a16="http://schemas.microsoft.com/office/drawing/2014/main" xmlns="" id="{82BA6058-3987-3A4F-98AC-2803CB04620E}"/>
               </a:ext>
             </a:extLst>
           </p:cNvPr>
@@ -22446,7 +22259,7 @@
           <p:cNvPr id="38" name="Content Placeholder 10">
             <a:extLst>
               <a:ext uri="{FF2B5EF4-FFF2-40B4-BE49-F238E27FC236}">
-                <a16:creationId xmlns:a16="http://schemas.microsoft.com/office/drawing/2014/main" id="{B2EF5C78-F466-1E40-BA54-F0A9BEACCBEA}"/>
+                <a16:creationId xmlns:a16="http://schemas.microsoft.com/office/drawing/2014/main" xmlns="" id="{B2EF5C78-F466-1E40-BA54-F0A9BEACCBEA}"/>
               </a:ext>
             </a:extLst>
           </p:cNvPr>
@@ -22457,8 +22270,8 @@
         </p:nvSpPr>
         <p:spPr>
           <a:xfrm>
-            <a:off x="15891710" y="7440050"/>
-            <a:ext cx="7270546" cy="5403516"/>
+            <a:off x="15893285" y="13513066"/>
+            <a:ext cx="6014144" cy="5403516"/>
           </a:xfrm>
           <a:prstGeom prst="rect">
             <a:avLst/>
@@ -22696,7 +22509,7 @@
           <p:cNvPr id="39" name="TextBox 38">
             <a:extLst>
               <a:ext uri="{FF2B5EF4-FFF2-40B4-BE49-F238E27FC236}">
-                <a16:creationId xmlns:a16="http://schemas.microsoft.com/office/drawing/2014/main" id="{3899E836-95A6-654B-B458-89E376F123DA}"/>
+                <a16:creationId xmlns:a16="http://schemas.microsoft.com/office/drawing/2014/main" xmlns="" id="{3899E836-95A6-654B-B458-89E376F123DA}"/>
               </a:ext>
             </a:extLst>
           </p:cNvPr>
@@ -22705,8 +22518,8 @@
         </p:nvSpPr>
         <p:spPr>
           <a:xfrm>
-            <a:off x="16606098" y="12917761"/>
-            <a:ext cx="12086029" cy="1384995"/>
+            <a:off x="16607674" y="19292445"/>
+            <a:ext cx="12086029" cy="954107"/>
           </a:xfrm>
           <a:prstGeom prst="rect">
             <a:avLst/>
@@ -22721,12 +22534,16 @@
           <a:p>
             <a:pPr algn="ctr"/>
             <a:r>
-              <a:rPr lang="en-US" sz="2800" b="1" dirty="0"/>
-              <a:t>Figure 1</a:t>
+              <a:rPr lang="en-US" sz="2800" b="1" dirty="0" smtClean="0"/>
+              <a:t>Figure 2</a:t>
+            </a:r>
+            <a:r>
+              <a:rPr lang="en-US" sz="2800" dirty="0" smtClean="0"/>
+              <a:t>: </a:t>
             </a:r>
             <a:r>
               <a:rPr lang="en-US" sz="2800" dirty="0"/>
-              <a:t>: With our placeholders optimization, this accuracy is 5% higher. </a:t>
+              <a:t>With our placeholders optimization, this accuracy is 5% higher. </a:t>
             </a:r>
           </a:p>
           <a:p>
@@ -22737,13 +22554,7 @@
       </p:sp>
       <p:pic>
         <p:nvPicPr>
-          <p:cNvPr id="8" name="Picture 7">
-            <a:extLst>
-              <a:ext uri="{FF2B5EF4-FFF2-40B4-BE49-F238E27FC236}">
-                <a16:creationId xmlns:a16="http://schemas.microsoft.com/office/drawing/2014/main" id="{9160B5DA-DBD2-144E-B049-03FEC23B2C0B}"/>
-              </a:ext>
-            </a:extLst>
-          </p:cNvPr>
+          <p:cNvPr id="2" name="Picture 1"/>
           <p:cNvPicPr>
             <a:picLocks noChangeAspect="1"/>
           </p:cNvPicPr>
@@ -22763,8 +22574,8 @@
         </p:blipFill>
         <p:spPr>
           <a:xfrm>
-            <a:off x="23340253" y="7498916"/>
-            <a:ext cx="5351874" cy="5281980"/>
+            <a:off x="39386031" y="721776"/>
+            <a:ext cx="3671161" cy="3671161"/>
           </a:xfrm>
           <a:prstGeom prst="rect">
             <a:avLst/>
@@ -22781,6 +22592,13 @@
   <p:clrMapOvr>
     <a:masterClrMapping/>
   </p:clrMapOvr>
+  <p:timing>
+    <p:tnLst>
+      <p:par>
+        <p:cTn id="1" dur="indefinite" restart="never" nodeType="tmRoot"/>
+      </p:par>
+    </p:tnLst>
+  </p:timing>
 </p:sld>
 </file>
 

--- a/Poster/NSDI Poster.pptx
+++ b/Poster/NSDI Poster.pptx
@@ -203,7 +203,7 @@
           <a:p>
             <a:fld id="{F1C0B079-A316-4C9B-B165-DF9EA8325D2C}" type="datetimeFigureOut">
               <a:rPr lang="en-US" smtClean="0"/>
-              <a:t>4/4/18</a:t>
+              <a:t>4/5/18</a:t>
             </a:fld>
             <a:endParaRPr lang="en-US"/>
           </a:p>
@@ -368,7 +368,7 @@
           <a:p>
             <a:fld id="{38F28AB8-57D1-494F-9851-055AD867E790}" type="datetimeFigureOut">
               <a:rPr lang="en-US" smtClean="0"/>
-              <a:t>4/4/18</a:t>
+              <a:t>4/5/18</a:t>
             </a:fld>
             <a:endParaRPr lang="en-US"/>
           </a:p>
@@ -1876,7 +1876,7 @@
             <a:fld id="{ECAA57DF-1C19-4726-AB84-014692BAD8F5}" type="datetimeFigureOut">
               <a:rPr lang="en-US" smtClean="0"/>
               <a:pPr/>
-              <a:t>4/4/18</a:t>
+              <a:t>4/5/18</a:t>
             </a:fld>
             <a:endParaRPr lang="en-US"/>
           </a:p>
@@ -3284,7 +3284,7 @@
             <a:fld id="{ECAA57DF-1C19-4726-AB84-014692BAD8F5}" type="datetimeFigureOut">
               <a:rPr lang="en-US" smtClean="0"/>
               <a:pPr/>
-              <a:t>4/4/18</a:t>
+              <a:t>4/5/18</a:t>
             </a:fld>
             <a:endParaRPr lang="en-US"/>
           </a:p>
@@ -4686,7 +4686,7 @@
             <a:fld id="{ECAA57DF-1C19-4726-AB84-014692BAD8F5}" type="datetimeFigureOut">
               <a:rPr lang="en-US" smtClean="0"/>
               <a:pPr/>
-              <a:t>4/4/18</a:t>
+              <a:t>4/5/18</a:t>
             </a:fld>
             <a:endParaRPr lang="en-US"/>
           </a:p>
@@ -4949,7 +4949,7 @@
           <a:p>
             <a:fld id="{ECAA57DF-1C19-4726-AB84-014692BAD8F5}" type="datetimeFigureOut">
               <a:rPr lang="en-US" smtClean="0"/>
-              <a:t>4/4/18</a:t>
+              <a:t>4/5/18</a:t>
             </a:fld>
             <a:endParaRPr lang="en-US"/>
           </a:p>
@@ -8736,7 +8736,7 @@
             <a:fld id="{ECAA57DF-1C19-4726-AB84-014692BAD8F5}" type="datetimeFigureOut">
               <a:rPr lang="en-US" smtClean="0"/>
               <a:pPr/>
-              <a:t>4/4/18</a:t>
+              <a:t>4/5/18</a:t>
             </a:fld>
             <a:endParaRPr lang="en-US"/>
           </a:p>
@@ -10072,7 +10072,7 @@
             <a:fld id="{ECAA57DF-1C19-4726-AB84-014692BAD8F5}" type="datetimeFigureOut">
               <a:rPr lang="en-US" smtClean="0"/>
               <a:pPr/>
-              <a:t>4/4/18</a:t>
+              <a:t>4/5/18</a:t>
             </a:fld>
             <a:endParaRPr lang="en-US"/>
           </a:p>
@@ -11542,7 +11542,7 @@
             <a:fld id="{ECAA57DF-1C19-4726-AB84-014692BAD8F5}" type="datetimeFigureOut">
               <a:rPr lang="en-US" smtClean="0"/>
               <a:pPr/>
-              <a:t>4/4/18</a:t>
+              <a:t>4/5/18</a:t>
             </a:fld>
             <a:endParaRPr lang="en-US"/>
           </a:p>
@@ -13156,7 +13156,7 @@
             <a:fld id="{ECAA57DF-1C19-4726-AB84-014692BAD8F5}" type="datetimeFigureOut">
               <a:rPr lang="en-US" smtClean="0"/>
               <a:pPr/>
-              <a:t>4/4/18</a:t>
+              <a:t>4/5/18</a:t>
             </a:fld>
             <a:endParaRPr lang="en-US"/>
           </a:p>
@@ -14503,7 +14503,7 @@
             <a:fld id="{ECAA57DF-1C19-4726-AB84-014692BAD8F5}" type="datetimeFigureOut">
               <a:rPr lang="en-US" smtClean="0"/>
               <a:pPr/>
-              <a:t>4/4/18</a:t>
+              <a:t>4/5/18</a:t>
             </a:fld>
             <a:endParaRPr lang="en-US"/>
           </a:p>
@@ -14610,7 +14610,7 @@
             <a:fld id="{ECAA57DF-1C19-4726-AB84-014692BAD8F5}" type="datetimeFigureOut">
               <a:rPr lang="en-US" smtClean="0"/>
               <a:pPr/>
-              <a:t>4/4/18</a:t>
+              <a:t>4/5/18</a:t>
             </a:fld>
             <a:endParaRPr lang="en-US"/>
           </a:p>
@@ -16087,7 +16087,7 @@
             <a:fld id="{ECAA57DF-1C19-4726-AB84-014692BAD8F5}" type="datetimeFigureOut">
               <a:rPr lang="en-US" smtClean="0"/>
               <a:pPr/>
-              <a:t>4/4/18</a:t>
+              <a:t>4/5/18</a:t>
             </a:fld>
             <a:endParaRPr lang="en-US"/>
           </a:p>
@@ -17451,7 +17451,7 @@
             <a:fld id="{ECAA57DF-1C19-4726-AB84-014692BAD8F5}" type="datetimeFigureOut">
               <a:rPr lang="en-US" smtClean="0"/>
               <a:pPr/>
-              <a:t>4/4/18</a:t>
+              <a:t>4/5/18</a:t>
             </a:fld>
             <a:endParaRPr lang="en-US"/>
           </a:p>
@@ -17703,7 +17703,7 @@
             <a:fld id="{ECAA57DF-1C19-4726-AB84-014692BAD8F5}" type="datetimeFigureOut">
               <a:rPr lang="en-US" smtClean="0"/>
               <a:pPr/>
-              <a:t>4/4/18</a:t>
+              <a:t>4/5/18</a:t>
             </a:fld>
             <a:endParaRPr lang="en-US"/>
           </a:p>
@@ -18215,17 +18215,19 @@
       </p:grpSpPr>
       <p:pic>
         <p:nvPicPr>
-          <p:cNvPr id="40" name="Picture 39">
+          <p:cNvPr id="13" name="Content Placeholder 12">
             <a:extLst>
               <a:ext uri="{FF2B5EF4-FFF2-40B4-BE49-F238E27FC236}">
-                <a16:creationId xmlns:a16="http://schemas.microsoft.com/office/drawing/2014/main" xmlns="" id="{9B1335D0-5878-784C-81A4-5AE957B163F9}"/>
+                <a16:creationId xmlns:a16="http://schemas.microsoft.com/office/drawing/2014/main" xmlns="" id="{3222FE94-EA77-4942-9DB9-17C7E60A56BD}"/>
               </a:ext>
             </a:extLst>
           </p:cNvPr>
           <p:cNvPicPr>
-            <a:picLocks noChangeAspect="1"/>
+            <a:picLocks noGrp="1" noChangeAspect="1"/>
           </p:cNvPicPr>
-          <p:nvPr/>
+          <p:nvPr>
+            <p:ph sz="quarter" idx="30"/>
+          </p:nvPr>
         </p:nvPicPr>
         <p:blipFill>
           <a:blip r:embed="rId2">
@@ -18241,12 +18243,9 @@
         </p:blipFill>
         <p:spPr>
           <a:xfrm>
-            <a:off x="36127509" y="14740663"/>
-            <a:ext cx="7323830" cy="8382185"/>
+            <a:off x="29690916" y="6968604"/>
+            <a:ext cx="6890563" cy="5896837"/>
           </a:xfrm>
-          <a:prstGeom prst="rect">
-            <a:avLst/>
-          </a:prstGeom>
         </p:spPr>
       </p:pic>
       <p:pic>
@@ -18277,16 +18276,193 @@
         </p:blipFill>
         <p:spPr>
           <a:xfrm>
-            <a:off x="22444256" y="12830693"/>
-            <a:ext cx="6848233" cy="6758797"/>
+            <a:off x="21646880" y="12432837"/>
+            <a:ext cx="7827349" cy="7507863"/>
           </a:xfrm>
           <a:prstGeom prst="rect">
             <a:avLst/>
           </a:prstGeom>
         </p:spPr>
       </p:pic>
-      <mc:AlternateContent xmlns:mc="http://schemas.openxmlformats.org/markup-compatibility/2006">
-        <mc:Choice xmlns:a14="http://schemas.microsoft.com/office/drawing/2010/main" Requires="a14">
+      <p:sp>
+        <p:nvSpPr>
+          <p:cNvPr id="4" name="Title 3"/>
+          <p:cNvSpPr>
+            <a:spLocks noGrp="1"/>
+          </p:cNvSpPr>
+          <p:nvPr>
+            <p:ph type="title"/>
+          </p:nvPr>
+        </p:nvSpPr>
+        <p:spPr>
+          <a:xfrm>
+            <a:off x="6400800" y="328630"/>
+            <a:ext cx="31089600" cy="2514540"/>
+          </a:xfrm>
+        </p:spPr>
+        <p:txBody>
+          <a:bodyPr>
+            <a:noAutofit/>
+          </a:bodyPr>
+          <a:lstStyle/>
+          <a:p>
+            <a:r>
+              <a:rPr lang="en-US" sz="9600" dirty="0"/>
+              <a:t>Auto-completion for Network Configurations</a:t>
+            </a:r>
+          </a:p>
+        </p:txBody>
+      </p:sp>
+      <p:sp>
+        <p:nvSpPr>
+          <p:cNvPr id="5" name="Text Placeholder 4"/>
+          <p:cNvSpPr>
+            <a:spLocks noGrp="1"/>
+          </p:cNvSpPr>
+          <p:nvPr>
+            <p:ph type="body" sz="quarter" idx="13"/>
+          </p:nvPr>
+        </p:nvSpPr>
+        <p:spPr/>
+        <p:txBody>
+          <a:bodyPr/>
+          <a:lstStyle/>
+          <a:p>
+            <a:r>
+              <a:rPr lang="en-US" dirty="0"/>
+              <a:t>Introduction</a:t>
+            </a:r>
+          </a:p>
+        </p:txBody>
+      </p:sp>
+      <p:sp>
+        <p:nvSpPr>
+          <p:cNvPr id="11" name="Content Placeholder 10"/>
+          <p:cNvSpPr>
+            <a:spLocks noGrp="1"/>
+          </p:cNvSpPr>
+          <p:nvPr>
+            <p:ph sz="quarter" idx="24"/>
+          </p:nvPr>
+        </p:nvSpPr>
+        <p:spPr>
+          <a:xfrm>
+            <a:off x="1261309" y="12273074"/>
+            <a:ext cx="12107781" cy="2674369"/>
+          </a:xfrm>
+        </p:spPr>
+        <p:txBody>
+          <a:bodyPr>
+            <a:noAutofit/>
+          </a:bodyPr>
+          <a:lstStyle/>
+          <a:p>
+            <a:r>
+              <a:rPr lang="en-US" sz="2800" dirty="0"/>
+              <a:t>State of the art tools offer simple tab-completion and preset templates</a:t>
+            </a:r>
+          </a:p>
+          <a:p>
+            <a:r>
+              <a:rPr lang="en-US" sz="2800" dirty="0"/>
+              <a:t>We predict a code completion engine would offer better resilience to human errors</a:t>
+            </a:r>
+          </a:p>
+          <a:p>
+            <a:endParaRPr lang="en-US" sz="2800" dirty="0"/>
+          </a:p>
+          <a:p>
+            <a:endParaRPr lang="en-US" sz="2800" dirty="0"/>
+          </a:p>
+        </p:txBody>
+      </p:sp>
+      <p:sp>
+        <p:nvSpPr>
+          <p:cNvPr id="7" name="Text Placeholder 6"/>
+          <p:cNvSpPr>
+            <a:spLocks noGrp="1"/>
+          </p:cNvSpPr>
+          <p:nvPr>
+            <p:ph type="body" sz="quarter" idx="17"/>
+          </p:nvPr>
+        </p:nvSpPr>
+        <p:spPr>
+          <a:xfrm>
+            <a:off x="1435894" y="15464320"/>
+            <a:ext cx="12801600" cy="1219200"/>
+          </a:xfrm>
+        </p:spPr>
+        <p:txBody>
+          <a:bodyPr/>
+          <a:lstStyle/>
+          <a:p>
+            <a:r>
+              <a:rPr lang="en-US" dirty="0"/>
+              <a:t>Feasibility analysis</a:t>
+            </a:r>
+          </a:p>
+        </p:txBody>
+      </p:sp>
+      <p:sp>
+        <p:nvSpPr>
+          <p:cNvPr id="56" name="Content Placeholder 55">
+            <a:extLst>
+              <a:ext uri="{FF2B5EF4-FFF2-40B4-BE49-F238E27FC236}">
+                <a16:creationId xmlns:a16="http://schemas.microsoft.com/office/drawing/2014/main" xmlns="" id="{D2B8C290-3994-9B4E-A1E5-40D781DA7147}"/>
+              </a:ext>
+            </a:extLst>
+          </p:cNvPr>
+          <p:cNvSpPr>
+            <a:spLocks noGrp="1"/>
+          </p:cNvSpPr>
+          <p:nvPr>
+            <p:ph sz="quarter" idx="25"/>
+          </p:nvPr>
+        </p:nvSpPr>
+        <p:spPr>
+          <a:xfrm>
+            <a:off x="1143000" y="17314801"/>
+            <a:ext cx="12801600" cy="4936178"/>
+          </a:xfrm>
+        </p:spPr>
+        <p:txBody>
+          <a:bodyPr>
+            <a:normAutofit/>
+          </a:bodyPr>
+          <a:lstStyle/>
+          <a:p>
+            <a:r>
+              <a:rPr lang="en-US" sz="2800" dirty="0"/>
+              <a:t>Previous measurement studies have revealed extensive use of templates in network configurations </a:t>
+            </a:r>
+            <a:r>
+              <a:rPr lang="en-US" sz="2800" dirty="0" smtClean="0"/>
+              <a:t>[1]</a:t>
+            </a:r>
+            <a:endParaRPr lang="en-US" sz="2800" dirty="0"/>
+          </a:p>
+          <a:p>
+            <a:r>
+              <a:rPr lang="en-US" sz="2800" dirty="0"/>
+              <a:t>Our observations indicate that most of a device’s configuration could be constructed from existing configurations</a:t>
+            </a:r>
+          </a:p>
+          <a:p>
+            <a:r>
+              <a:rPr lang="en-US" sz="2800" dirty="0"/>
+              <a:t>Our prediction engine thus constructs a model from histories of configurations</a:t>
+            </a:r>
+          </a:p>
+          <a:p>
+            <a:pPr marL="0" indent="0">
+              <a:buNone/>
+            </a:pPr>
+            <a:endParaRPr lang="en-US" sz="2800" dirty="0"/>
+          </a:p>
+        </p:txBody>
+      </p:sp>
+      <mc:AlternateContent xmlns:mc="http://schemas.openxmlformats.org/markup-compatibility/2006" xmlns:a14="http://schemas.microsoft.com/office/drawing/2010/main">
+        <mc:Choice Requires="a14">
           <p:sp>
             <p:nvSpPr>
               <p:cNvPr id="57" name="Content Placeholder 56">
@@ -18305,8 +18481,8 @@
             </p:nvSpPr>
             <p:spPr>
               <a:xfrm>
-                <a:off x="15931164" y="7504064"/>
-                <a:ext cx="12801600" cy="4287555"/>
+                <a:off x="15987637" y="6874864"/>
+                <a:ext cx="12801600" cy="4581126"/>
               </a:xfrm>
             </p:spPr>
             <p:txBody>
@@ -18708,13 +18884,13 @@
             </p:txBody>
           </p:sp>
         </mc:Choice>
-        <mc:Fallback>
+        <mc:Fallback xmlns="">
           <p:sp>
             <p:nvSpPr>
               <p:cNvPr id="57" name="Content Placeholder 56">
                 <a:extLst>
                   <a:ext uri="{FF2B5EF4-FFF2-40B4-BE49-F238E27FC236}">
-                    <a16:creationId xmlns:a16="http://schemas.microsoft.com/office/drawing/2014/main" xmlns:a14="http://schemas.microsoft.com/office/drawing/2010/main" xmlns="" id="{E7959293-CA99-FE45-92D9-50699C172924}"/>
+                    <a16:creationId xmlns:a16="http://schemas.microsoft.com/office/drawing/2014/main" id="{E7959293-CA99-FE45-92D9-50699C172924}"/>
                   </a:ext>
                 </a:extLst>
               </p:cNvPr>
@@ -18727,13 +18903,13 @@
             </p:nvSpPr>
             <p:spPr>
               <a:xfrm>
-                <a:off x="15931164" y="7504064"/>
-                <a:ext cx="12801600" cy="4287555"/>
+                <a:off x="15987637" y="6874864"/>
+                <a:ext cx="12801600" cy="4581126"/>
               </a:xfrm>
-              <a:blipFill rotWithShape="0">
+              <a:blipFill>
                 <a:blip r:embed="rId4"/>
                 <a:stretch>
-                  <a:fillRect l="-1000"/>
+                  <a:fillRect l="-991" r="-991"/>
                 </a:stretch>
               </a:blipFill>
             </p:spPr>
@@ -18754,6 +18930,462 @@
       </mc:AlternateContent>
       <p:sp>
         <p:nvSpPr>
+          <p:cNvPr id="18" name="Text Placeholder 17"/>
+          <p:cNvSpPr>
+            <a:spLocks noGrp="1"/>
+          </p:cNvSpPr>
+          <p:nvPr>
+            <p:ph type="body" sz="quarter" idx="29"/>
+          </p:nvPr>
+        </p:nvSpPr>
+        <p:spPr>
+          <a:xfrm>
+            <a:off x="15987638" y="11605532"/>
+            <a:ext cx="12801600" cy="1219200"/>
+          </a:xfrm>
+        </p:spPr>
+        <p:txBody>
+          <a:bodyPr/>
+          <a:lstStyle/>
+          <a:p>
+            <a:r>
+              <a:rPr lang="en-US" dirty="0"/>
+              <a:t>placeholders</a:t>
+            </a:r>
+          </a:p>
+        </p:txBody>
+      </p:sp>
+      <p:pic>
+        <p:nvPicPr>
+          <p:cNvPr id="40" name="Picture 39">
+            <a:extLst>
+              <a:ext uri="{FF2B5EF4-FFF2-40B4-BE49-F238E27FC236}">
+                <a16:creationId xmlns:a16="http://schemas.microsoft.com/office/drawing/2014/main" xmlns="" id="{9B1335D0-5878-784C-81A4-5AE957B163F9}"/>
+              </a:ext>
+            </a:extLst>
+          </p:cNvPr>
+          <p:cNvPicPr>
+            <a:picLocks noChangeAspect="1"/>
+          </p:cNvPicPr>
+          <p:nvPr/>
+        </p:nvPicPr>
+        <p:blipFill>
+          <a:blip r:embed="rId5">
+            <a:extLst>
+              <a:ext uri="{28A0092B-C50C-407E-A947-70E740481C1C}">
+                <a14:useLocalDpi xmlns:a14="http://schemas.microsoft.com/office/drawing/2010/main" val="0"/>
+              </a:ext>
+            </a:extLst>
+          </a:blip>
+          <a:stretch>
+            <a:fillRect/>
+          </a:stretch>
+        </p:blipFill>
+        <p:spPr>
+          <a:xfrm>
+            <a:off x="35864800" y="14711369"/>
+            <a:ext cx="7255721" cy="8304232"/>
+          </a:xfrm>
+          <a:prstGeom prst="rect">
+            <a:avLst/>
+          </a:prstGeom>
+        </p:spPr>
+      </p:pic>
+      <p:sp>
+        <p:nvSpPr>
+          <p:cNvPr id="43" name="TextBox 42">
+            <a:extLst>
+              <a:ext uri="{FF2B5EF4-FFF2-40B4-BE49-F238E27FC236}">
+                <a16:creationId xmlns:a16="http://schemas.microsoft.com/office/drawing/2014/main" xmlns="" id="{5DAC9B42-A965-2E4B-9E51-395D6D01FD7B}"/>
+              </a:ext>
+            </a:extLst>
+          </p:cNvPr>
+          <p:cNvSpPr txBox="1"/>
+          <p:nvPr/>
+        </p:nvSpPr>
+        <p:spPr>
+          <a:xfrm>
+            <a:off x="30470061" y="13359601"/>
+            <a:ext cx="5831619" cy="3970318"/>
+          </a:xfrm>
+          <a:prstGeom prst="rect">
+            <a:avLst/>
+          </a:prstGeom>
+          <a:noFill/>
+        </p:spPr>
+        <p:txBody>
+          <a:bodyPr wrap="square" rtlCol="0">
+            <a:spAutoFit/>
+          </a:bodyPr>
+          <a:lstStyle/>
+          <a:p>
+            <a:r>
+              <a:rPr lang="en-US" sz="2800" b="1" dirty="0"/>
+              <a:t>Figure 3</a:t>
+            </a:r>
+            <a:r>
+              <a:rPr lang="en-US" sz="2800" dirty="0"/>
+              <a:t>: The prediction accuracy for the routers in each network. Our approach achieves a high prediction accuracy (&gt;85%) for the majority of routers. Without our placeholders optimization, this accuracy is 5% lower. </a:t>
+            </a:r>
+          </a:p>
+          <a:p>
+            <a:endParaRPr lang="en-US" sz="2800" b="1" dirty="0"/>
+          </a:p>
+        </p:txBody>
+      </p:sp>
+      <p:sp>
+        <p:nvSpPr>
+          <p:cNvPr id="44" name="TextBox 43">
+            <a:extLst>
+              <a:ext uri="{FF2B5EF4-FFF2-40B4-BE49-F238E27FC236}">
+                <a16:creationId xmlns:a16="http://schemas.microsoft.com/office/drawing/2014/main" xmlns="" id="{1BC94FAF-F442-FA46-AD71-53749FA6AB04}"/>
+              </a:ext>
+            </a:extLst>
+          </p:cNvPr>
+          <p:cNvSpPr txBox="1"/>
+          <p:nvPr/>
+        </p:nvSpPr>
+        <p:spPr>
+          <a:xfrm>
+            <a:off x="30412631" y="17713165"/>
+            <a:ext cx="4813704" cy="4339650"/>
+          </a:xfrm>
+          <a:prstGeom prst="rect">
+            <a:avLst/>
+          </a:prstGeom>
+          <a:noFill/>
+        </p:spPr>
+        <p:txBody>
+          <a:bodyPr wrap="square" rtlCol="0">
+            <a:spAutoFit/>
+          </a:bodyPr>
+          <a:lstStyle/>
+          <a:p>
+            <a:r>
+              <a:rPr lang="en-US" sz="2800" b="1" dirty="0"/>
+              <a:t>Figure 5 (Right)</a:t>
+            </a:r>
+            <a:r>
+              <a:rPr lang="en-US" sz="2800" dirty="0"/>
+              <a:t>:  Training on more devices results in higher accuracies. However, training on more devices has diminishing re- turns, because additional devices play the same role as existing devices, and hence are very similar.</a:t>
+            </a:r>
+          </a:p>
+          <a:p>
+            <a:endParaRPr lang="en-US" sz="2400" b="1" dirty="0"/>
+          </a:p>
+        </p:txBody>
+      </p:sp>
+      <p:sp>
+        <p:nvSpPr>
+          <p:cNvPr id="47" name="TextBox 46">
+            <a:extLst>
+              <a:ext uri="{FF2B5EF4-FFF2-40B4-BE49-F238E27FC236}">
+                <a16:creationId xmlns:a16="http://schemas.microsoft.com/office/drawing/2014/main" xmlns="" id="{D10EC450-98A6-A14B-A4F9-F634878E3EFE}"/>
+              </a:ext>
+            </a:extLst>
+          </p:cNvPr>
+          <p:cNvSpPr txBox="1"/>
+          <p:nvPr/>
+        </p:nvSpPr>
+        <p:spPr>
+          <a:xfrm>
+            <a:off x="36986671" y="13353584"/>
+            <a:ext cx="5636295" cy="1815882"/>
+          </a:xfrm>
+          <a:prstGeom prst="rect">
+            <a:avLst/>
+          </a:prstGeom>
+          <a:noFill/>
+        </p:spPr>
+        <p:txBody>
+          <a:bodyPr wrap="square" rtlCol="0">
+            <a:spAutoFit/>
+          </a:bodyPr>
+          <a:lstStyle/>
+          <a:p>
+            <a:r>
+              <a:rPr lang="en-US" sz="2800" b="1" dirty="0"/>
+              <a:t>Figure 4</a:t>
+            </a:r>
+            <a:r>
+              <a:rPr lang="en-US" sz="2800" dirty="0"/>
+              <a:t>: Our framework does not require a long history of configurations to achieve reasonable accuracy. </a:t>
+            </a:r>
+          </a:p>
+        </p:txBody>
+      </p:sp>
+      <p:sp>
+        <p:nvSpPr>
+          <p:cNvPr id="58" name="Content Placeholder 14">
+            <a:extLst>
+              <a:ext uri="{FF2B5EF4-FFF2-40B4-BE49-F238E27FC236}">
+                <a16:creationId xmlns:a16="http://schemas.microsoft.com/office/drawing/2014/main" xmlns="" id="{53153977-76FF-3649-9E56-5A02CD01D677}"/>
+              </a:ext>
+            </a:extLst>
+          </p:cNvPr>
+          <p:cNvSpPr txBox="1">
+            <a:spLocks/>
+          </p:cNvSpPr>
+          <p:nvPr/>
+        </p:nvSpPr>
+        <p:spPr>
+          <a:xfrm>
+            <a:off x="2014617" y="30868475"/>
+            <a:ext cx="12262817" cy="1125744"/>
+          </a:xfrm>
+          <a:prstGeom prst="rect">
+            <a:avLst/>
+          </a:prstGeom>
+        </p:spPr>
+        <p:txBody>
+          <a:bodyPr vert="horz" lIns="91440" tIns="182880" rIns="91440" bIns="45720" rtlCol="0">
+            <a:noAutofit/>
+          </a:bodyPr>
+          <a:lstStyle>
+            <a:lvl1pPr marL="457200" indent="-457200" algn="l" defTabSz="4389120" rtl="0" eaLnBrk="1" latinLnBrk="0" hangingPunct="1">
+              <a:lnSpc>
+                <a:spcPct val="100000"/>
+              </a:lnSpc>
+              <a:spcBef>
+                <a:spcPts val="1200"/>
+              </a:spcBef>
+              <a:buClr>
+                <a:schemeClr val="accent2"/>
+              </a:buClr>
+              <a:buFont typeface="Arial" panose="020B0604020202020204" pitchFamily="34" charset="0"/>
+              <a:buChar char="•"/>
+              <a:defRPr sz="2800" kern="1200" baseline="0">
+                <a:solidFill>
+                  <a:schemeClr val="tx1"/>
+                </a:solidFill>
+                <a:latin typeface="+mn-lt"/>
+                <a:ea typeface="+mn-ea"/>
+                <a:cs typeface="+mn-cs"/>
+              </a:defRPr>
+            </a:lvl1pPr>
+            <a:lvl2pPr marL="1097280" indent="-457200" algn="l" defTabSz="4389120" rtl="0" eaLnBrk="1" latinLnBrk="0" hangingPunct="1">
+              <a:lnSpc>
+                <a:spcPct val="100000"/>
+              </a:lnSpc>
+              <a:spcBef>
+                <a:spcPts val="1200"/>
+              </a:spcBef>
+              <a:buClr>
+                <a:schemeClr val="accent2"/>
+              </a:buClr>
+              <a:buFont typeface="Arial" panose="020B0604020202020204" pitchFamily="34" charset="0"/>
+              <a:buChar char="•"/>
+              <a:defRPr sz="2400" kern="1200">
+                <a:solidFill>
+                  <a:schemeClr val="tx1"/>
+                </a:solidFill>
+                <a:latin typeface="+mn-lt"/>
+                <a:ea typeface="+mn-ea"/>
+                <a:cs typeface="+mn-cs"/>
+              </a:defRPr>
+            </a:lvl2pPr>
+            <a:lvl3pPr marL="1097280" indent="-457200" algn="l" defTabSz="4389120" rtl="0" eaLnBrk="1" latinLnBrk="0" hangingPunct="1">
+              <a:lnSpc>
+                <a:spcPct val="100000"/>
+              </a:lnSpc>
+              <a:spcBef>
+                <a:spcPts val="1200"/>
+              </a:spcBef>
+              <a:buClr>
+                <a:schemeClr val="accent2"/>
+              </a:buClr>
+              <a:buFont typeface="Arial" panose="020B0604020202020204" pitchFamily="34" charset="0"/>
+              <a:buChar char="•"/>
+              <a:defRPr sz="2400" kern="1200">
+                <a:solidFill>
+                  <a:schemeClr val="tx1"/>
+                </a:solidFill>
+                <a:latin typeface="+mn-lt"/>
+                <a:ea typeface="+mn-ea"/>
+                <a:cs typeface="+mn-cs"/>
+              </a:defRPr>
+            </a:lvl3pPr>
+            <a:lvl4pPr marL="1097280" indent="-457200" algn="l" defTabSz="4389120" rtl="0" eaLnBrk="1" latinLnBrk="0" hangingPunct="1">
+              <a:lnSpc>
+                <a:spcPct val="100000"/>
+              </a:lnSpc>
+              <a:spcBef>
+                <a:spcPts val="1200"/>
+              </a:spcBef>
+              <a:buClr>
+                <a:schemeClr val="accent2"/>
+              </a:buClr>
+              <a:buFont typeface="Arial" panose="020B0604020202020204" pitchFamily="34" charset="0"/>
+              <a:buChar char="•"/>
+              <a:defRPr sz="2400" kern="1200">
+                <a:solidFill>
+                  <a:schemeClr val="tx1"/>
+                </a:solidFill>
+                <a:latin typeface="+mn-lt"/>
+                <a:ea typeface="+mn-ea"/>
+                <a:cs typeface="+mn-cs"/>
+              </a:defRPr>
+            </a:lvl4pPr>
+            <a:lvl5pPr marL="1097280" indent="-457200" algn="l" defTabSz="4389120" rtl="0" eaLnBrk="1" latinLnBrk="0" hangingPunct="1">
+              <a:lnSpc>
+                <a:spcPct val="100000"/>
+              </a:lnSpc>
+              <a:spcBef>
+                <a:spcPts val="1200"/>
+              </a:spcBef>
+              <a:buClr>
+                <a:schemeClr val="accent2"/>
+              </a:buClr>
+              <a:buFont typeface="Arial" panose="020B0604020202020204" pitchFamily="34" charset="0"/>
+              <a:buChar char="•"/>
+              <a:defRPr sz="2400" kern="1200">
+                <a:solidFill>
+                  <a:schemeClr val="tx1"/>
+                </a:solidFill>
+                <a:latin typeface="+mn-lt"/>
+                <a:ea typeface="+mn-ea"/>
+                <a:cs typeface="+mn-cs"/>
+              </a:defRPr>
+            </a:lvl5pPr>
+            <a:lvl6pPr marL="1097280" indent="-457200" algn="l" defTabSz="4389120" rtl="0" eaLnBrk="1" latinLnBrk="0" hangingPunct="1">
+              <a:lnSpc>
+                <a:spcPct val="100000"/>
+              </a:lnSpc>
+              <a:spcBef>
+                <a:spcPts val="1200"/>
+              </a:spcBef>
+              <a:buClr>
+                <a:schemeClr val="accent2"/>
+              </a:buClr>
+              <a:buFont typeface="Arial" panose="020B0604020202020204" pitchFamily="34" charset="0"/>
+              <a:buChar char="•"/>
+              <a:defRPr sz="2400" kern="1200">
+                <a:solidFill>
+                  <a:schemeClr val="tx1"/>
+                </a:solidFill>
+                <a:latin typeface="+mn-lt"/>
+                <a:ea typeface="+mn-ea"/>
+                <a:cs typeface="+mn-cs"/>
+              </a:defRPr>
+            </a:lvl6pPr>
+            <a:lvl7pPr marL="1097280" indent="-457200" algn="l" defTabSz="4389120" rtl="0" eaLnBrk="1" latinLnBrk="0" hangingPunct="1">
+              <a:lnSpc>
+                <a:spcPct val="100000"/>
+              </a:lnSpc>
+              <a:spcBef>
+                <a:spcPts val="1200"/>
+              </a:spcBef>
+              <a:buClr>
+                <a:schemeClr val="accent2"/>
+              </a:buClr>
+              <a:buFont typeface="Arial" panose="020B0604020202020204" pitchFamily="34" charset="0"/>
+              <a:buChar char="•"/>
+              <a:defRPr sz="2400" kern="1200">
+                <a:solidFill>
+                  <a:schemeClr val="tx1"/>
+                </a:solidFill>
+                <a:latin typeface="+mn-lt"/>
+                <a:ea typeface="+mn-ea"/>
+                <a:cs typeface="+mn-cs"/>
+              </a:defRPr>
+            </a:lvl7pPr>
+            <a:lvl8pPr marL="1097280" indent="-457200" algn="l" defTabSz="4389120" rtl="0" eaLnBrk="1" latinLnBrk="0" hangingPunct="1">
+              <a:lnSpc>
+                <a:spcPct val="100000"/>
+              </a:lnSpc>
+              <a:spcBef>
+                <a:spcPts val="1200"/>
+              </a:spcBef>
+              <a:buClr>
+                <a:schemeClr val="accent2"/>
+              </a:buClr>
+              <a:buFont typeface="Arial" panose="020B0604020202020204" pitchFamily="34" charset="0"/>
+              <a:buChar char="•"/>
+              <a:defRPr sz="2400" kern="1200">
+                <a:solidFill>
+                  <a:schemeClr val="tx1"/>
+                </a:solidFill>
+                <a:latin typeface="+mn-lt"/>
+                <a:ea typeface="+mn-ea"/>
+                <a:cs typeface="+mn-cs"/>
+              </a:defRPr>
+            </a:lvl8pPr>
+            <a:lvl9pPr marL="1097280" indent="-457200" algn="l" defTabSz="4389120" rtl="0" eaLnBrk="1" latinLnBrk="0" hangingPunct="1">
+              <a:lnSpc>
+                <a:spcPct val="100000"/>
+              </a:lnSpc>
+              <a:spcBef>
+                <a:spcPts val="1200"/>
+              </a:spcBef>
+              <a:buClr>
+                <a:schemeClr val="accent2"/>
+              </a:buClr>
+              <a:buFont typeface="Arial" panose="020B0604020202020204" pitchFamily="34" charset="0"/>
+              <a:buChar char="•"/>
+              <a:defRPr sz="2400" kern="1200">
+                <a:solidFill>
+                  <a:schemeClr val="tx1"/>
+                </a:solidFill>
+                <a:latin typeface="+mn-lt"/>
+                <a:ea typeface="+mn-ea"/>
+                <a:cs typeface="+mn-cs"/>
+              </a:defRPr>
+            </a:lvl9pPr>
+          </a:lstStyle>
+          <a:p>
+            <a:pPr marL="0" indent="0" algn="ctr">
+              <a:buFont typeface="Arial" panose="020B0604020202020204" pitchFamily="34" charset="0"/>
+              <a:buNone/>
+            </a:pPr>
+            <a:r>
+              <a:rPr lang="en-US" b="1" dirty="0"/>
+              <a:t>Figure 1</a:t>
+            </a:r>
+            <a:r>
+              <a:rPr lang="en-US" dirty="0"/>
+              <a:t>: Token and statement similarity for University-A. Almost all configurations were composed of the same set of unique tokens.</a:t>
+            </a:r>
+          </a:p>
+        </p:txBody>
+      </p:sp>
+      <p:pic>
+        <p:nvPicPr>
+          <p:cNvPr id="59" name="Picture 58">
+            <a:extLst>
+              <a:ext uri="{FF2B5EF4-FFF2-40B4-BE49-F238E27FC236}">
+                <a16:creationId xmlns:a16="http://schemas.microsoft.com/office/drawing/2014/main" xmlns="" id="{57E7F990-BAF4-6E41-B55F-E8BC8D4051AB}"/>
+              </a:ext>
+            </a:extLst>
+          </p:cNvPr>
+          <p:cNvPicPr>
+            <a:picLocks noChangeAspect="1"/>
+          </p:cNvPicPr>
+          <p:nvPr/>
+        </p:nvPicPr>
+        <p:blipFill>
+          <a:blip r:embed="rId6">
+            <a:extLst>
+              <a:ext uri="{28A0092B-C50C-407E-A947-70E740481C1C}">
+                <a14:useLocalDpi xmlns:a14="http://schemas.microsoft.com/office/drawing/2010/main" val="0"/>
+              </a:ext>
+            </a:extLst>
+          </a:blip>
+          <a:stretch>
+            <a:fillRect/>
+          </a:stretch>
+        </p:blipFill>
+        <p:spPr>
+          <a:xfrm>
+            <a:off x="1422792" y="22298349"/>
+            <a:ext cx="12918482" cy="7980632"/>
+          </a:xfrm>
+          <a:prstGeom prst="rect">
+            <a:avLst/>
+          </a:prstGeom>
+        </p:spPr>
+      </p:pic>
+      <p:sp>
+        <p:nvSpPr>
           <p:cNvPr id="69" name="Text Placeholder 6">
             <a:extLst>
               <a:ext uri="{FF2B5EF4-FFF2-40B4-BE49-F238E27FC236}">
@@ -18768,7 +19400,7 @@
         </p:nvSpPr>
         <p:spPr>
           <a:xfrm>
-            <a:off x="15908304" y="5852160"/>
+            <a:off x="15992064" y="5377690"/>
             <a:ext cx="12801600" cy="1219200"/>
           </a:xfrm>
           <a:prstGeom prst="round1Rect">
@@ -18981,751 +19613,6 @@
           </a:p>
         </p:txBody>
       </p:sp>
-      <p:sp>
-        <p:nvSpPr>
-          <p:cNvPr id="4" name="Title 3"/>
-          <p:cNvSpPr>
-            <a:spLocks noGrp="1"/>
-          </p:cNvSpPr>
-          <p:nvPr>
-            <p:ph type="title"/>
-          </p:nvPr>
-        </p:nvSpPr>
-        <p:spPr>
-          <a:xfrm>
-            <a:off x="6400800" y="328630"/>
-            <a:ext cx="31089600" cy="2514540"/>
-          </a:xfrm>
-        </p:spPr>
-        <p:txBody>
-          <a:bodyPr>
-            <a:noAutofit/>
-          </a:bodyPr>
-          <a:lstStyle/>
-          <a:p>
-            <a:r>
-              <a:rPr lang="en-US" sz="9600" dirty="0"/>
-              <a:t>Auto-completion for Network Configurations</a:t>
-            </a:r>
-          </a:p>
-        </p:txBody>
-      </p:sp>
-      <p:sp>
-        <p:nvSpPr>
-          <p:cNvPr id="5" name="Text Placeholder 4"/>
-          <p:cNvSpPr>
-            <a:spLocks noGrp="1"/>
-          </p:cNvSpPr>
-          <p:nvPr>
-            <p:ph type="body" sz="quarter" idx="13"/>
-          </p:nvPr>
-        </p:nvSpPr>
-        <p:spPr/>
-        <p:txBody>
-          <a:bodyPr/>
-          <a:lstStyle/>
-          <a:p>
-            <a:r>
-              <a:rPr lang="en-US" dirty="0"/>
-              <a:t>Introduction</a:t>
-            </a:r>
-          </a:p>
-        </p:txBody>
-      </p:sp>
-      <p:sp>
-        <p:nvSpPr>
-          <p:cNvPr id="11" name="Content Placeholder 10"/>
-          <p:cNvSpPr>
-            <a:spLocks noGrp="1"/>
-          </p:cNvSpPr>
-          <p:nvPr>
-            <p:ph sz="quarter" idx="24"/>
-          </p:nvPr>
-        </p:nvSpPr>
-        <p:spPr>
-          <a:xfrm>
-            <a:off x="1261309" y="12273074"/>
-            <a:ext cx="12107781" cy="2674369"/>
-          </a:xfrm>
-        </p:spPr>
-        <p:txBody>
-          <a:bodyPr>
-            <a:noAutofit/>
-          </a:bodyPr>
-          <a:lstStyle/>
-          <a:p>
-            <a:r>
-              <a:rPr lang="en-US" sz="2800" dirty="0"/>
-              <a:t>State of the art tools offer simple tab-completion and preset templates</a:t>
-            </a:r>
-          </a:p>
-          <a:p>
-            <a:r>
-              <a:rPr lang="en-US" sz="2800" dirty="0"/>
-              <a:t>We predict a code completion engine would offer better resilience to human errors</a:t>
-            </a:r>
-          </a:p>
-          <a:p>
-            <a:endParaRPr lang="en-US" sz="2800" dirty="0"/>
-          </a:p>
-          <a:p>
-            <a:endParaRPr lang="en-US" sz="2800" dirty="0"/>
-          </a:p>
-        </p:txBody>
-      </p:sp>
-      <p:sp>
-        <p:nvSpPr>
-          <p:cNvPr id="7" name="Text Placeholder 6"/>
-          <p:cNvSpPr>
-            <a:spLocks noGrp="1"/>
-          </p:cNvSpPr>
-          <p:nvPr>
-            <p:ph type="body" sz="quarter" idx="17"/>
-          </p:nvPr>
-        </p:nvSpPr>
-        <p:spPr>
-          <a:xfrm>
-            <a:off x="1435894" y="15551406"/>
-            <a:ext cx="12801600" cy="1219200"/>
-          </a:xfrm>
-        </p:spPr>
-        <p:txBody>
-          <a:bodyPr/>
-          <a:lstStyle/>
-          <a:p>
-            <a:r>
-              <a:rPr lang="en-US" dirty="0"/>
-              <a:t>Feasibility analysis</a:t>
-            </a:r>
-          </a:p>
-        </p:txBody>
-      </p:sp>
-      <p:sp>
-        <p:nvSpPr>
-          <p:cNvPr id="56" name="Content Placeholder 55">
-            <a:extLst>
-              <a:ext uri="{FF2B5EF4-FFF2-40B4-BE49-F238E27FC236}">
-                <a16:creationId xmlns:a16="http://schemas.microsoft.com/office/drawing/2014/main" xmlns="" id="{D2B8C290-3994-9B4E-A1E5-40D781DA7147}"/>
-              </a:ext>
-            </a:extLst>
-          </p:cNvPr>
-          <p:cNvSpPr>
-            <a:spLocks noGrp="1"/>
-          </p:cNvSpPr>
-          <p:nvPr>
-            <p:ph sz="quarter" idx="25"/>
-          </p:nvPr>
-        </p:nvSpPr>
-        <p:spPr>
-          <a:xfrm>
-            <a:off x="1143000" y="17314801"/>
-            <a:ext cx="12801600" cy="4936178"/>
-          </a:xfrm>
-        </p:spPr>
-        <p:txBody>
-          <a:bodyPr>
-            <a:normAutofit/>
-          </a:bodyPr>
-          <a:lstStyle/>
-          <a:p>
-            <a:r>
-              <a:rPr lang="en-US" sz="2800" dirty="0"/>
-              <a:t>Previous measurement studies have revealed extensive use of templates in network </a:t>
-            </a:r>
-            <a:r>
-              <a:rPr lang="en-US" sz="2800" dirty="0" smtClean="0"/>
-              <a:t>configurations [1]</a:t>
-            </a:r>
-            <a:endParaRPr lang="en-US" sz="2800" dirty="0"/>
-          </a:p>
-          <a:p>
-            <a:r>
-              <a:rPr lang="en-US" sz="2800" dirty="0"/>
-              <a:t>Our observations indicate that most of a device’s configuration could be constructed from existing configurations</a:t>
-            </a:r>
-          </a:p>
-          <a:p>
-            <a:r>
-              <a:rPr lang="en-US" sz="2800" dirty="0"/>
-              <a:t>Our prediction engine thus constructs a model from histories of configurations</a:t>
-            </a:r>
-          </a:p>
-          <a:p>
-            <a:pPr marL="0" indent="0">
-              <a:buNone/>
-            </a:pPr>
-            <a:endParaRPr lang="en-US" sz="2800" dirty="0"/>
-          </a:p>
-        </p:txBody>
-      </p:sp>
-      <p:sp>
-        <p:nvSpPr>
-          <p:cNvPr id="18" name="Text Placeholder 17"/>
-          <p:cNvSpPr>
-            <a:spLocks noGrp="1"/>
-          </p:cNvSpPr>
-          <p:nvPr>
-            <p:ph type="body" sz="quarter" idx="29"/>
-          </p:nvPr>
-        </p:nvSpPr>
-        <p:spPr>
-          <a:xfrm>
-            <a:off x="15892103" y="11925176"/>
-            <a:ext cx="12801600" cy="1219200"/>
-          </a:xfrm>
-        </p:spPr>
-        <p:txBody>
-          <a:bodyPr/>
-          <a:lstStyle/>
-          <a:p>
-            <a:r>
-              <a:rPr lang="en-US" dirty="0"/>
-              <a:t>placeholders</a:t>
-            </a:r>
-          </a:p>
-        </p:txBody>
-      </p:sp>
-      <p:pic>
-        <p:nvPicPr>
-          <p:cNvPr id="26" name="Content Placeholder 25">
-            <a:extLst>
-              <a:ext uri="{FF2B5EF4-FFF2-40B4-BE49-F238E27FC236}">
-                <a16:creationId xmlns:a16="http://schemas.microsoft.com/office/drawing/2014/main" xmlns="" id="{B4AADA20-9EC6-694F-BFAC-033242EDA257}"/>
-              </a:ext>
-            </a:extLst>
-          </p:cNvPr>
-          <p:cNvPicPr>
-            <a:picLocks noGrp="1" noChangeAspect="1"/>
-          </p:cNvPicPr>
-          <p:nvPr>
-            <p:ph sz="quarter" idx="30"/>
-          </p:nvPr>
-        </p:nvPicPr>
-        <p:blipFill>
-          <a:blip r:embed="rId5">
-            <a:extLst>
-              <a:ext uri="{28A0092B-C50C-407E-A947-70E740481C1C}">
-                <a14:useLocalDpi xmlns:a14="http://schemas.microsoft.com/office/drawing/2010/main" val="0"/>
-              </a:ext>
-            </a:extLst>
-          </a:blip>
-          <a:stretch>
-            <a:fillRect/>
-          </a:stretch>
-        </p:blipFill>
-        <p:spPr>
-          <a:xfrm>
-            <a:off x="29900880" y="7344462"/>
-            <a:ext cx="6629083" cy="5303266"/>
-          </a:xfrm>
-        </p:spPr>
-      </p:pic>
-      <p:sp>
-        <p:nvSpPr>
-          <p:cNvPr id="21" name="Text Placeholder 20"/>
-          <p:cNvSpPr>
-            <a:spLocks noGrp="1"/>
-          </p:cNvSpPr>
-          <p:nvPr>
-            <p:ph type="body" sz="quarter" idx="31"/>
-          </p:nvPr>
-        </p:nvSpPr>
-        <p:spPr/>
-        <p:txBody>
-          <a:bodyPr/>
-          <a:lstStyle/>
-          <a:p>
-            <a:r>
-              <a:rPr lang="en-US" dirty="0"/>
-              <a:t>Results</a:t>
-            </a:r>
-          </a:p>
-        </p:txBody>
-      </p:sp>
-      <p:sp>
-        <p:nvSpPr>
-          <p:cNvPr id="23" name="Text Placeholder 22"/>
-          <p:cNvSpPr>
-            <a:spLocks noGrp="1"/>
-          </p:cNvSpPr>
-          <p:nvPr>
-            <p:ph type="body" sz="quarter" idx="34"/>
-          </p:nvPr>
-        </p:nvSpPr>
-        <p:spPr>
-          <a:xfrm>
-            <a:off x="29821367" y="23765604"/>
-            <a:ext cx="12801600" cy="1219200"/>
-          </a:xfrm>
-        </p:spPr>
-        <p:txBody>
-          <a:bodyPr/>
-          <a:lstStyle/>
-          <a:p>
-            <a:r>
-              <a:rPr lang="en-US" dirty="0"/>
-              <a:t>Future work</a:t>
-            </a:r>
-          </a:p>
-        </p:txBody>
-      </p:sp>
-      <p:sp>
-        <p:nvSpPr>
-          <p:cNvPr id="43" name="TextBox 42">
-            <a:extLst>
-              <a:ext uri="{FF2B5EF4-FFF2-40B4-BE49-F238E27FC236}">
-                <a16:creationId xmlns:a16="http://schemas.microsoft.com/office/drawing/2014/main" xmlns="" id="{5DAC9B42-A965-2E4B-9E51-395D6D01FD7B}"/>
-              </a:ext>
-            </a:extLst>
-          </p:cNvPr>
-          <p:cNvSpPr txBox="1"/>
-          <p:nvPr/>
-        </p:nvSpPr>
-        <p:spPr>
-          <a:xfrm>
-            <a:off x="30549693" y="12744569"/>
-            <a:ext cx="5360100" cy="3108543"/>
-          </a:xfrm>
-          <a:prstGeom prst="rect">
-            <a:avLst/>
-          </a:prstGeom>
-          <a:noFill/>
-        </p:spPr>
-        <p:txBody>
-          <a:bodyPr wrap="square" rtlCol="0">
-            <a:spAutoFit/>
-          </a:bodyPr>
-          <a:lstStyle/>
-          <a:p>
-            <a:r>
-              <a:rPr lang="en-US" sz="2800" b="1" dirty="0"/>
-              <a:t>Figure </a:t>
-            </a:r>
-            <a:r>
-              <a:rPr lang="en-US" sz="2800" b="1" dirty="0" smtClean="0"/>
-              <a:t>3</a:t>
-            </a:r>
-            <a:r>
-              <a:rPr lang="en-US" sz="2800" dirty="0" smtClean="0"/>
-              <a:t>: Our </a:t>
-            </a:r>
-            <a:r>
-              <a:rPr lang="en-US" sz="2800" dirty="0"/>
-              <a:t>approach achieves a high prediction accuracy (&gt;85%) for the majority of routers. Without our placeholders optimization, this accuracy is 5% lower. </a:t>
-            </a:r>
-          </a:p>
-          <a:p>
-            <a:endParaRPr lang="en-US" sz="2800" b="1" dirty="0"/>
-          </a:p>
-        </p:txBody>
-      </p:sp>
-      <p:sp>
-        <p:nvSpPr>
-          <p:cNvPr id="44" name="TextBox 43">
-            <a:extLst>
-              <a:ext uri="{FF2B5EF4-FFF2-40B4-BE49-F238E27FC236}">
-                <a16:creationId xmlns:a16="http://schemas.microsoft.com/office/drawing/2014/main" xmlns="" id="{1BC94FAF-F442-FA46-AD71-53749FA6AB04}"/>
-              </a:ext>
-            </a:extLst>
-          </p:cNvPr>
-          <p:cNvSpPr txBox="1"/>
-          <p:nvPr/>
-        </p:nvSpPr>
-        <p:spPr>
-          <a:xfrm>
-            <a:off x="30549694" y="17639990"/>
-            <a:ext cx="5548956" cy="3908762"/>
-          </a:xfrm>
-          <a:prstGeom prst="rect">
-            <a:avLst/>
-          </a:prstGeom>
-          <a:noFill/>
-        </p:spPr>
-        <p:txBody>
-          <a:bodyPr wrap="square" rtlCol="0">
-            <a:spAutoFit/>
-          </a:bodyPr>
-          <a:lstStyle/>
-          <a:p>
-            <a:r>
-              <a:rPr lang="en-US" sz="2800" b="1" dirty="0"/>
-              <a:t>Figure </a:t>
-            </a:r>
-            <a:r>
-              <a:rPr lang="en-US" sz="2800" b="1" dirty="0" smtClean="0"/>
-              <a:t>5 </a:t>
-            </a:r>
-            <a:r>
-              <a:rPr lang="en-US" sz="2800" b="1" dirty="0" smtClean="0"/>
-              <a:t>(Right</a:t>
-            </a:r>
-            <a:r>
-              <a:rPr lang="en-US" sz="2800" b="1" dirty="0"/>
-              <a:t>)</a:t>
-            </a:r>
-            <a:r>
-              <a:rPr lang="en-US" sz="2800" dirty="0"/>
-              <a:t>:  Training on more devices results in higher accuracies. However, training on more devices has diminishing re- turns, because additional devices play the same role as existing devices, and hence are very similar.</a:t>
-            </a:r>
-          </a:p>
-          <a:p>
-            <a:endParaRPr lang="en-US" sz="2400" b="1" dirty="0"/>
-          </a:p>
-        </p:txBody>
-      </p:sp>
-      <p:pic>
-        <p:nvPicPr>
-          <p:cNvPr id="46" name="Picture 45">
-            <a:extLst>
-              <a:ext uri="{FF2B5EF4-FFF2-40B4-BE49-F238E27FC236}">
-                <a16:creationId xmlns:a16="http://schemas.microsoft.com/office/drawing/2014/main" xmlns="" id="{B367DB67-8216-AF48-98CF-E9D59512777D}"/>
-              </a:ext>
-            </a:extLst>
-          </p:cNvPr>
-          <p:cNvPicPr>
-            <a:picLocks noChangeAspect="1"/>
-          </p:cNvPicPr>
-          <p:nvPr/>
-        </p:nvPicPr>
-        <p:blipFill>
-          <a:blip r:embed="rId6">
-            <a:extLst>
-              <a:ext uri="{28A0092B-C50C-407E-A947-70E740481C1C}">
-                <a14:useLocalDpi xmlns:a14="http://schemas.microsoft.com/office/drawing/2010/main" val="0"/>
-              </a:ext>
-            </a:extLst>
-          </a:blip>
-          <a:stretch>
-            <a:fillRect/>
-          </a:stretch>
-        </p:blipFill>
-        <p:spPr>
-          <a:xfrm>
-            <a:off x="36088240" y="7487088"/>
-            <a:ext cx="7314169" cy="5125257"/>
-          </a:xfrm>
-          <a:prstGeom prst="rect">
-            <a:avLst/>
-          </a:prstGeom>
-        </p:spPr>
-      </p:pic>
-      <p:sp>
-        <p:nvSpPr>
-          <p:cNvPr id="47" name="TextBox 46">
-            <a:extLst>
-              <a:ext uri="{FF2B5EF4-FFF2-40B4-BE49-F238E27FC236}">
-                <a16:creationId xmlns:a16="http://schemas.microsoft.com/office/drawing/2014/main" xmlns="" id="{D10EC450-98A6-A14B-A4F9-F634878E3EFE}"/>
-              </a:ext>
-            </a:extLst>
-          </p:cNvPr>
-          <p:cNvSpPr txBox="1"/>
-          <p:nvPr/>
-        </p:nvSpPr>
-        <p:spPr>
-          <a:xfrm>
-            <a:off x="36900465" y="12743590"/>
-            <a:ext cx="5722502" cy="1815882"/>
-          </a:xfrm>
-          <a:prstGeom prst="rect">
-            <a:avLst/>
-          </a:prstGeom>
-          <a:noFill/>
-        </p:spPr>
-        <p:txBody>
-          <a:bodyPr wrap="square" rtlCol="0">
-            <a:spAutoFit/>
-          </a:bodyPr>
-          <a:lstStyle/>
-          <a:p>
-            <a:r>
-              <a:rPr lang="en-US" sz="2800" b="1" dirty="0"/>
-              <a:t>Figure </a:t>
-            </a:r>
-            <a:r>
-              <a:rPr lang="en-US" sz="2800" b="1" dirty="0" smtClean="0"/>
-              <a:t>4</a:t>
-            </a:r>
-            <a:r>
-              <a:rPr lang="en-US" sz="2800" dirty="0" smtClean="0"/>
-              <a:t>: </a:t>
-            </a:r>
-            <a:r>
-              <a:rPr lang="en-US" sz="2800" dirty="0"/>
-              <a:t>Our framework does not require a long history of configurations to achieve reasonable accuracy. </a:t>
-            </a:r>
-          </a:p>
-        </p:txBody>
-      </p:sp>
-      <p:sp>
-        <p:nvSpPr>
-          <p:cNvPr id="58" name="Content Placeholder 14">
-            <a:extLst>
-              <a:ext uri="{FF2B5EF4-FFF2-40B4-BE49-F238E27FC236}">
-                <a16:creationId xmlns:a16="http://schemas.microsoft.com/office/drawing/2014/main" xmlns="" id="{53153977-76FF-3649-9E56-5A02CD01D677}"/>
-              </a:ext>
-            </a:extLst>
-          </p:cNvPr>
-          <p:cNvSpPr txBox="1">
-            <a:spLocks/>
-          </p:cNvSpPr>
-          <p:nvPr/>
-        </p:nvSpPr>
-        <p:spPr>
-          <a:xfrm>
-            <a:off x="1258705" y="29784136"/>
-            <a:ext cx="12661106" cy="1303867"/>
-          </a:xfrm>
-          <a:prstGeom prst="rect">
-            <a:avLst/>
-          </a:prstGeom>
-        </p:spPr>
-        <p:txBody>
-          <a:bodyPr vert="horz" lIns="91440" tIns="182880" rIns="91440" bIns="45720" rtlCol="0">
-            <a:noAutofit/>
-          </a:bodyPr>
-          <a:lstStyle>
-            <a:lvl1pPr marL="457200" indent="-457200" algn="l" defTabSz="4389120" rtl="0" eaLnBrk="1" latinLnBrk="0" hangingPunct="1">
-              <a:lnSpc>
-                <a:spcPct val="100000"/>
-              </a:lnSpc>
-              <a:spcBef>
-                <a:spcPts val="1200"/>
-              </a:spcBef>
-              <a:buClr>
-                <a:schemeClr val="accent2"/>
-              </a:buClr>
-              <a:buFont typeface="Arial" panose="020B0604020202020204" pitchFamily="34" charset="0"/>
-              <a:buChar char="•"/>
-              <a:defRPr sz="2800" kern="1200" baseline="0">
-                <a:solidFill>
-                  <a:schemeClr val="tx1"/>
-                </a:solidFill>
-                <a:latin typeface="+mn-lt"/>
-                <a:ea typeface="+mn-ea"/>
-                <a:cs typeface="+mn-cs"/>
-              </a:defRPr>
-            </a:lvl1pPr>
-            <a:lvl2pPr marL="1097280" indent="-457200" algn="l" defTabSz="4389120" rtl="0" eaLnBrk="1" latinLnBrk="0" hangingPunct="1">
-              <a:lnSpc>
-                <a:spcPct val="100000"/>
-              </a:lnSpc>
-              <a:spcBef>
-                <a:spcPts val="1200"/>
-              </a:spcBef>
-              <a:buClr>
-                <a:schemeClr val="accent2"/>
-              </a:buClr>
-              <a:buFont typeface="Arial" panose="020B0604020202020204" pitchFamily="34" charset="0"/>
-              <a:buChar char="•"/>
-              <a:defRPr sz="2400" kern="1200">
-                <a:solidFill>
-                  <a:schemeClr val="tx1"/>
-                </a:solidFill>
-                <a:latin typeface="+mn-lt"/>
-                <a:ea typeface="+mn-ea"/>
-                <a:cs typeface="+mn-cs"/>
-              </a:defRPr>
-            </a:lvl2pPr>
-            <a:lvl3pPr marL="1097280" indent="-457200" algn="l" defTabSz="4389120" rtl="0" eaLnBrk="1" latinLnBrk="0" hangingPunct="1">
-              <a:lnSpc>
-                <a:spcPct val="100000"/>
-              </a:lnSpc>
-              <a:spcBef>
-                <a:spcPts val="1200"/>
-              </a:spcBef>
-              <a:buClr>
-                <a:schemeClr val="accent2"/>
-              </a:buClr>
-              <a:buFont typeface="Arial" panose="020B0604020202020204" pitchFamily="34" charset="0"/>
-              <a:buChar char="•"/>
-              <a:defRPr sz="2400" kern="1200">
-                <a:solidFill>
-                  <a:schemeClr val="tx1"/>
-                </a:solidFill>
-                <a:latin typeface="+mn-lt"/>
-                <a:ea typeface="+mn-ea"/>
-                <a:cs typeface="+mn-cs"/>
-              </a:defRPr>
-            </a:lvl3pPr>
-            <a:lvl4pPr marL="1097280" indent="-457200" algn="l" defTabSz="4389120" rtl="0" eaLnBrk="1" latinLnBrk="0" hangingPunct="1">
-              <a:lnSpc>
-                <a:spcPct val="100000"/>
-              </a:lnSpc>
-              <a:spcBef>
-                <a:spcPts val="1200"/>
-              </a:spcBef>
-              <a:buClr>
-                <a:schemeClr val="accent2"/>
-              </a:buClr>
-              <a:buFont typeface="Arial" panose="020B0604020202020204" pitchFamily="34" charset="0"/>
-              <a:buChar char="•"/>
-              <a:defRPr sz="2400" kern="1200">
-                <a:solidFill>
-                  <a:schemeClr val="tx1"/>
-                </a:solidFill>
-                <a:latin typeface="+mn-lt"/>
-                <a:ea typeface="+mn-ea"/>
-                <a:cs typeface="+mn-cs"/>
-              </a:defRPr>
-            </a:lvl4pPr>
-            <a:lvl5pPr marL="1097280" indent="-457200" algn="l" defTabSz="4389120" rtl="0" eaLnBrk="1" latinLnBrk="0" hangingPunct="1">
-              <a:lnSpc>
-                <a:spcPct val="100000"/>
-              </a:lnSpc>
-              <a:spcBef>
-                <a:spcPts val="1200"/>
-              </a:spcBef>
-              <a:buClr>
-                <a:schemeClr val="accent2"/>
-              </a:buClr>
-              <a:buFont typeface="Arial" panose="020B0604020202020204" pitchFamily="34" charset="0"/>
-              <a:buChar char="•"/>
-              <a:defRPr sz="2400" kern="1200">
-                <a:solidFill>
-                  <a:schemeClr val="tx1"/>
-                </a:solidFill>
-                <a:latin typeface="+mn-lt"/>
-                <a:ea typeface="+mn-ea"/>
-                <a:cs typeface="+mn-cs"/>
-              </a:defRPr>
-            </a:lvl5pPr>
-            <a:lvl6pPr marL="1097280" indent="-457200" algn="l" defTabSz="4389120" rtl="0" eaLnBrk="1" latinLnBrk="0" hangingPunct="1">
-              <a:lnSpc>
-                <a:spcPct val="100000"/>
-              </a:lnSpc>
-              <a:spcBef>
-                <a:spcPts val="1200"/>
-              </a:spcBef>
-              <a:buClr>
-                <a:schemeClr val="accent2"/>
-              </a:buClr>
-              <a:buFont typeface="Arial" panose="020B0604020202020204" pitchFamily="34" charset="0"/>
-              <a:buChar char="•"/>
-              <a:defRPr sz="2400" kern="1200">
-                <a:solidFill>
-                  <a:schemeClr val="tx1"/>
-                </a:solidFill>
-                <a:latin typeface="+mn-lt"/>
-                <a:ea typeface="+mn-ea"/>
-                <a:cs typeface="+mn-cs"/>
-              </a:defRPr>
-            </a:lvl6pPr>
-            <a:lvl7pPr marL="1097280" indent="-457200" algn="l" defTabSz="4389120" rtl="0" eaLnBrk="1" latinLnBrk="0" hangingPunct="1">
-              <a:lnSpc>
-                <a:spcPct val="100000"/>
-              </a:lnSpc>
-              <a:spcBef>
-                <a:spcPts val="1200"/>
-              </a:spcBef>
-              <a:buClr>
-                <a:schemeClr val="accent2"/>
-              </a:buClr>
-              <a:buFont typeface="Arial" panose="020B0604020202020204" pitchFamily="34" charset="0"/>
-              <a:buChar char="•"/>
-              <a:defRPr sz="2400" kern="1200">
-                <a:solidFill>
-                  <a:schemeClr val="tx1"/>
-                </a:solidFill>
-                <a:latin typeface="+mn-lt"/>
-                <a:ea typeface="+mn-ea"/>
-                <a:cs typeface="+mn-cs"/>
-              </a:defRPr>
-            </a:lvl7pPr>
-            <a:lvl8pPr marL="1097280" indent="-457200" algn="l" defTabSz="4389120" rtl="0" eaLnBrk="1" latinLnBrk="0" hangingPunct="1">
-              <a:lnSpc>
-                <a:spcPct val="100000"/>
-              </a:lnSpc>
-              <a:spcBef>
-                <a:spcPts val="1200"/>
-              </a:spcBef>
-              <a:buClr>
-                <a:schemeClr val="accent2"/>
-              </a:buClr>
-              <a:buFont typeface="Arial" panose="020B0604020202020204" pitchFamily="34" charset="0"/>
-              <a:buChar char="•"/>
-              <a:defRPr sz="2400" kern="1200">
-                <a:solidFill>
-                  <a:schemeClr val="tx1"/>
-                </a:solidFill>
-                <a:latin typeface="+mn-lt"/>
-                <a:ea typeface="+mn-ea"/>
-                <a:cs typeface="+mn-cs"/>
-              </a:defRPr>
-            </a:lvl8pPr>
-            <a:lvl9pPr marL="1097280" indent="-457200" algn="l" defTabSz="4389120" rtl="0" eaLnBrk="1" latinLnBrk="0" hangingPunct="1">
-              <a:lnSpc>
-                <a:spcPct val="100000"/>
-              </a:lnSpc>
-              <a:spcBef>
-                <a:spcPts val="1200"/>
-              </a:spcBef>
-              <a:buClr>
-                <a:schemeClr val="accent2"/>
-              </a:buClr>
-              <a:buFont typeface="Arial" panose="020B0604020202020204" pitchFamily="34" charset="0"/>
-              <a:buChar char="•"/>
-              <a:defRPr sz="2400" kern="1200">
-                <a:solidFill>
-                  <a:schemeClr val="tx1"/>
-                </a:solidFill>
-                <a:latin typeface="+mn-lt"/>
-                <a:ea typeface="+mn-ea"/>
-                <a:cs typeface="+mn-cs"/>
-              </a:defRPr>
-            </a:lvl9pPr>
-          </a:lstStyle>
-          <a:p>
-            <a:pPr marL="0" indent="0" algn="ctr">
-              <a:buFont typeface="Arial" panose="020B0604020202020204" pitchFamily="34" charset="0"/>
-              <a:buNone/>
-            </a:pPr>
-            <a:r>
-              <a:rPr lang="en-US" b="1" dirty="0"/>
-              <a:t>Figure 1</a:t>
-            </a:r>
-            <a:r>
-              <a:rPr lang="en-US" dirty="0"/>
-              <a:t>: Token and statement similarity for University-A. Almost all configurations were composed of the same set of unique tokens.</a:t>
-            </a:r>
-          </a:p>
-        </p:txBody>
-      </p:sp>
-      <p:pic>
-        <p:nvPicPr>
-          <p:cNvPr id="59" name="Picture 58">
-            <a:extLst>
-              <a:ext uri="{FF2B5EF4-FFF2-40B4-BE49-F238E27FC236}">
-                <a16:creationId xmlns:a16="http://schemas.microsoft.com/office/drawing/2014/main" xmlns="" id="{57E7F990-BAF4-6E41-B55F-E8BC8D4051AB}"/>
-              </a:ext>
-            </a:extLst>
-          </p:cNvPr>
-          <p:cNvPicPr>
-            <a:picLocks noChangeAspect="1"/>
-          </p:cNvPicPr>
-          <p:nvPr/>
-        </p:nvPicPr>
-        <p:blipFill>
-          <a:blip r:embed="rId7">
-            <a:extLst>
-              <a:ext uri="{28A0092B-C50C-407E-A947-70E740481C1C}">
-                <a14:useLocalDpi xmlns:a14="http://schemas.microsoft.com/office/drawing/2010/main" val="0"/>
-              </a:ext>
-            </a:extLst>
-          </a:blip>
-          <a:stretch>
-            <a:fillRect/>
-          </a:stretch>
-        </p:blipFill>
-        <p:spPr>
-          <a:xfrm>
-            <a:off x="1622990" y="21635837"/>
-            <a:ext cx="12419563" cy="7672415"/>
-          </a:xfrm>
-          <a:prstGeom prst="rect">
-            <a:avLst/>
-          </a:prstGeom>
-        </p:spPr>
-      </p:pic>
       <p:pic>
         <p:nvPicPr>
           <p:cNvPr id="1030" name="Picture 6" descr="https://lh6.googleusercontent.com/U8DiTENPHbhVFyljAq94uRFV2j_REAqu-mIH0c0-MYVDIvBDCEIL8TCDJgtjl8u-SPEsg4R4YjqmELxpy1sqkNuNnOprJt1SvQIrwvLKUaMoHlaPlNuAe7I4Rumgo1CvRQAxWIkQF3g">
@@ -19741,7 +19628,7 @@
           <p:nvPr/>
         </p:nvPicPr>
         <p:blipFill>
-          <a:blip r:embed="rId8">
+          <a:blip r:embed="rId7">
             <a:extLst>
               <a:ext uri="{28A0092B-C50C-407E-A947-70E740481C1C}">
                 <a14:useLocalDpi xmlns:a14="http://schemas.microsoft.com/office/drawing/2010/main" val="0"/>
@@ -20277,7 +20164,7 @@
         </p:nvSpPr>
         <p:spPr>
           <a:xfrm>
-            <a:off x="29741854" y="25116049"/>
+            <a:off x="29741854" y="24274220"/>
             <a:ext cx="12642574" cy="3603845"/>
           </a:xfrm>
           <a:prstGeom prst="rect">
@@ -20286,7 +20173,7 @@
         </p:spPr>
         <p:txBody>
           <a:bodyPr vert="horz" lIns="365760" tIns="182880" rIns="91440" bIns="45720" rtlCol="0">
-            <a:normAutofit fontScale="62500" lnSpcReduction="20000"/>
+            <a:normAutofit/>
           </a:bodyPr>
           <a:lstStyle>
             <a:lvl1pPr marL="822960" indent="-822960" algn="l" defTabSz="3291840" rtl="0" eaLnBrk="1" latinLnBrk="0" hangingPunct="1">
@@ -20498,28 +20385,32 @@
             </a:lvl9pPr>
           </a:lstStyle>
           <a:p>
-            <a:pPr marL="0" indent="0">
-              <a:buNone/>
-            </a:pPr>
             <a:r>
-              <a:rPr lang="en-US" sz="4500" dirty="0"/>
-              <a:t>Our analyses help direct our attention towards areas of improvements for the model. The variance seen in our device analysis suggests that having different models for </a:t>
+              <a:rPr lang="en-US" sz="2800" dirty="0"/>
+              <a:t>Evaluate our model against the current state of the art: tab-completion in CLIs on modern routers</a:t>
             </a:r>
+          </a:p>
+          <a:p>
             <a:r>
-              <a:rPr lang="en-US" sz="4500" dirty="0" smtClean="0"/>
-              <a:t>routers </a:t>
+              <a:rPr lang="en-US" sz="2800" dirty="0"/>
+              <a:t>Using larger n-grams to suggest complete statements</a:t>
             </a:r>
+          </a:p>
+          <a:p>
             <a:r>
-              <a:rPr lang="en-US" sz="4500" dirty="0"/>
-              <a:t>of different ”roles” could help improve prediction accuracies. Additionally, we plan on exploring the possibility of using larger n-grams to suggest complete statements. Lastly, we hope to evaluate our model against the current state of the art: tab-completion in CLIs on modern routers. </a:t>
+              <a:rPr lang="en-US" sz="2800" dirty="0"/>
+              <a:t>Stanza specific models</a:t>
             </a:r>
+          </a:p>
+          <a:p>
+            <a:endParaRPr lang="en-US" sz="2800" dirty="0"/>
           </a:p>
           <a:p>
             <a:pPr marL="0" indent="0">
               <a:buFont typeface="Wingdings" panose="05000000000000000000" pitchFamily="2" charset="2"/>
               <a:buNone/>
             </a:pPr>
-            <a:endParaRPr lang="en-US" dirty="0"/>
+            <a:endParaRPr lang="en-US" sz="2800" dirty="0"/>
           </a:p>
         </p:txBody>
       </p:sp>
@@ -20539,7 +20430,7 @@
         </p:nvSpPr>
         <p:spPr>
           <a:xfrm>
-            <a:off x="29821367" y="28981768"/>
+            <a:off x="29900880" y="28125492"/>
             <a:ext cx="12801600" cy="1219200"/>
           </a:xfrm>
           <a:prstGeom prst="round1Rect">
@@ -20777,10 +20668,254 @@
           </a:lstStyle>
           <a:p>
             <a:r>
-              <a:rPr lang="en-US" sz="5400" dirty="0" smtClean="0"/>
+              <a:rPr lang="en-US" sz="5400" dirty="0"/>
               <a:t>references</a:t>
             </a:r>
-            <a:endParaRPr lang="en-US" sz="5400" dirty="0"/>
+          </a:p>
+        </p:txBody>
+      </p:sp>
+      <p:sp>
+        <p:nvSpPr>
+          <p:cNvPr id="83" name="Content Placeholder 13">
+            <a:extLst>
+              <a:ext uri="{FF2B5EF4-FFF2-40B4-BE49-F238E27FC236}">
+                <a16:creationId xmlns:a16="http://schemas.microsoft.com/office/drawing/2014/main" xmlns="" id="{801749A7-2409-6A4A-AE38-7774B64CD1D2}"/>
+              </a:ext>
+            </a:extLst>
+          </p:cNvPr>
+          <p:cNvSpPr txBox="1">
+            <a:spLocks/>
+          </p:cNvSpPr>
+          <p:nvPr/>
+        </p:nvSpPr>
+        <p:spPr>
+          <a:xfrm>
+            <a:off x="29690916" y="29320863"/>
+            <a:ext cx="12642574" cy="3095224"/>
+          </a:xfrm>
+          <a:prstGeom prst="rect">
+            <a:avLst/>
+          </a:prstGeom>
+        </p:spPr>
+        <p:txBody>
+          <a:bodyPr vert="horz" lIns="365760" tIns="182880" rIns="91440" bIns="45720" rtlCol="0">
+            <a:normAutofit/>
+          </a:bodyPr>
+          <a:lstStyle>
+            <a:lvl1pPr marL="822960" indent="-822960" algn="l" defTabSz="3291840" rtl="0" eaLnBrk="1" latinLnBrk="0" hangingPunct="1">
+              <a:lnSpc>
+                <a:spcPct val="120000"/>
+              </a:lnSpc>
+              <a:spcBef>
+                <a:spcPts val="3600"/>
+              </a:spcBef>
+              <a:buClr>
+                <a:schemeClr val="accent1"/>
+              </a:buClr>
+              <a:buSzPct val="110000"/>
+              <a:buFont typeface="Wingdings" panose="05000000000000000000" pitchFamily="2" charset="2"/>
+              <a:buChar char="§"/>
+              <a:defRPr sz="7680" kern="1200" baseline="0">
+                <a:solidFill>
+                  <a:schemeClr val="tx1"/>
+                </a:solidFill>
+                <a:effectLst/>
+                <a:latin typeface="+mn-lt"/>
+                <a:ea typeface="+mn-ea"/>
+                <a:cs typeface="+mn-cs"/>
+              </a:defRPr>
+            </a:lvl1pPr>
+            <a:lvl2pPr marL="2468880" indent="-822960" algn="l" defTabSz="3291840" rtl="0" eaLnBrk="1" latinLnBrk="0" hangingPunct="1">
+              <a:lnSpc>
+                <a:spcPct val="120000"/>
+              </a:lnSpc>
+              <a:spcBef>
+                <a:spcPts val="1800"/>
+              </a:spcBef>
+              <a:buClr>
+                <a:schemeClr val="accent1"/>
+              </a:buClr>
+              <a:buSzPct val="110000"/>
+              <a:buFont typeface="Wingdings" panose="05000000000000000000" pitchFamily="2" charset="2"/>
+              <a:buChar char="§"/>
+              <a:defRPr sz="6720" kern="1200">
+                <a:solidFill>
+                  <a:schemeClr val="tx1"/>
+                </a:solidFill>
+                <a:effectLst/>
+                <a:latin typeface="+mn-lt"/>
+                <a:ea typeface="+mn-ea"/>
+                <a:cs typeface="+mn-cs"/>
+              </a:defRPr>
+            </a:lvl2pPr>
+            <a:lvl3pPr marL="4114800" indent="-822960" algn="l" defTabSz="3291840" rtl="0" eaLnBrk="1" latinLnBrk="0" hangingPunct="1">
+              <a:lnSpc>
+                <a:spcPct val="120000"/>
+              </a:lnSpc>
+              <a:spcBef>
+                <a:spcPts val="1800"/>
+              </a:spcBef>
+              <a:buClr>
+                <a:schemeClr val="accent1"/>
+              </a:buClr>
+              <a:buSzPct val="110000"/>
+              <a:buFont typeface="Wingdings" panose="05000000000000000000" pitchFamily="2" charset="2"/>
+              <a:buChar char="§"/>
+              <a:defRPr sz="5760" kern="1200">
+                <a:solidFill>
+                  <a:schemeClr val="tx1"/>
+                </a:solidFill>
+                <a:effectLst/>
+                <a:latin typeface="+mn-lt"/>
+                <a:ea typeface="+mn-ea"/>
+                <a:cs typeface="+mn-cs"/>
+              </a:defRPr>
+            </a:lvl3pPr>
+            <a:lvl4pPr marL="5760720" indent="-822960" algn="l" defTabSz="3291840" rtl="0" eaLnBrk="1" latinLnBrk="0" hangingPunct="1">
+              <a:lnSpc>
+                <a:spcPct val="120000"/>
+              </a:lnSpc>
+              <a:spcBef>
+                <a:spcPts val="1800"/>
+              </a:spcBef>
+              <a:buClr>
+                <a:schemeClr val="accent1"/>
+              </a:buClr>
+              <a:buSzPct val="110000"/>
+              <a:buFont typeface="Wingdings" panose="05000000000000000000" pitchFamily="2" charset="2"/>
+              <a:buChar char="§"/>
+              <a:defRPr sz="5760" kern="1200">
+                <a:solidFill>
+                  <a:schemeClr val="tx1"/>
+                </a:solidFill>
+                <a:effectLst/>
+                <a:latin typeface="+mn-lt"/>
+                <a:ea typeface="+mn-ea"/>
+                <a:cs typeface="+mn-cs"/>
+              </a:defRPr>
+            </a:lvl4pPr>
+            <a:lvl5pPr marL="7406640" indent="-822960" algn="l" defTabSz="3291840" rtl="0" eaLnBrk="1" latinLnBrk="0" hangingPunct="1">
+              <a:lnSpc>
+                <a:spcPct val="120000"/>
+              </a:lnSpc>
+              <a:spcBef>
+                <a:spcPts val="1800"/>
+              </a:spcBef>
+              <a:buClr>
+                <a:schemeClr val="accent1"/>
+              </a:buClr>
+              <a:buSzPct val="110000"/>
+              <a:buFont typeface="Wingdings" panose="05000000000000000000" pitchFamily="2" charset="2"/>
+              <a:buChar char="§"/>
+              <a:defRPr sz="5760" kern="1200">
+                <a:solidFill>
+                  <a:schemeClr val="tx1"/>
+                </a:solidFill>
+                <a:effectLst/>
+                <a:latin typeface="+mn-lt"/>
+                <a:ea typeface="+mn-ea"/>
+                <a:cs typeface="+mn-cs"/>
+              </a:defRPr>
+            </a:lvl5pPr>
+            <a:lvl6pPr marL="9052560" indent="-822960" algn="l" defTabSz="3291840" rtl="0" eaLnBrk="1" latinLnBrk="0" hangingPunct="1">
+              <a:lnSpc>
+                <a:spcPct val="120000"/>
+              </a:lnSpc>
+              <a:spcBef>
+                <a:spcPts val="1800"/>
+              </a:spcBef>
+              <a:buClr>
+                <a:schemeClr val="accent1"/>
+              </a:buClr>
+              <a:buSzPct val="110000"/>
+              <a:buFont typeface="Wingdings" panose="05000000000000000000" pitchFamily="2" charset="2"/>
+              <a:buChar char="§"/>
+              <a:defRPr sz="4320" kern="1200">
+                <a:solidFill>
+                  <a:schemeClr val="tx1"/>
+                </a:solidFill>
+                <a:effectLst/>
+                <a:latin typeface="+mn-lt"/>
+                <a:ea typeface="+mn-ea"/>
+                <a:cs typeface="+mn-cs"/>
+              </a:defRPr>
+            </a:lvl6pPr>
+            <a:lvl7pPr marL="10698480" indent="-822960" algn="l" defTabSz="3291840" rtl="0" eaLnBrk="1" latinLnBrk="0" hangingPunct="1">
+              <a:lnSpc>
+                <a:spcPct val="120000"/>
+              </a:lnSpc>
+              <a:spcBef>
+                <a:spcPts val="1800"/>
+              </a:spcBef>
+              <a:buClr>
+                <a:schemeClr val="accent1"/>
+              </a:buClr>
+              <a:buSzPct val="110000"/>
+              <a:buFont typeface="Wingdings" panose="05000000000000000000" pitchFamily="2" charset="2"/>
+              <a:buChar char="§"/>
+              <a:defRPr sz="4320" kern="1200">
+                <a:solidFill>
+                  <a:schemeClr val="tx1"/>
+                </a:solidFill>
+                <a:effectLst/>
+                <a:latin typeface="+mn-lt"/>
+                <a:ea typeface="+mn-ea"/>
+                <a:cs typeface="+mn-cs"/>
+              </a:defRPr>
+            </a:lvl7pPr>
+            <a:lvl8pPr marL="12344400" indent="-822960" algn="l" defTabSz="3291840" rtl="0" eaLnBrk="1" latinLnBrk="0" hangingPunct="1">
+              <a:lnSpc>
+                <a:spcPct val="120000"/>
+              </a:lnSpc>
+              <a:spcBef>
+                <a:spcPts val="1800"/>
+              </a:spcBef>
+              <a:buClr>
+                <a:schemeClr val="accent1"/>
+              </a:buClr>
+              <a:buSzPct val="110000"/>
+              <a:buFont typeface="Wingdings" panose="05000000000000000000" pitchFamily="2" charset="2"/>
+              <a:buChar char="§"/>
+              <a:defRPr sz="4320" kern="1200">
+                <a:solidFill>
+                  <a:schemeClr val="tx1"/>
+                </a:solidFill>
+                <a:effectLst/>
+                <a:latin typeface="+mn-lt"/>
+                <a:ea typeface="+mn-ea"/>
+                <a:cs typeface="+mn-cs"/>
+              </a:defRPr>
+            </a:lvl8pPr>
+            <a:lvl9pPr marL="13990320" indent="-822960" algn="l" defTabSz="3291840" rtl="0" eaLnBrk="1" latinLnBrk="0" hangingPunct="1">
+              <a:lnSpc>
+                <a:spcPct val="120000"/>
+              </a:lnSpc>
+              <a:spcBef>
+                <a:spcPts val="1800"/>
+              </a:spcBef>
+              <a:buClr>
+                <a:schemeClr val="accent1"/>
+              </a:buClr>
+              <a:buSzPct val="110000"/>
+              <a:buFont typeface="Wingdings" panose="05000000000000000000" pitchFamily="2" charset="2"/>
+              <a:buChar char="§"/>
+              <a:defRPr sz="4320" kern="1200">
+                <a:solidFill>
+                  <a:schemeClr val="tx1"/>
+                </a:solidFill>
+                <a:effectLst/>
+                <a:latin typeface="+mn-lt"/>
+                <a:ea typeface="+mn-ea"/>
+                <a:cs typeface="+mn-cs"/>
+              </a:defRPr>
+            </a:lvl9pPr>
+          </a:lstStyle>
+          <a:p>
+            <a:pPr marL="0" indent="0">
+              <a:buFont typeface="Wingdings" panose="05000000000000000000" pitchFamily="2" charset="2"/>
+              <a:buNone/>
+            </a:pPr>
+            <a:endParaRPr lang="en-US" dirty="0"/>
           </a:p>
         </p:txBody>
       </p:sp>
@@ -20800,8 +20935,8 @@
         </p:nvSpPr>
         <p:spPr>
           <a:xfrm>
-            <a:off x="29821367" y="30185089"/>
-            <a:ext cx="12801600" cy="1666930"/>
+            <a:off x="29821367" y="29723699"/>
+            <a:ext cx="12801600" cy="2489506"/>
           </a:xfrm>
           <a:prstGeom prst="rect">
             <a:avLst/>
@@ -21022,53 +21157,96 @@
           </a:lstStyle>
           <a:p>
             <a:pPr marL="0" indent="0">
+              <a:lnSpc>
+                <a:spcPct val="100000"/>
+              </a:lnSpc>
               <a:buNone/>
             </a:pPr>
             <a:r>
-              <a:rPr lang="en-US" sz="2800" dirty="0" smtClean="0"/>
-              <a:t>[1] </a:t>
+              <a:rPr lang="en-US" sz="2400" dirty="0"/>
+              <a:t>[1] T</a:t>
             </a:r>
             <a:r>
-              <a:rPr lang="en-US" sz="2800" dirty="0"/>
-              <a:t>T</a:t>
+              <a:rPr lang="en-US" sz="2400" dirty="0" smtClean="0"/>
+              <a:t>. Benson</a:t>
             </a:r>
             <a:r>
-              <a:rPr lang="en-US" sz="2800" dirty="0" smtClean="0"/>
-              <a:t>. Benson, A. </a:t>
+              <a:rPr lang="en-US" sz="2400" dirty="0"/>
+              <a:t>, </a:t>
             </a:r>
             <a:r>
-              <a:rPr lang="en-US" sz="2800" dirty="0" err="1" smtClean="0"/>
+              <a:rPr lang="en-US" sz="2400" dirty="0" smtClean="0"/>
+              <a:t>A. </a:t>
+            </a:r>
+            <a:r>
+              <a:rPr lang="en-US" sz="2400" dirty="0" err="1" smtClean="0"/>
               <a:t>Akella</a:t>
             </a:r>
             <a:r>
-              <a:rPr lang="en-US" sz="2800" dirty="0" smtClean="0"/>
-              <a:t>, and D. </a:t>
+              <a:rPr lang="en-US" sz="2400" dirty="0"/>
+              <a:t>, and D</a:t>
             </a:r>
             <a:r>
-              <a:rPr lang="en-US" sz="2800" dirty="0" err="1" smtClean="0"/>
+              <a:rPr lang="en-US" sz="2400" dirty="0" smtClean="0"/>
+              <a:t>. </a:t>
+            </a:r>
+            <a:r>
+              <a:rPr lang="en-US" sz="2400" dirty="0" err="1" smtClean="0"/>
               <a:t>Maltz</a:t>
             </a:r>
             <a:r>
-              <a:rPr lang="en-US" sz="2800" dirty="0" smtClean="0"/>
-              <a:t>. Unraveling the complexity of </a:t>
+              <a:rPr lang="en-US" sz="2400" dirty="0"/>
+              <a:t>. Unraveling the complexity of network management. In </a:t>
             </a:r>
             <a:r>
-              <a:rPr lang="en-US" sz="2800" dirty="0"/>
-              <a:t>network management. In </a:t>
-            </a:r>
-            <a:r>
-              <a:rPr lang="en-US" sz="2800" i="1" dirty="0"/>
+              <a:rPr lang="en-US" sz="2400" i="1" dirty="0"/>
               <a:t>NSDI</a:t>
             </a:r>
             <a:r>
-              <a:rPr lang="en-US" sz="2800" dirty="0"/>
-              <a:t>, 2009</a:t>
+              <a:rPr lang="en-US" sz="2400" dirty="0"/>
+              <a:t>, </a:t>
             </a:r>
             <a:r>
-              <a:rPr lang="en-US" sz="2800" dirty="0" smtClean="0"/>
-              <a:t>.</a:t>
+              <a:rPr lang="en-US" sz="2400" dirty="0" smtClean="0"/>
+              <a:t>2009.</a:t>
             </a:r>
-            <a:endParaRPr lang="en-US" sz="2800" dirty="0"/>
+          </a:p>
+          <a:p>
+            <a:pPr marL="0" indent="0">
+              <a:lnSpc>
+                <a:spcPct val="100000"/>
+              </a:lnSpc>
+              <a:buNone/>
+            </a:pPr>
+            <a:r>
+              <a:rPr lang="en-US" sz="2400" dirty="0" smtClean="0"/>
+              <a:t>[2] Z. Yin, X. Ma, J. Zheng, Y. Zhou, L. N. </a:t>
+            </a:r>
+            <a:r>
+              <a:rPr lang="en-US" sz="2400" dirty="0" err="1" smtClean="0"/>
+              <a:t>Bairavasundaram</a:t>
+            </a:r>
+            <a:r>
+              <a:rPr lang="en-US" sz="2400" dirty="0" smtClean="0"/>
+              <a:t>, and S. </a:t>
+            </a:r>
+            <a:r>
+              <a:rPr lang="en-US" sz="2400" dirty="0" err="1" smtClean="0"/>
+              <a:t>Pasupathy</a:t>
+            </a:r>
+            <a:r>
+              <a:rPr lang="en-US" sz="2400" dirty="0" smtClean="0"/>
+              <a:t>. An empirical study on configuration errors in commercial and open source systems. In </a:t>
+            </a:r>
+            <a:r>
+              <a:rPr lang="en-US" sz="2400" i="1" dirty="0" smtClean="0"/>
+              <a:t>SOSP</a:t>
+            </a:r>
+            <a:r>
+              <a:rPr lang="en-US" sz="2400" dirty="0" smtClean="0"/>
+              <a:t>, 2011.</a:t>
+            </a:r>
+            <a:endParaRPr lang="en-US" sz="2400" dirty="0"/>
           </a:p>
         </p:txBody>
       </p:sp>
@@ -21335,7 +21513,7 @@
         </p:nvSpPr>
         <p:spPr>
           <a:xfrm>
-            <a:off x="15642754" y="21958571"/>
+            <a:off x="15642754" y="21867131"/>
             <a:ext cx="12877133" cy="5405395"/>
           </a:xfrm>
           <a:prstGeom prst="rect">
@@ -21562,15 +21740,7 @@
             </a:pPr>
             <a:r>
               <a:rPr lang="en-US" sz="2800" dirty="0"/>
-              <a:t>We applied our framework to Cisco configurations of core, border, and distribution routers from three large university networks. To test the accuracy of our model, we perform </a:t>
-            </a:r>
-            <a:r>
-              <a:rPr lang="en-US" sz="2800" dirty="0" smtClean="0"/>
-              <a:t>leave-one-out </a:t>
-            </a:r>
-            <a:r>
-              <a:rPr lang="en-US" sz="2800" dirty="0"/>
-              <a:t>cross validation: one (set of) configuration(s) is used for testing and the remainder are used for training. We “rebuild” the test configuration(s) token-by-token by using our n-gram model to predict the next token based on the prior n-1 tokens; we do not predict across lines. A prediction is marked as successful when the actual next token in the configuration is within the top three results generated by the model. </a:t>
+              <a:t>We applied our framework to Cisco configurations of core, border, and distribution routers from three large university networks. To test the accuracy of our model, we perform leave-one- out cross validation: one (set of) configuration(s) is used for testing and the remainder are used for training. We “rebuild” the test configuration(s) token-by-token by using our n-gram model to predict the next token based on the prior n-1 tokens; we do not predict across lines. A prediction is marked as successful when the actual next token in the configuration is within the top three results generated by the model. </a:t>
             </a:r>
           </a:p>
         </p:txBody>
@@ -22249,8 +22419,13 @@
           <a:p>
             <a:r>
               <a:rPr lang="en-US" sz="2800" dirty="0"/>
-              <a:t>Configuration errors are common and the leading cause of network outages</a:t>
+              <a:t>Configuration errors are common and the leading cause of network </a:t>
             </a:r>
+            <a:r>
+              <a:rPr lang="en-US" sz="2800" dirty="0" smtClean="0"/>
+              <a:t>outages [2]</a:t>
+            </a:r>
+            <a:endParaRPr lang="en-US" sz="2800" dirty="0"/>
           </a:p>
         </p:txBody>
       </p:sp>
@@ -22270,8 +22445,8 @@
         </p:nvSpPr>
         <p:spPr>
           <a:xfrm>
-            <a:off x="15893285" y="13513066"/>
-            <a:ext cx="6014144" cy="5403516"/>
+            <a:off x="15985282" y="13133120"/>
+            <a:ext cx="6008987" cy="5799396"/>
           </a:xfrm>
           <a:prstGeom prst="rect">
             <a:avLst/>
@@ -22518,8 +22693,8 @@
         </p:nvSpPr>
         <p:spPr>
           <a:xfrm>
-            <a:off x="16607674" y="19292445"/>
-            <a:ext cx="12086029" cy="954107"/>
+            <a:off x="15665002" y="19646199"/>
+            <a:ext cx="13422905" cy="954107"/>
           </a:xfrm>
           <a:prstGeom prst="rect">
             <a:avLst/>
@@ -22534,16 +22709,12 @@
           <a:p>
             <a:pPr algn="ctr"/>
             <a:r>
-              <a:rPr lang="en-US" sz="2800" b="1" dirty="0" smtClean="0"/>
+              <a:rPr lang="en-US" sz="2800" b="1" dirty="0"/>
               <a:t>Figure 2</a:t>
             </a:r>
             <a:r>
-              <a:rPr lang="en-US" sz="2800" dirty="0" smtClean="0"/>
-              <a:t>: </a:t>
-            </a:r>
-            <a:r>
               <a:rPr lang="en-US" sz="2800" dirty="0"/>
-              <a:t>With our placeholders optimization, this accuracy is 5% higher. </a:t>
+              <a:t>: With our placeholders optimization, this accuracy is 5% higher. </a:t>
             </a:r>
           </a:p>
           <a:p>
@@ -22554,7 +22725,49 @@
       </p:sp>
       <p:pic>
         <p:nvPicPr>
-          <p:cNvPr id="2" name="Picture 1"/>
+          <p:cNvPr id="15" name="Picture 14">
+            <a:extLst>
+              <a:ext uri="{FF2B5EF4-FFF2-40B4-BE49-F238E27FC236}">
+                <a16:creationId xmlns:a16="http://schemas.microsoft.com/office/drawing/2014/main" xmlns="" id="{9DF23748-80C6-5C4C-B02F-D02ADA34C989}"/>
+              </a:ext>
+            </a:extLst>
+          </p:cNvPr>
+          <p:cNvPicPr>
+            <a:picLocks noChangeAspect="1"/>
+          </p:cNvPicPr>
+          <p:nvPr/>
+        </p:nvPicPr>
+        <p:blipFill>
+          <a:blip r:embed="rId8">
+            <a:extLst>
+              <a:ext uri="{28A0092B-C50C-407E-A947-70E740481C1C}">
+                <a14:useLocalDpi xmlns:a14="http://schemas.microsoft.com/office/drawing/2010/main" val="0"/>
+              </a:ext>
+            </a:extLst>
+          </a:blip>
+          <a:stretch>
+            <a:fillRect/>
+          </a:stretch>
+        </p:blipFill>
+        <p:spPr>
+          <a:xfrm>
+            <a:off x="36371515" y="6968605"/>
+            <a:ext cx="6902408" cy="5829242"/>
+          </a:xfrm>
+          <a:prstGeom prst="rect">
+            <a:avLst/>
+          </a:prstGeom>
+        </p:spPr>
+      </p:pic>
+      <p:pic>
+        <p:nvPicPr>
+          <p:cNvPr id="3" name="Picture 2">
+            <a:extLst>
+              <a:ext uri="{FF2B5EF4-FFF2-40B4-BE49-F238E27FC236}">
+                <a16:creationId xmlns:a16="http://schemas.microsoft.com/office/drawing/2014/main" xmlns="" id="{C5071A02-EC5C-D14B-9B95-F29A023F1942}"/>
+              </a:ext>
+            </a:extLst>
+          </p:cNvPr>
           <p:cNvPicPr>
             <a:picLocks noChangeAspect="1"/>
           </p:cNvPicPr>
@@ -22574,14 +22787,63 @@
         </p:blipFill>
         <p:spPr>
           <a:xfrm>
-            <a:off x="39386031" y="721776"/>
-            <a:ext cx="3671161" cy="3671161"/>
+            <a:off x="38846755" y="361637"/>
+            <a:ext cx="4119880" cy="4188544"/>
           </a:xfrm>
           <a:prstGeom prst="rect">
             <a:avLst/>
           </a:prstGeom>
         </p:spPr>
       </p:pic>
+      <p:sp>
+        <p:nvSpPr>
+          <p:cNvPr id="21" name="Text Placeholder 20"/>
+          <p:cNvSpPr>
+            <a:spLocks noGrp="1"/>
+          </p:cNvSpPr>
+          <p:nvPr>
+            <p:ph type="body" sz="quarter" idx="31"/>
+          </p:nvPr>
+        </p:nvSpPr>
+        <p:spPr/>
+        <p:txBody>
+          <a:bodyPr/>
+          <a:lstStyle/>
+          <a:p>
+            <a:r>
+              <a:rPr lang="en-US" dirty="0"/>
+              <a:t>Results</a:t>
+            </a:r>
+          </a:p>
+        </p:txBody>
+      </p:sp>
+      <p:sp>
+        <p:nvSpPr>
+          <p:cNvPr id="23" name="Text Placeholder 22"/>
+          <p:cNvSpPr>
+            <a:spLocks noGrp="1"/>
+          </p:cNvSpPr>
+          <p:nvPr>
+            <p:ph type="body" sz="quarter" idx="34"/>
+          </p:nvPr>
+        </p:nvSpPr>
+        <p:spPr>
+          <a:xfrm>
+            <a:off x="29821367" y="22809475"/>
+            <a:ext cx="12801600" cy="1219200"/>
+          </a:xfrm>
+        </p:spPr>
+        <p:txBody>
+          <a:bodyPr/>
+          <a:lstStyle/>
+          <a:p>
+            <a:r>
+              <a:rPr lang="en-US" dirty="0"/>
+              <a:t>Future work</a:t>
+            </a:r>
+          </a:p>
+        </p:txBody>
+      </p:sp>
     </p:spTree>
     <p:extLst>
       <p:ext uri="{BB962C8B-B14F-4D97-AF65-F5344CB8AC3E}">
@@ -22592,13 +22854,6 @@
   <p:clrMapOvr>
     <a:masterClrMapping/>
   </p:clrMapOvr>
-  <p:timing>
-    <p:tnLst>
-      <p:par>
-        <p:cTn id="1" dur="indefinite" restart="never" nodeType="tmRoot"/>
-      </p:par>
-    </p:tnLst>
-  </p:timing>
 </p:sld>
 </file>
 
@@ -23382,6 +23637,15 @@
 </file>
 
 <file path=customXml/item1.xml><?xml version="1.0" encoding="utf-8"?>
+<?mso-contentType ?>
+<FormTemplates xmlns="http://schemas.microsoft.com/sharepoint/v3/contenttype/forms">
+  <Display>DocumentLibraryForm</Display>
+  <Edit>AssetEditForm</Edit>
+  <New>DocumentLibraryForm</New>
+</FormTemplates>
+</file>
+
+<file path=customXml/item2.xml><?xml version="1.0" encoding="utf-8"?>
 <p:properties xmlns:p="http://schemas.microsoft.com/office/2006/metadata/properties" xmlns:xsi="http://www.w3.org/2001/XMLSchema-instance" xmlns:pc="http://schemas.microsoft.com/office/infopath/2007/PartnerControls">
   <documentManagement>
     <DirectSourceMarket xmlns="4873beb7-5857-4685-be1f-d57550cc96cc" xsi:nil="true"/>
@@ -23506,15 +23770,6 @@
     </LocalizationTagsTaxHTField0>
   </documentManagement>
 </p:properties>
-</file>
-
-<file path=customXml/item2.xml><?xml version="1.0" encoding="utf-8"?>
-<?mso-contentType ?>
-<FormTemplates xmlns="http://schemas.microsoft.com/sharepoint/v3/contenttype/forms">
-  <Display>DocumentLibraryForm</Display>
-  <Edit>AssetEditForm</Edit>
-  <New>DocumentLibraryForm</New>
-</FormTemplates>
 </file>
 
 <file path=customXml/item3.xml><?xml version="1.0" encoding="utf-8"?>
@@ -24558,19 +24813,19 @@
 </file>
 
 <file path=customXml/itemProps1.xml><?xml version="1.0" encoding="utf-8"?>
+<ds:datastoreItem xmlns:ds="http://schemas.openxmlformats.org/officeDocument/2006/customXml" ds:itemID="{A1110015-E380-4C53-980C-698226C61CAC}">
+  <ds:schemaRefs>
+    <ds:schemaRef ds:uri="http://schemas.microsoft.com/sharepoint/v3/contenttype/forms"/>
+  </ds:schemaRefs>
+</ds:datastoreItem>
+</file>
+
+<file path=customXml/itemProps2.xml><?xml version="1.0" encoding="utf-8"?>
 <ds:datastoreItem xmlns:ds="http://schemas.openxmlformats.org/officeDocument/2006/customXml" ds:itemID="{A9F945EE-6400-432A-A9B1-179A0A2A37CE}">
   <ds:schemaRefs>
     <ds:schemaRef ds:uri="http://schemas.microsoft.com/office/2006/metadata/properties"/>
     <ds:schemaRef ds:uri="http://schemas.microsoft.com/office/infopath/2007/PartnerControls"/>
     <ds:schemaRef ds:uri="4873beb7-5857-4685-be1f-d57550cc96cc"/>
-  </ds:schemaRefs>
-</ds:datastoreItem>
-</file>
-
-<file path=customXml/itemProps2.xml><?xml version="1.0" encoding="utf-8"?>
-<ds:datastoreItem xmlns:ds="http://schemas.openxmlformats.org/officeDocument/2006/customXml" ds:itemID="{A1110015-E380-4C53-980C-698226C61CAC}">
-  <ds:schemaRefs>
-    <ds:schemaRef ds:uri="http://schemas.microsoft.com/sharepoint/v3/contenttype/forms"/>
   </ds:schemaRefs>
 </ds:datastoreItem>
 </file>

--- a/Poster/NSDI Poster.pptx
+++ b/Poster/NSDI Poster.pptx
@@ -203,7 +203,7 @@
           <a:p>
             <a:fld id="{F1C0B079-A316-4C9B-B165-DF9EA8325D2C}" type="datetimeFigureOut">
               <a:rPr lang="en-US" smtClean="0"/>
-              <a:t>4/5/18</a:t>
+              <a:t>4/25/18</a:t>
             </a:fld>
             <a:endParaRPr lang="en-US"/>
           </a:p>
@@ -368,7 +368,7 @@
           <a:p>
             <a:fld id="{38F28AB8-57D1-494F-9851-055AD867E790}" type="datetimeFigureOut">
               <a:rPr lang="en-US" smtClean="0"/>
-              <a:t>4/5/18</a:t>
+              <a:t>4/24/18</a:t>
             </a:fld>
             <a:endParaRPr lang="en-US"/>
           </a:p>
@@ -783,7 +783,7 @@
             <a:fld id="{ECAA57DF-1C19-4726-AB84-014692BAD8F5}" type="datetimeFigureOut">
               <a:rPr lang="en-US" smtClean="0"/>
               <a:pPr/>
-              <a:t>4/5/18</a:t>
+              <a:t>4/24/18</a:t>
             </a:fld>
             <a:endParaRPr lang="en-US"/>
           </a:p>
@@ -983,7 +983,7 @@
             <a:fld id="{ECAA57DF-1C19-4726-AB84-014692BAD8F5}" type="datetimeFigureOut">
               <a:rPr lang="en-US" smtClean="0"/>
               <a:pPr/>
-              <a:t>4/5/18</a:t>
+              <a:t>4/24/18</a:t>
             </a:fld>
             <a:endParaRPr lang="en-US"/>
           </a:p>
@@ -1193,7 +1193,7 @@
             <a:fld id="{ECAA57DF-1C19-4726-AB84-014692BAD8F5}" type="datetimeFigureOut">
               <a:rPr lang="en-US" smtClean="0"/>
               <a:pPr/>
-              <a:t>4/5/18</a:t>
+              <a:t>4/24/18</a:t>
             </a:fld>
             <a:endParaRPr lang="en-US"/>
           </a:p>
@@ -1458,7 +1458,7 @@
           <a:p>
             <a:fld id="{ECAA57DF-1C19-4726-AB84-014692BAD8F5}" type="datetimeFigureOut">
               <a:rPr lang="en-US" smtClean="0"/>
-              <a:t>4/5/18</a:t>
+              <a:t>4/24/18</a:t>
             </a:fld>
             <a:endParaRPr lang="en-US"/>
           </a:p>
@@ -4039,7 +4039,7 @@
             <a:fld id="{ECAA57DF-1C19-4726-AB84-014692BAD8F5}" type="datetimeFigureOut">
               <a:rPr lang="en-US" smtClean="0"/>
               <a:pPr/>
-              <a:t>4/5/18</a:t>
+              <a:t>4/24/18</a:t>
             </a:fld>
             <a:endParaRPr lang="en-US"/>
           </a:p>
@@ -4316,7 +4316,7 @@
             <a:fld id="{ECAA57DF-1C19-4726-AB84-014692BAD8F5}" type="datetimeFigureOut">
               <a:rPr lang="en-US" smtClean="0"/>
               <a:pPr/>
-              <a:t>4/5/18</a:t>
+              <a:t>4/24/18</a:t>
             </a:fld>
             <a:endParaRPr lang="en-US"/>
           </a:p>
@@ -4583,7 +4583,7 @@
             <a:fld id="{ECAA57DF-1C19-4726-AB84-014692BAD8F5}" type="datetimeFigureOut">
               <a:rPr lang="en-US" smtClean="0"/>
               <a:pPr/>
-              <a:t>4/5/18</a:t>
+              <a:t>4/24/18</a:t>
             </a:fld>
             <a:endParaRPr lang="en-US"/>
           </a:p>
@@ -4997,7 +4997,7 @@
             <a:fld id="{ECAA57DF-1C19-4726-AB84-014692BAD8F5}" type="datetimeFigureOut">
               <a:rPr lang="en-US" smtClean="0"/>
               <a:pPr/>
-              <a:t>4/5/18</a:t>
+              <a:t>4/24/18</a:t>
             </a:fld>
             <a:endParaRPr lang="en-US"/>
           </a:p>
@@ -5140,7 +5140,7 @@
             <a:fld id="{ECAA57DF-1C19-4726-AB84-014692BAD8F5}" type="datetimeFigureOut">
               <a:rPr lang="en-US" smtClean="0"/>
               <a:pPr/>
-              <a:t>4/5/18</a:t>
+              <a:t>4/24/18</a:t>
             </a:fld>
             <a:endParaRPr lang="en-US"/>
           </a:p>
@@ -5255,7 +5255,7 @@
             <a:fld id="{ECAA57DF-1C19-4726-AB84-014692BAD8F5}" type="datetimeFigureOut">
               <a:rPr lang="en-US" smtClean="0"/>
               <a:pPr/>
-              <a:t>4/5/18</a:t>
+              <a:t>4/24/18</a:t>
             </a:fld>
             <a:endParaRPr lang="en-US"/>
           </a:p>
@@ -5568,7 +5568,7 @@
             <a:fld id="{ECAA57DF-1C19-4726-AB84-014692BAD8F5}" type="datetimeFigureOut">
               <a:rPr lang="en-US" smtClean="0"/>
               <a:pPr/>
-              <a:t>4/5/18</a:t>
+              <a:t>4/24/18</a:t>
             </a:fld>
             <a:endParaRPr lang="en-US"/>
           </a:p>
@@ -5858,7 +5858,7 @@
             <a:fld id="{ECAA57DF-1C19-4726-AB84-014692BAD8F5}" type="datetimeFigureOut">
               <a:rPr lang="en-US" smtClean="0"/>
               <a:pPr/>
-              <a:t>4/5/18</a:t>
+              <a:t>4/24/18</a:t>
             </a:fld>
             <a:endParaRPr lang="en-US"/>
           </a:p>
@@ -6101,7 +6101,7 @@
             <a:fld id="{ECAA57DF-1C19-4726-AB84-014692BAD8F5}" type="datetimeFigureOut">
               <a:rPr lang="en-US" smtClean="0"/>
               <a:pPr/>
-              <a:t>4/5/18</a:t>
+              <a:t>4/24/18</a:t>
             </a:fld>
             <a:endParaRPr lang="en-US"/>
           </a:p>
@@ -6709,8 +6709,8 @@
           </a:p>
         </p:txBody>
       </p:sp>
-      <mc:AlternateContent xmlns:mc="http://schemas.openxmlformats.org/markup-compatibility/2006">
-        <mc:Choice xmlns:a14="http://schemas.microsoft.com/office/drawing/2010/main" Requires="a14">
+      <mc:AlternateContent xmlns:mc="http://schemas.openxmlformats.org/markup-compatibility/2006" xmlns:a14="http://schemas.microsoft.com/office/drawing/2010/main">
+        <mc:Choice Requires="a14">
           <p:sp>
             <p:nvSpPr>
               <p:cNvPr id="57" name="Content Placeholder 56">
@@ -7132,7 +7132,7 @@
             </p:txBody>
           </p:sp>
         </mc:Choice>
-        <mc:Fallback>
+        <mc:Fallback xmlns="">
           <p:sp>
             <p:nvSpPr>
               <p:cNvPr id="57" name="Content Placeholder 56">
@@ -7462,7 +7462,7 @@
         <p:spPr>
           <a:xfrm>
             <a:off x="27878245" y="16948269"/>
-            <a:ext cx="4412562" cy="4776372"/>
+            <a:ext cx="4412562" cy="3591240"/>
           </a:xfrm>
           <a:prstGeom prst="rect">
             <a:avLst/>
@@ -7481,7 +7481,15 @@
             </a:r>
             <a:r>
               <a:rPr lang="en-US" sz="2567" dirty="0"/>
-              <a:t>:  Training on more devices results in higher accuracies. However, training on more devices has diminishing re- turns, because additional devices play the same role as existing devices, and hence are very similar.</a:t>
+              <a:t>:  Training on more devices results in higher accuracies. However, training on more devices has </a:t>
+            </a:r>
+            <a:r>
+              <a:rPr lang="en-US" sz="2567"/>
+              <a:t>diminishing returns</a:t>
+            </a:r>
+            <a:r>
+              <a:rPr lang="en-US" sz="2567" dirty="0"/>
+              <a:t>, because additional devices play the same role as existing devices, and hence are very similar.</a:t>
             </a:r>
           </a:p>
           <a:p>
@@ -12009,6 +12017,133 @@
 </file>
 
 <file path=customXml/item1.xml><?xml version="1.0" encoding="utf-8"?>
+<p:properties xmlns:p="http://schemas.microsoft.com/office/2006/metadata/properties" xmlns:xsi="http://www.w3.org/2001/XMLSchema-instance" xmlns:pc="http://schemas.microsoft.com/office/infopath/2007/PartnerControls">
+  <documentManagement>
+    <DirectSourceMarket xmlns="4873beb7-5857-4685-be1f-d57550cc96cc" xsi:nil="true"/>
+    <ApprovalStatus xmlns="4873beb7-5857-4685-be1f-d57550cc96cc">InProgress</ApprovalStatus>
+    <MarketSpecific xmlns="4873beb7-5857-4685-be1f-d57550cc96cc">false</MarketSpecific>
+    <LocComments xmlns="4873beb7-5857-4685-be1f-d57550cc96cc" xsi:nil="true"/>
+    <ThumbnailAssetId xmlns="4873beb7-5857-4685-be1f-d57550cc96cc" xsi:nil="true"/>
+    <PrimaryImageGen xmlns="4873beb7-5857-4685-be1f-d57550cc96cc">true</PrimaryImageGen>
+    <LegacyData xmlns="4873beb7-5857-4685-be1f-d57550cc96cc" xsi:nil="true"/>
+    <LocRecommendedHandoff xmlns="4873beb7-5857-4685-be1f-d57550cc96cc" xsi:nil="true"/>
+    <BusinessGroup xmlns="4873beb7-5857-4685-be1f-d57550cc96cc" xsi:nil="true"/>
+    <BlockPublish xmlns="4873beb7-5857-4685-be1f-d57550cc96cc">false</BlockPublish>
+    <TPFriendlyName xmlns="4873beb7-5857-4685-be1f-d57550cc96cc" xsi:nil="true"/>
+    <NumericId xmlns="4873beb7-5857-4685-be1f-d57550cc96cc" xsi:nil="true"/>
+    <APEditor xmlns="4873beb7-5857-4685-be1f-d57550cc96cc">
+      <UserInfo>
+        <DisplayName/>
+        <AccountId xsi:nil="true"/>
+        <AccountType/>
+      </UserInfo>
+    </APEditor>
+    <SourceTitle xmlns="4873beb7-5857-4685-be1f-d57550cc96cc" xsi:nil="true"/>
+    <OpenTemplate xmlns="4873beb7-5857-4685-be1f-d57550cc96cc">true</OpenTemplate>
+    <UALocComments xmlns="4873beb7-5857-4685-be1f-d57550cc96cc" xsi:nil="true"/>
+    <ParentAssetId xmlns="4873beb7-5857-4685-be1f-d57550cc96cc" xsi:nil="true"/>
+    <IntlLangReviewDate xmlns="4873beb7-5857-4685-be1f-d57550cc96cc" xsi:nil="true"/>
+    <FeatureTagsTaxHTField0 xmlns="4873beb7-5857-4685-be1f-d57550cc96cc">
+      <Terms xmlns="http://schemas.microsoft.com/office/infopath/2007/PartnerControls"/>
+    </FeatureTagsTaxHTField0>
+    <PublishStatusLookup xmlns="4873beb7-5857-4685-be1f-d57550cc96cc">
+      <Value>1669414</Value>
+      <Value>1669470</Value>
+    </PublishStatusLookup>
+    <Providers xmlns="4873beb7-5857-4685-be1f-d57550cc96cc" xsi:nil="true"/>
+    <MachineTranslated xmlns="4873beb7-5857-4685-be1f-d57550cc96cc">false</MachineTranslated>
+    <OriginalSourceMarket xmlns="4873beb7-5857-4685-be1f-d57550cc96cc" xsi:nil="true"/>
+    <APDescription xmlns="4873beb7-5857-4685-be1f-d57550cc96cc" xsi:nil="true"/>
+    <ClipArtFilename xmlns="4873beb7-5857-4685-be1f-d57550cc96cc" xsi:nil="true"/>
+    <ContentItem xmlns="4873beb7-5857-4685-be1f-d57550cc96cc" xsi:nil="true"/>
+    <TPInstallLocation xmlns="4873beb7-5857-4685-be1f-d57550cc96cc" xsi:nil="true"/>
+    <PublishTargets xmlns="4873beb7-5857-4685-be1f-d57550cc96cc">OfficeOnlineVNext</PublishTargets>
+    <TimesCloned xmlns="4873beb7-5857-4685-be1f-d57550cc96cc" xsi:nil="true"/>
+    <AssetStart xmlns="4873beb7-5857-4685-be1f-d57550cc96cc">2013-01-21T12:05:00+00:00</AssetStart>
+    <Provider xmlns="4873beb7-5857-4685-be1f-d57550cc96cc" xsi:nil="true"/>
+    <AcquiredFrom xmlns="4873beb7-5857-4685-be1f-d57550cc96cc">Internal MS</AcquiredFrom>
+    <FriendlyTitle xmlns="4873beb7-5857-4685-be1f-d57550cc96cc" xsi:nil="true"/>
+    <LastHandOff xmlns="4873beb7-5857-4685-be1f-d57550cc96cc" xsi:nil="true"/>
+    <TPClientViewer xmlns="4873beb7-5857-4685-be1f-d57550cc96cc" xsi:nil="true"/>
+    <UACurrentWords xmlns="4873beb7-5857-4685-be1f-d57550cc96cc" xsi:nil="true"/>
+    <ArtSampleDocs xmlns="4873beb7-5857-4685-be1f-d57550cc96cc" xsi:nil="true"/>
+    <UALocRecommendation xmlns="4873beb7-5857-4685-be1f-d57550cc96cc">Localize</UALocRecommendation>
+    <Manager xmlns="4873beb7-5857-4685-be1f-d57550cc96cc" xsi:nil="true"/>
+    <ShowIn xmlns="4873beb7-5857-4685-be1f-d57550cc96cc">Show everywhere</ShowIn>
+    <UANotes xmlns="4873beb7-5857-4685-be1f-d57550cc96cc" xsi:nil="true"/>
+    <TemplateStatus xmlns="4873beb7-5857-4685-be1f-d57550cc96cc">Complete</TemplateStatus>
+    <InternalTagsTaxHTField0 xmlns="4873beb7-5857-4685-be1f-d57550cc96cc">
+      <Terms xmlns="http://schemas.microsoft.com/office/infopath/2007/PartnerControls"/>
+    </InternalTagsTaxHTField0>
+    <CSXHash xmlns="4873beb7-5857-4685-be1f-d57550cc96cc" xsi:nil="true"/>
+    <Downloads xmlns="4873beb7-5857-4685-be1f-d57550cc96cc">0</Downloads>
+    <VoteCount xmlns="4873beb7-5857-4685-be1f-d57550cc96cc" xsi:nil="true"/>
+    <OOCacheId xmlns="4873beb7-5857-4685-be1f-d57550cc96cc" xsi:nil="true"/>
+    <IsDeleted xmlns="4873beb7-5857-4685-be1f-d57550cc96cc">false</IsDeleted>
+    <AssetExpire xmlns="4873beb7-5857-4685-be1f-d57550cc96cc">2029-01-01T08:00:00+00:00</AssetExpire>
+    <DSATActionTaken xmlns="4873beb7-5857-4685-be1f-d57550cc96cc" xsi:nil="true"/>
+    <CSXSubmissionMarket xmlns="4873beb7-5857-4685-be1f-d57550cc96cc" xsi:nil="true"/>
+    <TPExecutable xmlns="4873beb7-5857-4685-be1f-d57550cc96cc" xsi:nil="true"/>
+    <SubmitterId xmlns="4873beb7-5857-4685-be1f-d57550cc96cc" xsi:nil="true"/>
+    <EditorialTags xmlns="4873beb7-5857-4685-be1f-d57550cc96cc" xsi:nil="true"/>
+    <AssetType xmlns="4873beb7-5857-4685-be1f-d57550cc96cc">TP</AssetType>
+    <BugNumber xmlns="4873beb7-5857-4685-be1f-d57550cc96cc" xsi:nil="true"/>
+    <CSXSubmissionDate xmlns="4873beb7-5857-4685-be1f-d57550cc96cc" xsi:nil="true"/>
+    <CSXUpdate xmlns="4873beb7-5857-4685-be1f-d57550cc96cc">false</CSXUpdate>
+    <ApprovalLog xmlns="4873beb7-5857-4685-be1f-d57550cc96cc" xsi:nil="true"/>
+    <Milestone xmlns="4873beb7-5857-4685-be1f-d57550cc96cc" xsi:nil="true"/>
+    <RecommendationsModifier xmlns="4873beb7-5857-4685-be1f-d57550cc96cc" xsi:nil="true"/>
+    <OriginAsset xmlns="4873beb7-5857-4685-be1f-d57550cc96cc" xsi:nil="true"/>
+    <TPComponent xmlns="4873beb7-5857-4685-be1f-d57550cc96cc" xsi:nil="true"/>
+    <AssetId xmlns="4873beb7-5857-4685-be1f-d57550cc96cc">TP104001550</AssetId>
+    <IntlLocPriority xmlns="4873beb7-5857-4685-be1f-d57550cc96cc" xsi:nil="true"/>
+    <PolicheckWords xmlns="4873beb7-5857-4685-be1f-d57550cc96cc" xsi:nil="true"/>
+    <TPLaunchHelpLink xmlns="4873beb7-5857-4685-be1f-d57550cc96cc" xsi:nil="true"/>
+    <TPApplication xmlns="4873beb7-5857-4685-be1f-d57550cc96cc" xsi:nil="true"/>
+    <CrawlForDependencies xmlns="4873beb7-5857-4685-be1f-d57550cc96cc">false</CrawlForDependencies>
+    <HandoffToMSDN xmlns="4873beb7-5857-4685-be1f-d57550cc96cc" xsi:nil="true"/>
+    <PlannedPubDate xmlns="4873beb7-5857-4685-be1f-d57550cc96cc" xsi:nil="true"/>
+    <IntlLangReviewer xmlns="4873beb7-5857-4685-be1f-d57550cc96cc" xsi:nil="true"/>
+    <TrustLevel xmlns="4873beb7-5857-4685-be1f-d57550cc96cc">1 Microsoft Managed Content</TrustLevel>
+    <LocLastLocAttemptVersionLookup xmlns="4873beb7-5857-4685-be1f-d57550cc96cc">875987</LocLastLocAttemptVersionLookup>
+    <IsSearchable xmlns="4873beb7-5857-4685-be1f-d57550cc96cc">true</IsSearchable>
+    <TemplateTemplateType xmlns="4873beb7-5857-4685-be1f-d57550cc96cc">PowerPoint Presentation Template</TemplateTemplateType>
+    <CampaignTagsTaxHTField0 xmlns="4873beb7-5857-4685-be1f-d57550cc96cc">
+      <Terms xmlns="http://schemas.microsoft.com/office/infopath/2007/PartnerControls"/>
+    </CampaignTagsTaxHTField0>
+    <TPNamespace xmlns="4873beb7-5857-4685-be1f-d57550cc96cc" xsi:nil="true"/>
+    <TaxCatchAll xmlns="4873beb7-5857-4685-be1f-d57550cc96cc"/>
+    <Markets xmlns="4873beb7-5857-4685-be1f-d57550cc96cc"/>
+    <UAProjectedTotalWords xmlns="4873beb7-5857-4685-be1f-d57550cc96cc" xsi:nil="true"/>
+    <LocMarketGroupTiers2 xmlns="4873beb7-5857-4685-be1f-d57550cc96cc" xsi:nil="true"/>
+    <IntlLangReview xmlns="4873beb7-5857-4685-be1f-d57550cc96cc">false</IntlLangReview>
+    <OutputCachingOn xmlns="4873beb7-5857-4685-be1f-d57550cc96cc">false</OutputCachingOn>
+    <AverageRating xmlns="4873beb7-5857-4685-be1f-d57550cc96cc" xsi:nil="true"/>
+    <APAuthor xmlns="4873beb7-5857-4685-be1f-d57550cc96cc">
+      <UserInfo>
+        <DisplayName>REDMOND\kristaa</DisplayName>
+        <AccountId>136</AccountId>
+        <AccountType/>
+      </UserInfo>
+    </APAuthor>
+    <LocManualTestRequired xmlns="4873beb7-5857-4685-be1f-d57550cc96cc">false</LocManualTestRequired>
+    <TPCommandLine xmlns="4873beb7-5857-4685-be1f-d57550cc96cc" xsi:nil="true"/>
+    <TPAppVersion xmlns="4873beb7-5857-4685-be1f-d57550cc96cc" xsi:nil="true"/>
+    <EditorialStatus xmlns="4873beb7-5857-4685-be1f-d57550cc96cc">Complete</EditorialStatus>
+    <LastModifiedDateTime xmlns="4873beb7-5857-4685-be1f-d57550cc96cc" xsi:nil="true"/>
+    <ScenarioTagsTaxHTField0 xmlns="4873beb7-5857-4685-be1f-d57550cc96cc">
+      <Terms xmlns="http://schemas.microsoft.com/office/infopath/2007/PartnerControls"/>
+    </ScenarioTagsTaxHTField0>
+    <OriginalRelease xmlns="4873beb7-5857-4685-be1f-d57550cc96cc">15</OriginalRelease>
+    <TPLaunchHelpLinkType xmlns="4873beb7-5857-4685-be1f-d57550cc96cc">Template</TPLaunchHelpLinkType>
+    <LocalizationTagsTaxHTField0 xmlns="4873beb7-5857-4685-be1f-d57550cc96cc">
+      <Terms xmlns="http://schemas.microsoft.com/office/infopath/2007/PartnerControls"/>
+    </LocalizationTagsTaxHTField0>
+  </documentManagement>
+</p:properties>
+</file>
+
+<file path=customXml/item2.xml><?xml version="1.0" encoding="utf-8"?>
 <ct:contentTypeSchema xmlns:ct="http://schemas.microsoft.com/office/2006/metadata/contentType" xmlns:ma="http://schemas.microsoft.com/office/2006/metadata/properties/metaAttributes" ct:_="" ma:_="" ma:contentTypeName="TemplateFile" ma:contentTypeID="0x0101006EDDDB5EE6D98C44930B742096920B300400F5B6D36B3EF94B4E9A635CDF2A18F5B8" ma:contentTypeVersion="72" ma:contentTypeDescription="Create a new document." ma:contentTypeScope="" ma:versionID="a23e56308344d904b51738559c3d67c9">
   <xsd:schema xmlns:xsd="http://www.w3.org/2001/XMLSchema" xmlns:xs="http://www.w3.org/2001/XMLSchema" xmlns:p="http://schemas.microsoft.com/office/2006/metadata/properties" xmlns:ns2="4873beb7-5857-4685-be1f-d57550cc96cc" targetNamespace="http://schemas.microsoft.com/office/2006/metadata/properties" ma:root="true" ma:fieldsID="cd0908cc4600e77bf5da051303e00c8d" ns2:_="">
     <xsd:import namespace="4873beb7-5857-4685-be1f-d57550cc96cc"/>
@@ -13048,133 +13183,6 @@
 </ct:contentTypeSchema>
 </file>
 
-<file path=customXml/item2.xml><?xml version="1.0" encoding="utf-8"?>
-<p:properties xmlns:p="http://schemas.microsoft.com/office/2006/metadata/properties" xmlns:xsi="http://www.w3.org/2001/XMLSchema-instance" xmlns:pc="http://schemas.microsoft.com/office/infopath/2007/PartnerControls">
-  <documentManagement>
-    <DirectSourceMarket xmlns="4873beb7-5857-4685-be1f-d57550cc96cc" xsi:nil="true"/>
-    <ApprovalStatus xmlns="4873beb7-5857-4685-be1f-d57550cc96cc">InProgress</ApprovalStatus>
-    <MarketSpecific xmlns="4873beb7-5857-4685-be1f-d57550cc96cc">false</MarketSpecific>
-    <LocComments xmlns="4873beb7-5857-4685-be1f-d57550cc96cc" xsi:nil="true"/>
-    <ThumbnailAssetId xmlns="4873beb7-5857-4685-be1f-d57550cc96cc" xsi:nil="true"/>
-    <PrimaryImageGen xmlns="4873beb7-5857-4685-be1f-d57550cc96cc">true</PrimaryImageGen>
-    <LegacyData xmlns="4873beb7-5857-4685-be1f-d57550cc96cc" xsi:nil="true"/>
-    <LocRecommendedHandoff xmlns="4873beb7-5857-4685-be1f-d57550cc96cc" xsi:nil="true"/>
-    <BusinessGroup xmlns="4873beb7-5857-4685-be1f-d57550cc96cc" xsi:nil="true"/>
-    <BlockPublish xmlns="4873beb7-5857-4685-be1f-d57550cc96cc">false</BlockPublish>
-    <TPFriendlyName xmlns="4873beb7-5857-4685-be1f-d57550cc96cc" xsi:nil="true"/>
-    <NumericId xmlns="4873beb7-5857-4685-be1f-d57550cc96cc" xsi:nil="true"/>
-    <APEditor xmlns="4873beb7-5857-4685-be1f-d57550cc96cc">
-      <UserInfo>
-        <DisplayName/>
-        <AccountId xsi:nil="true"/>
-        <AccountType/>
-      </UserInfo>
-    </APEditor>
-    <SourceTitle xmlns="4873beb7-5857-4685-be1f-d57550cc96cc" xsi:nil="true"/>
-    <OpenTemplate xmlns="4873beb7-5857-4685-be1f-d57550cc96cc">true</OpenTemplate>
-    <UALocComments xmlns="4873beb7-5857-4685-be1f-d57550cc96cc" xsi:nil="true"/>
-    <ParentAssetId xmlns="4873beb7-5857-4685-be1f-d57550cc96cc" xsi:nil="true"/>
-    <IntlLangReviewDate xmlns="4873beb7-5857-4685-be1f-d57550cc96cc" xsi:nil="true"/>
-    <FeatureTagsTaxHTField0 xmlns="4873beb7-5857-4685-be1f-d57550cc96cc">
-      <Terms xmlns="http://schemas.microsoft.com/office/infopath/2007/PartnerControls"/>
-    </FeatureTagsTaxHTField0>
-    <PublishStatusLookup xmlns="4873beb7-5857-4685-be1f-d57550cc96cc">
-      <Value>1669414</Value>
-      <Value>1669470</Value>
-    </PublishStatusLookup>
-    <Providers xmlns="4873beb7-5857-4685-be1f-d57550cc96cc" xsi:nil="true"/>
-    <MachineTranslated xmlns="4873beb7-5857-4685-be1f-d57550cc96cc">false</MachineTranslated>
-    <OriginalSourceMarket xmlns="4873beb7-5857-4685-be1f-d57550cc96cc" xsi:nil="true"/>
-    <APDescription xmlns="4873beb7-5857-4685-be1f-d57550cc96cc" xsi:nil="true"/>
-    <ClipArtFilename xmlns="4873beb7-5857-4685-be1f-d57550cc96cc" xsi:nil="true"/>
-    <ContentItem xmlns="4873beb7-5857-4685-be1f-d57550cc96cc" xsi:nil="true"/>
-    <TPInstallLocation xmlns="4873beb7-5857-4685-be1f-d57550cc96cc" xsi:nil="true"/>
-    <PublishTargets xmlns="4873beb7-5857-4685-be1f-d57550cc96cc">OfficeOnlineVNext</PublishTargets>
-    <TimesCloned xmlns="4873beb7-5857-4685-be1f-d57550cc96cc" xsi:nil="true"/>
-    <AssetStart xmlns="4873beb7-5857-4685-be1f-d57550cc96cc">2013-01-21T12:05:00+00:00</AssetStart>
-    <Provider xmlns="4873beb7-5857-4685-be1f-d57550cc96cc" xsi:nil="true"/>
-    <AcquiredFrom xmlns="4873beb7-5857-4685-be1f-d57550cc96cc">Internal MS</AcquiredFrom>
-    <FriendlyTitle xmlns="4873beb7-5857-4685-be1f-d57550cc96cc" xsi:nil="true"/>
-    <LastHandOff xmlns="4873beb7-5857-4685-be1f-d57550cc96cc" xsi:nil="true"/>
-    <TPClientViewer xmlns="4873beb7-5857-4685-be1f-d57550cc96cc" xsi:nil="true"/>
-    <UACurrentWords xmlns="4873beb7-5857-4685-be1f-d57550cc96cc" xsi:nil="true"/>
-    <ArtSampleDocs xmlns="4873beb7-5857-4685-be1f-d57550cc96cc" xsi:nil="true"/>
-    <UALocRecommendation xmlns="4873beb7-5857-4685-be1f-d57550cc96cc">Localize</UALocRecommendation>
-    <Manager xmlns="4873beb7-5857-4685-be1f-d57550cc96cc" xsi:nil="true"/>
-    <ShowIn xmlns="4873beb7-5857-4685-be1f-d57550cc96cc">Show everywhere</ShowIn>
-    <UANotes xmlns="4873beb7-5857-4685-be1f-d57550cc96cc" xsi:nil="true"/>
-    <TemplateStatus xmlns="4873beb7-5857-4685-be1f-d57550cc96cc">Complete</TemplateStatus>
-    <InternalTagsTaxHTField0 xmlns="4873beb7-5857-4685-be1f-d57550cc96cc">
-      <Terms xmlns="http://schemas.microsoft.com/office/infopath/2007/PartnerControls"/>
-    </InternalTagsTaxHTField0>
-    <CSXHash xmlns="4873beb7-5857-4685-be1f-d57550cc96cc" xsi:nil="true"/>
-    <Downloads xmlns="4873beb7-5857-4685-be1f-d57550cc96cc">0</Downloads>
-    <VoteCount xmlns="4873beb7-5857-4685-be1f-d57550cc96cc" xsi:nil="true"/>
-    <OOCacheId xmlns="4873beb7-5857-4685-be1f-d57550cc96cc" xsi:nil="true"/>
-    <IsDeleted xmlns="4873beb7-5857-4685-be1f-d57550cc96cc">false</IsDeleted>
-    <AssetExpire xmlns="4873beb7-5857-4685-be1f-d57550cc96cc">2029-01-01T08:00:00+00:00</AssetExpire>
-    <DSATActionTaken xmlns="4873beb7-5857-4685-be1f-d57550cc96cc" xsi:nil="true"/>
-    <CSXSubmissionMarket xmlns="4873beb7-5857-4685-be1f-d57550cc96cc" xsi:nil="true"/>
-    <TPExecutable xmlns="4873beb7-5857-4685-be1f-d57550cc96cc" xsi:nil="true"/>
-    <SubmitterId xmlns="4873beb7-5857-4685-be1f-d57550cc96cc" xsi:nil="true"/>
-    <EditorialTags xmlns="4873beb7-5857-4685-be1f-d57550cc96cc" xsi:nil="true"/>
-    <AssetType xmlns="4873beb7-5857-4685-be1f-d57550cc96cc">TP</AssetType>
-    <BugNumber xmlns="4873beb7-5857-4685-be1f-d57550cc96cc" xsi:nil="true"/>
-    <CSXSubmissionDate xmlns="4873beb7-5857-4685-be1f-d57550cc96cc" xsi:nil="true"/>
-    <CSXUpdate xmlns="4873beb7-5857-4685-be1f-d57550cc96cc">false</CSXUpdate>
-    <ApprovalLog xmlns="4873beb7-5857-4685-be1f-d57550cc96cc" xsi:nil="true"/>
-    <Milestone xmlns="4873beb7-5857-4685-be1f-d57550cc96cc" xsi:nil="true"/>
-    <RecommendationsModifier xmlns="4873beb7-5857-4685-be1f-d57550cc96cc" xsi:nil="true"/>
-    <OriginAsset xmlns="4873beb7-5857-4685-be1f-d57550cc96cc" xsi:nil="true"/>
-    <TPComponent xmlns="4873beb7-5857-4685-be1f-d57550cc96cc" xsi:nil="true"/>
-    <AssetId xmlns="4873beb7-5857-4685-be1f-d57550cc96cc">TP104001550</AssetId>
-    <IntlLocPriority xmlns="4873beb7-5857-4685-be1f-d57550cc96cc" xsi:nil="true"/>
-    <PolicheckWords xmlns="4873beb7-5857-4685-be1f-d57550cc96cc" xsi:nil="true"/>
-    <TPLaunchHelpLink xmlns="4873beb7-5857-4685-be1f-d57550cc96cc" xsi:nil="true"/>
-    <TPApplication xmlns="4873beb7-5857-4685-be1f-d57550cc96cc" xsi:nil="true"/>
-    <CrawlForDependencies xmlns="4873beb7-5857-4685-be1f-d57550cc96cc">false</CrawlForDependencies>
-    <HandoffToMSDN xmlns="4873beb7-5857-4685-be1f-d57550cc96cc" xsi:nil="true"/>
-    <PlannedPubDate xmlns="4873beb7-5857-4685-be1f-d57550cc96cc" xsi:nil="true"/>
-    <IntlLangReviewer xmlns="4873beb7-5857-4685-be1f-d57550cc96cc" xsi:nil="true"/>
-    <TrustLevel xmlns="4873beb7-5857-4685-be1f-d57550cc96cc">1 Microsoft Managed Content</TrustLevel>
-    <LocLastLocAttemptVersionLookup xmlns="4873beb7-5857-4685-be1f-d57550cc96cc">875987</LocLastLocAttemptVersionLookup>
-    <IsSearchable xmlns="4873beb7-5857-4685-be1f-d57550cc96cc">true</IsSearchable>
-    <TemplateTemplateType xmlns="4873beb7-5857-4685-be1f-d57550cc96cc">PowerPoint Presentation Template</TemplateTemplateType>
-    <CampaignTagsTaxHTField0 xmlns="4873beb7-5857-4685-be1f-d57550cc96cc">
-      <Terms xmlns="http://schemas.microsoft.com/office/infopath/2007/PartnerControls"/>
-    </CampaignTagsTaxHTField0>
-    <TPNamespace xmlns="4873beb7-5857-4685-be1f-d57550cc96cc" xsi:nil="true"/>
-    <TaxCatchAll xmlns="4873beb7-5857-4685-be1f-d57550cc96cc"/>
-    <Markets xmlns="4873beb7-5857-4685-be1f-d57550cc96cc"/>
-    <UAProjectedTotalWords xmlns="4873beb7-5857-4685-be1f-d57550cc96cc" xsi:nil="true"/>
-    <LocMarketGroupTiers2 xmlns="4873beb7-5857-4685-be1f-d57550cc96cc" xsi:nil="true"/>
-    <IntlLangReview xmlns="4873beb7-5857-4685-be1f-d57550cc96cc">false</IntlLangReview>
-    <OutputCachingOn xmlns="4873beb7-5857-4685-be1f-d57550cc96cc">false</OutputCachingOn>
-    <AverageRating xmlns="4873beb7-5857-4685-be1f-d57550cc96cc" xsi:nil="true"/>
-    <APAuthor xmlns="4873beb7-5857-4685-be1f-d57550cc96cc">
-      <UserInfo>
-        <DisplayName>REDMOND\kristaa</DisplayName>
-        <AccountId>136</AccountId>
-        <AccountType/>
-      </UserInfo>
-    </APAuthor>
-    <LocManualTestRequired xmlns="4873beb7-5857-4685-be1f-d57550cc96cc">false</LocManualTestRequired>
-    <TPCommandLine xmlns="4873beb7-5857-4685-be1f-d57550cc96cc" xsi:nil="true"/>
-    <TPAppVersion xmlns="4873beb7-5857-4685-be1f-d57550cc96cc" xsi:nil="true"/>
-    <EditorialStatus xmlns="4873beb7-5857-4685-be1f-d57550cc96cc">Complete</EditorialStatus>
-    <LastModifiedDateTime xmlns="4873beb7-5857-4685-be1f-d57550cc96cc" xsi:nil="true"/>
-    <ScenarioTagsTaxHTField0 xmlns="4873beb7-5857-4685-be1f-d57550cc96cc">
-      <Terms xmlns="http://schemas.microsoft.com/office/infopath/2007/PartnerControls"/>
-    </ScenarioTagsTaxHTField0>
-    <OriginalRelease xmlns="4873beb7-5857-4685-be1f-d57550cc96cc">15</OriginalRelease>
-    <TPLaunchHelpLinkType xmlns="4873beb7-5857-4685-be1f-d57550cc96cc">Template</TPLaunchHelpLinkType>
-    <LocalizationTagsTaxHTField0 xmlns="4873beb7-5857-4685-be1f-d57550cc96cc">
-      <Terms xmlns="http://schemas.microsoft.com/office/infopath/2007/PartnerControls"/>
-    </LocalizationTagsTaxHTField0>
-  </documentManagement>
-</p:properties>
-</file>
-
 <file path=customXml/item3.xml><?xml version="1.0" encoding="utf-8"?>
 <?mso-contentType ?>
 <FormTemplates xmlns="http://schemas.microsoft.com/sharepoint/v3/contenttype/forms">
@@ -13185,6 +13193,16 @@
 </file>
 
 <file path=customXml/itemProps1.xml><?xml version="1.0" encoding="utf-8"?>
+<ds:datastoreItem xmlns:ds="http://schemas.openxmlformats.org/officeDocument/2006/customXml" ds:itemID="{A9F945EE-6400-432A-A9B1-179A0A2A37CE}">
+  <ds:schemaRefs>
+    <ds:schemaRef ds:uri="http://schemas.microsoft.com/office/2006/metadata/properties"/>
+    <ds:schemaRef ds:uri="http://schemas.microsoft.com/office/infopath/2007/PartnerControls"/>
+    <ds:schemaRef ds:uri="4873beb7-5857-4685-be1f-d57550cc96cc"/>
+  </ds:schemaRefs>
+</ds:datastoreItem>
+</file>
+
+<file path=customXml/itemProps2.xml><?xml version="1.0" encoding="utf-8"?>
 <ds:datastoreItem xmlns:ds="http://schemas.openxmlformats.org/officeDocument/2006/customXml" ds:itemID="{AF7E4019-AE58-4CAA-B67D-559F9FEEB202}">
   <ds:schemaRefs>
     <ds:schemaRef ds:uri="http://schemas.microsoft.com/office/2006/metadata/contentType"/>
@@ -13202,16 +13220,6 @@
 </ds:datastoreItem>
 </file>
 
-<file path=customXml/itemProps2.xml><?xml version="1.0" encoding="utf-8"?>
-<ds:datastoreItem xmlns:ds="http://schemas.openxmlformats.org/officeDocument/2006/customXml" ds:itemID="{A9F945EE-6400-432A-A9B1-179A0A2A37CE}">
-  <ds:schemaRefs>
-    <ds:schemaRef ds:uri="http://schemas.microsoft.com/office/2006/metadata/properties"/>
-    <ds:schemaRef ds:uri="http://schemas.microsoft.com/office/infopath/2007/PartnerControls"/>
-    <ds:schemaRef ds:uri="4873beb7-5857-4685-be1f-d57550cc96cc"/>
-  </ds:schemaRefs>
-</ds:datastoreItem>
-</file>
-
 <file path=customXml/itemProps3.xml><?xml version="1.0" encoding="utf-8"?>
 <ds:datastoreItem xmlns:ds="http://schemas.openxmlformats.org/officeDocument/2006/customXml" ds:itemID="{A1110015-E380-4C53-980C-698226C61CAC}">
   <ds:schemaRefs>
